--- a/poster/poster_GPsearch.pptx
+++ b/poster/poster_GPsearch.pptx
@@ -6,6 +6,7 @@
   </p:sldMasterIdLst>
   <p:sldIdLst>
     <p:sldId id="256" r:id="rId2"/>
+    <p:sldId id="257" r:id="rId3"/>
   </p:sldIdLst>
   <p:sldSz cx="30275213" cy="42803763"/>
   <p:notesSz cx="6858000" cy="9144000"/>
@@ -243,7 +244,7 @@
           <a:p>
             <a:fld id="{10EAD0CE-46D8-8C41-8069-A7415983EEF9}" type="datetimeFigureOut">
               <a:rPr lang="en-US" smtClean="0"/>
-              <a:t>8/6/18</a:t>
+              <a:t>8/7/18</a:t>
             </a:fld>
             <a:endParaRPr lang="en-US"/>
           </a:p>
@@ -408,7 +409,7 @@
           <a:p>
             <a:fld id="{10EAD0CE-46D8-8C41-8069-A7415983EEF9}" type="datetimeFigureOut">
               <a:rPr lang="en-US" smtClean="0"/>
-              <a:t>8/6/18</a:t>
+              <a:t>8/7/18</a:t>
             </a:fld>
             <a:endParaRPr lang="en-US"/>
           </a:p>
@@ -583,7 +584,7 @@
           <a:p>
             <a:fld id="{10EAD0CE-46D8-8C41-8069-A7415983EEF9}" type="datetimeFigureOut">
               <a:rPr lang="en-US" smtClean="0"/>
-              <a:t>8/6/18</a:t>
+              <a:t>8/7/18</a:t>
             </a:fld>
             <a:endParaRPr lang="en-US"/>
           </a:p>
@@ -748,7 +749,7 @@
           <a:p>
             <a:fld id="{10EAD0CE-46D8-8C41-8069-A7415983EEF9}" type="datetimeFigureOut">
               <a:rPr lang="en-US" smtClean="0"/>
-              <a:t>8/6/18</a:t>
+              <a:t>8/7/18</a:t>
             </a:fld>
             <a:endParaRPr lang="en-US"/>
           </a:p>
@@ -987,7 +988,7 @@
           <a:p>
             <a:fld id="{10EAD0CE-46D8-8C41-8069-A7415983EEF9}" type="datetimeFigureOut">
               <a:rPr lang="en-US" smtClean="0"/>
-              <a:t>8/6/18</a:t>
+              <a:t>8/7/18</a:t>
             </a:fld>
             <a:endParaRPr lang="en-US"/>
           </a:p>
@@ -1214,7 +1215,7 @@
           <a:p>
             <a:fld id="{10EAD0CE-46D8-8C41-8069-A7415983EEF9}" type="datetimeFigureOut">
               <a:rPr lang="en-US" smtClean="0"/>
-              <a:t>8/6/18</a:t>
+              <a:t>8/7/18</a:t>
             </a:fld>
             <a:endParaRPr lang="en-US"/>
           </a:p>
@@ -1576,7 +1577,7 @@
           <a:p>
             <a:fld id="{10EAD0CE-46D8-8C41-8069-A7415983EEF9}" type="datetimeFigureOut">
               <a:rPr lang="en-US" smtClean="0"/>
-              <a:t>8/6/18</a:t>
+              <a:t>8/7/18</a:t>
             </a:fld>
             <a:endParaRPr lang="en-US"/>
           </a:p>
@@ -1689,7 +1690,7 @@
           <a:p>
             <a:fld id="{10EAD0CE-46D8-8C41-8069-A7415983EEF9}" type="datetimeFigureOut">
               <a:rPr lang="en-US" smtClean="0"/>
-              <a:t>8/6/18</a:t>
+              <a:t>8/7/18</a:t>
             </a:fld>
             <a:endParaRPr lang="en-US"/>
           </a:p>
@@ -1779,7 +1780,7 @@
           <a:p>
             <a:fld id="{10EAD0CE-46D8-8C41-8069-A7415983EEF9}" type="datetimeFigureOut">
               <a:rPr lang="en-US" smtClean="0"/>
-              <a:t>8/6/18</a:t>
+              <a:t>8/7/18</a:t>
             </a:fld>
             <a:endParaRPr lang="en-US"/>
           </a:p>
@@ -2051,7 +2052,7 @@
           <a:p>
             <a:fld id="{10EAD0CE-46D8-8C41-8069-A7415983EEF9}" type="datetimeFigureOut">
               <a:rPr lang="en-US" smtClean="0"/>
-              <a:t>8/6/18</a:t>
+              <a:t>8/7/18</a:t>
             </a:fld>
             <a:endParaRPr lang="en-US"/>
           </a:p>
@@ -2303,7 +2304,7 @@
           <a:p>
             <a:fld id="{10EAD0CE-46D8-8C41-8069-A7415983EEF9}" type="datetimeFigureOut">
               <a:rPr lang="en-US" smtClean="0"/>
-              <a:t>8/6/18</a:t>
+              <a:t>8/7/18</a:t>
             </a:fld>
             <a:endParaRPr lang="en-US"/>
           </a:p>
@@ -2511,7 +2512,7 @@
           <a:p>
             <a:fld id="{10EAD0CE-46D8-8C41-8069-A7415983EEF9}" type="datetimeFigureOut">
               <a:rPr lang="en-US" smtClean="0"/>
-              <a:t>8/6/18</a:t>
+              <a:t>8/7/18</a:t>
             </a:fld>
             <a:endParaRPr lang="en-US"/>
           </a:p>
@@ -2940,13 +2941,18 @@
           <a:p>
             <a:pPr algn="ctr"/>
             <a:r>
-              <a:rPr lang="en-US" sz="8200" b="1" dirty="0">
+              <a:rPr lang="en-US" sz="8200" b="1" dirty="0" smtClean="0">
                 <a:solidFill>
                   <a:srgbClr val="03428E"/>
                 </a:solidFill>
               </a:rPr>
-              <a:t>Local Energies in Density Functional Theory by Machine Learning</a:t>
-            </a:r>
+              <a:t>Machine Learning based structure search</a:t>
+            </a:r>
+            <a:endParaRPr lang="en-US" sz="8200" b="1" dirty="0">
+              <a:solidFill>
+                <a:srgbClr val="03428E"/>
+              </a:solidFill>
+            </a:endParaRPr>
           </a:p>
         </p:txBody>
       </p:sp>
@@ -2959,7 +2965,7 @@
         <p:spPr>
           <a:xfrm>
             <a:off x="6096685" y="1936470"/>
-            <a:ext cx="18081841" cy="1832809"/>
+            <a:ext cx="18081841" cy="1310680"/>
           </a:xfrm>
           <a:prstGeom prst="rect">
             <a:avLst/>
@@ -2974,31 +2980,23 @@
           <a:p>
             <a:pPr algn="ctr"/>
             <a:r>
-              <a:rPr lang="en-US" sz="4524" u="sng" dirty="0"/>
-              <a:t>Thomas L. </a:t>
-            </a:r>
-            <a:r>
-              <a:rPr lang="en-US" sz="4524" u="sng" dirty="0" err="1"/>
-              <a:t>Jacobsen</a:t>
-            </a:r>
-            <a:r>
-              <a:rPr lang="en-US" sz="4524" u="sng" baseline="30000" dirty="0" err="1"/>
+              <a:rPr lang="en-US" sz="4524" u="sng" dirty="0" err="1" smtClean="0"/>
+              <a:t>Malthe</a:t>
+            </a:r>
+            <a:r>
+              <a:rPr lang="en-US" sz="4524" u="sng" dirty="0" smtClean="0"/>
+              <a:t> K. </a:t>
+            </a:r>
+            <a:r>
+              <a:rPr lang="en-US" sz="4524" u="sng" dirty="0" err="1" smtClean="0"/>
+              <a:t>Bisbo</a:t>
+            </a:r>
+            <a:r>
+              <a:rPr lang="en-US" sz="4524" u="sng" baseline="30000" dirty="0" err="1" smtClean="0"/>
               <a:t>a</a:t>
             </a:r>
             <a:r>
-              <a:rPr lang="en-US" sz="4524" dirty="0"/>
-              <a:t>, Mathias </a:t>
-            </a:r>
-            <a:r>
-              <a:rPr lang="en-US" sz="4524" dirty="0" err="1"/>
-              <a:t>Jørgensen</a:t>
-            </a:r>
-            <a:r>
-              <a:rPr lang="en-US" sz="4524" baseline="30000" dirty="0" err="1"/>
-              <a:t>b</a:t>
-            </a:r>
-            <a:r>
-              <a:rPr lang="en-US" sz="4524" dirty="0"/>
+              <a:rPr lang="en-US" sz="4524" dirty="0" smtClean="0"/>
               <a:t>, </a:t>
             </a:r>
             <a:r>
@@ -3023,23 +3021,13 @@
             <a:pPr algn="ctr"/>
             <a:r>
               <a:rPr lang="en-US" sz="3393" dirty="0"/>
-              <a:t>a Department of Physics and Astronomy, Aarhus University, Denmark</a:t>
-            </a:r>
-          </a:p>
-          <a:p>
-            <a:pPr algn="ctr"/>
-            <a:r>
-              <a:rPr lang="en-US" sz="3393" dirty="0"/>
-              <a:t>b Interdisciplinary Nanoscience Center (</a:t>
-            </a:r>
-            <a:r>
-              <a:rPr lang="en-US" sz="3393" dirty="0" err="1"/>
-              <a:t>iNANO</a:t>
-            </a:r>
-            <a:r>
-              <a:rPr lang="en-US" sz="3393" dirty="0"/>
-              <a:t>), Aarhus University, Denmark</a:t>
-            </a:r>
+              <a:t>a Department of Physics and Astronomy, Aarhus University, </a:t>
+            </a:r>
+            <a:r>
+              <a:rPr lang="en-US" sz="3393" dirty="0" smtClean="0"/>
+              <a:t>Denmark</a:t>
+            </a:r>
+            <a:endParaRPr lang="en-US" sz="3393" dirty="0"/>
           </a:p>
         </p:txBody>
       </p:sp>
@@ -3168,645 +3156,150 @@
         </p:nvGrpSpPr>
         <p:grpSpPr>
           <a:xfrm>
-            <a:off x="615265" y="8855588"/>
-            <a:ext cx="14299327" cy="17113211"/>
-            <a:chOff x="454817" y="4426743"/>
-            <a:chExt cx="9923751" cy="12708087"/>
+            <a:off x="613056" y="15198983"/>
+            <a:ext cx="14299327" cy="25450463"/>
+            <a:chOff x="454817" y="4503835"/>
+            <a:chExt cx="9923751" cy="12630995"/>
           </a:xfrm>
         </p:grpSpPr>
-        <mc:AlternateContent xmlns:mc="http://schemas.openxmlformats.org/markup-compatibility/2006" xmlns:a14="http://schemas.microsoft.com/office/drawing/2010/main">
-          <mc:Choice Requires="a14">
-            <p:sp>
-              <p:nvSpPr>
-                <p:cNvPr id="21" name="Rounded Rectangle 20"/>
-                <p:cNvSpPr/>
-                <p:nvPr/>
-              </p:nvSpPr>
-              <p:spPr>
-                <a:xfrm>
-                  <a:off x="454817" y="4784085"/>
-                  <a:ext cx="9923751" cy="12350745"/>
-                </a:xfrm>
-                <a:prstGeom prst="roundRect">
-                  <a:avLst>
-                    <a:gd name="adj" fmla="val 2726"/>
-                  </a:avLst>
-                </a:prstGeom>
-                <a:ln w="76200">
-                  <a:solidFill>
-                    <a:srgbClr val="03428E"/>
-                  </a:solidFill>
-                </a:ln>
-                <a:effectLst>
-                  <a:softEdge rad="0"/>
-                </a:effectLst>
-              </p:spPr>
-              <p:style>
-                <a:lnRef idx="2">
-                  <a:schemeClr val="accent6"/>
-                </a:lnRef>
-                <a:fillRef idx="1">
-                  <a:schemeClr val="lt1"/>
-                </a:fillRef>
-                <a:effectRef idx="0">
-                  <a:schemeClr val="accent6"/>
-                </a:effectRef>
-                <a:fontRef idx="minor">
-                  <a:schemeClr val="dk1"/>
-                </a:fontRef>
-              </p:style>
-              <p:txBody>
-                <a:bodyPr lIns="720000" tIns="540000" rIns="720000" bIns="360000" rtlCol="0" anchor="t"/>
-                <a:lstStyle/>
-                <a:p>
-                  <a:pPr algn="just">
-                    <a:spcAft>
-                      <a:spcPts val="1200"/>
-                    </a:spcAft>
-                  </a:pPr>
-                  <a:r>
-                    <a:rPr lang="en-US" sz="3600" dirty="0" smtClean="0"/>
-                    <a:t>Oganov’s fingerprint function is a feature, that is composed of a number of radial distribution functions for each atom in a given structure. To form a feature for a complete structure, the mean of all these atomic functions are used.</a:t>
-                  </a:r>
-                </a:p>
-                <a:p>
-                  <a:pPr algn="just">
-                    <a:spcAft>
-                      <a:spcPts val="1200"/>
-                    </a:spcAft>
-                  </a:pPr>
-                  <a14:m>
-                    <m:oMathPara xmlns:m="http://schemas.openxmlformats.org/officeDocument/2006/math">
-                      <m:oMathParaPr>
-                        <m:jc m:val="centerGroup"/>
-                      </m:oMathParaPr>
-                      <m:oMath xmlns:m="http://schemas.openxmlformats.org/officeDocument/2006/math">
-                        <m:sSub>
-                          <m:sSubPr>
-                            <m:ctrlPr>
-                              <a:rPr lang="en-GB" sz="3200" i="1">
-                                <a:latin typeface="Cambria Math" charset="0"/>
-                              </a:rPr>
-                            </m:ctrlPr>
-                          </m:sSubPr>
-                          <m:e>
-                            <m:r>
-                              <a:rPr lang="da-DK" sz="3200" i="1">
-                                <a:latin typeface="Cambria Math" charset="0"/>
-                              </a:rPr>
-                              <m:t>𝐹</m:t>
-                            </m:r>
-                          </m:e>
-                          <m:sub>
-                            <m:sSub>
-                              <m:sSubPr>
-                                <m:ctrlPr>
-                                  <a:rPr lang="en-GB" sz="3200" i="1">
-                                    <a:latin typeface="Cambria Math" charset="0"/>
-                                  </a:rPr>
-                                </m:ctrlPr>
-                              </m:sSubPr>
-                              <m:e>
-                                <m:r>
-                                  <a:rPr lang="da-DK" sz="3200" i="1">
-                                    <a:latin typeface="Cambria Math" charset="0"/>
-                                  </a:rPr>
-                                  <m:t>𝐴</m:t>
-                                </m:r>
-                              </m:e>
-                              <m:sub>
-                                <m:r>
-                                  <a:rPr lang="da-DK" sz="3200" i="1">
-                                    <a:latin typeface="Cambria Math" charset="0"/>
-                                  </a:rPr>
-                                  <m:t>𝑖</m:t>
-                                </m:r>
-                              </m:sub>
-                            </m:sSub>
-                            <m:r>
-                              <a:rPr lang="en-GB" sz="3200" i="1">
-                                <a:latin typeface="Cambria Math" charset="0"/>
-                              </a:rPr>
-                              <m:t>,</m:t>
-                            </m:r>
-                            <m:r>
-                              <a:rPr lang="da-DK" sz="3200" i="1">
-                                <a:latin typeface="Cambria Math" charset="0"/>
-                              </a:rPr>
-                              <m:t>𝐵</m:t>
-                            </m:r>
-                          </m:sub>
-                        </m:sSub>
-                        <m:d>
-                          <m:dPr>
-                            <m:ctrlPr>
-                              <a:rPr lang="en-GB" sz="3200" i="1">
-                                <a:latin typeface="Cambria Math" charset="0"/>
-                              </a:rPr>
-                            </m:ctrlPr>
-                          </m:dPr>
-                          <m:e>
-                            <m:r>
-                              <a:rPr lang="da-DK" sz="3200" i="1">
-                                <a:latin typeface="Cambria Math" charset="0"/>
-                              </a:rPr>
-                              <m:t>𝑅</m:t>
-                            </m:r>
-                          </m:e>
-                        </m:d>
-                        <m:r>
-                          <a:rPr lang="en-GB" sz="3200" i="1">
-                            <a:latin typeface="Cambria Math" charset="0"/>
-                          </a:rPr>
-                          <m:t>=</m:t>
-                        </m:r>
-                        <m:nary>
-                          <m:naryPr>
-                            <m:chr m:val="∑"/>
-                            <m:supHide m:val="on"/>
-                            <m:ctrlPr>
-                              <a:rPr lang="en-GB" sz="3200" i="1">
-                                <a:latin typeface="Cambria Math" charset="0"/>
-                              </a:rPr>
-                            </m:ctrlPr>
-                          </m:naryPr>
-                          <m:sub>
-                            <m:sSub>
-                              <m:sSubPr>
-                                <m:ctrlPr>
-                                  <a:rPr lang="en-GB" sz="3200" i="1">
-                                    <a:latin typeface="Cambria Math" charset="0"/>
-                                  </a:rPr>
-                                </m:ctrlPr>
-                              </m:sSubPr>
-                              <m:e>
-                                <m:r>
-                                  <a:rPr lang="da-DK" sz="3200" i="1">
-                                    <a:latin typeface="Cambria Math" charset="0"/>
-                                  </a:rPr>
-                                  <m:t>𝐵</m:t>
-                                </m:r>
-                              </m:e>
-                              <m:sub>
-                                <m:r>
-                                  <a:rPr lang="da-DK" sz="3200" i="1">
-                                    <a:latin typeface="Cambria Math" charset="0"/>
-                                  </a:rPr>
-                                  <m:t>𝑗</m:t>
-                                </m:r>
-                              </m:sub>
-                            </m:sSub>
-                          </m:sub>
-                          <m:sup/>
-                          <m:e>
-                            <m:f>
-                              <m:fPr>
-                                <m:ctrlPr>
-                                  <a:rPr lang="en-GB" sz="3200" i="1">
-                                    <a:latin typeface="Cambria Math" charset="0"/>
-                                  </a:rPr>
-                                </m:ctrlPr>
-                              </m:fPr>
-                              <m:num>
-                                <m:r>
-                                  <a:rPr lang="en-GB" sz="3200" i="1">
-                                    <a:latin typeface="Cambria Math" charset="0"/>
-                                  </a:rPr>
-                                  <m:t>𝛿</m:t>
-                                </m:r>
-                                <m:d>
-                                  <m:dPr>
-                                    <m:ctrlPr>
-                                      <a:rPr lang="en-GB" sz="3200" i="1">
-                                        <a:latin typeface="Cambria Math" charset="0"/>
-                                      </a:rPr>
-                                    </m:ctrlPr>
-                                  </m:dPr>
-                                  <m:e>
-                                    <m:r>
-                                      <a:rPr lang="da-DK" sz="3200" i="1">
-                                        <a:latin typeface="Cambria Math" charset="0"/>
-                                      </a:rPr>
-                                      <m:t>𝑅</m:t>
-                                    </m:r>
-                                    <m:r>
-                                      <a:rPr lang="en-GB" sz="3200" i="1">
-                                        <a:latin typeface="Cambria Math" charset="0"/>
-                                      </a:rPr>
-                                      <m:t>−</m:t>
-                                    </m:r>
-                                    <m:sSub>
-                                      <m:sSubPr>
-                                        <m:ctrlPr>
-                                          <a:rPr lang="en-GB" sz="3200" i="1">
-                                            <a:latin typeface="Cambria Math" charset="0"/>
-                                          </a:rPr>
-                                        </m:ctrlPr>
-                                      </m:sSubPr>
-                                      <m:e>
-                                        <m:r>
-                                          <a:rPr lang="da-DK" sz="3200" i="1">
-                                            <a:latin typeface="Cambria Math" charset="0"/>
-                                          </a:rPr>
-                                          <m:t>𝑅</m:t>
-                                        </m:r>
-                                      </m:e>
-                                      <m:sub>
-                                        <m:r>
-                                          <a:rPr lang="da-DK" sz="3200" i="1">
-                                            <a:latin typeface="Cambria Math" charset="0"/>
-                                          </a:rPr>
-                                          <m:t>𝑖𝑗</m:t>
-                                        </m:r>
-                                      </m:sub>
-                                    </m:sSub>
-                                  </m:e>
-                                </m:d>
-                              </m:num>
-                              <m:den>
-                                <m:r>
-                                  <a:rPr lang="en-GB" sz="3200" i="1">
-                                    <a:latin typeface="Cambria Math" charset="0"/>
-                                  </a:rPr>
-                                  <m:t>4</m:t>
-                                </m:r>
-                                <m:r>
-                                  <a:rPr lang="da-DK" sz="3200" i="1">
-                                    <a:latin typeface="Cambria Math" charset="0"/>
-                                  </a:rPr>
-                                  <m:t>𝜋</m:t>
-                                </m:r>
-                                <m:sSubSup>
-                                  <m:sSubSupPr>
-                                    <m:ctrlPr>
-                                      <a:rPr lang="en-GB" sz="3200" i="1">
-                                        <a:latin typeface="Cambria Math" charset="0"/>
-                                      </a:rPr>
-                                    </m:ctrlPr>
-                                  </m:sSubSupPr>
-                                  <m:e>
-                                    <m:r>
-                                      <a:rPr lang="da-DK" sz="3200" i="1">
-                                        <a:latin typeface="Cambria Math" charset="0"/>
-                                      </a:rPr>
-                                      <m:t>𝑅</m:t>
-                                    </m:r>
-                                  </m:e>
-                                  <m:sub>
-                                    <m:r>
-                                      <a:rPr lang="da-DK" sz="3200" i="1">
-                                        <a:latin typeface="Cambria Math" charset="0"/>
-                                      </a:rPr>
-                                      <m:t>𝑖𝑗</m:t>
-                                    </m:r>
-                                  </m:sub>
-                                  <m:sup>
-                                    <m:r>
-                                      <a:rPr lang="en-GB" sz="3200" i="1">
-                                        <a:latin typeface="Cambria Math" charset="0"/>
-                                      </a:rPr>
-                                      <m:t>2</m:t>
-                                    </m:r>
-                                  </m:sup>
-                                </m:sSubSup>
-                                <m:r>
-                                  <m:rPr>
-                                    <m:sty m:val="p"/>
-                                  </m:rPr>
-                                  <a:rPr lang="da-DK" sz="3200">
-                                    <a:latin typeface="Cambria Math" charset="0"/>
-                                  </a:rPr>
-                                  <m:t>Δ</m:t>
-                                </m:r>
-                              </m:den>
-                            </m:f>
-                          </m:e>
-                        </m:nary>
-                        <m:r>
-                          <a:rPr lang="en-GB" sz="3200" i="1">
-                            <a:latin typeface="Cambria Math" charset="0"/>
-                          </a:rPr>
-                          <m:t>,   </m:t>
-                        </m:r>
-                        <m:sSub>
-                          <m:sSubPr>
-                            <m:ctrlPr>
-                              <a:rPr lang="en-GB" sz="3200" i="1">
-                                <a:latin typeface="Cambria Math" charset="0"/>
-                              </a:rPr>
-                            </m:ctrlPr>
-                          </m:sSubPr>
-                          <m:e>
-                            <m:r>
-                              <a:rPr lang="da-DK" sz="3200" i="1">
-                                <a:latin typeface="Cambria Math" charset="0"/>
-                              </a:rPr>
-                              <m:t>𝐹</m:t>
-                            </m:r>
-                          </m:e>
-                          <m:sub>
-                            <m:r>
-                              <a:rPr lang="da-DK" sz="3200" i="1">
-                                <a:latin typeface="Cambria Math" charset="0"/>
-                              </a:rPr>
-                              <m:t>𝐴</m:t>
-                            </m:r>
-                            <m:r>
-                              <a:rPr lang="en-GB" sz="3200" i="1">
-                                <a:latin typeface="Cambria Math" charset="0"/>
-                              </a:rPr>
-                              <m:t>,</m:t>
-                            </m:r>
-                            <m:r>
-                              <a:rPr lang="da-DK" sz="3200" i="1">
-                                <a:latin typeface="Cambria Math" charset="0"/>
-                              </a:rPr>
-                              <m:t>𝐵</m:t>
-                            </m:r>
-                          </m:sub>
-                        </m:sSub>
-                        <m:d>
-                          <m:dPr>
-                            <m:ctrlPr>
-                              <a:rPr lang="en-GB" sz="3200" i="1">
-                                <a:latin typeface="Cambria Math" charset="0"/>
-                              </a:rPr>
-                            </m:ctrlPr>
-                          </m:dPr>
-                          <m:e>
-                            <m:r>
-                              <a:rPr lang="da-DK" sz="3200" i="1">
-                                <a:latin typeface="Cambria Math" charset="0"/>
-                              </a:rPr>
-                              <m:t>𝑅</m:t>
-                            </m:r>
-                          </m:e>
-                        </m:d>
-                        <m:r>
-                          <a:rPr lang="en-GB" sz="3200" i="1">
-                            <a:latin typeface="Cambria Math" charset="0"/>
-                          </a:rPr>
-                          <m:t>=</m:t>
-                        </m:r>
-                        <m:f>
-                          <m:fPr>
-                            <m:ctrlPr>
-                              <a:rPr lang="en-GB" sz="3200" i="1">
-                                <a:latin typeface="Cambria Math" charset="0"/>
-                              </a:rPr>
-                            </m:ctrlPr>
-                          </m:fPr>
-                          <m:num>
-                            <m:r>
-                              <a:rPr lang="da-DK" sz="3200" i="1">
-                                <a:latin typeface="Cambria Math" charset="0"/>
-                              </a:rPr>
-                              <m:t>𝑉</m:t>
-                            </m:r>
-                          </m:num>
-                          <m:den>
-                            <m:sSub>
-                              <m:sSubPr>
-                                <m:ctrlPr>
-                                  <a:rPr lang="en-GB" sz="3200" i="1">
-                                    <a:latin typeface="Cambria Math" charset="0"/>
-                                  </a:rPr>
-                                </m:ctrlPr>
-                              </m:sSubPr>
-                              <m:e>
-                                <m:r>
-                                  <a:rPr lang="da-DK" sz="3200" i="1">
-                                    <a:latin typeface="Cambria Math" charset="0"/>
-                                  </a:rPr>
-                                  <m:t>𝑁</m:t>
-                                </m:r>
-                              </m:e>
-                              <m:sub>
-                                <m:r>
-                                  <a:rPr lang="da-DK" sz="3200" i="1">
-                                    <a:latin typeface="Cambria Math" charset="0"/>
-                                  </a:rPr>
-                                  <m:t>𝐴</m:t>
-                                </m:r>
-                              </m:sub>
-                            </m:sSub>
-                            <m:sSub>
-                              <m:sSubPr>
-                                <m:ctrlPr>
-                                  <a:rPr lang="en-GB" sz="3200" i="1">
-                                    <a:latin typeface="Cambria Math" charset="0"/>
-                                  </a:rPr>
-                                </m:ctrlPr>
-                              </m:sSubPr>
-                              <m:e>
-                                <m:r>
-                                  <a:rPr lang="da-DK" sz="3200" i="1">
-                                    <a:latin typeface="Cambria Math" charset="0"/>
-                                  </a:rPr>
-                                  <m:t>𝑁</m:t>
-                                </m:r>
-                              </m:e>
-                              <m:sub>
-                                <m:r>
-                                  <a:rPr lang="da-DK" sz="3200" i="1">
-                                    <a:latin typeface="Cambria Math" charset="0"/>
-                                  </a:rPr>
-                                  <m:t>𝐵</m:t>
-                                </m:r>
-                              </m:sub>
-                            </m:sSub>
-                          </m:den>
-                        </m:f>
-                        <m:nary>
-                          <m:naryPr>
-                            <m:chr m:val="∑"/>
-                            <m:supHide m:val="on"/>
-                            <m:ctrlPr>
-                              <a:rPr lang="en-GB" sz="3200" i="1">
-                                <a:latin typeface="Cambria Math" charset="0"/>
-                              </a:rPr>
-                            </m:ctrlPr>
-                          </m:naryPr>
-                          <m:sub>
-                            <m:sSub>
-                              <m:sSubPr>
-                                <m:ctrlPr>
-                                  <a:rPr lang="en-GB" sz="3200" i="1">
-                                    <a:latin typeface="Cambria Math" charset="0"/>
-                                  </a:rPr>
-                                </m:ctrlPr>
-                              </m:sSubPr>
-                              <m:e>
-                                <m:r>
-                                  <a:rPr lang="da-DK" sz="3200" i="1">
-                                    <a:latin typeface="Cambria Math" charset="0"/>
-                                  </a:rPr>
-                                  <m:t>𝐴</m:t>
-                                </m:r>
-                              </m:e>
-                              <m:sub>
-                                <m:r>
-                                  <a:rPr lang="da-DK" sz="3200" i="1">
-                                    <a:latin typeface="Cambria Math" charset="0"/>
-                                  </a:rPr>
-                                  <m:t>𝑖</m:t>
-                                </m:r>
-                              </m:sub>
-                            </m:sSub>
-                          </m:sub>
-                          <m:sup/>
-                          <m:e>
-                            <m:sSub>
-                              <m:sSubPr>
-                                <m:ctrlPr>
-                                  <a:rPr lang="en-GB" sz="3200" i="1">
-                                    <a:latin typeface="Cambria Math" charset="0"/>
-                                  </a:rPr>
-                                </m:ctrlPr>
-                              </m:sSubPr>
-                              <m:e>
-                                <m:r>
-                                  <a:rPr lang="da-DK" sz="3200" i="1">
-                                    <a:latin typeface="Cambria Math" charset="0"/>
-                                  </a:rPr>
-                                  <m:t>𝐹</m:t>
-                                </m:r>
-                              </m:e>
-                              <m:sub>
-                                <m:sSub>
-                                  <m:sSubPr>
-                                    <m:ctrlPr>
-                                      <a:rPr lang="en-GB" sz="3200" i="1">
-                                        <a:latin typeface="Cambria Math" charset="0"/>
-                                      </a:rPr>
-                                    </m:ctrlPr>
-                                  </m:sSubPr>
-                                  <m:e>
-                                    <m:r>
-                                      <a:rPr lang="da-DK" sz="3200" i="1">
-                                        <a:latin typeface="Cambria Math" charset="0"/>
-                                      </a:rPr>
-                                      <m:t>𝐴</m:t>
-                                    </m:r>
-                                  </m:e>
-                                  <m:sub>
-                                    <m:r>
-                                      <a:rPr lang="da-DK" sz="3200" i="1">
-                                        <a:latin typeface="Cambria Math" charset="0"/>
-                                      </a:rPr>
-                                      <m:t>𝑖</m:t>
-                                    </m:r>
-                                  </m:sub>
-                                </m:sSub>
-                                <m:r>
-                                  <a:rPr lang="en-GB" sz="3200" i="1">
-                                    <a:latin typeface="Cambria Math" charset="0"/>
-                                  </a:rPr>
-                                  <m:t>,</m:t>
-                                </m:r>
-                                <m:r>
-                                  <a:rPr lang="da-DK" sz="3200" i="1">
-                                    <a:latin typeface="Cambria Math" charset="0"/>
-                                  </a:rPr>
-                                  <m:t>𝐵</m:t>
-                                </m:r>
-                              </m:sub>
-                            </m:sSub>
-                            <m:d>
-                              <m:dPr>
-                                <m:ctrlPr>
-                                  <a:rPr lang="en-GB" sz="3200" i="1">
-                                    <a:latin typeface="Cambria Math" charset="0"/>
-                                  </a:rPr>
-                                </m:ctrlPr>
-                              </m:dPr>
-                              <m:e>
-                                <m:r>
-                                  <a:rPr lang="da-DK" sz="3200" i="1">
-                                    <a:latin typeface="Cambria Math" charset="0"/>
-                                  </a:rPr>
-                                  <m:t>𝑅</m:t>
-                                </m:r>
-                              </m:e>
-                            </m:d>
-                          </m:e>
-                        </m:nary>
-                        <m:r>
-                          <a:rPr lang="en-GB" sz="3200" i="1">
-                            <a:latin typeface="Cambria Math" charset="0"/>
-                          </a:rPr>
-                          <m:t>−</m:t>
-                        </m:r>
-                        <m:r>
-                          <a:rPr lang="da-DK" sz="3200" b="0" i="1" smtClean="0">
-                            <a:latin typeface="Cambria Math" charset="0"/>
-                          </a:rPr>
-                          <m:t>1</m:t>
-                        </m:r>
-                      </m:oMath>
-                    </m:oMathPara>
-                  </a14:m>
-                  <a:endParaRPr lang="en-US" sz="3600" dirty="0" smtClean="0"/>
-                </a:p>
-                <a:p>
-                  <a:pPr algn="just"/>
-                  <a:r>
-                    <a:rPr lang="en-US" sz="3600" dirty="0" smtClean="0"/>
-                    <a:t>By subtracting the contribution from an atom, the resulting feature becomes identical to that of a structure missing that particular atom. In this way a number of features corresponding to the removal of each atom, can be calculated in roughly the same time it takes to calculate a single feature for the entire structure.</a:t>
-                  </a:r>
-                </a:p>
-              </p:txBody>
-            </p:sp>
-          </mc:Choice>
-          <mc:Fallback xmlns="">
-            <p:sp>
-              <p:nvSpPr>
-                <p:cNvPr id="21" name="Rounded Rectangle 20"/>
-                <p:cNvSpPr>
-                  <a:spLocks noRot="1" noChangeAspect="1" noMove="1" noResize="1" noEditPoints="1" noAdjustHandles="1" noChangeArrowheads="1" noChangeShapeType="1" noTextEdit="1"/>
-                </p:cNvSpPr>
-                <p:nvPr/>
-              </p:nvSpPr>
-              <p:spPr>
-                <a:xfrm>
-                  <a:off x="454817" y="4784085"/>
-                  <a:ext cx="9923751" cy="12350745"/>
-                </a:xfrm>
-                <a:prstGeom prst="roundRect">
-                  <a:avLst>
-                    <a:gd name="adj" fmla="val 2726"/>
-                  </a:avLst>
-                </a:prstGeom>
-                <a:blipFill rotWithShape="0">
-                  <a:blip r:embed="rId2"/>
-                  <a:stretch>
-                    <a:fillRect/>
-                  </a:stretch>
-                </a:blipFill>
-                <a:ln w="76200">
-                  <a:solidFill>
-                    <a:srgbClr val="03428E"/>
-                  </a:solidFill>
-                </a:ln>
-                <a:effectLst>
-                  <a:softEdge rad="0"/>
-                </a:effectLst>
-              </p:spPr>
-              <p:txBody>
-                <a:bodyPr/>
-                <a:lstStyle/>
-                <a:p>
-                  <a:r>
-                    <a:rPr lang="en-US">
-                      <a:noFill/>
-                    </a:rPr>
-                    <a:t> </a:t>
-                  </a:r>
-                </a:p>
-              </p:txBody>
-            </p:sp>
-          </mc:Fallback>
-        </mc:AlternateContent>
+        <p:sp>
+          <p:nvSpPr>
+            <p:cNvPr id="21" name="Rounded Rectangle 20"/>
+            <p:cNvSpPr/>
+            <p:nvPr/>
+          </p:nvSpPr>
+          <p:spPr>
+            <a:xfrm>
+              <a:off x="454817" y="4784085"/>
+              <a:ext cx="9923751" cy="12350745"/>
+            </a:xfrm>
+            <a:prstGeom prst="roundRect">
+              <a:avLst>
+                <a:gd name="adj" fmla="val 2726"/>
+              </a:avLst>
+            </a:prstGeom>
+            <a:ln w="76200">
+              <a:solidFill>
+                <a:srgbClr val="03428E"/>
+              </a:solidFill>
+            </a:ln>
+            <a:effectLst>
+              <a:softEdge rad="0"/>
+            </a:effectLst>
+          </p:spPr>
+          <p:style>
+            <a:lnRef idx="2">
+              <a:schemeClr val="accent6"/>
+            </a:lnRef>
+            <a:fillRef idx="1">
+              <a:schemeClr val="lt1"/>
+            </a:fillRef>
+            <a:effectRef idx="0">
+              <a:schemeClr val="accent6"/>
+            </a:effectRef>
+            <a:fontRef idx="minor">
+              <a:schemeClr val="dk1"/>
+            </a:fontRef>
+          </p:style>
+          <p:txBody>
+            <a:bodyPr lIns="720000" tIns="540000" rIns="720000" bIns="360000" rtlCol="0" anchor="t"/>
+            <a:lstStyle/>
+            <a:p>
+              <a:pPr algn="just">
+                <a:spcAft>
+                  <a:spcPts val="1200"/>
+                </a:spcAft>
+              </a:pPr>
+              <a:r>
+                <a:rPr lang="en-US" sz="3600" dirty="0" smtClean="0"/>
+                <a:t>The workflow of the method is most easily illustrated using a simple example. Consider therefore the following structure, which is constrained only to change according to the two coordinates x1 and x2.</a:t>
+              </a:r>
+            </a:p>
+            <a:p>
+              <a:pPr algn="just">
+                <a:spcAft>
+                  <a:spcPts val="1200"/>
+                </a:spcAft>
+              </a:pPr>
+              <a:endParaRPr lang="en-US" sz="3600" dirty="0" smtClean="0"/>
+            </a:p>
+            <a:p>
+              <a:pPr algn="just">
+                <a:spcAft>
+                  <a:spcPts val="1200"/>
+                </a:spcAft>
+              </a:pPr>
+              <a:endParaRPr lang="en-US" sz="3600" dirty="0"/>
+            </a:p>
+            <a:p>
+              <a:pPr algn="just">
+                <a:spcAft>
+                  <a:spcPts val="1200"/>
+                </a:spcAft>
+              </a:pPr>
+              <a:endParaRPr lang="en-US" sz="3600" dirty="0" smtClean="0"/>
+            </a:p>
+            <a:p>
+              <a:pPr algn="just">
+                <a:spcAft>
+                  <a:spcPts val="1200"/>
+                </a:spcAft>
+              </a:pPr>
+              <a:r>
+                <a:rPr lang="en-US" sz="3600" dirty="0" smtClean="0"/>
+                <a:t>This simple problem allows for a two-dimensional plot of the energy landscape.</a:t>
+              </a:r>
+            </a:p>
+            <a:p>
+              <a:pPr algn="just">
+                <a:spcAft>
+                  <a:spcPts val="1200"/>
+                </a:spcAft>
+              </a:pPr>
+              <a:r>
+                <a:rPr lang="en-US" sz="3600" dirty="0" smtClean="0"/>
+                <a:t>As illustrated below, each search iteration consists of:</a:t>
+              </a:r>
+            </a:p>
+            <a:p>
+              <a:pPr marL="742950" indent="-742950" algn="just">
+                <a:spcAft>
+                  <a:spcPts val="1200"/>
+                </a:spcAft>
+                <a:buAutoNum type="arabicParenR"/>
+              </a:pPr>
+              <a:r>
+                <a:rPr lang="en-US" sz="3600" dirty="0" smtClean="0"/>
+                <a:t>Train ML-model of the energy, based on all current data.</a:t>
+              </a:r>
+            </a:p>
+            <a:p>
+              <a:pPr marL="742950" indent="-742950" algn="just">
+                <a:spcAft>
+                  <a:spcPts val="1200"/>
+                </a:spcAft>
+                <a:buAutoNum type="arabicParenR"/>
+              </a:pPr>
+              <a:r>
+                <a:rPr lang="en-US" sz="3600" dirty="0" smtClean="0"/>
+                <a:t>Do an extended search in ML-energy landscape, to find multiple local minima structures. Continue with most promising of these.</a:t>
+              </a:r>
+            </a:p>
+            <a:p>
+              <a:pPr marL="742950" indent="-742950" algn="just">
+                <a:spcAft>
+                  <a:spcPts val="1200"/>
+                </a:spcAft>
+                <a:buAutoNum type="arabicParenR"/>
+              </a:pPr>
+              <a:r>
+                <a:rPr lang="en-US" sz="3600" dirty="0" smtClean="0"/>
+                <a:t>Do a single DFT calculation on structure from 2) and add to training data.</a:t>
+              </a:r>
+              <a:endParaRPr lang="en-US" sz="3600" dirty="0"/>
+            </a:p>
+          </p:txBody>
+        </p:sp>
         <p:sp>
           <p:nvSpPr>
             <p:cNvPr id="22" name="Rounded Rectangle 21"/>
@@ -3815,8 +3308,8 @@
           </p:nvSpPr>
           <p:spPr>
             <a:xfrm>
-              <a:off x="1165575" y="4426743"/>
-              <a:ext cx="8502227" cy="714687"/>
+              <a:off x="1165580" y="4503835"/>
+              <a:ext cx="8502227" cy="553315"/>
             </a:xfrm>
             <a:prstGeom prst="roundRect">
               <a:avLst>
@@ -3853,7 +3346,7 @@
               <a:pPr algn="ctr"/>
               <a:r>
                 <a:rPr lang="en-US" sz="5090" dirty="0" smtClean="0"/>
-                <a:t>Feature Vector Decomposition </a:t>
+                <a:t>ML-based structure search</a:t>
               </a:r>
               <a:endParaRPr lang="en-US" sz="5090" dirty="0"/>
             </a:p>
@@ -3868,14 +3361,14 @@
         </p:nvGrpSpPr>
         <p:grpSpPr>
           <a:xfrm>
-            <a:off x="15431268" y="3998311"/>
-            <a:ext cx="14299320" cy="13503679"/>
+            <a:off x="15431268" y="3475795"/>
+            <a:ext cx="14299320" cy="12816489"/>
             <a:chOff x="454817" y="4426743"/>
             <a:chExt cx="9923751" cy="9551187"/>
           </a:xfrm>
         </p:grpSpPr>
-        <mc:AlternateContent xmlns:mc="http://schemas.openxmlformats.org/markup-compatibility/2006" xmlns:a14="http://schemas.microsoft.com/office/drawing/2010/main">
-          <mc:Choice Requires="a14">
+        <mc:AlternateContent xmlns:mc="http://schemas.openxmlformats.org/markup-compatibility/2006">
+          <mc:Choice xmlns:a14="http://schemas.microsoft.com/office/drawing/2010/main" Requires="a14">
             <p:sp>
               <p:nvSpPr>
                 <p:cNvPr id="33" name="Rounded Rectangle 32"/>
@@ -3919,985 +3412,45 @@
                 <a:bodyPr lIns="720000" tIns="540000" rIns="720000" bIns="360000" rtlCol="0" anchor="t"/>
                 <a:lstStyle/>
                 <a:p>
-                  <a:pPr algn="just">
-                    <a:spcAft>
-                      <a:spcPts val="1200"/>
-                    </a:spcAft>
-                  </a:pPr>
+                  <a:pPr algn="just"/>
                   <a:r>
                     <a:rPr lang="en-US" sz="3600" dirty="0" smtClean="0"/>
-                    <a:t>Before local energies can be assigned to each individual atom of a structure, energy predictions must be made both for the complete structure, and for the structures that have had an atom removed. The assigned energy then corresponds to the difference in energy between  complete structure and one were the atom was removed.</a:t>
+                    <a:t>As the machine learning model used for energy and force predictions, Gaussian Process regression is used. This method has the advantage of being fast to train for moderate sized training sets and additionally allows for an analytic estimate of the energy prediction error </a:t>
                   </a:r>
-                </a:p>
-                <a:p>
-                  <a:pPr algn="just">
-                    <a:spcAft>
-                      <a:spcPts val="1200"/>
-                    </a:spcAft>
-                  </a:pPr>
                   <a14:m>
-                    <m:oMathPara xmlns:m="http://schemas.openxmlformats.org/officeDocument/2006/math">
-                      <m:oMathParaPr>
-                        <m:jc m:val="centerGroup"/>
-                      </m:oMathParaPr>
-                      <m:oMath xmlns:m="http://schemas.openxmlformats.org/officeDocument/2006/math">
-                        <m:sSub>
-                          <m:sSubPr>
-                            <m:ctrlPr>
-                              <a:rPr lang="en-GB" sz="3200" i="1">
-                                <a:latin typeface="Cambria Math" charset="0"/>
-                              </a:rPr>
-                            </m:ctrlPr>
-                          </m:sSubPr>
-                          <m:e>
-                            <m:r>
-                              <a:rPr lang="da-DK" sz="3200" i="1">
-                                <a:latin typeface="Cambria Math" charset="0"/>
-                              </a:rPr>
-                              <m:t>𝐸</m:t>
-                            </m:r>
-                          </m:e>
-                          <m:sub>
-                            <m:r>
-                              <a:rPr lang="da-DK" sz="3200" b="0" i="1" smtClean="0">
-                                <a:latin typeface="Cambria Math" charset="0"/>
-                              </a:rPr>
-                              <m:t>𝑎𝑡𝑜𝑚</m:t>
-                            </m:r>
-                          </m:sub>
-                        </m:sSub>
-                        <m:r>
-                          <a:rPr lang="en-GB" sz="3200" i="1">
-                            <a:latin typeface="Cambria Math" charset="0"/>
-                          </a:rPr>
-                          <m:t>=</m:t>
-                        </m:r>
-                        <m:sSub>
-                          <m:sSubPr>
-                            <m:ctrlPr>
-                              <a:rPr lang="en-GB" sz="3200" i="1">
-                                <a:latin typeface="Cambria Math" charset="0"/>
-                              </a:rPr>
-                            </m:ctrlPr>
-                          </m:sSubPr>
-                          <m:e>
-                            <m:r>
-                              <a:rPr lang="da-DK" sz="3200" i="1">
-                                <a:latin typeface="Cambria Math" charset="0"/>
-                              </a:rPr>
-                              <m:t>𝐸</m:t>
-                            </m:r>
-                          </m:e>
-                          <m:sub>
-                            <m:r>
-                              <a:rPr lang="da-DK" sz="3200" i="1">
-                                <a:latin typeface="Cambria Math" charset="0"/>
-                              </a:rPr>
-                              <m:t>𝑠𝑡𝑟𝑢𝑐𝑡</m:t>
-                            </m:r>
-                          </m:sub>
-                        </m:sSub>
-                        <m:r>
-                          <a:rPr lang="en-GB" sz="3200" i="1">
-                            <a:latin typeface="Cambria Math" charset="0"/>
-                          </a:rPr>
-                          <m:t>−</m:t>
-                        </m:r>
-                        <m:sSub>
-                          <m:sSubPr>
-                            <m:ctrlPr>
-                              <a:rPr lang="en-GB" sz="3200" i="1">
-                                <a:latin typeface="Cambria Math" charset="0"/>
-                              </a:rPr>
-                            </m:ctrlPr>
-                          </m:sSubPr>
-                          <m:e>
-                            <m:r>
-                              <a:rPr lang="da-DK" sz="3200" i="1">
-                                <a:latin typeface="Cambria Math" charset="0"/>
-                              </a:rPr>
-                              <m:t>𝐸</m:t>
-                            </m:r>
-                          </m:e>
-                          <m:sub>
-                            <m:r>
-                              <a:rPr lang="da-DK" sz="3200" b="0" i="1" smtClean="0">
-                                <a:latin typeface="Cambria Math" charset="0"/>
-                              </a:rPr>
-                              <m:t>𝑠𝑡𝑟𝑢𝑐𝑡</m:t>
-                            </m:r>
-                            <m:r>
-                              <a:rPr lang="da-DK" sz="3200" b="0" i="1" smtClean="0">
-                                <a:latin typeface="Cambria Math" charset="0"/>
-                              </a:rPr>
-                              <m:t>−</m:t>
-                            </m:r>
-                            <m:r>
-                              <a:rPr lang="da-DK" sz="3200" b="0" i="1" smtClean="0">
-                                <a:latin typeface="Cambria Math" charset="0"/>
-                              </a:rPr>
-                              <m:t>𝑎𝑡𝑜𝑚</m:t>
-                            </m:r>
-                          </m:sub>
-                        </m:sSub>
-                      </m:oMath>
-                    </m:oMathPara>
+                    <m:oMath xmlns:m="http://schemas.openxmlformats.org/officeDocument/2006/math">
+                      <m:r>
+                        <a:rPr lang="en-US" sz="3600" b="0" i="1" smtClean="0">
+                          <a:latin typeface="Cambria Math" charset="0"/>
+                        </a:rPr>
+                        <m:t>𝜎</m:t>
+                      </m:r>
+                      <m:d>
+                        <m:dPr>
+                          <m:ctrlPr>
+                            <a:rPr lang="en-US" sz="3600" b="1" i="1" smtClean="0">
+                              <a:latin typeface="Cambria Math" charset="0"/>
+                            </a:rPr>
+                          </m:ctrlPr>
+                        </m:dPr>
+                        <m:e>
+                          <m:r>
+                            <a:rPr lang="en-US" sz="3600" b="1" i="1" smtClean="0">
+                              <a:latin typeface="Cambria Math" charset="0"/>
+                            </a:rPr>
+                            <m:t>𝒙</m:t>
+                          </m:r>
+                        </m:e>
+                      </m:d>
+                    </m:oMath>
                   </a14:m>
-                  <a:endParaRPr lang="en-GB" sz="3600" dirty="0" smtClean="0"/>
-                </a:p>
-                <a:p>
-                  <a:pPr algn="just">
-                    <a:spcAft>
-                      <a:spcPts val="1200"/>
-                    </a:spcAft>
-                  </a:pPr>
                   <a:r>
-                    <a:rPr lang="en-GB" sz="3600" dirty="0" smtClean="0"/>
-                    <a:t>The resulting energies can then be used to determine which part of a structure, is the most unstable.</a:t>
+                    <a:rPr lang="en-US" sz="3600" b="1" dirty="0" smtClean="0"/>
+                    <a:t>.</a:t>
                   </a:r>
-                  <a:endParaRPr lang="en-GB" sz="3200" dirty="0"/>
-                </a:p>
-                <a:p>
-                  <a:pPr algn="just"/>
-                  <a:endParaRPr lang="en-US" sz="3600" dirty="0"/>
-                </a:p>
-              </p:txBody>
-            </p:sp>
-          </mc:Choice>
-          <mc:Fallback xmlns="">
-            <p:sp>
-              <p:nvSpPr>
-                <p:cNvPr id="33" name="Rounded Rectangle 32"/>
-                <p:cNvSpPr>
-                  <a:spLocks noRot="1" noChangeAspect="1" noMove="1" noResize="1" noEditPoints="1" noAdjustHandles="1" noChangeArrowheads="1" noChangeShapeType="1" noTextEdit="1"/>
-                </p:cNvSpPr>
-                <p:nvPr/>
-              </p:nvSpPr>
-              <p:spPr>
-                <a:xfrm>
-                  <a:off x="454817" y="4784087"/>
-                  <a:ext cx="9923751" cy="9193843"/>
-                </a:xfrm>
-                <a:prstGeom prst="roundRect">
-                  <a:avLst>
-                    <a:gd name="adj" fmla="val 4884"/>
-                  </a:avLst>
-                </a:prstGeom>
-                <a:blipFill rotWithShape="0">
-                  <a:blip r:embed="rId3"/>
-                  <a:stretch>
-                    <a:fillRect/>
-                  </a:stretch>
-                </a:blipFill>
-                <a:ln w="76200">
-                  <a:solidFill>
-                    <a:srgbClr val="03428E"/>
-                  </a:solidFill>
-                </a:ln>
-                <a:effectLst>
-                  <a:softEdge rad="0"/>
-                </a:effectLst>
-              </p:spPr>
-              <p:txBody>
-                <a:bodyPr/>
-                <a:lstStyle/>
-                <a:p>
                   <a:r>
-                    <a:rPr lang="en-US">
-                      <a:noFill/>
-                    </a:rPr>
-                    <a:t> </a:t>
-                  </a:r>
-                </a:p>
-              </p:txBody>
-            </p:sp>
-          </mc:Fallback>
-        </mc:AlternateContent>
-        <p:sp>
-          <p:nvSpPr>
-            <p:cNvPr id="34" name="Rounded Rectangle 33"/>
-            <p:cNvSpPr/>
-            <p:nvPr/>
-          </p:nvSpPr>
-          <p:spPr>
-            <a:xfrm>
-              <a:off x="1165575" y="4426743"/>
-              <a:ext cx="8502227" cy="714687"/>
-            </a:xfrm>
-            <a:prstGeom prst="roundRect">
-              <a:avLst>
-                <a:gd name="adj" fmla="val 25371"/>
-              </a:avLst>
-            </a:prstGeom>
-            <a:solidFill>
-              <a:srgbClr val="03428E"/>
-            </a:solidFill>
-            <a:ln>
-              <a:noFill/>
-            </a:ln>
-          </p:spPr>
-          <p:style>
-            <a:lnRef idx="2">
-              <a:schemeClr val="accent1">
-                <a:shade val="50000"/>
-              </a:schemeClr>
-            </a:lnRef>
-            <a:fillRef idx="1">
-              <a:schemeClr val="accent1"/>
-            </a:fillRef>
-            <a:effectRef idx="0">
-              <a:schemeClr val="accent1"/>
-            </a:effectRef>
-            <a:fontRef idx="minor">
-              <a:schemeClr val="lt1"/>
-            </a:fontRef>
-          </p:style>
-          <p:txBody>
-            <a:bodyPr rtlCol="0" anchor="ctr"/>
-            <a:lstStyle/>
-            <a:p>
-              <a:pPr algn="ctr"/>
-              <a:r>
-                <a:rPr lang="en-US" sz="5090" dirty="0"/>
-                <a:t>Local Energy Predictions</a:t>
-              </a:r>
-            </a:p>
-          </p:txBody>
-        </p:sp>
-      </p:grpSp>
-      <p:grpSp>
-        <p:nvGrpSpPr>
-          <p:cNvPr id="35" name="Group 34"/>
-          <p:cNvGrpSpPr/>
-          <p:nvPr/>
-        </p:nvGrpSpPr>
-        <p:grpSpPr>
-          <a:xfrm>
-            <a:off x="15431274" y="17721984"/>
-            <a:ext cx="14299320" cy="18960637"/>
-            <a:chOff x="454817" y="4197216"/>
-            <a:chExt cx="9923751" cy="13410909"/>
-          </a:xfrm>
-        </p:grpSpPr>
-        <p:sp>
-          <p:nvSpPr>
-            <p:cNvPr id="36" name="Rounded Rectangle 35"/>
-            <p:cNvSpPr/>
-            <p:nvPr/>
-          </p:nvSpPr>
-          <p:spPr>
-            <a:xfrm>
-              <a:off x="454817" y="4784088"/>
-              <a:ext cx="9923751" cy="12824037"/>
-            </a:xfrm>
-            <a:prstGeom prst="roundRect">
-              <a:avLst>
-                <a:gd name="adj" fmla="val 3833"/>
-              </a:avLst>
-            </a:prstGeom>
-            <a:ln w="76200">
-              <a:solidFill>
-                <a:srgbClr val="03428E"/>
-              </a:solidFill>
-            </a:ln>
-            <a:effectLst>
-              <a:softEdge rad="0"/>
-            </a:effectLst>
-          </p:spPr>
-          <p:style>
-            <a:lnRef idx="2">
-              <a:schemeClr val="accent6"/>
-            </a:lnRef>
-            <a:fillRef idx="1">
-              <a:schemeClr val="lt1"/>
-            </a:fillRef>
-            <a:effectRef idx="0">
-              <a:schemeClr val="accent6"/>
-            </a:effectRef>
-            <a:fontRef idx="minor">
-              <a:schemeClr val="dk1"/>
-            </a:fontRef>
-          </p:style>
-          <p:txBody>
-            <a:bodyPr lIns="720000" tIns="900000" rIns="720000" bIns="360000" rtlCol="0" anchor="t"/>
-            <a:lstStyle/>
-            <a:p>
-              <a:pPr algn="just"/>
-              <a:r>
-                <a:rPr lang="en-US" sz="3600" dirty="0" smtClean="0"/>
-                <a:t>The local energy measurements were tested in an evolutionary algorithm (EA) to see if the search of a global minimum structure for a TiO</a:t>
-              </a:r>
-              <a:r>
-                <a:rPr lang="en-US" sz="3600" baseline="-25000" dirty="0" smtClean="0"/>
-                <a:t>2</a:t>
-              </a:r>
-              <a:r>
-                <a:rPr lang="en-US" sz="3600" dirty="0" smtClean="0"/>
-                <a:t> surface could be accelerated. In the EA run a cut-and-splice operator was used to develop the population. This operation splits two parent structures into two parts each. Then the parts can be combined to form two potential offspring. Normally one of them is chosen randomly, but with local energies it is possible to predict which offspring is most likely to produce a good structure after relaxation. </a:t>
-              </a:r>
-              <a:endParaRPr lang="en-US" sz="3600" dirty="0"/>
-            </a:p>
-          </p:txBody>
-        </p:sp>
-        <p:sp>
-          <p:nvSpPr>
-            <p:cNvPr id="38" name="Rounded Rectangle 37"/>
-            <p:cNvSpPr/>
-            <p:nvPr/>
-          </p:nvSpPr>
-          <p:spPr>
-            <a:xfrm>
-              <a:off x="1165575" y="4197216"/>
-              <a:ext cx="8502227" cy="1173743"/>
-            </a:xfrm>
-            <a:prstGeom prst="roundRect">
-              <a:avLst>
-                <a:gd name="adj" fmla="val 25371"/>
-              </a:avLst>
-            </a:prstGeom>
-            <a:solidFill>
-              <a:srgbClr val="03428E"/>
-            </a:solidFill>
-            <a:ln>
-              <a:noFill/>
-            </a:ln>
-          </p:spPr>
-          <p:style>
-            <a:lnRef idx="2">
-              <a:schemeClr val="accent1">
-                <a:shade val="50000"/>
-              </a:schemeClr>
-            </a:lnRef>
-            <a:fillRef idx="1">
-              <a:schemeClr val="accent1"/>
-            </a:fillRef>
-            <a:effectRef idx="0">
-              <a:schemeClr val="accent1"/>
-            </a:effectRef>
-            <a:fontRef idx="minor">
-              <a:schemeClr val="lt1"/>
-            </a:fontRef>
-          </p:style>
-          <p:txBody>
-            <a:bodyPr rtlCol="0" anchor="ctr"/>
-            <a:lstStyle/>
-            <a:p>
-              <a:pPr algn="ctr"/>
-              <a:r>
-                <a:rPr lang="en-US" sz="5090" dirty="0"/>
-                <a:t>Testing The local Energies </a:t>
-              </a:r>
-              <a:r>
-                <a:rPr lang="en-US" sz="5090" dirty="0" smtClean="0"/>
-                <a:t>with </a:t>
-              </a:r>
-              <a:r>
-                <a:rPr lang="en-US" sz="5090" dirty="0"/>
-                <a:t>an</a:t>
-              </a:r>
-            </a:p>
-            <a:p>
-              <a:pPr algn="ctr"/>
-              <a:r>
-                <a:rPr lang="en-US" sz="5090" dirty="0"/>
-                <a:t>Evolutionary Algorithm </a:t>
-              </a:r>
-            </a:p>
-          </p:txBody>
-        </p:sp>
-      </p:grpSp>
-      <p:grpSp>
-        <p:nvGrpSpPr>
-          <p:cNvPr id="39" name="Group 38"/>
-          <p:cNvGrpSpPr/>
-          <p:nvPr/>
-        </p:nvGrpSpPr>
-        <p:grpSpPr>
-          <a:xfrm>
-            <a:off x="15431268" y="36902615"/>
-            <a:ext cx="14299320" cy="3835740"/>
-            <a:chOff x="454817" y="4426743"/>
-            <a:chExt cx="9923751" cy="2713029"/>
-          </a:xfrm>
-        </p:grpSpPr>
-        <p:sp>
-          <p:nvSpPr>
-            <p:cNvPr id="40" name="Rounded Rectangle 39"/>
-            <p:cNvSpPr/>
-            <p:nvPr/>
-          </p:nvSpPr>
-          <p:spPr>
-            <a:xfrm>
-              <a:off x="454817" y="4784088"/>
-              <a:ext cx="9923751" cy="2355684"/>
-            </a:xfrm>
-            <a:prstGeom prst="roundRect">
-              <a:avLst>
-                <a:gd name="adj" fmla="val 13656"/>
-              </a:avLst>
-            </a:prstGeom>
-            <a:ln w="76200">
-              <a:solidFill>
-                <a:srgbClr val="03428E"/>
-              </a:solidFill>
-            </a:ln>
-            <a:effectLst>
-              <a:softEdge rad="0"/>
-            </a:effectLst>
-          </p:spPr>
-          <p:style>
-            <a:lnRef idx="2">
-              <a:schemeClr val="accent6"/>
-            </a:lnRef>
-            <a:fillRef idx="1">
-              <a:schemeClr val="lt1"/>
-            </a:fillRef>
-            <a:effectRef idx="0">
-              <a:schemeClr val="accent6"/>
-            </a:effectRef>
-            <a:fontRef idx="minor">
-              <a:schemeClr val="dk1"/>
-            </a:fontRef>
-          </p:style>
-          <p:txBody>
-            <a:bodyPr lIns="720000" tIns="540000" rIns="720000" bIns="360000" rtlCol="0" anchor="t"/>
-            <a:lstStyle/>
-            <a:p>
-              <a:pPr algn="just"/>
-              <a:r>
-                <a:rPr lang="en-US" sz="3600" dirty="0" smtClean="0"/>
-                <a:t>Local energies obtained using kernel ridge regression can provide useful information on which parts of a structure that are most stable. It has specifically been shown to accelerate EA runs, and can even be used on-the-fly.</a:t>
-              </a:r>
-              <a:endParaRPr lang="en-US" sz="3600" dirty="0"/>
-            </a:p>
-          </p:txBody>
-        </p:sp>
-        <p:sp>
-          <p:nvSpPr>
-            <p:cNvPr id="41" name="Rounded Rectangle 40"/>
-            <p:cNvSpPr/>
-            <p:nvPr/>
-          </p:nvSpPr>
-          <p:spPr>
-            <a:xfrm>
-              <a:off x="1165575" y="4426743"/>
-              <a:ext cx="8502227" cy="714687"/>
-            </a:xfrm>
-            <a:prstGeom prst="roundRect">
-              <a:avLst>
-                <a:gd name="adj" fmla="val 25371"/>
-              </a:avLst>
-            </a:prstGeom>
-            <a:solidFill>
-              <a:srgbClr val="03428E"/>
-            </a:solidFill>
-            <a:ln>
-              <a:noFill/>
-            </a:ln>
-          </p:spPr>
-          <p:style>
-            <a:lnRef idx="2">
-              <a:schemeClr val="accent1">
-                <a:shade val="50000"/>
-              </a:schemeClr>
-            </a:lnRef>
-            <a:fillRef idx="1">
-              <a:schemeClr val="accent1"/>
-            </a:fillRef>
-            <a:effectRef idx="0">
-              <a:schemeClr val="accent1"/>
-            </a:effectRef>
-            <a:fontRef idx="minor">
-              <a:schemeClr val="lt1"/>
-            </a:fontRef>
-          </p:style>
-          <p:txBody>
-            <a:bodyPr rtlCol="0" anchor="ctr"/>
-            <a:lstStyle/>
-            <a:p>
-              <a:pPr algn="ctr"/>
-              <a:r>
-                <a:rPr lang="en-US" sz="5090" dirty="0" smtClean="0"/>
-                <a:t>Conclusion</a:t>
-              </a:r>
-              <a:endParaRPr lang="en-US" sz="5090" dirty="0"/>
-            </a:p>
-          </p:txBody>
-        </p:sp>
-      </p:grpSp>
-      <p:pic>
-        <p:nvPicPr>
-          <p:cNvPr id="37" name="Picture 36" descr="alt-logo-t-003d85-en.pdf"/>
-          <p:cNvPicPr>
-            <a:picLocks noChangeAspect="1"/>
-          </p:cNvPicPr>
-          <p:nvPr/>
-        </p:nvPicPr>
-        <p:blipFill rotWithShape="1">
-          <a:blip r:embed="rId4">
-            <a:extLst>
-              <a:ext uri="{28A0092B-C50C-407E-A947-70E740481C1C}">
-                <a14:useLocalDpi xmlns:a14="http://schemas.microsoft.com/office/drawing/2010/main" val="0"/>
-              </a:ext>
-            </a:extLst>
-          </a:blip>
-          <a:srcRect r="62275" b="40021"/>
-          <a:stretch/>
-        </p:blipFill>
-        <p:spPr>
-          <a:xfrm>
-            <a:off x="1073664" y="40958349"/>
-            <a:ext cx="6312223" cy="1519655"/>
-          </a:xfrm>
-          <a:prstGeom prst="rect">
-            <a:avLst/>
-          </a:prstGeom>
-        </p:spPr>
-      </p:pic>
-      <p:pic>
-        <p:nvPicPr>
-          <p:cNvPr id="42" name="Picture 41" descr="inano_pos.eps.pdf"/>
-          <p:cNvPicPr>
-            <a:picLocks noChangeAspect="1"/>
-          </p:cNvPicPr>
-          <p:nvPr/>
-        </p:nvPicPr>
-        <p:blipFill>
-          <a:blip r:embed="rId5">
-            <a:extLst>
-              <a:ext uri="{28A0092B-C50C-407E-A947-70E740481C1C}">
-                <a14:useLocalDpi xmlns:a14="http://schemas.microsoft.com/office/drawing/2010/main" val="0"/>
-              </a:ext>
-            </a:extLst>
-          </a:blip>
-          <a:stretch>
-            <a:fillRect/>
-          </a:stretch>
-        </p:blipFill>
-        <p:spPr>
-          <a:xfrm>
-            <a:off x="25238371" y="40958348"/>
-            <a:ext cx="4109492" cy="1519655"/>
-          </a:xfrm>
-          <a:prstGeom prst="rect">
-            <a:avLst/>
-          </a:prstGeom>
-        </p:spPr>
-      </p:pic>
-      <p:grpSp>
-        <p:nvGrpSpPr>
-          <p:cNvPr id="29" name="Group 28"/>
-          <p:cNvGrpSpPr/>
-          <p:nvPr/>
-        </p:nvGrpSpPr>
-        <p:grpSpPr>
-          <a:xfrm>
-            <a:off x="1073664" y="16769727"/>
-            <a:ext cx="13476124" cy="8538726"/>
-            <a:chOff x="1098188" y="19477011"/>
-            <a:chExt cx="13476124" cy="8538726"/>
-          </a:xfrm>
-        </p:grpSpPr>
-        <p:grpSp>
-          <p:nvGrpSpPr>
-            <p:cNvPr id="27" name="Group 26"/>
-            <p:cNvGrpSpPr/>
-            <p:nvPr/>
-          </p:nvGrpSpPr>
-          <p:grpSpPr>
-            <a:xfrm>
-              <a:off x="1098188" y="19477011"/>
-              <a:ext cx="13476124" cy="7202363"/>
-              <a:chOff x="1098188" y="19477011"/>
-              <a:chExt cx="13476124" cy="7202363"/>
-            </a:xfrm>
-          </p:grpSpPr>
-          <p:pic>
-            <p:nvPicPr>
-              <p:cNvPr id="26" name="Picture 25"/>
-              <p:cNvPicPr>
-                <a:picLocks noChangeAspect="1"/>
-              </p:cNvPicPr>
-              <p:nvPr/>
-            </p:nvPicPr>
-            <p:blipFill>
-              <a:blip r:embed="rId6">
-                <a:extLst>
-                  <a:ext uri="{28A0092B-C50C-407E-A947-70E740481C1C}">
-                    <a14:useLocalDpi xmlns:a14="http://schemas.microsoft.com/office/drawing/2010/main" val="0"/>
-                  </a:ext>
-                </a:extLst>
-              </a:blip>
-              <a:stretch>
-                <a:fillRect/>
-              </a:stretch>
-            </p:blipFill>
-            <p:spPr>
-              <a:xfrm>
-                <a:off x="6171555" y="19477011"/>
-                <a:ext cx="8402757" cy="7202363"/>
-              </a:xfrm>
-              <a:prstGeom prst="rect">
-                <a:avLst/>
-              </a:prstGeom>
-            </p:spPr>
-          </p:pic>
-          <p:grpSp>
-            <p:nvGrpSpPr>
-              <p:cNvPr id="18" name="Group 17"/>
-              <p:cNvGrpSpPr/>
-              <p:nvPr/>
-            </p:nvGrpSpPr>
-            <p:grpSpPr>
-              <a:xfrm>
-                <a:off x="1098188" y="19896400"/>
-                <a:ext cx="5073367" cy="6049407"/>
-                <a:chOff x="1278349" y="20581510"/>
-                <a:chExt cx="5073367" cy="6049407"/>
-              </a:xfrm>
-            </p:grpSpPr>
-            <p:pic>
-              <p:nvPicPr>
-                <p:cNvPr id="6" name="Picture 5"/>
-                <p:cNvPicPr>
-                  <a:picLocks noChangeAspect="1"/>
-                </p:cNvPicPr>
-                <p:nvPr/>
-              </p:nvPicPr>
-              <p:blipFill rotWithShape="1">
-                <a:blip r:embed="rId7">
-                  <a:extLst>
-                    <a:ext uri="{28A0092B-C50C-407E-A947-70E740481C1C}">
-                      <a14:useLocalDpi xmlns:a14="http://schemas.microsoft.com/office/drawing/2010/main" val="0"/>
-                    </a:ext>
-                  </a:extLst>
-                </a:blip>
-                <a:srcRect l="12613" t="30699" r="10034" b="30686"/>
-                <a:stretch/>
-              </p:blipFill>
-              <p:spPr>
-                <a:xfrm>
-                  <a:off x="1278349" y="24110660"/>
-                  <a:ext cx="5048802" cy="2520257"/>
-                </a:xfrm>
-                <a:prstGeom prst="rect">
-                  <a:avLst/>
-                </a:prstGeom>
-                <a:ln w="19050">
-                  <a:solidFill>
-                    <a:schemeClr val="tx1"/>
-                  </a:solidFill>
-                </a:ln>
-              </p:spPr>
-            </p:pic>
-            <p:pic>
-              <p:nvPicPr>
-                <p:cNvPr id="5" name="Picture 4"/>
-                <p:cNvPicPr>
-                  <a:picLocks noChangeAspect="1"/>
-                </p:cNvPicPr>
-                <p:nvPr/>
-              </p:nvPicPr>
-              <p:blipFill rotWithShape="1">
-                <a:blip r:embed="rId8">
-                  <a:extLst>
-                    <a:ext uri="{28A0092B-C50C-407E-A947-70E740481C1C}">
-                      <a14:useLocalDpi xmlns:a14="http://schemas.microsoft.com/office/drawing/2010/main" val="0"/>
-                    </a:ext>
-                  </a:extLst>
-                </a:blip>
-                <a:srcRect l="12701" t="29113" r="10195" b="29270"/>
-                <a:stretch/>
-              </p:blipFill>
-              <p:spPr>
-                <a:xfrm>
-                  <a:off x="1302915" y="20581510"/>
-                  <a:ext cx="5048801" cy="2725253"/>
-                </a:xfrm>
-                <a:prstGeom prst="rect">
-                  <a:avLst/>
-                </a:prstGeom>
-                <a:noFill/>
-                <a:ln w="19050">
-                  <a:solidFill>
-                    <a:schemeClr val="tx1"/>
-                  </a:solidFill>
-                </a:ln>
-              </p:spPr>
-            </p:pic>
-          </p:grpSp>
-        </p:grpSp>
-        <p:sp>
-          <p:nvSpPr>
-            <p:cNvPr id="28" name="TextBox 27"/>
-            <p:cNvSpPr txBox="1"/>
-            <p:nvPr/>
-          </p:nvSpPr>
-          <p:spPr>
-            <a:xfrm>
-              <a:off x="1218167" y="26630742"/>
-              <a:ext cx="12884727" cy="1384995"/>
-            </a:xfrm>
-            <a:prstGeom prst="rect">
-              <a:avLst/>
-            </a:prstGeom>
-            <a:noFill/>
-          </p:spPr>
-          <p:txBody>
-            <a:bodyPr wrap="square" rtlCol="0">
-              <a:spAutoFit/>
-            </a:bodyPr>
-            <a:lstStyle/>
-            <a:p>
-              <a:pPr algn="just"/>
-              <a:r>
-                <a:rPr lang="en-US" sz="2800" b="1" dirty="0" smtClean="0"/>
-                <a:t>Top left:</a:t>
-              </a:r>
-              <a:r>
-                <a:rPr lang="en-US" sz="2800" dirty="0" smtClean="0"/>
-                <a:t> Side view of a TiO</a:t>
-              </a:r>
-              <a:r>
-                <a:rPr lang="en-US" sz="2800" baseline="-25000" dirty="0" smtClean="0"/>
-                <a:t>2</a:t>
-              </a:r>
-              <a:r>
-                <a:rPr lang="en-US" sz="2800" dirty="0" smtClean="0"/>
-                <a:t> surface. </a:t>
-              </a:r>
-              <a:r>
-                <a:rPr lang="en-US" sz="2800" b="1" dirty="0" smtClean="0"/>
-                <a:t>Bottom left:</a:t>
-              </a:r>
-              <a:r>
-                <a:rPr lang="en-US" sz="2800" dirty="0" smtClean="0"/>
-                <a:t> Top view of the same TiO</a:t>
-              </a:r>
-              <a:r>
-                <a:rPr lang="en-US" sz="2800" baseline="-25000" dirty="0" smtClean="0"/>
-                <a:t>2</a:t>
-              </a:r>
-              <a:r>
-                <a:rPr lang="en-US" sz="2800" dirty="0" smtClean="0"/>
-                <a:t> surface. Note that the unit cell is repeated twice in the image. </a:t>
-              </a:r>
-              <a:r>
-                <a:rPr lang="en-US" sz="2800" b="1" dirty="0" smtClean="0"/>
-                <a:t>Right: </a:t>
-              </a:r>
-              <a:r>
-                <a:rPr lang="en-US" sz="2800" dirty="0" smtClean="0"/>
-                <a:t>Local features for the three atoms with matching colors.</a:t>
-              </a:r>
-              <a:endParaRPr lang="en-US" sz="2800" b="1" dirty="0"/>
-            </a:p>
-          </p:txBody>
-        </p:sp>
-      </p:grpSp>
-      <p:grpSp>
-        <p:nvGrpSpPr>
-          <p:cNvPr id="46" name="Group 45"/>
-          <p:cNvGrpSpPr/>
-          <p:nvPr/>
-        </p:nvGrpSpPr>
-        <p:grpSpPr>
-          <a:xfrm>
-            <a:off x="16295665" y="10564908"/>
-            <a:ext cx="12975305" cy="6401159"/>
-            <a:chOff x="16814800" y="10720078"/>
-            <a:chExt cx="12975305" cy="6401159"/>
-          </a:xfrm>
-        </p:grpSpPr>
-        <p:grpSp>
-          <p:nvGrpSpPr>
-            <p:cNvPr id="44" name="Group 43"/>
-            <p:cNvGrpSpPr/>
-            <p:nvPr/>
-          </p:nvGrpSpPr>
-          <p:grpSpPr>
-            <a:xfrm>
-              <a:off x="16814800" y="10720078"/>
-              <a:ext cx="12975305" cy="5607105"/>
-              <a:chOff x="17285094" y="9550246"/>
-              <a:chExt cx="12975305" cy="5607105"/>
-            </a:xfrm>
-          </p:grpSpPr>
-          <p:pic>
-            <p:nvPicPr>
-              <p:cNvPr id="12" name="Picture 11"/>
-              <p:cNvPicPr>
-                <a:picLocks noChangeAspect="1"/>
-              </p:cNvPicPr>
-              <p:nvPr/>
-            </p:nvPicPr>
-            <p:blipFill rotWithShape="1">
-              <a:blip r:embed="rId9">
-                <a:extLst>
-                  <a:ext uri="{28A0092B-C50C-407E-A947-70E740481C1C}">
-                    <a14:useLocalDpi xmlns:a14="http://schemas.microsoft.com/office/drawing/2010/main" val="0"/>
-                  </a:ext>
-                </a:extLst>
-              </a:blip>
-              <a:srcRect l="1283" t="4819" r="21514" b="4850"/>
-              <a:stretch/>
-            </p:blipFill>
-            <p:spPr>
-              <a:xfrm>
-                <a:off x="17285094" y="9822204"/>
-                <a:ext cx="10150062" cy="5063190"/>
-              </a:xfrm>
-              <a:prstGeom prst="rect">
-                <a:avLst/>
-              </a:prstGeom>
-              <a:ln w="19050">
-                <a:solidFill>
-                  <a:schemeClr val="tx1"/>
-                </a:solidFill>
-              </a:ln>
-            </p:spPr>
-          </p:pic>
-          <p:pic>
-            <p:nvPicPr>
-              <p:cNvPr id="43" name="Picture 42"/>
-              <p:cNvPicPr>
-                <a:picLocks noChangeAspect="1"/>
-              </p:cNvPicPr>
-              <p:nvPr/>
-            </p:nvPicPr>
-            <p:blipFill rotWithShape="1">
-              <a:blip r:embed="rId10">
-                <a:extLst>
-                  <a:ext uri="{28A0092B-C50C-407E-A947-70E740481C1C}">
-                    <a14:useLocalDpi xmlns:a14="http://schemas.microsoft.com/office/drawing/2010/main" val="0"/>
-                  </a:ext>
-                </a:extLst>
-              </a:blip>
-              <a:srcRect l="79543"/>
-              <a:stretch/>
-            </p:blipFill>
-            <p:spPr>
-              <a:xfrm>
-                <a:off x="27569820" y="9550246"/>
-                <a:ext cx="2690579" cy="5607105"/>
-              </a:xfrm>
-              <a:prstGeom prst="rect">
-                <a:avLst/>
-              </a:prstGeom>
-            </p:spPr>
-          </p:pic>
-        </p:grpSp>
-        <p:sp>
-          <p:nvSpPr>
-            <p:cNvPr id="45" name="TextBox 44"/>
-            <p:cNvSpPr txBox="1"/>
-            <p:nvPr/>
-          </p:nvSpPr>
-          <p:spPr>
-            <a:xfrm>
-              <a:off x="16974548" y="16167130"/>
-              <a:ext cx="9990314" cy="954107"/>
-            </a:xfrm>
-            <a:prstGeom prst="rect">
-              <a:avLst/>
-            </a:prstGeom>
-            <a:noFill/>
-          </p:spPr>
-          <p:txBody>
-            <a:bodyPr wrap="square" rtlCol="0">
-              <a:spAutoFit/>
-            </a:bodyPr>
-            <a:lstStyle/>
-            <a:p>
-              <a:pPr algn="just"/>
-              <a:r>
-                <a:rPr lang="en-US" sz="2800" dirty="0" smtClean="0"/>
-                <a:t>A TiO</a:t>
-              </a:r>
-              <a:r>
-                <a:rPr lang="en-US" sz="2800" baseline="-25000" dirty="0" smtClean="0"/>
-                <a:t>2</a:t>
-              </a:r>
-              <a:r>
-                <a:rPr lang="en-US" sz="2800" dirty="0" smtClean="0"/>
-                <a:t> surface with local energies represented by colors. The least favorable atoms have the brightest colors.</a:t>
-              </a:r>
-              <a:endParaRPr lang="en-US" sz="2800" dirty="0"/>
-            </a:p>
-          </p:txBody>
-        </p:sp>
-      </p:grpSp>
-      <p:grpSp>
-        <p:nvGrpSpPr>
-          <p:cNvPr id="23" name="Group 22"/>
-          <p:cNvGrpSpPr/>
-          <p:nvPr/>
-        </p:nvGrpSpPr>
-        <p:grpSpPr>
-          <a:xfrm>
-            <a:off x="615265" y="26432857"/>
-            <a:ext cx="14299327" cy="14305498"/>
-            <a:chOff x="454817" y="4426743"/>
-            <a:chExt cx="9923751" cy="10439721"/>
-          </a:xfrm>
-        </p:grpSpPr>
-        <mc:AlternateContent xmlns:mc="http://schemas.openxmlformats.org/markup-compatibility/2006" xmlns:a14="http://schemas.microsoft.com/office/drawing/2010/main">
-          <mc:Choice Requires="a14">
-            <p:sp>
-              <p:nvSpPr>
-                <p:cNvPr id="24" name="Rounded Rectangle 23"/>
-                <p:cNvSpPr/>
-                <p:nvPr/>
-              </p:nvSpPr>
-              <p:spPr>
-                <a:xfrm>
-                  <a:off x="454817" y="4784087"/>
-                  <a:ext cx="9923751" cy="10082377"/>
-                </a:xfrm>
-                <a:prstGeom prst="roundRect">
-                  <a:avLst>
-                    <a:gd name="adj" fmla="val 3892"/>
-                  </a:avLst>
-                </a:prstGeom>
-                <a:ln w="76200">
-                  <a:solidFill>
-                    <a:srgbClr val="03428E"/>
-                  </a:solidFill>
-                </a:ln>
-                <a:effectLst>
-                  <a:softEdge rad="0"/>
-                </a:effectLst>
-              </p:spPr>
-              <p:style>
-                <a:lnRef idx="2">
-                  <a:schemeClr val="accent6"/>
-                </a:lnRef>
-                <a:fillRef idx="1">
-                  <a:schemeClr val="lt1"/>
-                </a:fillRef>
-                <a:effectRef idx="0">
-                  <a:schemeClr val="accent6"/>
-                </a:effectRef>
-                <a:fontRef idx="minor">
-                  <a:schemeClr val="dk1"/>
-                </a:fontRef>
-              </p:style>
-              <p:txBody>
-                <a:bodyPr lIns="720000" tIns="540000" rIns="720000" bIns="360000" rtlCol="0" anchor="t"/>
-                <a:lstStyle/>
-                <a:p>
-                  <a:pPr algn="just">
-                    <a:spcAft>
-                      <a:spcPts val="1200"/>
-                    </a:spcAft>
-                  </a:pPr>
-                  <a:r>
-                    <a:rPr lang="en-US" sz="3600" dirty="0" smtClean="0">
-                      <a:solidFill>
-                        <a:schemeClr val="tx1"/>
-                      </a:solidFill>
-                    </a:rPr>
-                    <a:t>To facilitate the local energy predictions, kernel ridge regression was used for the machine learning. This method has the advantage of being fast to train for smaller datasets, and is not heavily compromised by potential overfitting. The estimates are based on the energy of similar known structures in the training data.</a:t>
+                    <a:rPr lang="en-US" sz="3600" dirty="0" smtClean="0"/>
+                    <a:t> Estimates are based on the energy of similar structures:</a:t>
                   </a:r>
                 </a:p>
                 <a:p>
@@ -5076,7 +3629,7 @@
                           <m:t>, </m:t>
                         </m:r>
                         <m:r>
-                          <a:rPr lang="da-DK" sz="3200" b="0" i="1" smtClean="0">
+                          <a:rPr lang="en-US" sz="3200" b="0" i="1" smtClean="0">
                             <a:latin typeface="Cambria Math" charset="0"/>
                           </a:rPr>
                           <m:t> </m:t>
@@ -5185,7 +3738,7 @@
                               </m:num>
                               <m:den>
                                 <m:r>
-                                  <a:rPr lang="da-DK" sz="3200" b="0" i="1" smtClean="0">
+                                  <a:rPr lang="da-DK" sz="3200" i="1">
                                     <a:latin typeface="Cambria Math" charset="0"/>
                                   </a:rPr>
                                   <m:t>2</m:t>
@@ -5276,23 +3829,138 @@
                       </m:oMath>
                     </m:oMathPara>
                   </a14:m>
-                  <a:endParaRPr lang="en-GB" sz="3200" dirty="0"/>
+                  <a:endParaRPr lang="en-US" sz="3200" dirty="0" smtClean="0"/>
+                </a:p>
+                <a:p>
+                  <a:pPr algn="just">
+                    <a:lnSpc>
+                      <a:spcPct val="150000"/>
+                    </a:lnSpc>
+                  </a:pPr>
+                  <a14:m>
+                    <m:oMathPara xmlns:m="http://schemas.openxmlformats.org/officeDocument/2006/math">
+                      <m:oMathParaPr>
+                        <m:jc m:val="centerGroup"/>
+                      </m:oMathParaPr>
+                      <m:oMath xmlns:m="http://schemas.openxmlformats.org/officeDocument/2006/math">
+                        <m:sSup>
+                          <m:sSupPr>
+                            <m:ctrlPr>
+                              <a:rPr lang="en-GB" sz="3200" i="1">
+                                <a:latin typeface="Cambria Math" charset="0"/>
+                              </a:rPr>
+                            </m:ctrlPr>
+                          </m:sSupPr>
+                          <m:e>
+                            <m:r>
+                              <a:rPr lang="en-US" sz="3200" b="0" i="1" smtClean="0">
+                                <a:latin typeface="Cambria Math" charset="0"/>
+                              </a:rPr>
+                              <m:t>𝐹</m:t>
+                            </m:r>
+                          </m:e>
+                          <m:sup>
+                            <m:r>
+                              <a:rPr lang="da-DK" sz="3200" i="1">
+                                <a:latin typeface="Cambria Math" charset="0"/>
+                              </a:rPr>
+                              <m:t>𝑒𝑠𝑡</m:t>
+                            </m:r>
+                          </m:sup>
+                        </m:sSup>
+                        <m:d>
+                          <m:dPr>
+                            <m:ctrlPr>
+                              <a:rPr lang="en-GB" sz="3200" i="1">
+                                <a:latin typeface="Cambria Math" charset="0"/>
+                              </a:rPr>
+                            </m:ctrlPr>
+                          </m:dPr>
+                          <m:e>
+                            <m:r>
+                              <a:rPr lang="da-DK" sz="3200" b="1" i="1">
+                                <a:latin typeface="Cambria Math" charset="0"/>
+                              </a:rPr>
+                              <m:t>𝒙</m:t>
+                            </m:r>
+                          </m:e>
+                        </m:d>
+                        <m:r>
+                          <a:rPr lang="en-GB" sz="3200" i="1">
+                            <a:latin typeface="Cambria Math" charset="0"/>
+                          </a:rPr>
+                          <m:t>=</m:t>
+                        </m:r>
+                        <m:r>
+                          <a:rPr lang="en-US" sz="3200" b="0" i="0" smtClean="0">
+                            <a:latin typeface="Cambria Math" charset="0"/>
+                          </a:rPr>
+                          <m:t>∇</m:t>
+                        </m:r>
+                        <m:sSup>
+                          <m:sSupPr>
+                            <m:ctrlPr>
+                              <a:rPr lang="en-US" sz="3200" b="0" i="1" smtClean="0">
+                                <a:latin typeface="Cambria Math" charset="0"/>
+                              </a:rPr>
+                            </m:ctrlPr>
+                          </m:sSupPr>
+                          <m:e>
+                            <m:r>
+                              <a:rPr lang="da-DK" sz="3200" b="0" i="1" smtClean="0">
+                                <a:latin typeface="Cambria Math" charset="0"/>
+                              </a:rPr>
+                              <m:t>𝐸</m:t>
+                            </m:r>
+                          </m:e>
+                          <m:sup>
+                            <m:r>
+                              <a:rPr lang="da-DK" sz="3200" b="0" i="1" smtClean="0">
+                                <a:latin typeface="Cambria Math" charset="0"/>
+                              </a:rPr>
+                              <m:t>𝑒𝑠𝑡</m:t>
+                            </m:r>
+                          </m:sup>
+                        </m:sSup>
+                        <m:d>
+                          <m:dPr>
+                            <m:ctrlPr>
+                              <a:rPr lang="da-DK" sz="3200" b="1" i="1" smtClean="0">
+                                <a:latin typeface="Cambria Math" charset="0"/>
+                              </a:rPr>
+                            </m:ctrlPr>
+                          </m:dPr>
+                          <m:e>
+                            <m:r>
+                              <a:rPr lang="da-DK" sz="3200" b="1" i="1" smtClean="0">
+                                <a:latin typeface="Cambria Math" charset="0"/>
+                              </a:rPr>
+                              <m:t>𝒙</m:t>
+                            </m:r>
+                          </m:e>
+                        </m:d>
+                        <m:r>
+                          <a:rPr lang="da-DK" sz="3200" b="1" i="1" smtClean="0">
+                            <a:latin typeface="Cambria Math" charset="0"/>
+                          </a:rPr>
+                          <m:t>                                                                                         </m:t>
+                        </m:r>
+                      </m:oMath>
+                    </m:oMathPara>
+                  </a14:m>
+                  <a:endParaRPr lang="en-US" sz="3200" b="1" dirty="0" smtClean="0"/>
                 </a:p>
                 <a:p>
                   <a:pPr algn="just"/>
-                  <a:endParaRPr lang="en-US" sz="3600" dirty="0">
-                    <a:solidFill>
-                      <a:schemeClr val="tx1"/>
-                    </a:solidFill>
-                  </a:endParaRPr>
+                  <a:endParaRPr lang="en-US" sz="3200" dirty="0"/>
                 </a:p>
               </p:txBody>
             </p:sp>
           </mc:Choice>
-          <mc:Fallback xmlns="">
+          <mc:Fallback>
             <p:sp>
               <p:nvSpPr>
-                <p:cNvPr id="24" name="Rounded Rectangle 23"/>
+                <p:cNvPr id="33" name="Rounded Rectangle 32"/>
                 <p:cNvSpPr>
                   <a:spLocks noRot="1" noChangeAspect="1" noMove="1" noResize="1" noEditPoints="1" noAdjustHandles="1" noChangeArrowheads="1" noChangeShapeType="1" noTextEdit="1"/>
                 </p:cNvSpPr>
@@ -5301,15 +3969,15 @@
               <p:spPr>
                 <a:xfrm>
                   <a:off x="454817" y="4784087"/>
-                  <a:ext cx="9923751" cy="10082377"/>
+                  <a:ext cx="9923751" cy="9193843"/>
                 </a:xfrm>
                 <a:prstGeom prst="roundRect">
                   <a:avLst>
-                    <a:gd name="adj" fmla="val 3892"/>
+                    <a:gd name="adj" fmla="val 4884"/>
                   </a:avLst>
                 </a:prstGeom>
                 <a:blipFill rotWithShape="0">
-                  <a:blip r:embed="rId11"/>
+                  <a:blip r:embed="rId2"/>
                   <a:stretch>
                     <a:fillRect/>
                   </a:stretch>
@@ -5340,7 +4008,7 @@
         </mc:AlternateContent>
         <p:sp>
           <p:nvSpPr>
-            <p:cNvPr id="25" name="Rounded Rectangle 24"/>
+            <p:cNvPr id="34" name="Rounded Rectangle 33"/>
             <p:cNvSpPr/>
             <p:nvPr/>
           </p:nvSpPr>
@@ -5384,7 +4052,7 @@
               <a:pPr algn="ctr"/>
               <a:r>
                 <a:rPr lang="en-US" sz="5090" dirty="0"/>
-                <a:t>Kernel Ridge Regression</a:t>
+                <a:t>Local Energy Predictions</a:t>
               </a:r>
             </a:p>
           </p:txBody>
@@ -5392,116 +4060,120 @@
       </p:grpSp>
       <p:grpSp>
         <p:nvGrpSpPr>
-          <p:cNvPr id="70" name="Group 69"/>
+          <p:cNvPr id="39" name="Group 38"/>
           <p:cNvGrpSpPr/>
           <p:nvPr/>
         </p:nvGrpSpPr>
         <p:grpSpPr>
           <a:xfrm>
-            <a:off x="2305502" y="31715682"/>
-            <a:ext cx="10918839" cy="8435251"/>
-            <a:chOff x="2305502" y="31410883"/>
-            <a:chExt cx="10918839" cy="8435251"/>
+            <a:off x="15431268" y="30666254"/>
+            <a:ext cx="14299320" cy="9983192"/>
+            <a:chOff x="454817" y="4641235"/>
+            <a:chExt cx="9923751" cy="2498537"/>
           </a:xfrm>
         </p:grpSpPr>
-        <p:pic>
-          <p:nvPicPr>
-            <p:cNvPr id="65" name="Picture 64"/>
-            <p:cNvPicPr>
-              <a:picLocks noChangeAspect="1"/>
-            </p:cNvPicPr>
-            <p:nvPr/>
-          </p:nvPicPr>
-          <p:blipFill>
-            <a:blip r:embed="rId12">
-              <a:extLst>
-                <a:ext uri="{28A0092B-C50C-407E-A947-70E740481C1C}">
-                  <a14:useLocalDpi xmlns:a14="http://schemas.microsoft.com/office/drawing/2010/main" val="0"/>
-                </a:ext>
-              </a:extLst>
-            </a:blip>
-            <a:stretch>
-              <a:fillRect/>
-            </a:stretch>
-          </p:blipFill>
-          <p:spPr>
-            <a:xfrm>
-              <a:off x="2305502" y="31410883"/>
-              <a:ext cx="10918839" cy="8435251"/>
-            </a:xfrm>
-            <a:prstGeom prst="rect">
-              <a:avLst/>
-            </a:prstGeom>
-          </p:spPr>
-        </p:pic>
-        <mc:AlternateContent xmlns:mc="http://schemas.openxmlformats.org/markup-compatibility/2006" xmlns:a14="http://schemas.microsoft.com/office/drawing/2010/main">
-          <mc:Choice Requires="a14">
+        <mc:AlternateContent xmlns:mc="http://schemas.openxmlformats.org/markup-compatibility/2006">
+          <mc:Choice xmlns:a14="http://schemas.microsoft.com/office/drawing/2010/main" Requires="a14">
             <p:sp>
               <p:nvSpPr>
-                <p:cNvPr id="67" name="TextBox 66"/>
-                <p:cNvSpPr txBox="1"/>
+                <p:cNvPr id="40" name="Rounded Rectangle 39"/>
+                <p:cNvSpPr/>
                 <p:nvPr/>
               </p:nvSpPr>
               <p:spPr>
                 <a:xfrm>
-                  <a:off x="12153069" y="34695051"/>
-                  <a:ext cx="538545" cy="584775"/>
+                  <a:off x="454817" y="4784088"/>
+                  <a:ext cx="9923751" cy="2355684"/>
                 </a:xfrm>
-                <a:prstGeom prst="rect">
-                  <a:avLst/>
+                <a:prstGeom prst="roundRect">
+                  <a:avLst>
+                    <a:gd name="adj" fmla="val 13656"/>
+                  </a:avLst>
                 </a:prstGeom>
-                <a:noFill/>
+                <a:ln w="76200">
+                  <a:solidFill>
+                    <a:srgbClr val="03428E"/>
+                  </a:solidFill>
+                </a:ln>
+                <a:effectLst>
+                  <a:softEdge rad="0"/>
+                </a:effectLst>
               </p:spPr>
+              <p:style>
+                <a:lnRef idx="2">
+                  <a:schemeClr val="accent6"/>
+                </a:lnRef>
+                <a:fillRef idx="1">
+                  <a:schemeClr val="lt1"/>
+                </a:fillRef>
+                <a:effectRef idx="0">
+                  <a:schemeClr val="accent6"/>
+                </a:effectRef>
+                <a:fontRef idx="minor">
+                  <a:schemeClr val="dk1"/>
+                </a:fontRef>
+              </p:style>
               <p:txBody>
-                <a:bodyPr wrap="none" rtlCol="0">
-                  <a:spAutoFit/>
-                </a:bodyPr>
+                <a:bodyPr lIns="720000" tIns="540000" rIns="720000" bIns="360000" rtlCol="0" anchor="t"/>
                 <a:lstStyle/>
                 <a:p>
-                  <a:pPr/>
+                  <a:pPr algn="just"/>
+                  <a:r>
+                    <a:rPr lang="en-US" sz="3600" dirty="0" smtClean="0"/>
+                    <a:t>The method has been applied to C24 fullerenes with the following success rates in finding the four geometries with lowest energy. The searches required </a:t>
+                  </a:r>
                   <a14:m>
-                    <m:oMathPara xmlns:m="http://schemas.openxmlformats.org/officeDocument/2006/math">
-                      <m:oMathParaPr>
-                        <m:jc m:val="centerGroup"/>
-                      </m:oMathParaPr>
-                      <m:oMath xmlns:m="http://schemas.openxmlformats.org/officeDocument/2006/math">
-                        <m:r>
-                          <a:rPr lang="da-DK" sz="3200" b="0" i="1" smtClean="0">
-                            <a:latin typeface="Cambria Math" charset="0"/>
-                          </a:rPr>
-                          <m:t>𝛽</m:t>
-                        </m:r>
-                      </m:oMath>
-                    </m:oMathPara>
+                    <m:oMath xmlns:m="http://schemas.openxmlformats.org/officeDocument/2006/math">
+                      <m:r>
+                        <a:rPr lang="en-US" sz="3600" b="0" i="1" smtClean="0">
+                          <a:latin typeface="Cambria Math" charset="0"/>
+                        </a:rPr>
+                        <m:t>~1000</m:t>
+                      </m:r>
+                    </m:oMath>
                   </a14:m>
-                  <a:endParaRPr lang="en-US" sz="3200" dirty="0"/>
+                  <a:r>
+                    <a:rPr lang="en-US" sz="3600" dirty="0" smtClean="0"/>
+                    <a:t> search iteration/DFT calculations.</a:t>
+                  </a:r>
+                  <a:endParaRPr lang="en-US" sz="3600" dirty="0"/>
                 </a:p>
               </p:txBody>
             </p:sp>
           </mc:Choice>
-          <mc:Fallback xmlns="">
+          <mc:Fallback>
             <p:sp>
               <p:nvSpPr>
-                <p:cNvPr id="67" name="TextBox 66"/>
-                <p:cNvSpPr txBox="1">
+                <p:cNvPr id="40" name="Rounded Rectangle 39"/>
+                <p:cNvSpPr>
                   <a:spLocks noRot="1" noChangeAspect="1" noMove="1" noResize="1" noEditPoints="1" noAdjustHandles="1" noChangeArrowheads="1" noChangeShapeType="1" noTextEdit="1"/>
                 </p:cNvSpPr>
                 <p:nvPr/>
               </p:nvSpPr>
               <p:spPr>
                 <a:xfrm>
-                  <a:off x="12153069" y="34695051"/>
-                  <a:ext cx="538545" cy="584775"/>
+                  <a:off x="454817" y="4784088"/>
+                  <a:ext cx="9923751" cy="2355684"/>
                 </a:xfrm>
-                <a:prstGeom prst="rect">
-                  <a:avLst/>
+                <a:prstGeom prst="roundRect">
+                  <a:avLst>
+                    <a:gd name="adj" fmla="val 13656"/>
+                  </a:avLst>
                 </a:prstGeom>
                 <a:blipFill rotWithShape="0">
-                  <a:blip r:embed="rId13"/>
+                  <a:blip r:embed="rId3"/>
                   <a:stretch>
                     <a:fillRect/>
                   </a:stretch>
                 </a:blipFill>
+                <a:ln w="76200">
+                  <a:solidFill>
+                    <a:srgbClr val="03428E"/>
+                  </a:solidFill>
+                </a:ln>
+                <a:effectLst>
+                  <a:softEdge rad="0"/>
+                </a:effectLst>
               </p:spPr>
               <p:txBody>
                 <a:bodyPr/>
@@ -5518,31 +4190,2328 @@
             </p:sp>
           </mc:Fallback>
         </mc:AlternateContent>
-        <mc:AlternateContent xmlns:mc="http://schemas.openxmlformats.org/markup-compatibility/2006" xmlns:a14="http://schemas.microsoft.com/office/drawing/2010/main">
-          <mc:Choice Requires="a14">
+        <p:sp>
+          <p:nvSpPr>
+            <p:cNvPr id="41" name="Rounded Rectangle 40"/>
+            <p:cNvSpPr/>
+            <p:nvPr/>
+          </p:nvSpPr>
+          <p:spPr>
+            <a:xfrm>
+              <a:off x="1165575" y="4641235"/>
+              <a:ext cx="8502227" cy="274213"/>
+            </a:xfrm>
+            <a:prstGeom prst="roundRect">
+              <a:avLst>
+                <a:gd name="adj" fmla="val 25371"/>
+              </a:avLst>
+            </a:prstGeom>
+            <a:solidFill>
+              <a:srgbClr val="03428E"/>
+            </a:solidFill>
+            <a:ln>
+              <a:noFill/>
+            </a:ln>
+          </p:spPr>
+          <p:style>
+            <a:lnRef idx="2">
+              <a:schemeClr val="accent1">
+                <a:shade val="50000"/>
+              </a:schemeClr>
+            </a:lnRef>
+            <a:fillRef idx="1">
+              <a:schemeClr val="accent1"/>
+            </a:fillRef>
+            <a:effectRef idx="0">
+              <a:schemeClr val="accent1"/>
+            </a:effectRef>
+            <a:fontRef idx="minor">
+              <a:schemeClr val="lt1"/>
+            </a:fontRef>
+          </p:style>
+          <p:txBody>
+            <a:bodyPr rtlCol="0" anchor="ctr"/>
+            <a:lstStyle/>
+            <a:p>
+              <a:pPr algn="ctr"/>
+              <a:r>
+                <a:rPr lang="en-US" sz="5090" dirty="0" smtClean="0"/>
+                <a:t>Results</a:t>
+              </a:r>
+              <a:endParaRPr lang="en-US" sz="5090" dirty="0"/>
+            </a:p>
+          </p:txBody>
+        </p:sp>
+      </p:grpSp>
+      <p:pic>
+        <p:nvPicPr>
+          <p:cNvPr id="37" name="Picture 36" descr="alt-logo-t-003d85-en.pdf"/>
+          <p:cNvPicPr>
+            <a:picLocks noChangeAspect="1"/>
+          </p:cNvPicPr>
+          <p:nvPr/>
+        </p:nvPicPr>
+        <p:blipFill rotWithShape="1">
+          <a:blip r:embed="rId4">
+            <a:extLst>
+              <a:ext uri="{28A0092B-C50C-407E-A947-70E740481C1C}">
+                <a14:useLocalDpi xmlns:a14="http://schemas.microsoft.com/office/drawing/2010/main" val="0"/>
+              </a:ext>
+            </a:extLst>
+          </a:blip>
+          <a:srcRect r="62275" b="40021"/>
+          <a:stretch/>
+        </p:blipFill>
+        <p:spPr>
+          <a:xfrm>
+            <a:off x="1073664" y="40958349"/>
+            <a:ext cx="6312223" cy="1519655"/>
+          </a:xfrm>
+          <a:prstGeom prst="rect">
+            <a:avLst/>
+          </a:prstGeom>
+        </p:spPr>
+      </p:pic>
+      <p:pic>
+        <p:nvPicPr>
+          <p:cNvPr id="7" name="Picture 6"/>
+          <p:cNvPicPr>
+            <a:picLocks noChangeAspect="1"/>
+          </p:cNvPicPr>
+          <p:nvPr/>
+        </p:nvPicPr>
+        <p:blipFill>
+          <a:blip r:embed="rId5">
+            <a:extLst>
+              <a:ext uri="{28A0092B-C50C-407E-A947-70E740481C1C}">
+                <a14:useLocalDpi xmlns:a14="http://schemas.microsoft.com/office/drawing/2010/main" val="0"/>
+              </a:ext>
+            </a:extLst>
+          </a:blip>
+          <a:stretch>
+            <a:fillRect/>
+          </a:stretch>
+        </p:blipFill>
+        <p:spPr>
+          <a:xfrm>
+            <a:off x="4588874" y="30409204"/>
+            <a:ext cx="5906230" cy="5304997"/>
+          </a:xfrm>
+          <a:prstGeom prst="rect">
+            <a:avLst/>
+          </a:prstGeom>
+        </p:spPr>
+      </p:pic>
+      <p:sp>
+        <p:nvSpPr>
+          <p:cNvPr id="120" name="Oval 119">
+            <a:extLst>
+              <a:ext uri="{FF2B5EF4-FFF2-40B4-BE49-F238E27FC236}">
+                <a16:creationId xmlns:a16="http://schemas.microsoft.com/office/drawing/2014/main" xmlns="" id="{08F67ED2-E0EA-744D-A5C3-DFAF9C05EBB0}"/>
+              </a:ext>
+            </a:extLst>
+          </p:cNvPr>
+          <p:cNvSpPr/>
+          <p:nvPr/>
+        </p:nvSpPr>
+        <p:spPr>
+          <a:xfrm>
+            <a:off x="4227566" y="33464102"/>
+            <a:ext cx="2518497" cy="1498637"/>
+          </a:xfrm>
+          <a:prstGeom prst="ellipse">
+            <a:avLst/>
+          </a:prstGeom>
+        </p:spPr>
+        <p:style>
+          <a:lnRef idx="1">
+            <a:schemeClr val="accent4"/>
+          </a:lnRef>
+          <a:fillRef idx="2">
+            <a:schemeClr val="accent4"/>
+          </a:fillRef>
+          <a:effectRef idx="1">
+            <a:schemeClr val="accent4"/>
+          </a:effectRef>
+          <a:fontRef idx="minor">
+            <a:schemeClr val="dk1"/>
+          </a:fontRef>
+        </p:style>
+        <p:txBody>
+          <a:bodyPr rtlCol="0" anchor="ctr"/>
+          <a:lstStyle/>
+          <a:p>
+            <a:pPr algn="ctr"/>
+            <a:r>
+              <a:rPr lang="da-DK" sz="3600" dirty="0"/>
+              <a:t>Consult DFT</a:t>
+            </a:r>
+          </a:p>
+        </p:txBody>
+      </p:sp>
+      <p:sp>
+        <p:nvSpPr>
+          <p:cNvPr id="121" name="Oval 120">
+            <a:extLst>
+              <a:ext uri="{FF2B5EF4-FFF2-40B4-BE49-F238E27FC236}">
+                <a16:creationId xmlns:a16="http://schemas.microsoft.com/office/drawing/2014/main" xmlns="" id="{08F67ED2-E0EA-744D-A5C3-DFAF9C05EBB0}"/>
+              </a:ext>
+            </a:extLst>
+          </p:cNvPr>
+          <p:cNvSpPr/>
+          <p:nvPr/>
+        </p:nvSpPr>
+        <p:spPr>
+          <a:xfrm>
+            <a:off x="7050014" y="29940614"/>
+            <a:ext cx="2518497" cy="1498637"/>
+          </a:xfrm>
+          <a:prstGeom prst="ellipse">
+            <a:avLst/>
+          </a:prstGeom>
+        </p:spPr>
+        <p:style>
+          <a:lnRef idx="1">
+            <a:schemeClr val="accent4"/>
+          </a:lnRef>
+          <a:fillRef idx="2">
+            <a:schemeClr val="accent4"/>
+          </a:fillRef>
+          <a:effectRef idx="1">
+            <a:schemeClr val="accent4"/>
+          </a:effectRef>
+          <a:fontRef idx="minor">
+            <a:schemeClr val="dk1"/>
+          </a:fontRef>
+        </p:style>
+        <p:txBody>
+          <a:bodyPr rtlCol="0" anchor="ctr"/>
+          <a:lstStyle/>
+          <a:p>
+            <a:pPr algn="ctr"/>
+            <a:r>
+              <a:rPr lang="da-DK" sz="3600" dirty="0" smtClean="0"/>
+              <a:t>Train model</a:t>
+            </a:r>
+            <a:endParaRPr lang="da-DK" sz="3600" dirty="0"/>
+          </a:p>
+        </p:txBody>
+      </p:sp>
+      <p:sp>
+        <p:nvSpPr>
+          <p:cNvPr id="122" name="Oval 121">
+            <a:extLst>
+              <a:ext uri="{FF2B5EF4-FFF2-40B4-BE49-F238E27FC236}">
+                <a16:creationId xmlns:a16="http://schemas.microsoft.com/office/drawing/2014/main" xmlns="" id="{08F67ED2-E0EA-744D-A5C3-DFAF9C05EBB0}"/>
+              </a:ext>
+            </a:extLst>
+          </p:cNvPr>
+          <p:cNvSpPr/>
+          <p:nvPr/>
+        </p:nvSpPr>
+        <p:spPr>
+          <a:xfrm>
+            <a:off x="8995063" y="33464101"/>
+            <a:ext cx="3000081" cy="1498637"/>
+          </a:xfrm>
+          <a:prstGeom prst="ellipse">
+            <a:avLst/>
+          </a:prstGeom>
+        </p:spPr>
+        <p:style>
+          <a:lnRef idx="1">
+            <a:schemeClr val="accent4"/>
+          </a:lnRef>
+          <a:fillRef idx="2">
+            <a:schemeClr val="accent4"/>
+          </a:fillRef>
+          <a:effectRef idx="1">
+            <a:schemeClr val="accent4"/>
+          </a:effectRef>
+          <a:fontRef idx="minor">
+            <a:schemeClr val="dk1"/>
+          </a:fontRef>
+        </p:style>
+        <p:txBody>
+          <a:bodyPr rtlCol="0" anchor="ctr"/>
+          <a:lstStyle/>
+          <a:p>
+            <a:pPr algn="ctr"/>
+            <a:r>
+              <a:rPr lang="da-DK" sz="3600" smtClean="0"/>
+              <a:t>Search ML potential</a:t>
+            </a:r>
+            <a:endParaRPr lang="da-DK" sz="3600" dirty="0"/>
+          </a:p>
+        </p:txBody>
+      </p:sp>
+      <p:sp>
+        <p:nvSpPr>
+          <p:cNvPr id="123" name="Oval 122">
+            <a:extLst>
+              <a:ext uri="{FF2B5EF4-FFF2-40B4-BE49-F238E27FC236}">
+                <a16:creationId xmlns:a16="http://schemas.microsoft.com/office/drawing/2014/main" xmlns="" id="{08F67ED2-E0EA-744D-A5C3-DFAF9C05EBB0}"/>
+              </a:ext>
+            </a:extLst>
+          </p:cNvPr>
+          <p:cNvSpPr/>
+          <p:nvPr/>
+        </p:nvSpPr>
+        <p:spPr>
+          <a:xfrm>
+            <a:off x="2142734" y="30099110"/>
+            <a:ext cx="2957409" cy="1543064"/>
+          </a:xfrm>
+          <a:prstGeom prst="ellipse">
+            <a:avLst/>
+          </a:prstGeom>
+        </p:spPr>
+        <p:style>
+          <a:lnRef idx="1">
+            <a:schemeClr val="accent4"/>
+          </a:lnRef>
+          <a:fillRef idx="2">
+            <a:schemeClr val="accent4"/>
+          </a:fillRef>
+          <a:effectRef idx="1">
+            <a:schemeClr val="accent4"/>
+          </a:effectRef>
+          <a:fontRef idx="minor">
+            <a:schemeClr val="dk1"/>
+          </a:fontRef>
+        </p:style>
+        <p:txBody>
+          <a:bodyPr rtlCol="0" anchor="ctr"/>
+          <a:lstStyle/>
+          <a:p>
+            <a:pPr algn="ctr"/>
+            <a:r>
+              <a:rPr lang="da-DK" sz="3600" dirty="0" smtClean="0"/>
+              <a:t>Initial</a:t>
+            </a:r>
+          </a:p>
+          <a:p>
+            <a:pPr algn="ctr"/>
+            <a:r>
+              <a:rPr lang="da-DK" sz="3600" dirty="0" err="1"/>
+              <a:t>s</a:t>
+            </a:r>
+            <a:r>
+              <a:rPr lang="da-DK" sz="3600" dirty="0" err="1" smtClean="0"/>
+              <a:t>tructures</a:t>
+            </a:r>
+            <a:endParaRPr lang="da-DK" sz="3600" dirty="0"/>
+          </a:p>
+        </p:txBody>
+      </p:sp>
+      <p:pic>
+        <p:nvPicPr>
+          <p:cNvPr id="124" name="Picture 123">
+            <a:extLst>
+              <a:ext uri="{FF2B5EF4-FFF2-40B4-BE49-F238E27FC236}">
+                <a16:creationId xmlns:a16="http://schemas.microsoft.com/office/drawing/2014/main" xmlns="" id="{EAAF42C1-FAEB-4947-8DE4-2C0AD5593B99}"/>
+              </a:ext>
+            </a:extLst>
+          </p:cNvPr>
+          <p:cNvPicPr>
+            <a:picLocks noChangeAspect="1"/>
+          </p:cNvPicPr>
+          <p:nvPr/>
+        </p:nvPicPr>
+        <p:blipFill>
+          <a:blip r:embed="rId6"/>
+          <a:stretch>
+            <a:fillRect/>
+          </a:stretch>
+        </p:blipFill>
+        <p:spPr>
+          <a:xfrm>
+            <a:off x="8475774" y="25696995"/>
+            <a:ext cx="6464905" cy="4852183"/>
+          </a:xfrm>
+          <a:prstGeom prst="rect">
+            <a:avLst/>
+          </a:prstGeom>
+        </p:spPr>
+      </p:pic>
+      <p:pic>
+        <p:nvPicPr>
+          <p:cNvPr id="125" name="Picture 124">
+            <a:extLst>
+              <a:ext uri="{FF2B5EF4-FFF2-40B4-BE49-F238E27FC236}">
+                <a16:creationId xmlns:a16="http://schemas.microsoft.com/office/drawing/2014/main" xmlns="" id="{EAAF42C1-FAEB-4947-8DE4-2C0AD5593B99}"/>
+              </a:ext>
+            </a:extLst>
+          </p:cNvPr>
+          <p:cNvPicPr>
+            <a:picLocks noChangeAspect="1"/>
+          </p:cNvPicPr>
+          <p:nvPr/>
+        </p:nvPicPr>
+        <p:blipFill>
+          <a:blip r:embed="rId6"/>
+          <a:stretch>
+            <a:fillRect/>
+          </a:stretch>
+        </p:blipFill>
+        <p:spPr>
+          <a:xfrm>
+            <a:off x="8535535" y="35436787"/>
+            <a:ext cx="6464905" cy="4852183"/>
+          </a:xfrm>
+          <a:prstGeom prst="rect">
+            <a:avLst/>
+          </a:prstGeom>
+        </p:spPr>
+      </p:pic>
+      <p:pic>
+        <p:nvPicPr>
+          <p:cNvPr id="126" name="Picture 125">
+            <a:extLst>
+              <a:ext uri="{FF2B5EF4-FFF2-40B4-BE49-F238E27FC236}">
+                <a16:creationId xmlns:a16="http://schemas.microsoft.com/office/drawing/2014/main" xmlns="" id="{089A8EB1-7BF3-3B48-B79F-BFE89310F787}"/>
+              </a:ext>
+            </a:extLst>
+          </p:cNvPr>
+          <p:cNvPicPr>
+            <a:picLocks noChangeAspect="1"/>
+          </p:cNvPicPr>
+          <p:nvPr/>
+        </p:nvPicPr>
+        <p:blipFill>
+          <a:blip r:embed="rId7"/>
+          <a:stretch>
+            <a:fillRect/>
+          </a:stretch>
+        </p:blipFill>
+        <p:spPr>
+          <a:xfrm>
+            <a:off x="979763" y="35464347"/>
+            <a:ext cx="6472952" cy="4858223"/>
+          </a:xfrm>
+          <a:prstGeom prst="rect">
+            <a:avLst/>
+          </a:prstGeom>
+        </p:spPr>
+      </p:pic>
+      <p:pic>
+        <p:nvPicPr>
+          <p:cNvPr id="145" name="Picture 144">
+            <a:extLst>
+              <a:ext uri="{FF2B5EF4-FFF2-40B4-BE49-F238E27FC236}">
+                <a16:creationId xmlns:a16="http://schemas.microsoft.com/office/drawing/2014/main" xmlns="" id="{4E04806B-A48C-E042-86E9-CBD67367ED63}"/>
+              </a:ext>
+            </a:extLst>
+          </p:cNvPr>
+          <p:cNvPicPr>
+            <a:picLocks noChangeAspect="1"/>
+          </p:cNvPicPr>
+          <p:nvPr/>
+        </p:nvPicPr>
+        <p:blipFill>
+          <a:blip r:embed="rId8">
+            <a:extLst>
+              <a:ext uri="{28A0092B-C50C-407E-A947-70E740481C1C}">
+                <a14:useLocalDpi xmlns:a14="http://schemas.microsoft.com/office/drawing/2010/main" val="0"/>
+              </a:ext>
+            </a:extLst>
+          </a:blip>
+          <a:stretch>
+            <a:fillRect/>
+          </a:stretch>
+        </p:blipFill>
+        <p:spPr>
+          <a:xfrm>
+            <a:off x="2595845" y="26902971"/>
+            <a:ext cx="2606400" cy="2606400"/>
+          </a:xfrm>
+          <a:prstGeom prst="rect">
+            <a:avLst/>
+          </a:prstGeom>
+        </p:spPr>
+      </p:pic>
+      <p:pic>
+        <p:nvPicPr>
+          <p:cNvPr id="146" name="Picture 145">
+            <a:extLst>
+              <a:ext uri="{FF2B5EF4-FFF2-40B4-BE49-F238E27FC236}">
+                <a16:creationId xmlns:a16="http://schemas.microsoft.com/office/drawing/2014/main" xmlns="" id="{4847759E-E771-9645-B94F-520F45A19480}"/>
+              </a:ext>
+            </a:extLst>
+          </p:cNvPr>
+          <p:cNvPicPr>
+            <a:picLocks noChangeAspect="1"/>
+          </p:cNvPicPr>
+          <p:nvPr/>
+        </p:nvPicPr>
+        <p:blipFill>
+          <a:blip r:embed="rId9">
+            <a:extLst>
+              <a:ext uri="{28A0092B-C50C-407E-A947-70E740481C1C}">
+                <a14:useLocalDpi xmlns:a14="http://schemas.microsoft.com/office/drawing/2010/main" val="0"/>
+              </a:ext>
+            </a:extLst>
+          </a:blip>
+          <a:stretch>
+            <a:fillRect/>
+          </a:stretch>
+        </p:blipFill>
+        <p:spPr>
+          <a:xfrm>
+            <a:off x="4499272" y="26897279"/>
+            <a:ext cx="2612092" cy="2612092"/>
+          </a:xfrm>
+          <a:prstGeom prst="rect">
+            <a:avLst/>
+          </a:prstGeom>
+        </p:spPr>
+      </p:pic>
+      <p:sp>
+        <p:nvSpPr>
+          <p:cNvPr id="13" name="Rectangle 12"/>
+          <p:cNvSpPr/>
+          <p:nvPr/>
+        </p:nvSpPr>
+        <p:spPr>
+          <a:xfrm>
+            <a:off x="1446728" y="26885040"/>
+            <a:ext cx="1728000" cy="2356283"/>
+          </a:xfrm>
+          <a:prstGeom prst="rect">
+            <a:avLst/>
+          </a:prstGeom>
+          <a:noFill/>
+          <a:ln w="50800"/>
+        </p:spPr>
+        <p:style>
+          <a:lnRef idx="2">
+            <a:schemeClr val="dk1"/>
+          </a:lnRef>
+          <a:fillRef idx="1">
+            <a:schemeClr val="lt1"/>
+          </a:fillRef>
+          <a:effectRef idx="0">
+            <a:schemeClr val="dk1"/>
+          </a:effectRef>
+          <a:fontRef idx="minor">
+            <a:schemeClr val="dk1"/>
+          </a:fontRef>
+        </p:style>
+        <p:txBody>
+          <a:bodyPr rtlCol="0" anchor="ctr"/>
+          <a:lstStyle/>
+          <a:p>
+            <a:pPr algn="ctr"/>
+            <a:endParaRPr lang="en-US"/>
+          </a:p>
+        </p:txBody>
+      </p:sp>
+      <p:pic>
+        <p:nvPicPr>
+          <p:cNvPr id="147" name="Picture 146">
+            <a:extLst>
+              <a:ext uri="{FF2B5EF4-FFF2-40B4-BE49-F238E27FC236}">
+                <a16:creationId xmlns:a16="http://schemas.microsoft.com/office/drawing/2014/main" xmlns="" id="{2A455A8A-721A-724A-99BC-08B770FA26C3}"/>
+              </a:ext>
+            </a:extLst>
+          </p:cNvPr>
+          <p:cNvPicPr>
+            <a:picLocks noChangeAspect="1"/>
+          </p:cNvPicPr>
+          <p:nvPr/>
+        </p:nvPicPr>
+        <p:blipFill>
+          <a:blip r:embed="rId10">
+            <a:extLst>
+              <a:ext uri="{28A0092B-C50C-407E-A947-70E740481C1C}">
+                <a14:useLocalDpi xmlns:a14="http://schemas.microsoft.com/office/drawing/2010/main" val="0"/>
+              </a:ext>
+            </a:extLst>
+          </a:blip>
+          <a:stretch>
+            <a:fillRect/>
+          </a:stretch>
+        </p:blipFill>
+        <p:spPr>
+          <a:xfrm>
+            <a:off x="730356" y="26892169"/>
+            <a:ext cx="2607879" cy="2607879"/>
+          </a:xfrm>
+          <a:prstGeom prst="rect">
+            <a:avLst/>
+          </a:prstGeom>
+        </p:spPr>
+      </p:pic>
+      <p:sp>
+        <p:nvSpPr>
+          <p:cNvPr id="148" name="Rectangle 147"/>
+          <p:cNvSpPr/>
+          <p:nvPr/>
+        </p:nvSpPr>
+        <p:spPr>
+          <a:xfrm>
+            <a:off x="3317466" y="26888585"/>
+            <a:ext cx="1726681" cy="2356283"/>
+          </a:xfrm>
+          <a:prstGeom prst="rect">
+            <a:avLst/>
+          </a:prstGeom>
+          <a:noFill/>
+          <a:ln w="50800"/>
+        </p:spPr>
+        <p:style>
+          <a:lnRef idx="2">
+            <a:schemeClr val="dk1"/>
+          </a:lnRef>
+          <a:fillRef idx="1">
+            <a:schemeClr val="lt1"/>
+          </a:fillRef>
+          <a:effectRef idx="0">
+            <a:schemeClr val="dk1"/>
+          </a:effectRef>
+          <a:fontRef idx="minor">
+            <a:schemeClr val="dk1"/>
+          </a:fontRef>
+        </p:style>
+        <p:txBody>
+          <a:bodyPr rtlCol="0" anchor="ctr"/>
+          <a:lstStyle/>
+          <a:p>
+            <a:pPr algn="ctr"/>
+            <a:endParaRPr lang="en-US"/>
+          </a:p>
+        </p:txBody>
+      </p:sp>
+      <p:sp>
+        <p:nvSpPr>
+          <p:cNvPr id="149" name="Rectangle 148"/>
+          <p:cNvSpPr/>
+          <p:nvPr/>
+        </p:nvSpPr>
+        <p:spPr>
+          <a:xfrm>
+            <a:off x="5213601" y="26892130"/>
+            <a:ext cx="1728000" cy="2356283"/>
+          </a:xfrm>
+          <a:prstGeom prst="rect">
+            <a:avLst/>
+          </a:prstGeom>
+          <a:noFill/>
+          <a:ln w="50800"/>
+        </p:spPr>
+        <p:style>
+          <a:lnRef idx="2">
+            <a:schemeClr val="dk1"/>
+          </a:lnRef>
+          <a:fillRef idx="1">
+            <a:schemeClr val="lt1"/>
+          </a:fillRef>
+          <a:effectRef idx="0">
+            <a:schemeClr val="dk1"/>
+          </a:effectRef>
+          <a:fontRef idx="minor">
+            <a:schemeClr val="dk1"/>
+          </a:fontRef>
+        </p:style>
+        <p:txBody>
+          <a:bodyPr rtlCol="0" anchor="ctr"/>
+          <a:lstStyle/>
+          <a:p>
+            <a:pPr algn="ctr"/>
+            <a:endParaRPr lang="en-US"/>
+          </a:p>
+        </p:txBody>
+      </p:sp>
+      <p:cxnSp>
+        <p:nvCxnSpPr>
+          <p:cNvPr id="19" name="Straight Arrow Connector 18"/>
+          <p:cNvCxnSpPr>
+            <a:stCxn id="13" idx="2"/>
+          </p:cNvCxnSpPr>
+          <p:nvPr/>
+        </p:nvCxnSpPr>
+        <p:spPr>
+          <a:xfrm>
+            <a:off x="2310728" y="29241323"/>
+            <a:ext cx="558600" cy="986816"/>
+          </a:xfrm>
+          <a:prstGeom prst="straightConnector1">
+            <a:avLst/>
+          </a:prstGeom>
+          <a:ln w="57150">
+            <a:tailEnd type="stealth" w="lg" len="lg"/>
+          </a:ln>
+        </p:spPr>
+        <p:style>
+          <a:lnRef idx="3">
+            <a:schemeClr val="dk1"/>
+          </a:lnRef>
+          <a:fillRef idx="0">
+            <a:schemeClr val="dk1"/>
+          </a:fillRef>
+          <a:effectRef idx="2">
+            <a:schemeClr val="dk1"/>
+          </a:effectRef>
+          <a:fontRef idx="minor">
+            <a:schemeClr val="tx1"/>
+          </a:fontRef>
+        </p:style>
+      </p:cxnSp>
+      <p:cxnSp>
+        <p:nvCxnSpPr>
+          <p:cNvPr id="150" name="Straight Arrow Connector 149"/>
+          <p:cNvCxnSpPr/>
+          <p:nvPr/>
+        </p:nvCxnSpPr>
+        <p:spPr>
+          <a:xfrm flipH="1">
+            <a:off x="3773336" y="29241323"/>
+            <a:ext cx="454230" cy="857787"/>
+          </a:xfrm>
+          <a:prstGeom prst="straightConnector1">
+            <a:avLst/>
+          </a:prstGeom>
+          <a:ln w="57150">
+            <a:tailEnd type="stealth" w="lg" len="lg"/>
+          </a:ln>
+        </p:spPr>
+        <p:style>
+          <a:lnRef idx="3">
+            <a:schemeClr val="dk1"/>
+          </a:lnRef>
+          <a:fillRef idx="0">
+            <a:schemeClr val="dk1"/>
+          </a:fillRef>
+          <a:effectRef idx="2">
+            <a:schemeClr val="dk1"/>
+          </a:effectRef>
+          <a:fontRef idx="minor">
+            <a:schemeClr val="tx1"/>
+          </a:fontRef>
+        </p:style>
+      </p:cxnSp>
+      <p:cxnSp>
+        <p:nvCxnSpPr>
+          <p:cNvPr id="152" name="Straight Arrow Connector 151"/>
+          <p:cNvCxnSpPr>
+            <a:stCxn id="149" idx="2"/>
+            <a:endCxn id="123" idx="7"/>
+          </p:cNvCxnSpPr>
+          <p:nvPr/>
+        </p:nvCxnSpPr>
+        <p:spPr>
+          <a:xfrm flipH="1">
+            <a:off x="4667040" y="29248413"/>
+            <a:ext cx="1410561" cy="1076673"/>
+          </a:xfrm>
+          <a:prstGeom prst="straightConnector1">
+            <a:avLst/>
+          </a:prstGeom>
+          <a:ln w="57150">
+            <a:tailEnd type="stealth" w="lg" len="lg"/>
+          </a:ln>
+        </p:spPr>
+        <p:style>
+          <a:lnRef idx="3">
+            <a:schemeClr val="dk1"/>
+          </a:lnRef>
+          <a:fillRef idx="0">
+            <a:schemeClr val="dk1"/>
+          </a:fillRef>
+          <a:effectRef idx="2">
+            <a:schemeClr val="dk1"/>
+          </a:effectRef>
+          <a:fontRef idx="minor">
+            <a:schemeClr val="tx1"/>
+          </a:fontRef>
+        </p:style>
+      </p:cxnSp>
+      <p:sp>
+        <p:nvSpPr>
+          <p:cNvPr id="155" name="TextBox 154"/>
+          <p:cNvSpPr txBox="1"/>
+          <p:nvPr/>
+        </p:nvSpPr>
+        <p:spPr>
+          <a:xfrm>
+            <a:off x="10173561" y="35996188"/>
+            <a:ext cx="362600" cy="584775"/>
+          </a:xfrm>
+          <a:prstGeom prst="rect">
+            <a:avLst/>
+          </a:prstGeom>
+          <a:noFill/>
+        </p:spPr>
+        <p:txBody>
+          <a:bodyPr wrap="none" rtlCol="0">
+            <a:spAutoFit/>
+          </a:bodyPr>
+          <a:lstStyle/>
+          <a:p>
+            <a:r>
+              <a:rPr lang="en-US" sz="3200" dirty="0" smtClean="0"/>
+              <a:t>x</a:t>
+            </a:r>
+            <a:endParaRPr lang="en-US" sz="3200" dirty="0"/>
+          </a:p>
+        </p:txBody>
+      </p:sp>
+      <p:sp>
+        <p:nvSpPr>
+          <p:cNvPr id="156" name="TextBox 155"/>
+          <p:cNvSpPr txBox="1"/>
+          <p:nvPr/>
+        </p:nvSpPr>
+        <p:spPr>
+          <a:xfrm>
+            <a:off x="11240361" y="36224788"/>
+            <a:ext cx="362600" cy="584775"/>
+          </a:xfrm>
+          <a:prstGeom prst="rect">
+            <a:avLst/>
+          </a:prstGeom>
+          <a:noFill/>
+        </p:spPr>
+        <p:txBody>
+          <a:bodyPr wrap="none" rtlCol="0">
+            <a:spAutoFit/>
+          </a:bodyPr>
+          <a:lstStyle/>
+          <a:p>
+            <a:r>
+              <a:rPr lang="en-US" sz="3200" dirty="0" smtClean="0"/>
+              <a:t>x</a:t>
+            </a:r>
+            <a:endParaRPr lang="en-US" sz="3200" dirty="0"/>
+          </a:p>
+        </p:txBody>
+      </p:sp>
+      <p:sp>
+        <p:nvSpPr>
+          <p:cNvPr id="157" name="TextBox 156"/>
+          <p:cNvSpPr txBox="1"/>
+          <p:nvPr/>
+        </p:nvSpPr>
+        <p:spPr>
+          <a:xfrm>
+            <a:off x="12535761" y="36237488"/>
+            <a:ext cx="362600" cy="584775"/>
+          </a:xfrm>
+          <a:prstGeom prst="rect">
+            <a:avLst/>
+          </a:prstGeom>
+          <a:noFill/>
+        </p:spPr>
+        <p:txBody>
+          <a:bodyPr wrap="none" rtlCol="0">
+            <a:spAutoFit/>
+          </a:bodyPr>
+          <a:lstStyle/>
+          <a:p>
+            <a:r>
+              <a:rPr lang="en-US" sz="3200" dirty="0" smtClean="0"/>
+              <a:t>x</a:t>
+            </a:r>
+            <a:endParaRPr lang="en-US" sz="3200" dirty="0"/>
+          </a:p>
+        </p:txBody>
+      </p:sp>
+      <p:sp>
+        <p:nvSpPr>
+          <p:cNvPr id="158" name="TextBox 157"/>
+          <p:cNvSpPr txBox="1"/>
+          <p:nvPr/>
+        </p:nvSpPr>
+        <p:spPr>
+          <a:xfrm>
+            <a:off x="12535761" y="37380488"/>
+            <a:ext cx="362600" cy="584775"/>
+          </a:xfrm>
+          <a:prstGeom prst="rect">
+            <a:avLst/>
+          </a:prstGeom>
+          <a:noFill/>
+        </p:spPr>
+        <p:txBody>
+          <a:bodyPr wrap="none" rtlCol="0">
+            <a:spAutoFit/>
+          </a:bodyPr>
+          <a:lstStyle/>
+          <a:p>
+            <a:r>
+              <a:rPr lang="en-US" sz="3200" dirty="0" smtClean="0"/>
+              <a:t>x</a:t>
+            </a:r>
+            <a:endParaRPr lang="en-US" sz="3200" dirty="0"/>
+          </a:p>
+        </p:txBody>
+      </p:sp>
+      <p:sp>
+        <p:nvSpPr>
+          <p:cNvPr id="159" name="TextBox 158"/>
+          <p:cNvSpPr txBox="1"/>
+          <p:nvPr/>
+        </p:nvSpPr>
+        <p:spPr>
+          <a:xfrm>
+            <a:off x="12815161" y="38345688"/>
+            <a:ext cx="362600" cy="584775"/>
+          </a:xfrm>
+          <a:prstGeom prst="rect">
+            <a:avLst/>
+          </a:prstGeom>
+          <a:noFill/>
+        </p:spPr>
+        <p:txBody>
+          <a:bodyPr wrap="none" rtlCol="0">
+            <a:spAutoFit/>
+          </a:bodyPr>
+          <a:lstStyle/>
+          <a:p>
+            <a:r>
+              <a:rPr lang="en-US" sz="3200" dirty="0" smtClean="0"/>
+              <a:t>x</a:t>
+            </a:r>
+            <a:endParaRPr lang="en-US" sz="3200" dirty="0"/>
+          </a:p>
+        </p:txBody>
+      </p:sp>
+      <p:sp>
+        <p:nvSpPr>
+          <p:cNvPr id="161" name="TextBox 160"/>
+          <p:cNvSpPr txBox="1"/>
+          <p:nvPr/>
+        </p:nvSpPr>
+        <p:spPr>
+          <a:xfrm>
+            <a:off x="10179149" y="38277108"/>
+            <a:ext cx="362600" cy="584775"/>
+          </a:xfrm>
+          <a:prstGeom prst="rect">
+            <a:avLst/>
+          </a:prstGeom>
+          <a:noFill/>
+        </p:spPr>
+        <p:txBody>
+          <a:bodyPr wrap="none" rtlCol="0">
+            <a:spAutoFit/>
+          </a:bodyPr>
+          <a:lstStyle/>
+          <a:p>
+            <a:r>
+              <a:rPr lang="en-US" sz="3200" dirty="0" smtClean="0"/>
+              <a:t>x</a:t>
+            </a:r>
+            <a:endParaRPr lang="en-US" sz="3200" dirty="0"/>
+          </a:p>
+        </p:txBody>
+      </p:sp>
+      <p:sp>
+        <p:nvSpPr>
+          <p:cNvPr id="162" name="5-Point Star 161">
+            <a:extLst>
+              <a:ext uri="{FF2B5EF4-FFF2-40B4-BE49-F238E27FC236}">
+                <a16:creationId xmlns:a16="http://schemas.microsoft.com/office/drawing/2014/main" xmlns="" id="{B583A645-FA5E-FD4B-BD40-AE889B17BDEB}"/>
+              </a:ext>
+            </a:extLst>
+          </p:cNvPr>
+          <p:cNvSpPr/>
+          <p:nvPr/>
+        </p:nvSpPr>
+        <p:spPr>
+          <a:xfrm>
+            <a:off x="11113766" y="37661499"/>
+            <a:ext cx="303405" cy="295079"/>
+          </a:xfrm>
+          <a:prstGeom prst="star5">
+            <a:avLst/>
+          </a:prstGeom>
+        </p:spPr>
+        <p:style>
+          <a:lnRef idx="2">
+            <a:schemeClr val="accent2">
+              <a:shade val="50000"/>
+            </a:schemeClr>
+          </a:lnRef>
+          <a:fillRef idx="1">
+            <a:schemeClr val="accent2"/>
+          </a:fillRef>
+          <a:effectRef idx="0">
+            <a:schemeClr val="accent2"/>
+          </a:effectRef>
+          <a:fontRef idx="minor">
+            <a:schemeClr val="lt1"/>
+          </a:fontRef>
+        </p:style>
+        <p:txBody>
+          <a:bodyPr rtlCol="0" anchor="ctr"/>
+          <a:lstStyle/>
+          <a:p>
+            <a:pPr algn="ctr"/>
+            <a:endParaRPr lang="da-DK"/>
+          </a:p>
+        </p:txBody>
+      </p:sp>
+      <p:sp>
+        <p:nvSpPr>
+          <p:cNvPr id="163" name="5-Point Star 162">
+            <a:extLst>
+              <a:ext uri="{FF2B5EF4-FFF2-40B4-BE49-F238E27FC236}">
+                <a16:creationId xmlns:a16="http://schemas.microsoft.com/office/drawing/2014/main" xmlns="" id="{B583A645-FA5E-FD4B-BD40-AE889B17BDEB}"/>
+              </a:ext>
+            </a:extLst>
+          </p:cNvPr>
+          <p:cNvSpPr/>
+          <p:nvPr/>
+        </p:nvSpPr>
+        <p:spPr>
+          <a:xfrm>
+            <a:off x="3596008" y="37678525"/>
+            <a:ext cx="303405" cy="295079"/>
+          </a:xfrm>
+          <a:prstGeom prst="star5">
+            <a:avLst/>
+          </a:prstGeom>
+        </p:spPr>
+        <p:style>
+          <a:lnRef idx="2">
+            <a:schemeClr val="accent2">
+              <a:shade val="50000"/>
+            </a:schemeClr>
+          </a:lnRef>
+          <a:fillRef idx="1">
+            <a:schemeClr val="accent2"/>
+          </a:fillRef>
+          <a:effectRef idx="0">
+            <a:schemeClr val="accent2"/>
+          </a:effectRef>
+          <a:fontRef idx="minor">
+            <a:schemeClr val="lt1"/>
+          </a:fontRef>
+        </p:style>
+        <p:txBody>
+          <a:bodyPr rtlCol="0" anchor="ctr"/>
+          <a:lstStyle/>
+          <a:p>
+            <a:pPr algn="ctr"/>
+            <a:endParaRPr lang="da-DK"/>
+          </a:p>
+        </p:txBody>
+      </p:sp>
+      <p:sp>
+        <p:nvSpPr>
+          <p:cNvPr id="164" name="TextBox 163"/>
+          <p:cNvSpPr txBox="1"/>
+          <p:nvPr/>
+        </p:nvSpPr>
+        <p:spPr>
+          <a:xfrm>
+            <a:off x="1503461" y="26869299"/>
+            <a:ext cx="393056" cy="584775"/>
+          </a:xfrm>
+          <a:prstGeom prst="rect">
+            <a:avLst/>
+          </a:prstGeom>
+          <a:noFill/>
+        </p:spPr>
+        <p:txBody>
+          <a:bodyPr wrap="none" rtlCol="0">
+            <a:spAutoFit/>
+          </a:bodyPr>
+          <a:lstStyle/>
+          <a:p>
+            <a:r>
+              <a:rPr lang="en-US" sz="3200" dirty="0" smtClean="0"/>
+              <a:t>1</a:t>
+            </a:r>
+            <a:endParaRPr lang="en-US" sz="3200" dirty="0"/>
+          </a:p>
+        </p:txBody>
+      </p:sp>
+      <p:sp>
+        <p:nvSpPr>
+          <p:cNvPr id="165" name="TextBox 164"/>
+          <p:cNvSpPr txBox="1"/>
+          <p:nvPr/>
+        </p:nvSpPr>
+        <p:spPr>
+          <a:xfrm>
+            <a:off x="3403311" y="26853873"/>
+            <a:ext cx="393056" cy="584775"/>
+          </a:xfrm>
+          <a:prstGeom prst="rect">
+            <a:avLst/>
+          </a:prstGeom>
+          <a:noFill/>
+        </p:spPr>
+        <p:txBody>
+          <a:bodyPr wrap="none" rtlCol="0">
+            <a:spAutoFit/>
+          </a:bodyPr>
+          <a:lstStyle/>
+          <a:p>
+            <a:r>
+              <a:rPr lang="en-US" sz="3200" dirty="0" smtClean="0"/>
+              <a:t>2</a:t>
+            </a:r>
+            <a:endParaRPr lang="en-US" sz="3200" dirty="0"/>
+          </a:p>
+        </p:txBody>
+      </p:sp>
+      <p:sp>
+        <p:nvSpPr>
+          <p:cNvPr id="166" name="TextBox 165"/>
+          <p:cNvSpPr txBox="1"/>
+          <p:nvPr/>
+        </p:nvSpPr>
+        <p:spPr>
+          <a:xfrm>
+            <a:off x="5276885" y="26880475"/>
+            <a:ext cx="393056" cy="584775"/>
+          </a:xfrm>
+          <a:prstGeom prst="rect">
+            <a:avLst/>
+          </a:prstGeom>
+          <a:noFill/>
+        </p:spPr>
+        <p:txBody>
+          <a:bodyPr wrap="none" rtlCol="0">
+            <a:spAutoFit/>
+          </a:bodyPr>
+          <a:lstStyle/>
+          <a:p>
+            <a:r>
+              <a:rPr lang="en-US" sz="3200" dirty="0" smtClean="0"/>
+              <a:t>3</a:t>
+            </a:r>
+            <a:endParaRPr lang="en-US" sz="3200" dirty="0"/>
+          </a:p>
+        </p:txBody>
+      </p:sp>
+      <p:sp>
+        <p:nvSpPr>
+          <p:cNvPr id="167" name="TextBox 166"/>
+          <p:cNvSpPr txBox="1"/>
+          <p:nvPr/>
+        </p:nvSpPr>
+        <p:spPr>
+          <a:xfrm>
+            <a:off x="12201941" y="28493375"/>
+            <a:ext cx="373820" cy="523220"/>
+          </a:xfrm>
+          <a:prstGeom prst="rect">
+            <a:avLst/>
+          </a:prstGeom>
+          <a:noFill/>
+        </p:spPr>
+        <p:txBody>
+          <a:bodyPr wrap="none" rtlCol="0">
+            <a:spAutoFit/>
+          </a:bodyPr>
+          <a:lstStyle/>
+          <a:p>
+            <a:r>
+              <a:rPr lang="en-US" sz="2800" smtClean="0"/>
+              <a:t>1</a:t>
+            </a:r>
+            <a:endParaRPr lang="en-US" sz="2800" dirty="0"/>
+          </a:p>
+        </p:txBody>
+      </p:sp>
+      <p:sp>
+        <p:nvSpPr>
+          <p:cNvPr id="168" name="TextBox 167"/>
+          <p:cNvSpPr txBox="1"/>
+          <p:nvPr/>
+        </p:nvSpPr>
+        <p:spPr>
+          <a:xfrm>
+            <a:off x="12482357" y="28726039"/>
+            <a:ext cx="367408" cy="523220"/>
+          </a:xfrm>
+          <a:prstGeom prst="rect">
+            <a:avLst/>
+          </a:prstGeom>
+          <a:noFill/>
+        </p:spPr>
+        <p:txBody>
+          <a:bodyPr wrap="none" rtlCol="0">
+            <a:spAutoFit/>
+          </a:bodyPr>
+          <a:lstStyle/>
+          <a:p>
+            <a:r>
+              <a:rPr lang="en-US" sz="2800" dirty="0"/>
+              <a:t>2</a:t>
+            </a:r>
+          </a:p>
+        </p:txBody>
+      </p:sp>
+      <p:sp>
+        <p:nvSpPr>
+          <p:cNvPr id="169" name="TextBox 168"/>
+          <p:cNvSpPr txBox="1"/>
+          <p:nvPr/>
+        </p:nvSpPr>
+        <p:spPr>
+          <a:xfrm>
+            <a:off x="12762773" y="28968355"/>
+            <a:ext cx="367408" cy="523220"/>
+          </a:xfrm>
+          <a:prstGeom prst="rect">
+            <a:avLst/>
+          </a:prstGeom>
+          <a:noFill/>
+        </p:spPr>
+        <p:txBody>
+          <a:bodyPr wrap="none" rtlCol="0">
+            <a:spAutoFit/>
+          </a:bodyPr>
+          <a:lstStyle/>
+          <a:p>
+            <a:r>
+              <a:rPr lang="en-US" sz="2800" dirty="0"/>
+              <a:t>3</a:t>
+            </a:r>
+          </a:p>
+        </p:txBody>
+      </p:sp>
+      <p:pic>
+        <p:nvPicPr>
+          <p:cNvPr id="170" name="Graphic 13" descr="HeadWithGears">
+            <a:extLst>
+              <a:ext uri="{FF2B5EF4-FFF2-40B4-BE49-F238E27FC236}">
+                <a16:creationId xmlns:a16="http://schemas.microsoft.com/office/drawing/2014/main" xmlns="" id="{F1734F00-B7B6-2042-904B-EB85E52832BE}"/>
+              </a:ext>
+            </a:extLst>
+          </p:cNvPr>
+          <p:cNvPicPr>
+            <a:picLocks noChangeAspect="1"/>
+          </p:cNvPicPr>
+          <p:nvPr/>
+        </p:nvPicPr>
+        <p:blipFill>
+          <a:blip r:embed="rId11">
+            <a:extLst>
+              <a:ext uri="{96DAC541-7B7A-43D3-8B79-37D633B846F1}">
+                <asvg:svgBlip xmlns:asvg="http://schemas.microsoft.com/office/drawing/2016/SVG/main" xmlns="" r:embed="rId12"/>
+              </a:ext>
+            </a:extLst>
+          </a:blip>
+          <a:stretch>
+            <a:fillRect/>
+          </a:stretch>
+        </p:blipFill>
+        <p:spPr>
+          <a:xfrm>
+            <a:off x="6871428" y="29622051"/>
+            <a:ext cx="883089" cy="883089"/>
+          </a:xfrm>
+          <a:prstGeom prst="rect">
+            <a:avLst/>
+          </a:prstGeom>
+        </p:spPr>
+      </p:pic>
+      <p:pic>
+        <p:nvPicPr>
+          <p:cNvPr id="171" name="Graphic 10" descr="Atom">
+            <a:extLst>
+              <a:ext uri="{FF2B5EF4-FFF2-40B4-BE49-F238E27FC236}">
+                <a16:creationId xmlns:a16="http://schemas.microsoft.com/office/drawing/2014/main" xmlns="" id="{803445ED-BA53-F447-93B7-06103930BE36}"/>
+              </a:ext>
+            </a:extLst>
+          </p:cNvPr>
+          <p:cNvPicPr>
+            <a:picLocks noChangeAspect="1"/>
+          </p:cNvPicPr>
+          <p:nvPr/>
+        </p:nvPicPr>
+        <p:blipFill>
+          <a:blip r:embed="rId13">
+            <a:extLst>
+              <a:ext uri="{96DAC541-7B7A-43D3-8B79-37D633B846F1}">
+                <asvg:svgBlip xmlns:asvg="http://schemas.microsoft.com/office/drawing/2016/SVG/main" xmlns="" r:embed="rId14"/>
+              </a:ext>
+            </a:extLst>
+          </a:blip>
+          <a:stretch>
+            <a:fillRect/>
+          </a:stretch>
+        </p:blipFill>
+        <p:spPr>
+          <a:xfrm>
+            <a:off x="3992331" y="34279023"/>
+            <a:ext cx="873890" cy="873890"/>
+          </a:xfrm>
+          <a:prstGeom prst="rect">
+            <a:avLst/>
+          </a:prstGeom>
+        </p:spPr>
+      </p:pic>
+      <p:pic>
+        <p:nvPicPr>
+          <p:cNvPr id="172" name="Graphic 8" descr="Binoculars">
+            <a:extLst>
+              <a:ext uri="{FF2B5EF4-FFF2-40B4-BE49-F238E27FC236}">
+                <a16:creationId xmlns:a16="http://schemas.microsoft.com/office/drawing/2014/main" xmlns="" id="{0307FDB9-D726-D54A-8E96-5C778AD4B9A7}"/>
+              </a:ext>
+            </a:extLst>
+          </p:cNvPr>
+          <p:cNvPicPr>
+            <a:picLocks noChangeAspect="1"/>
+          </p:cNvPicPr>
+          <p:nvPr/>
+        </p:nvPicPr>
+        <p:blipFill>
+          <a:blip r:embed="rId15">
+            <a:extLst>
+              <a:ext uri="{96DAC541-7B7A-43D3-8B79-37D633B846F1}">
+                <asvg:svgBlip xmlns:asvg="http://schemas.microsoft.com/office/drawing/2016/SVG/main" xmlns="" r:embed="rId16"/>
+              </a:ext>
+            </a:extLst>
+          </a:blip>
+          <a:stretch>
+            <a:fillRect/>
+          </a:stretch>
+        </p:blipFill>
+        <p:spPr>
+          <a:xfrm>
+            <a:off x="11387894" y="34298351"/>
+            <a:ext cx="918442" cy="918442"/>
+          </a:xfrm>
+          <a:prstGeom prst="rect">
+            <a:avLst/>
+          </a:prstGeom>
+        </p:spPr>
+      </p:pic>
+      <p:pic>
+        <p:nvPicPr>
+          <p:cNvPr id="173" name="Picture 172"/>
+          <p:cNvPicPr>
+            <a:picLocks noChangeAspect="1"/>
+          </p:cNvPicPr>
+          <p:nvPr/>
+        </p:nvPicPr>
+        <p:blipFill>
+          <a:blip r:embed="rId17">
+            <a:extLst>
+              <a:ext uri="{28A0092B-C50C-407E-A947-70E740481C1C}">
+                <a14:useLocalDpi xmlns:a14="http://schemas.microsoft.com/office/drawing/2010/main" val="0"/>
+              </a:ext>
+            </a:extLst>
+          </a:blip>
+          <a:stretch>
+            <a:fillRect/>
+          </a:stretch>
+        </p:blipFill>
+        <p:spPr>
+          <a:xfrm>
+            <a:off x="5618496" y="17768817"/>
+            <a:ext cx="3962870" cy="3962870"/>
+          </a:xfrm>
+          <a:prstGeom prst="rect">
+            <a:avLst/>
+          </a:prstGeom>
+        </p:spPr>
+      </p:pic>
+      <p:cxnSp>
+        <p:nvCxnSpPr>
+          <p:cNvPr id="175" name="Straight Arrow Connector 174"/>
+          <p:cNvCxnSpPr/>
+          <p:nvPr/>
+        </p:nvCxnSpPr>
+        <p:spPr>
+          <a:xfrm>
+            <a:off x="6644463" y="18951043"/>
+            <a:ext cx="782852" cy="1407080"/>
+          </a:xfrm>
+          <a:prstGeom prst="straightConnector1">
+            <a:avLst/>
+          </a:prstGeom>
+          <a:ln w="79375">
+            <a:tailEnd type="arrow" w="med" len="med"/>
+          </a:ln>
+        </p:spPr>
+        <p:style>
+          <a:lnRef idx="3">
+            <a:schemeClr val="dk1"/>
+          </a:lnRef>
+          <a:fillRef idx="0">
+            <a:schemeClr val="dk1"/>
+          </a:fillRef>
+          <a:effectRef idx="2">
+            <a:schemeClr val="dk1"/>
+          </a:effectRef>
+          <a:fontRef idx="minor">
+            <a:schemeClr val="tx1"/>
+          </a:fontRef>
+        </p:style>
+      </p:cxnSp>
+      <p:cxnSp>
+        <p:nvCxnSpPr>
+          <p:cNvPr id="177" name="Straight Arrow Connector 176"/>
+          <p:cNvCxnSpPr/>
+          <p:nvPr/>
+        </p:nvCxnSpPr>
+        <p:spPr>
+          <a:xfrm flipH="1">
+            <a:off x="7838263" y="18951043"/>
+            <a:ext cx="782852" cy="1407080"/>
+          </a:xfrm>
+          <a:prstGeom prst="straightConnector1">
+            <a:avLst/>
+          </a:prstGeom>
+          <a:ln w="79375">
+            <a:tailEnd type="arrow" w="med" len="med"/>
+          </a:ln>
+        </p:spPr>
+        <p:style>
+          <a:lnRef idx="3">
+            <a:schemeClr val="dk1"/>
+          </a:lnRef>
+          <a:fillRef idx="0">
+            <a:schemeClr val="dk1"/>
+          </a:fillRef>
+          <a:effectRef idx="2">
+            <a:schemeClr val="dk1"/>
+          </a:effectRef>
+          <a:fontRef idx="minor">
+            <a:schemeClr val="tx1"/>
+          </a:fontRef>
+        </p:style>
+      </p:cxnSp>
+      <p:sp>
+        <p:nvSpPr>
+          <p:cNvPr id="178" name="TextBox 177"/>
+          <p:cNvSpPr txBox="1"/>
+          <p:nvPr/>
+        </p:nvSpPr>
+        <p:spPr>
+          <a:xfrm>
+            <a:off x="6474791" y="19856918"/>
+            <a:ext cx="667170" cy="707886"/>
+          </a:xfrm>
+          <a:prstGeom prst="rect">
+            <a:avLst/>
+          </a:prstGeom>
+          <a:noFill/>
+        </p:spPr>
+        <p:txBody>
+          <a:bodyPr wrap="none" rtlCol="0">
+            <a:spAutoFit/>
+          </a:bodyPr>
+          <a:lstStyle/>
+          <a:p>
+            <a:r>
+              <a:rPr lang="en-US" sz="4000" dirty="0" smtClean="0"/>
+              <a:t>x1</a:t>
+            </a:r>
+            <a:endParaRPr lang="en-US" sz="4000" dirty="0"/>
+          </a:p>
+        </p:txBody>
+      </p:sp>
+      <p:sp>
+        <p:nvSpPr>
+          <p:cNvPr id="179" name="TextBox 178"/>
+          <p:cNvSpPr txBox="1"/>
+          <p:nvPr/>
+        </p:nvSpPr>
+        <p:spPr>
+          <a:xfrm>
+            <a:off x="8252791" y="19831518"/>
+            <a:ext cx="667170" cy="707886"/>
+          </a:xfrm>
+          <a:prstGeom prst="rect">
+            <a:avLst/>
+          </a:prstGeom>
+          <a:noFill/>
+        </p:spPr>
+        <p:txBody>
+          <a:bodyPr wrap="none" rtlCol="0">
+            <a:spAutoFit/>
+          </a:bodyPr>
+          <a:lstStyle/>
+          <a:p>
+            <a:r>
+              <a:rPr lang="en-US" sz="4000" dirty="0" smtClean="0"/>
+              <a:t>x2</a:t>
+            </a:r>
+            <a:endParaRPr lang="en-US" sz="4000" dirty="0"/>
+          </a:p>
+        </p:txBody>
+      </p:sp>
+      <p:sp>
+        <p:nvSpPr>
+          <p:cNvPr id="181" name="Oval 180"/>
+          <p:cNvSpPr/>
+          <p:nvPr/>
+        </p:nvSpPr>
+        <p:spPr>
+          <a:xfrm>
+            <a:off x="11223890" y="31657025"/>
+            <a:ext cx="144000" cy="144000"/>
+          </a:xfrm>
+          <a:prstGeom prst="ellipse">
+            <a:avLst/>
+          </a:prstGeom>
+          <a:solidFill>
+            <a:srgbClr val="FF0000"/>
+          </a:solidFill>
+          <a:ln>
+            <a:noFill/>
+          </a:ln>
+        </p:spPr>
+        <p:style>
+          <a:lnRef idx="2">
+            <a:schemeClr val="accent1">
+              <a:shade val="50000"/>
+            </a:schemeClr>
+          </a:lnRef>
+          <a:fillRef idx="1">
+            <a:schemeClr val="accent1"/>
+          </a:fillRef>
+          <a:effectRef idx="0">
+            <a:schemeClr val="accent1"/>
+          </a:effectRef>
+          <a:fontRef idx="minor">
+            <a:schemeClr val="lt1"/>
+          </a:fontRef>
+        </p:style>
+        <p:txBody>
+          <a:bodyPr rtlCol="0" anchor="ctr"/>
+          <a:lstStyle/>
+          <a:p>
+            <a:pPr algn="ctr"/>
+            <a:endParaRPr lang="en-US"/>
+          </a:p>
+        </p:txBody>
+      </p:sp>
+      <p:sp>
+        <p:nvSpPr>
+          <p:cNvPr id="182" name="TextBox 181"/>
+          <p:cNvSpPr txBox="1"/>
+          <p:nvPr/>
+        </p:nvSpPr>
+        <p:spPr>
+          <a:xfrm>
+            <a:off x="11464735" y="31408188"/>
+            <a:ext cx="2618987" cy="1077218"/>
+          </a:xfrm>
+          <a:prstGeom prst="rect">
+            <a:avLst/>
+          </a:prstGeom>
+          <a:noFill/>
+        </p:spPr>
+        <p:txBody>
+          <a:bodyPr wrap="none" rtlCol="0">
+            <a:spAutoFit/>
+          </a:bodyPr>
+          <a:lstStyle/>
+          <a:p>
+            <a:r>
+              <a:rPr lang="da-DK" sz="3200" dirty="0" smtClean="0"/>
+              <a:t>= </a:t>
+            </a:r>
+            <a:r>
+              <a:rPr lang="da-DK" sz="3200" dirty="0" err="1" smtClean="0"/>
+              <a:t>Current</a:t>
+            </a:r>
+            <a:endParaRPr lang="da-DK" sz="3200" dirty="0"/>
+          </a:p>
+          <a:p>
+            <a:r>
+              <a:rPr lang="da-DK" sz="3200" dirty="0" smtClean="0"/>
+              <a:t>   Training data</a:t>
+            </a:r>
+            <a:endParaRPr lang="en-US" sz="3200" dirty="0"/>
+          </a:p>
+        </p:txBody>
+      </p:sp>
+      <p:cxnSp>
+        <p:nvCxnSpPr>
+          <p:cNvPr id="183" name="Straight Arrow Connector 182"/>
+          <p:cNvCxnSpPr/>
+          <p:nvPr/>
+        </p:nvCxnSpPr>
+        <p:spPr>
+          <a:xfrm flipH="1" flipV="1">
+            <a:off x="12229042" y="30567598"/>
+            <a:ext cx="0" cy="749319"/>
+          </a:xfrm>
+          <a:prstGeom prst="straightConnector1">
+            <a:avLst/>
+          </a:prstGeom>
+          <a:ln w="57150">
+            <a:tailEnd type="stealth" w="lg" len="lg"/>
+          </a:ln>
+        </p:spPr>
+        <p:style>
+          <a:lnRef idx="3">
+            <a:schemeClr val="dk1"/>
+          </a:lnRef>
+          <a:fillRef idx="0">
+            <a:schemeClr val="dk1"/>
+          </a:fillRef>
+          <a:effectRef idx="2">
+            <a:schemeClr val="dk1"/>
+          </a:effectRef>
+          <a:fontRef idx="minor">
+            <a:schemeClr val="tx1"/>
+          </a:fontRef>
+        </p:style>
+      </p:cxnSp>
+      <p:pic>
+        <p:nvPicPr>
+          <p:cNvPr id="190" name="Picture 189"/>
+          <p:cNvPicPr>
+            <a:picLocks noChangeAspect="1"/>
+          </p:cNvPicPr>
+          <p:nvPr/>
+        </p:nvPicPr>
+        <p:blipFill>
+          <a:blip r:embed="rId18">
+            <a:extLst>
+              <a:ext uri="{28A0092B-C50C-407E-A947-70E740481C1C}">
+                <a14:useLocalDpi xmlns:a14="http://schemas.microsoft.com/office/drawing/2010/main" val="0"/>
+              </a:ext>
+            </a:extLst>
+          </a:blip>
+          <a:stretch>
+            <a:fillRect/>
+          </a:stretch>
+        </p:blipFill>
+        <p:spPr>
+          <a:xfrm>
+            <a:off x="15936539" y="10379989"/>
+            <a:ext cx="6644795" cy="4987200"/>
+          </a:xfrm>
+          <a:prstGeom prst="rect">
+            <a:avLst/>
+          </a:prstGeom>
+        </p:spPr>
+      </p:pic>
+      <p:cxnSp>
+        <p:nvCxnSpPr>
+          <p:cNvPr id="192" name="Straight Arrow Connector 191"/>
+          <p:cNvCxnSpPr/>
+          <p:nvPr/>
+        </p:nvCxnSpPr>
+        <p:spPr>
+          <a:xfrm flipH="1">
+            <a:off x="21975070" y="11402417"/>
+            <a:ext cx="340242" cy="0"/>
+          </a:xfrm>
+          <a:prstGeom prst="straightConnector1">
+            <a:avLst/>
+          </a:prstGeom>
+          <a:ln w="38100">
+            <a:tailEnd type="triangle"/>
+          </a:ln>
+        </p:spPr>
+        <p:style>
+          <a:lnRef idx="3">
+            <a:schemeClr val="dk1"/>
+          </a:lnRef>
+          <a:fillRef idx="0">
+            <a:schemeClr val="dk1"/>
+          </a:fillRef>
+          <a:effectRef idx="2">
+            <a:schemeClr val="dk1"/>
+          </a:effectRef>
+          <a:fontRef idx="minor">
+            <a:schemeClr val="tx1"/>
+          </a:fontRef>
+        </p:style>
+      </p:cxnSp>
+      <mc:AlternateContent xmlns:mc="http://schemas.openxmlformats.org/markup-compatibility/2006">
+        <mc:Choice xmlns:a14="http://schemas.microsoft.com/office/drawing/2010/main" Requires="a14">
+          <p:sp>
+            <p:nvSpPr>
+              <p:cNvPr id="193" name="TextBox 192"/>
+              <p:cNvSpPr txBox="1"/>
+              <p:nvPr/>
+            </p:nvSpPr>
+            <p:spPr>
+              <a:xfrm>
+                <a:off x="22276560" y="11110029"/>
+                <a:ext cx="538544" cy="584775"/>
+              </a:xfrm>
+              <a:prstGeom prst="rect">
+                <a:avLst/>
+              </a:prstGeom>
+              <a:noFill/>
+            </p:spPr>
+            <p:txBody>
+              <a:bodyPr wrap="none" rtlCol="0">
+                <a:spAutoFit/>
+              </a:bodyPr>
+              <a:lstStyle/>
+              <a:p>
+                <a14:m>
+                  <m:oMathPara xmlns:m="http://schemas.openxmlformats.org/officeDocument/2006/math">
+                    <m:oMathParaPr>
+                      <m:jc m:val="centerGroup"/>
+                    </m:oMathParaPr>
+                    <m:oMath xmlns:m="http://schemas.openxmlformats.org/officeDocument/2006/math">
+                      <m:r>
+                        <a:rPr lang="en-US" sz="3200" b="0" i="1" smtClean="0">
+                          <a:latin typeface="Cambria Math" charset="0"/>
+                        </a:rPr>
+                        <m:t>𝛽</m:t>
+                      </m:r>
+                    </m:oMath>
+                  </m:oMathPara>
+                </a14:m>
+                <a:endParaRPr lang="en-US" sz="3200" dirty="0"/>
+              </a:p>
+            </p:txBody>
+          </p:sp>
+        </mc:Choice>
+        <mc:Fallback>
+          <p:sp>
+            <p:nvSpPr>
+              <p:cNvPr id="193" name="TextBox 192"/>
+              <p:cNvSpPr txBox="1">
+                <a:spLocks noRot="1" noChangeAspect="1" noMove="1" noResize="1" noEditPoints="1" noAdjustHandles="1" noChangeArrowheads="1" noChangeShapeType="1" noTextEdit="1"/>
+              </p:cNvSpPr>
+              <p:nvPr/>
+            </p:nvSpPr>
+            <p:spPr>
+              <a:xfrm>
+                <a:off x="22276560" y="11110029"/>
+                <a:ext cx="538544" cy="584775"/>
+              </a:xfrm>
+              <a:prstGeom prst="rect">
+                <a:avLst/>
+              </a:prstGeom>
+              <a:blipFill rotWithShape="0">
+                <a:blip r:embed="rId19"/>
+                <a:stretch>
+                  <a:fillRect/>
+                </a:stretch>
+              </a:blipFill>
+            </p:spPr>
+            <p:txBody>
+              <a:bodyPr/>
+              <a:lstStyle/>
+              <a:p>
+                <a:r>
+                  <a:rPr lang="en-US">
+                    <a:noFill/>
+                  </a:rPr>
+                  <a:t> </a:t>
+                </a:r>
+              </a:p>
+            </p:txBody>
+          </p:sp>
+        </mc:Fallback>
+      </mc:AlternateContent>
+      <p:cxnSp>
+        <p:nvCxnSpPr>
+          <p:cNvPr id="194" name="Straight Arrow Connector 193"/>
+          <p:cNvCxnSpPr/>
+          <p:nvPr/>
+        </p:nvCxnSpPr>
+        <p:spPr>
+          <a:xfrm flipH="1" flipV="1">
+            <a:off x="19834450" y="13015752"/>
+            <a:ext cx="1057050" cy="0"/>
+          </a:xfrm>
+          <a:prstGeom prst="straightConnector1">
+            <a:avLst/>
+          </a:prstGeom>
+          <a:ln w="38100">
+            <a:headEnd type="triangle"/>
+            <a:tailEnd type="triangle"/>
+          </a:ln>
+        </p:spPr>
+        <p:style>
+          <a:lnRef idx="3">
+            <a:schemeClr val="dk1"/>
+          </a:lnRef>
+          <a:fillRef idx="0">
+            <a:schemeClr val="dk1"/>
+          </a:fillRef>
+          <a:effectRef idx="2">
+            <a:schemeClr val="dk1"/>
+          </a:effectRef>
+          <a:fontRef idx="minor">
+            <a:schemeClr val="tx1"/>
+          </a:fontRef>
+        </p:style>
+      </p:cxnSp>
+      <mc:AlternateContent xmlns:mc="http://schemas.openxmlformats.org/markup-compatibility/2006">
+        <mc:Choice xmlns:a14="http://schemas.microsoft.com/office/drawing/2010/main" Requires="a14">
+          <p:sp>
+            <p:nvSpPr>
+              <p:cNvPr id="198" name="TextBox 197"/>
+              <p:cNvSpPr txBox="1"/>
+              <p:nvPr/>
+            </p:nvSpPr>
+            <p:spPr>
+              <a:xfrm>
+                <a:off x="20028768" y="12500499"/>
+                <a:ext cx="755720" cy="584775"/>
+              </a:xfrm>
+              <a:prstGeom prst="rect">
+                <a:avLst/>
+              </a:prstGeom>
+              <a:noFill/>
+            </p:spPr>
+            <p:txBody>
+              <a:bodyPr wrap="none" rtlCol="0">
+                <a:spAutoFit/>
+              </a:bodyPr>
+              <a:lstStyle/>
+              <a:p>
+                <a14:m>
+                  <m:oMathPara xmlns:m="http://schemas.openxmlformats.org/officeDocument/2006/math">
+                    <m:oMathParaPr>
+                      <m:jc m:val="centerGroup"/>
+                    </m:oMathParaPr>
+                    <m:oMath xmlns:m="http://schemas.openxmlformats.org/officeDocument/2006/math">
+                      <m:r>
+                        <a:rPr lang="en-US" sz="3200" b="0" i="1" smtClean="0">
+                          <a:latin typeface="Cambria Math" charset="0"/>
+                        </a:rPr>
+                        <m:t>2</m:t>
+                      </m:r>
+                      <m:r>
+                        <a:rPr lang="en-US" sz="3200" b="0" i="1" smtClean="0">
+                          <a:latin typeface="Cambria Math" charset="0"/>
+                        </a:rPr>
+                        <m:t>𝜎</m:t>
+                      </m:r>
+                    </m:oMath>
+                  </m:oMathPara>
+                </a14:m>
+                <a:endParaRPr lang="en-US" sz="3200" dirty="0"/>
+              </a:p>
+            </p:txBody>
+          </p:sp>
+        </mc:Choice>
+        <mc:Fallback>
+          <p:sp>
+            <p:nvSpPr>
+              <p:cNvPr id="198" name="TextBox 197"/>
+              <p:cNvSpPr txBox="1">
+                <a:spLocks noRot="1" noChangeAspect="1" noMove="1" noResize="1" noEditPoints="1" noAdjustHandles="1" noChangeArrowheads="1" noChangeShapeType="1" noTextEdit="1"/>
+              </p:cNvSpPr>
+              <p:nvPr/>
+            </p:nvSpPr>
+            <p:spPr>
+              <a:xfrm>
+                <a:off x="20028768" y="12500499"/>
+                <a:ext cx="755720" cy="584775"/>
+              </a:xfrm>
+              <a:prstGeom prst="rect">
+                <a:avLst/>
+              </a:prstGeom>
+              <a:blipFill rotWithShape="0">
+                <a:blip r:embed="rId20"/>
+                <a:stretch>
+                  <a:fillRect/>
+                </a:stretch>
+              </a:blipFill>
+            </p:spPr>
+            <p:txBody>
+              <a:bodyPr/>
+              <a:lstStyle/>
+              <a:p>
+                <a:r>
+                  <a:rPr lang="en-US">
+                    <a:noFill/>
+                  </a:rPr>
+                  <a:t> </a:t>
+                </a:r>
+              </a:p>
+            </p:txBody>
+          </p:sp>
+        </mc:Fallback>
+      </mc:AlternateContent>
+      <mc:AlternateContent xmlns:mc="http://schemas.openxmlformats.org/markup-compatibility/2006">
+        <mc:Choice xmlns:a14="http://schemas.microsoft.com/office/drawing/2010/main" Requires="a14">
+          <p:sp>
+            <p:nvSpPr>
+              <p:cNvPr id="199" name="TextBox 198"/>
+              <p:cNvSpPr txBox="1"/>
+              <p:nvPr/>
+            </p:nvSpPr>
+            <p:spPr>
+              <a:xfrm>
+                <a:off x="20087138" y="10214431"/>
+                <a:ext cx="1678601" cy="584775"/>
+              </a:xfrm>
+              <a:prstGeom prst="rect">
+                <a:avLst/>
+              </a:prstGeom>
+              <a:noFill/>
+            </p:spPr>
+            <p:txBody>
+              <a:bodyPr wrap="none" rtlCol="0">
+                <a:spAutoFit/>
+              </a:bodyPr>
+              <a:lstStyle/>
+              <a:p>
+                <a14:m>
+                  <m:oMathPara xmlns:m="http://schemas.openxmlformats.org/officeDocument/2006/math">
+                    <m:oMathParaPr>
+                      <m:jc m:val="centerGroup"/>
+                    </m:oMathParaPr>
+                    <m:oMath xmlns:m="http://schemas.openxmlformats.org/officeDocument/2006/math">
+                      <m:r>
+                        <a:rPr lang="da-DK" sz="3200" i="1">
+                          <a:latin typeface="Cambria Math" charset="0"/>
+                        </a:rPr>
+                        <m:t>𝐾</m:t>
+                      </m:r>
+                      <m:d>
+                        <m:dPr>
+                          <m:ctrlPr>
+                            <a:rPr lang="en-GB" sz="3200" i="1">
+                              <a:latin typeface="Cambria Math" charset="0"/>
+                            </a:rPr>
+                          </m:ctrlPr>
+                        </m:dPr>
+                        <m:e>
+                          <m:r>
+                            <a:rPr lang="da-DK" sz="3200" b="1" i="1">
+                              <a:latin typeface="Cambria Math" charset="0"/>
+                            </a:rPr>
+                            <m:t>𝒙</m:t>
+                          </m:r>
+                          <m:r>
+                            <a:rPr lang="en-GB" sz="3200" i="1">
+                              <a:latin typeface="Cambria Math" charset="0"/>
+                            </a:rPr>
+                            <m:t>,</m:t>
+                          </m:r>
+                          <m:sSub>
+                            <m:sSubPr>
+                              <m:ctrlPr>
+                                <a:rPr lang="en-GB" sz="3200" i="1">
+                                  <a:latin typeface="Cambria Math" charset="0"/>
+                                </a:rPr>
+                              </m:ctrlPr>
+                            </m:sSubPr>
+                            <m:e>
+                              <m:r>
+                                <a:rPr lang="da-DK" sz="3200" b="1" i="1">
+                                  <a:latin typeface="Cambria Math" charset="0"/>
+                                </a:rPr>
+                                <m:t>𝒙</m:t>
+                              </m:r>
+                            </m:e>
+                            <m:sub>
+                              <m:r>
+                                <a:rPr lang="da-DK" sz="3200" i="1">
+                                  <a:latin typeface="Cambria Math" charset="0"/>
+                                </a:rPr>
+                                <m:t>𝑖</m:t>
+                              </m:r>
+                            </m:sub>
+                          </m:sSub>
+                        </m:e>
+                      </m:d>
+                    </m:oMath>
+                  </m:oMathPara>
+                </a14:m>
+                <a:endParaRPr lang="en-US" sz="3200" dirty="0"/>
+              </a:p>
+            </p:txBody>
+          </p:sp>
+        </mc:Choice>
+        <mc:Fallback>
+          <p:sp>
+            <p:nvSpPr>
+              <p:cNvPr id="199" name="TextBox 198"/>
+              <p:cNvSpPr txBox="1">
+                <a:spLocks noRot="1" noChangeAspect="1" noMove="1" noResize="1" noEditPoints="1" noAdjustHandles="1" noChangeArrowheads="1" noChangeShapeType="1" noTextEdit="1"/>
+              </p:cNvSpPr>
+              <p:nvPr/>
+            </p:nvSpPr>
+            <p:spPr>
+              <a:xfrm>
+                <a:off x="20087138" y="10214431"/>
+                <a:ext cx="1678601" cy="584775"/>
+              </a:xfrm>
+              <a:prstGeom prst="rect">
+                <a:avLst/>
+              </a:prstGeom>
+              <a:blipFill rotWithShape="0">
+                <a:blip r:embed="rId21"/>
+                <a:stretch>
+                  <a:fillRect/>
+                </a:stretch>
+              </a:blipFill>
+            </p:spPr>
+            <p:txBody>
+              <a:bodyPr/>
+              <a:lstStyle/>
+              <a:p>
+                <a:r>
+                  <a:rPr lang="en-US">
+                    <a:noFill/>
+                  </a:rPr>
+                  <a:t> </a:t>
+                </a:r>
+              </a:p>
+            </p:txBody>
+          </p:sp>
+        </mc:Fallback>
+      </mc:AlternateContent>
+      <mc:AlternateContent xmlns:mc="http://schemas.openxmlformats.org/markup-compatibility/2006">
+        <mc:Choice xmlns:a14="http://schemas.microsoft.com/office/drawing/2010/main" Requires="a14">
+          <p:sp>
+            <p:nvSpPr>
+              <p:cNvPr id="200" name="TextBox 199"/>
+              <p:cNvSpPr txBox="1"/>
+              <p:nvPr/>
+            </p:nvSpPr>
+            <p:spPr>
+              <a:xfrm>
+                <a:off x="20100919" y="14091692"/>
+                <a:ext cx="642547" cy="584775"/>
+              </a:xfrm>
+              <a:prstGeom prst="rect">
+                <a:avLst/>
+              </a:prstGeom>
+              <a:noFill/>
+            </p:spPr>
+            <p:txBody>
+              <a:bodyPr wrap="none" rtlCol="0">
+                <a:spAutoFit/>
+              </a:bodyPr>
+              <a:lstStyle/>
+              <a:p>
+                <a14:m>
+                  <m:oMathPara xmlns:m="http://schemas.openxmlformats.org/officeDocument/2006/math">
+                    <m:oMathParaPr>
+                      <m:jc m:val="centerGroup"/>
+                    </m:oMathParaPr>
+                    <m:oMath xmlns:m="http://schemas.openxmlformats.org/officeDocument/2006/math">
+                      <m:sSub>
+                        <m:sSubPr>
+                          <m:ctrlPr>
+                            <a:rPr lang="en-US" sz="3200" b="1" i="1" smtClean="0">
+                              <a:latin typeface="Cambria Math" charset="0"/>
+                            </a:rPr>
+                          </m:ctrlPr>
+                        </m:sSubPr>
+                        <m:e>
+                          <m:r>
+                            <a:rPr lang="en-US" sz="3200" b="1" i="1" smtClean="0">
+                              <a:latin typeface="Cambria Math" charset="0"/>
+                            </a:rPr>
+                            <m:t>𝒙</m:t>
+                          </m:r>
+                        </m:e>
+                        <m:sub>
+                          <m:r>
+                            <a:rPr lang="en-US" sz="3200" b="0" i="1" smtClean="0">
+                              <a:latin typeface="Cambria Math" charset="0"/>
+                            </a:rPr>
+                            <m:t>𝑖</m:t>
+                          </m:r>
+                        </m:sub>
+                      </m:sSub>
+                    </m:oMath>
+                  </m:oMathPara>
+                </a14:m>
+                <a:endParaRPr lang="en-US" sz="3200" b="1" dirty="0"/>
+              </a:p>
+            </p:txBody>
+          </p:sp>
+        </mc:Choice>
+        <mc:Fallback>
+          <p:sp>
+            <p:nvSpPr>
+              <p:cNvPr id="200" name="TextBox 199"/>
+              <p:cNvSpPr txBox="1">
+                <a:spLocks noRot="1" noChangeAspect="1" noMove="1" noResize="1" noEditPoints="1" noAdjustHandles="1" noChangeArrowheads="1" noChangeShapeType="1" noTextEdit="1"/>
+              </p:cNvSpPr>
+              <p:nvPr/>
+            </p:nvSpPr>
+            <p:spPr>
+              <a:xfrm>
+                <a:off x="20100919" y="14091692"/>
+                <a:ext cx="642547" cy="584775"/>
+              </a:xfrm>
+              <a:prstGeom prst="rect">
+                <a:avLst/>
+              </a:prstGeom>
+              <a:blipFill rotWithShape="0">
+                <a:blip r:embed="rId22"/>
+                <a:stretch>
+                  <a:fillRect/>
+                </a:stretch>
+              </a:blipFill>
+            </p:spPr>
+            <p:txBody>
+              <a:bodyPr/>
+              <a:lstStyle/>
+              <a:p>
+                <a:r>
+                  <a:rPr lang="en-US">
+                    <a:noFill/>
+                  </a:rPr>
+                  <a:t> </a:t>
+                </a:r>
+              </a:p>
+            </p:txBody>
+          </p:sp>
+        </mc:Fallback>
+      </mc:AlternateContent>
+      <p:cxnSp>
+        <p:nvCxnSpPr>
+          <p:cNvPr id="201" name="Straight Arrow Connector 200"/>
+          <p:cNvCxnSpPr/>
+          <p:nvPr/>
+        </p:nvCxnSpPr>
+        <p:spPr>
+          <a:xfrm>
+            <a:off x="20358692" y="10735067"/>
+            <a:ext cx="0" cy="1455117"/>
+          </a:xfrm>
+          <a:prstGeom prst="straightConnector1">
+            <a:avLst/>
+          </a:prstGeom>
+          <a:ln w="38100">
+            <a:tailEnd type="triangle"/>
+          </a:ln>
+        </p:spPr>
+        <p:style>
+          <a:lnRef idx="3">
+            <a:schemeClr val="dk1"/>
+          </a:lnRef>
+          <a:fillRef idx="0">
+            <a:schemeClr val="dk1"/>
+          </a:fillRef>
+          <a:effectRef idx="2">
+            <a:schemeClr val="dk1"/>
+          </a:effectRef>
+          <a:fontRef idx="minor">
+            <a:schemeClr val="tx1"/>
+          </a:fontRef>
+        </p:style>
+      </p:cxnSp>
+      <p:pic>
+        <p:nvPicPr>
+          <p:cNvPr id="206" name="Picture 205"/>
+          <p:cNvPicPr>
+            <a:picLocks noChangeAspect="1"/>
+          </p:cNvPicPr>
+          <p:nvPr/>
+        </p:nvPicPr>
+        <p:blipFill>
+          <a:blip r:embed="rId23">
+            <a:extLst>
+              <a:ext uri="{28A0092B-C50C-407E-A947-70E740481C1C}">
+                <a14:useLocalDpi xmlns:a14="http://schemas.microsoft.com/office/drawing/2010/main" val="0"/>
+              </a:ext>
+            </a:extLst>
+          </a:blip>
+          <a:stretch>
+            <a:fillRect/>
+          </a:stretch>
+        </p:blipFill>
+        <p:spPr>
+          <a:xfrm>
+            <a:off x="22885625" y="10380680"/>
+            <a:ext cx="6643875" cy="4986509"/>
+          </a:xfrm>
+          <a:prstGeom prst="rect">
+            <a:avLst/>
+          </a:prstGeom>
+        </p:spPr>
+      </p:pic>
+      <p:sp>
+        <p:nvSpPr>
+          <p:cNvPr id="209" name="TextBox 208"/>
+          <p:cNvSpPr txBox="1"/>
+          <p:nvPr/>
+        </p:nvSpPr>
+        <p:spPr>
+          <a:xfrm>
+            <a:off x="16586200" y="15428684"/>
+            <a:ext cx="4439357" cy="584775"/>
+          </a:xfrm>
+          <a:prstGeom prst="rect">
+            <a:avLst/>
+          </a:prstGeom>
+          <a:noFill/>
+        </p:spPr>
+        <p:txBody>
+          <a:bodyPr wrap="none" rtlCol="0">
+            <a:spAutoFit/>
+          </a:bodyPr>
+          <a:lstStyle/>
+          <a:p>
+            <a:r>
+              <a:rPr lang="en-US" sz="3200" i="1" dirty="0" smtClean="0"/>
+              <a:t>Illustration of GPR model.</a:t>
+            </a:r>
+            <a:endParaRPr lang="en-US" sz="3200" i="1" dirty="0"/>
+          </a:p>
+        </p:txBody>
+      </p:sp>
+      <p:cxnSp>
+        <p:nvCxnSpPr>
+          <p:cNvPr id="210" name="Straight Arrow Connector 209"/>
+          <p:cNvCxnSpPr/>
+          <p:nvPr/>
+        </p:nvCxnSpPr>
+        <p:spPr>
+          <a:xfrm flipH="1">
+            <a:off x="21477768" y="12036081"/>
+            <a:ext cx="340242" cy="0"/>
+          </a:xfrm>
+          <a:prstGeom prst="straightConnector1">
+            <a:avLst/>
+          </a:prstGeom>
+          <a:ln w="38100">
+            <a:tailEnd type="triangle"/>
+          </a:ln>
+        </p:spPr>
+        <p:style>
+          <a:lnRef idx="3">
+            <a:schemeClr val="dk1"/>
+          </a:lnRef>
+          <a:fillRef idx="0">
+            <a:schemeClr val="dk1"/>
+          </a:fillRef>
+          <a:effectRef idx="2">
+            <a:schemeClr val="dk1"/>
+          </a:effectRef>
+          <a:fontRef idx="minor">
+            <a:schemeClr val="tx1"/>
+          </a:fontRef>
+        </p:style>
+      </p:cxnSp>
+      <p:sp>
+        <p:nvSpPr>
+          <p:cNvPr id="211" name="TextBox 210"/>
+          <p:cNvSpPr txBox="1"/>
+          <p:nvPr/>
+        </p:nvSpPr>
+        <p:spPr>
+          <a:xfrm>
+            <a:off x="23379992" y="15369652"/>
+            <a:ext cx="3643946" cy="584775"/>
+          </a:xfrm>
+          <a:prstGeom prst="rect">
+            <a:avLst/>
+          </a:prstGeom>
+          <a:noFill/>
+        </p:spPr>
+        <p:txBody>
+          <a:bodyPr wrap="none" rtlCol="0">
+            <a:spAutoFit/>
+          </a:bodyPr>
+          <a:lstStyle/>
+          <a:p>
+            <a:r>
+              <a:rPr lang="en-US" sz="3200" i="1" dirty="0" smtClean="0"/>
+              <a:t>GPR prediction error.</a:t>
+            </a:r>
+            <a:endParaRPr lang="en-US" sz="3200" i="1" dirty="0"/>
+          </a:p>
+        </p:txBody>
+      </p:sp>
+      <p:grpSp>
+        <p:nvGrpSpPr>
+          <p:cNvPr id="216" name="Group 215"/>
+          <p:cNvGrpSpPr/>
+          <p:nvPr/>
+        </p:nvGrpSpPr>
+        <p:grpSpPr>
+          <a:xfrm>
+            <a:off x="15431268" y="16702397"/>
+            <a:ext cx="14299320" cy="5971896"/>
+            <a:chOff x="454817" y="4426743"/>
+            <a:chExt cx="9923751" cy="4015423"/>
+          </a:xfrm>
+        </p:grpSpPr>
+        <mc:AlternateContent xmlns:mc="http://schemas.openxmlformats.org/markup-compatibility/2006">
+          <mc:Choice xmlns:a14="http://schemas.microsoft.com/office/drawing/2010/main" Requires="a14">
             <p:sp>
               <p:nvSpPr>
-                <p:cNvPr id="68" name="TextBox 67"/>
-                <p:cNvSpPr txBox="1"/>
+                <p:cNvPr id="217" name="Rounded Rectangle 216"/>
+                <p:cNvSpPr/>
                 <p:nvPr/>
               </p:nvSpPr>
               <p:spPr>
                 <a:xfrm>
-                  <a:off x="8001862" y="35279826"/>
-                  <a:ext cx="1823774" cy="584775"/>
+                  <a:off x="454817" y="4784088"/>
+                  <a:ext cx="9923751" cy="3658078"/>
                 </a:xfrm>
-                <a:prstGeom prst="rect">
-                  <a:avLst/>
+                <a:prstGeom prst="roundRect">
+                  <a:avLst>
+                    <a:gd name="adj" fmla="val 13656"/>
+                  </a:avLst>
                 </a:prstGeom>
-                <a:noFill/>
+                <a:ln w="76200">
+                  <a:solidFill>
+                    <a:srgbClr val="03428E"/>
+                  </a:solidFill>
+                </a:ln>
+                <a:effectLst>
+                  <a:softEdge rad="0"/>
+                </a:effectLst>
               </p:spPr>
+              <p:style>
+                <a:lnRef idx="2">
+                  <a:schemeClr val="accent6"/>
+                </a:lnRef>
+                <a:fillRef idx="1">
+                  <a:schemeClr val="lt1"/>
+                </a:fillRef>
+                <a:effectRef idx="0">
+                  <a:schemeClr val="accent6"/>
+                </a:effectRef>
+                <a:fontRef idx="minor">
+                  <a:schemeClr val="dk1"/>
+                </a:fontRef>
+              </p:style>
               <p:txBody>
-                <a:bodyPr wrap="square" rtlCol="0">
-                  <a:spAutoFit/>
-                </a:bodyPr>
+                <a:bodyPr lIns="720000" tIns="540000" rIns="720000" bIns="360000" rtlCol="0" anchor="t"/>
                 <a:lstStyle/>
                 <a:p>
-                  <a:pPr/>
+                  <a:pPr algn="just"/>
+                  <a:r>
+                    <a:rPr lang="en-US" sz="3600" dirty="0" smtClean="0"/>
+                    <a:t>To </a:t>
+                  </a:r>
+                  <a:r>
+                    <a:rPr lang="en-US" sz="3600" dirty="0"/>
+                    <a:t>c</a:t>
+                  </a:r>
+                  <a:r>
+                    <a:rPr lang="en-US" sz="3600" dirty="0" smtClean="0"/>
+                    <a:t>ircumvent that the model has to waste predictive power learning that structures with very closely separated atoms have large energies, the </a:t>
+                  </a:r>
+                  <a:r>
+                    <a:rPr lang="en-US" sz="3600" dirty="0"/>
+                    <a:t>delta-Machine Learning strategy is </a:t>
+                  </a:r>
+                  <a:r>
+                    <a:rPr lang="en-US" sz="3600" dirty="0" smtClean="0"/>
+                    <a:t>adopted.</a:t>
+                  </a:r>
+                </a:p>
+                <a:p>
+                  <a:pPr algn="just"/>
+                  <a:r>
+                    <a:rPr lang="en-US" sz="3600" dirty="0" smtClean="0"/>
+                    <a:t>In delta-ML some functional form is assumed about the energy landscape prior to training the model. This changes the GPR as</a:t>
+                  </a:r>
+                </a:p>
+                <a:p>
+                  <a:pPr algn="just">
+                    <a:lnSpc>
+                      <a:spcPct val="150000"/>
+                    </a:lnSpc>
+                  </a:pPr>
                   <a14:m>
                     <m:oMathPara xmlns:m="http://schemas.openxmlformats.org/officeDocument/2006/math">
                       <m:oMathParaPr>
@@ -5550,48 +6519,108 @@
                       </m:oMathParaPr>
                       <m:oMath xmlns:m="http://schemas.openxmlformats.org/officeDocument/2006/math">
                         <m:r>
-                          <a:rPr lang="da-DK" sz="3200" b="0" i="1" smtClean="0">
+                          <a:rPr lang="en-US" sz="3600" b="0" i="1" smtClean="0">
                             <a:latin typeface="Cambria Math" charset="0"/>
                           </a:rPr>
-                          <m:t>2</m:t>
+                          <m:t>𝛽</m:t>
                         </m:r>
                         <m:r>
-                          <a:rPr lang="da-DK" sz="3200" b="0" i="1" smtClean="0">
+                          <a:rPr lang="is-IS" sz="3600" b="0" i="1" smtClean="0">
                             <a:latin typeface="Cambria Math" charset="0"/>
+                            <a:ea typeface="Cambria Math" charset="0"/>
+                            <a:cs typeface="Cambria Math" charset="0"/>
                           </a:rPr>
-                          <m:t>𝜎</m:t>
+                          <m:t>→</m:t>
+                        </m:r>
+                        <m:r>
+                          <a:rPr lang="en-US" sz="3600" b="0" i="1" smtClean="0">
+                            <a:latin typeface="Cambria Math" charset="0"/>
+                            <a:ea typeface="Cambria Math" charset="0"/>
+                            <a:cs typeface="Cambria Math" charset="0"/>
+                          </a:rPr>
+                          <m:t>𝛽</m:t>
+                        </m:r>
+                        <m:d>
+                          <m:dPr>
+                            <m:ctrlPr>
+                              <a:rPr lang="en-US" sz="3600" b="1" i="1" smtClean="0">
+                                <a:latin typeface="Cambria Math" charset="0"/>
+                                <a:ea typeface="Cambria Math" charset="0"/>
+                                <a:cs typeface="Cambria Math" charset="0"/>
+                              </a:rPr>
+                            </m:ctrlPr>
+                          </m:dPr>
+                          <m:e>
+                            <m:r>
+                              <a:rPr lang="en-US" sz="3600" b="1" i="1" smtClean="0">
+                                <a:latin typeface="Cambria Math" charset="0"/>
+                                <a:ea typeface="Cambria Math" charset="0"/>
+                                <a:cs typeface="Cambria Math" charset="0"/>
+                              </a:rPr>
+                              <m:t>𝒙</m:t>
+                            </m:r>
+                          </m:e>
+                        </m:d>
+                        <m:r>
+                          <a:rPr lang="en-US" sz="3600" b="1" i="1" smtClean="0">
+                            <a:latin typeface="Cambria Math" charset="0"/>
+                            <a:ea typeface="Cambria Math" charset="0"/>
+                            <a:cs typeface="Cambria Math" charset="0"/>
+                          </a:rPr>
+                          <m:t>.</m:t>
                         </m:r>
                       </m:oMath>
                     </m:oMathPara>
                   </a14:m>
-                  <a:endParaRPr lang="en-US" sz="3200" dirty="0"/>
+                  <a:endParaRPr lang="en-US" sz="3600" b="1" dirty="0" smtClean="0"/>
+                </a:p>
+                <a:p>
+                  <a:pPr algn="just">
+                    <a:lnSpc>
+                      <a:spcPct val="150000"/>
+                    </a:lnSpc>
+                  </a:pPr>
+                  <a:r>
+                    <a:rPr lang="en-US" sz="3600" dirty="0" smtClean="0"/>
+                    <a:t>In this work a repulsive interatomic potential is used.</a:t>
+                  </a:r>
                 </a:p>
               </p:txBody>
             </p:sp>
           </mc:Choice>
-          <mc:Fallback xmlns="">
+          <mc:Fallback>
             <p:sp>
               <p:nvSpPr>
-                <p:cNvPr id="68" name="TextBox 67"/>
-                <p:cNvSpPr txBox="1">
+                <p:cNvPr id="217" name="Rounded Rectangle 216"/>
+                <p:cNvSpPr>
                   <a:spLocks noRot="1" noChangeAspect="1" noMove="1" noResize="1" noEditPoints="1" noAdjustHandles="1" noChangeArrowheads="1" noChangeShapeType="1" noTextEdit="1"/>
                 </p:cNvSpPr>
                 <p:nvPr/>
               </p:nvSpPr>
               <p:spPr>
                 <a:xfrm>
-                  <a:off x="8001862" y="35279826"/>
-                  <a:ext cx="1823774" cy="584775"/>
+                  <a:off x="454817" y="4784088"/>
+                  <a:ext cx="9923751" cy="3658078"/>
                 </a:xfrm>
-                <a:prstGeom prst="rect">
-                  <a:avLst/>
+                <a:prstGeom prst="roundRect">
+                  <a:avLst>
+                    <a:gd name="adj" fmla="val 13656"/>
+                  </a:avLst>
                 </a:prstGeom>
                 <a:blipFill rotWithShape="0">
-                  <a:blip r:embed="rId14"/>
+                  <a:blip r:embed="rId24"/>
                   <a:stretch>
                     <a:fillRect/>
                   </a:stretch>
                 </a:blipFill>
+                <a:ln w="76200">
+                  <a:solidFill>
+                    <a:srgbClr val="03428E"/>
+                  </a:solidFill>
+                </a:ln>
+                <a:effectLst>
+                  <a:softEdge rad="0"/>
+                </a:effectLst>
               </p:spPr>
               <p:txBody>
                 <a:bodyPr/>
@@ -5608,31 +6637,159 @@
             </p:sp>
           </mc:Fallback>
         </mc:AlternateContent>
-        <mc:AlternateContent xmlns:mc="http://schemas.openxmlformats.org/markup-compatibility/2006" xmlns:a14="http://schemas.microsoft.com/office/drawing/2010/main">
-          <mc:Choice Requires="a14">
+        <p:sp>
+          <p:nvSpPr>
+            <p:cNvPr id="218" name="Rounded Rectangle 217"/>
+            <p:cNvSpPr/>
+            <p:nvPr/>
+          </p:nvSpPr>
+          <p:spPr>
+            <a:xfrm>
+              <a:off x="1165575" y="4426743"/>
+              <a:ext cx="8502227" cy="714687"/>
+            </a:xfrm>
+            <a:prstGeom prst="roundRect">
+              <a:avLst>
+                <a:gd name="adj" fmla="val 25371"/>
+              </a:avLst>
+            </a:prstGeom>
+            <a:solidFill>
+              <a:srgbClr val="03428E"/>
+            </a:solidFill>
+            <a:ln>
+              <a:noFill/>
+            </a:ln>
+          </p:spPr>
+          <p:style>
+            <a:lnRef idx="2">
+              <a:schemeClr val="accent1">
+                <a:shade val="50000"/>
+              </a:schemeClr>
+            </a:lnRef>
+            <a:fillRef idx="1">
+              <a:schemeClr val="accent1"/>
+            </a:fillRef>
+            <a:effectRef idx="0">
+              <a:schemeClr val="accent1"/>
+            </a:effectRef>
+            <a:fontRef idx="minor">
+              <a:schemeClr val="lt1"/>
+            </a:fontRef>
+          </p:style>
+          <p:txBody>
+            <a:bodyPr rtlCol="0" anchor="ctr"/>
+            <a:lstStyle/>
+            <a:p>
+              <a:pPr algn="ctr"/>
+              <a:r>
+                <a:rPr lang="en-US" sz="5090" dirty="0" smtClean="0"/>
+                <a:t>Delta-Machine Learning</a:t>
+              </a:r>
+              <a:endParaRPr lang="en-US" sz="5090" dirty="0"/>
+            </a:p>
+          </p:txBody>
+        </p:sp>
+      </p:grpSp>
+      <p:grpSp>
+        <p:nvGrpSpPr>
+          <p:cNvPr id="220" name="Group 219"/>
+          <p:cNvGrpSpPr/>
+          <p:nvPr/>
+        </p:nvGrpSpPr>
+        <p:grpSpPr>
+          <a:xfrm>
+            <a:off x="15431268" y="23314692"/>
+            <a:ext cx="14299320" cy="7034400"/>
+            <a:chOff x="454817" y="4426743"/>
+            <a:chExt cx="9923751" cy="4220659"/>
+          </a:xfrm>
+        </p:grpSpPr>
+        <mc:AlternateContent xmlns:mc="http://schemas.openxmlformats.org/markup-compatibility/2006">
+          <mc:Choice xmlns:a14="http://schemas.microsoft.com/office/drawing/2010/main" Requires="a14">
             <p:sp>
               <p:nvSpPr>
-                <p:cNvPr id="69" name="TextBox 68"/>
-                <p:cNvSpPr txBox="1"/>
+                <p:cNvPr id="221" name="Rounded Rectangle 220"/>
+                <p:cNvSpPr/>
                 <p:nvPr/>
               </p:nvSpPr>
               <p:spPr>
                 <a:xfrm>
-                  <a:off x="8222000" y="36877879"/>
-                  <a:ext cx="1383498" cy="584775"/>
+                  <a:off x="454817" y="4784087"/>
+                  <a:ext cx="9923751" cy="3863315"/>
                 </a:xfrm>
-                <a:prstGeom prst="rect">
-                  <a:avLst/>
+                <a:prstGeom prst="roundRect">
+                  <a:avLst>
+                    <a:gd name="adj" fmla="val 13656"/>
+                  </a:avLst>
                 </a:prstGeom>
-                <a:noFill/>
+                <a:ln w="76200">
+                  <a:solidFill>
+                    <a:srgbClr val="03428E"/>
+                  </a:solidFill>
+                </a:ln>
+                <a:effectLst>
+                  <a:softEdge rad="0"/>
+                </a:effectLst>
               </p:spPr>
+              <p:style>
+                <a:lnRef idx="2">
+                  <a:schemeClr val="accent6"/>
+                </a:lnRef>
+                <a:fillRef idx="1">
+                  <a:schemeClr val="lt1"/>
+                </a:fillRef>
+                <a:effectRef idx="0">
+                  <a:schemeClr val="accent6"/>
+                </a:effectRef>
+                <a:fontRef idx="minor">
+                  <a:schemeClr val="dk1"/>
+                </a:fontRef>
+              </p:style>
               <p:txBody>
-                <a:bodyPr wrap="square" rtlCol="0">
-                  <a:spAutoFit/>
-                </a:bodyPr>
+                <a:bodyPr lIns="720000" tIns="540000" rIns="720000" bIns="360000" rtlCol="0" anchor="t"/>
                 <a:lstStyle/>
                 <a:p>
-                  <a:pPr/>
+                  <a:pPr algn="just"/>
+                  <a:r>
+                    <a:rPr lang="en-US" sz="3600" dirty="0" smtClean="0"/>
+                    <a:t>In each search iteration a random 1-step search is performed in the ML-energy landscape. This is done by generating </a:t>
+                  </a:r>
+                  <a14:m>
+                    <m:oMath xmlns:m="http://schemas.openxmlformats.org/officeDocument/2006/math">
+                      <m:r>
+                        <a:rPr lang="en-US" sz="3600" i="1" smtClean="0">
+                          <a:latin typeface="Cambria Math" charset="0"/>
+                          <a:ea typeface="Cambria Math" charset="0"/>
+                          <a:cs typeface="Cambria Math" charset="0"/>
+                        </a:rPr>
+                        <m:t>~</m:t>
+                      </m:r>
+                      <m:r>
+                        <a:rPr lang="en-US" sz="3600" b="0" i="1" smtClean="0">
+                          <a:latin typeface="Cambria Math" charset="0"/>
+                          <a:ea typeface="Cambria Math" charset="0"/>
+                          <a:cs typeface="Cambria Math" charset="0"/>
+                        </a:rPr>
+                        <m:t>30</m:t>
+                      </m:r>
+                    </m:oMath>
+                  </a14:m>
+                  <a:r>
+                    <a:rPr lang="en-US" sz="3600" dirty="0" smtClean="0"/>
+                    <a:t>new candidate structures based on a population of the best current structures. These structures are then relaxed with the GPR-model and a single-point DFT calculation is performed on the most promising of these according the lower </a:t>
+                  </a:r>
+                  <a:r>
+                    <a:rPr lang="en-US" sz="3600" smtClean="0"/>
+                    <a:t>confidence bound</a:t>
+                  </a:r>
+                  <a:endParaRPr lang="en-US" sz="3600" dirty="0" smtClean="0"/>
+                </a:p>
+                <a:p>
+                  <a:pPr algn="just">
+                    <a:lnSpc>
+                      <a:spcPct val="150000"/>
+                    </a:lnSpc>
+                  </a:pPr>
                   <a14:m>
                     <m:oMathPara xmlns:m="http://schemas.openxmlformats.org/officeDocument/2006/math">
                       <m:oMathParaPr>
@@ -5640,42 +6797,186 @@
                       </m:oMathParaPr>
                       <m:oMath xmlns:m="http://schemas.openxmlformats.org/officeDocument/2006/math">
                         <m:r>
-                          <a:rPr lang="da-DK" sz="3200" b="0" i="1" smtClean="0">
+                          <m:rPr>
+                            <m:sty m:val="p"/>
+                          </m:rPr>
+                          <a:rPr lang="en-US" sz="3600" i="1">
                             <a:latin typeface="Cambria Math" charset="0"/>
                           </a:rPr>
-                          <m:t>𝐾</m:t>
+                          <m:t>m</m:t>
+                        </m:r>
+                        <m:r>
+                          <m:rPr>
+                            <m:sty m:val="p"/>
+                          </m:rPr>
+                          <a:rPr lang="en-US" sz="3600" b="0" i="1" smtClean="0">
+                            <a:latin typeface="Cambria Math" charset="0"/>
+                          </a:rPr>
+                          <m:t>in</m:t>
+                        </m:r>
+                        <m:d>
+                          <m:dPr>
+                            <m:ctrlPr>
+                              <a:rPr lang="en-US" sz="3600" b="0" i="1" smtClean="0">
+                                <a:latin typeface="Cambria Math" charset="0"/>
+                              </a:rPr>
+                            </m:ctrlPr>
+                          </m:dPr>
+                          <m:e>
+                            <m:sSup>
+                              <m:sSupPr>
+                                <m:ctrlPr>
+                                  <a:rPr lang="en-US" sz="3600" b="0" i="1" smtClean="0">
+                                    <a:latin typeface="Cambria Math" charset="0"/>
+                                  </a:rPr>
+                                </m:ctrlPr>
+                              </m:sSupPr>
+                              <m:e>
+                                <m:r>
+                                  <a:rPr lang="en-US" sz="3600" b="0" i="1" smtClean="0">
+                                    <a:latin typeface="Cambria Math" charset="0"/>
+                                  </a:rPr>
+                                  <m:t>𝐸</m:t>
+                                </m:r>
+                              </m:e>
+                              <m:sup>
+                                <m:r>
+                                  <a:rPr lang="en-US" sz="3600" b="0" i="1" smtClean="0">
+                                    <a:latin typeface="Cambria Math" charset="0"/>
+                                  </a:rPr>
+                                  <m:t>𝑒𝑠𝑡</m:t>
+                                </m:r>
+                              </m:sup>
+                            </m:sSup>
+                            <m:d>
+                              <m:dPr>
+                                <m:ctrlPr>
+                                  <a:rPr lang="en-US" sz="3600" b="1" i="1" smtClean="0">
+                                    <a:latin typeface="Cambria Math" charset="0"/>
+                                  </a:rPr>
+                                </m:ctrlPr>
+                              </m:dPr>
+                              <m:e>
+                                <m:r>
+                                  <a:rPr lang="en-US" sz="3600" b="1" i="1" smtClean="0">
+                                    <a:latin typeface="Cambria Math" charset="0"/>
+                                  </a:rPr>
+                                  <m:t>𝒙</m:t>
+                                </m:r>
+                              </m:e>
+                            </m:d>
+                            <m:r>
+                              <a:rPr lang="en-US" sz="3600" b="1" i="1" smtClean="0">
+                                <a:latin typeface="Cambria Math" charset="0"/>
+                              </a:rPr>
+                              <m:t>−</m:t>
+                            </m:r>
+                            <m:r>
+                              <a:rPr lang="en-US" sz="3600" b="0" i="1" smtClean="0">
+                                <a:latin typeface="Cambria Math" charset="0"/>
+                              </a:rPr>
+                              <m:t>𝜅</m:t>
+                            </m:r>
+                            <m:r>
+                              <a:rPr lang="en-US" sz="3600" b="0" i="1" smtClean="0">
+                                <a:latin typeface="Cambria Math" charset="0"/>
+                              </a:rPr>
+                              <m:t>⋅</m:t>
+                            </m:r>
+                            <m:r>
+                              <a:rPr lang="en-US" sz="3600" b="0" i="1" smtClean="0">
+                                <a:latin typeface="Cambria Math" charset="0"/>
+                              </a:rPr>
+                              <m:t>𝜎</m:t>
+                            </m:r>
+                            <m:d>
+                              <m:dPr>
+                                <m:ctrlPr>
+                                  <a:rPr lang="en-US" sz="3600" b="0" i="1" smtClean="0">
+                                    <a:latin typeface="Cambria Math" charset="0"/>
+                                  </a:rPr>
+                                </m:ctrlPr>
+                              </m:dPr>
+                              <m:e>
+                                <m:r>
+                                  <a:rPr lang="en-US" sz="3600" b="1" i="1" smtClean="0">
+                                    <a:latin typeface="Cambria Math" charset="0"/>
+                                  </a:rPr>
+                                  <m:t>𝒙</m:t>
+                                </m:r>
+                              </m:e>
+                            </m:d>
+                          </m:e>
+                        </m:d>
+                        <m:r>
+                          <a:rPr lang="en-US" sz="3600" b="0" i="1" smtClean="0">
+                            <a:latin typeface="Cambria Math" charset="0"/>
+                          </a:rPr>
+                          <m:t>. </m:t>
                         </m:r>
                       </m:oMath>
                     </m:oMathPara>
                   </a14:m>
-                  <a:endParaRPr lang="en-US" sz="3200" dirty="0"/>
+                  <a:endParaRPr lang="en-US" sz="3600" dirty="0"/>
+                </a:p>
+                <a:p>
+                  <a:pPr algn="just"/>
+                  <a:r>
+                    <a:rPr lang="en-US" sz="3600" dirty="0" smtClean="0"/>
+                    <a:t>In this metric </a:t>
+                  </a:r>
+                  <a14:m>
+                    <m:oMath xmlns:m="http://schemas.openxmlformats.org/officeDocument/2006/math">
+                      <m:r>
+                        <a:rPr lang="en-US" sz="3600" b="0" i="1" smtClean="0">
+                          <a:latin typeface="Cambria Math" charset="0"/>
+                        </a:rPr>
+                        <m:t>𝜅</m:t>
+                      </m:r>
+                    </m:oMath>
+                  </a14:m>
+                  <a:r>
+                    <a:rPr lang="en-US" sz="3600" dirty="0" smtClean="0"/>
+                    <a:t> is a constant governing the degree of exploitation vs. exploration.</a:t>
+                  </a:r>
+                  <a:endParaRPr lang="en-US" sz="3600" dirty="0"/>
                 </a:p>
               </p:txBody>
             </p:sp>
           </mc:Choice>
-          <mc:Fallback xmlns="">
+          <mc:Fallback>
             <p:sp>
               <p:nvSpPr>
-                <p:cNvPr id="69" name="TextBox 68"/>
-                <p:cNvSpPr txBox="1">
+                <p:cNvPr id="221" name="Rounded Rectangle 220"/>
+                <p:cNvSpPr>
                   <a:spLocks noRot="1" noChangeAspect="1" noMove="1" noResize="1" noEditPoints="1" noAdjustHandles="1" noChangeArrowheads="1" noChangeShapeType="1" noTextEdit="1"/>
                 </p:cNvSpPr>
                 <p:nvPr/>
               </p:nvSpPr>
               <p:spPr>
                 <a:xfrm>
-                  <a:off x="8222000" y="36877879"/>
-                  <a:ext cx="1383498" cy="584775"/>
+                  <a:off x="454817" y="4784087"/>
+                  <a:ext cx="9923751" cy="3863315"/>
                 </a:xfrm>
-                <a:prstGeom prst="rect">
-                  <a:avLst/>
+                <a:prstGeom prst="roundRect">
+                  <a:avLst>
+                    <a:gd name="adj" fmla="val 13656"/>
+                  </a:avLst>
                 </a:prstGeom>
                 <a:blipFill rotWithShape="0">
-                  <a:blip r:embed="rId15"/>
+                  <a:blip r:embed="rId25"/>
                   <a:stretch>
                     <a:fillRect/>
                   </a:stretch>
                 </a:blipFill>
+                <a:ln w="76200">
+                  <a:solidFill>
+                    <a:srgbClr val="03428E"/>
+                  </a:solidFill>
+                </a:ln>
+                <a:effectLst>
+                  <a:softEdge rad="0"/>
+                </a:effectLst>
               </p:spPr>
               <p:txBody>
                 <a:bodyPr/>
@@ -5692,202 +6993,194 @@
             </p:sp>
           </mc:Fallback>
         </mc:AlternateContent>
+        <p:sp>
+          <p:nvSpPr>
+            <p:cNvPr id="222" name="Rounded Rectangle 221"/>
+            <p:cNvSpPr/>
+            <p:nvPr/>
+          </p:nvSpPr>
+          <p:spPr>
+            <a:xfrm>
+              <a:off x="1165575" y="4426743"/>
+              <a:ext cx="8502227" cy="714687"/>
+            </a:xfrm>
+            <a:prstGeom prst="roundRect">
+              <a:avLst>
+                <a:gd name="adj" fmla="val 25371"/>
+              </a:avLst>
+            </a:prstGeom>
+            <a:solidFill>
+              <a:srgbClr val="03428E"/>
+            </a:solidFill>
+            <a:ln>
+              <a:noFill/>
+            </a:ln>
+          </p:spPr>
+          <p:style>
+            <a:lnRef idx="2">
+              <a:schemeClr val="accent1">
+                <a:shade val="50000"/>
+              </a:schemeClr>
+            </a:lnRef>
+            <a:fillRef idx="1">
+              <a:schemeClr val="accent1"/>
+            </a:fillRef>
+            <a:effectRef idx="0">
+              <a:schemeClr val="accent1"/>
+            </a:effectRef>
+            <a:fontRef idx="minor">
+              <a:schemeClr val="lt1"/>
+            </a:fontRef>
+          </p:style>
+          <p:txBody>
+            <a:bodyPr rtlCol="0" anchor="ctr"/>
+            <a:lstStyle/>
+            <a:p>
+              <a:pPr algn="ctr"/>
+              <a:r>
+                <a:rPr lang="en-US" sz="5090" dirty="0" smtClean="0"/>
+                <a:t>Searching the ML potential</a:t>
+              </a:r>
+              <a:endParaRPr lang="en-US" sz="5090" dirty="0"/>
+            </a:p>
+          </p:txBody>
+        </p:sp>
       </p:grpSp>
-      <p:grpSp>
-        <p:nvGrpSpPr>
-          <p:cNvPr id="73" name="Group 72"/>
-          <p:cNvGrpSpPr/>
+      <p:cxnSp>
+        <p:nvCxnSpPr>
+          <p:cNvPr id="223" name="Straight Arrow Connector 222"/>
+          <p:cNvCxnSpPr/>
           <p:nvPr/>
-        </p:nvGrpSpPr>
-        <p:grpSpPr>
-          <a:xfrm>
-            <a:off x="16177170" y="24375880"/>
-            <a:ext cx="12817792" cy="11897730"/>
-            <a:chOff x="16177170" y="24375880"/>
-            <a:chExt cx="12817792" cy="11897730"/>
-          </a:xfrm>
-        </p:grpSpPr>
-        <p:grpSp>
-          <p:nvGrpSpPr>
-            <p:cNvPr id="57" name="Group 56"/>
-            <p:cNvGrpSpPr/>
-            <p:nvPr/>
-          </p:nvGrpSpPr>
-          <p:grpSpPr>
-            <a:xfrm>
-              <a:off x="16177170" y="24703210"/>
-              <a:ext cx="12817792" cy="11570400"/>
-              <a:chOff x="16177170" y="24703210"/>
-              <a:chExt cx="12817792" cy="11570400"/>
-            </a:xfrm>
-          </p:grpSpPr>
-          <p:grpSp>
-            <p:nvGrpSpPr>
-              <p:cNvPr id="52" name="Group 51"/>
-              <p:cNvGrpSpPr/>
-              <p:nvPr/>
-            </p:nvGrpSpPr>
-            <p:grpSpPr>
-              <a:xfrm>
-                <a:off x="16177170" y="24703210"/>
-                <a:ext cx="12817792" cy="11570400"/>
-                <a:chOff x="16060908" y="23270438"/>
-                <a:chExt cx="12817792" cy="11570400"/>
-              </a:xfrm>
-            </p:grpSpPr>
-            <p:pic>
-              <p:nvPicPr>
-                <p:cNvPr id="49" name="Picture 48"/>
-                <p:cNvPicPr>
-                  <a:picLocks noChangeAspect="1"/>
-                </p:cNvPicPr>
-                <p:nvPr/>
-              </p:nvPicPr>
-              <p:blipFill>
-                <a:blip r:embed="rId16">
-                  <a:extLst>
-                    <a:ext uri="{28A0092B-C50C-407E-A947-70E740481C1C}">
-                      <a14:useLocalDpi xmlns:a14="http://schemas.microsoft.com/office/drawing/2010/main" val="0"/>
-                    </a:ext>
-                  </a:extLst>
-                </a:blip>
-                <a:stretch>
-                  <a:fillRect/>
-                </a:stretch>
-              </p:blipFill>
-              <p:spPr>
-                <a:xfrm>
-                  <a:off x="16060908" y="23270438"/>
-                  <a:ext cx="6343502" cy="9515253"/>
-                </a:xfrm>
-                <a:prstGeom prst="rect">
-                  <a:avLst/>
-                </a:prstGeom>
-              </p:spPr>
-            </p:pic>
-            <p:sp>
-              <p:nvSpPr>
-                <p:cNvPr id="51" name="TextBox 50"/>
-                <p:cNvSpPr txBox="1"/>
-                <p:nvPr/>
-              </p:nvSpPr>
-              <p:spPr>
-                <a:xfrm>
-                  <a:off x="16455413" y="33024956"/>
-                  <a:ext cx="12423287" cy="1815882"/>
-                </a:xfrm>
-                <a:prstGeom prst="rect">
-                  <a:avLst/>
-                </a:prstGeom>
-                <a:noFill/>
-              </p:spPr>
-              <p:txBody>
-                <a:bodyPr wrap="square" rtlCol="0">
-                  <a:spAutoFit/>
-                </a:bodyPr>
-                <a:lstStyle/>
-                <a:p>
-                  <a:pPr algn="just"/>
-                  <a:r>
-                    <a:rPr lang="en-US" sz="2800" b="1" dirty="0" smtClean="0"/>
-                    <a:t>Left</a:t>
-                  </a:r>
-                  <a:r>
-                    <a:rPr lang="en-US" sz="2800" dirty="0" smtClean="0"/>
-                    <a:t>: </a:t>
-                  </a:r>
-                  <a:r>
-                    <a:rPr lang="en-US" sz="2800" dirty="0"/>
-                    <a:t>Illustration of the cut-and-splice operation. The green lines indicates the use of local </a:t>
-                  </a:r>
-                  <a:r>
-                    <a:rPr lang="en-US" sz="2800" dirty="0" smtClean="0"/>
-                    <a:t>energies. </a:t>
-                  </a:r>
-                  <a:r>
-                    <a:rPr lang="en-US" sz="2800" b="1" dirty="0" smtClean="0"/>
-                    <a:t>Right</a:t>
-                  </a:r>
-                  <a:r>
-                    <a:rPr lang="en-US" sz="2800" dirty="0" smtClean="0"/>
-                    <a:t>: Results from 180 EA runs with either no use of local energies, local energies obtained using a training set of 500 structures, or local energies with the structures generated by the EA run for training (on-the-fly). </a:t>
-                  </a:r>
-                  <a:endParaRPr lang="en-US" sz="2800" b="1" dirty="0"/>
-                </a:p>
-              </p:txBody>
-            </p:sp>
-          </p:grpSp>
+        </p:nvCxnSpPr>
+        <p:spPr>
+          <a:xfrm flipV="1">
+            <a:off x="28068101" y="11418318"/>
+            <a:ext cx="0" cy="870026"/>
+          </a:xfrm>
+          <a:prstGeom prst="straightConnector1">
+            <a:avLst/>
+          </a:prstGeom>
+          <a:ln w="38100">
+            <a:headEnd type="triangle"/>
+            <a:tailEnd type="triangle"/>
+          </a:ln>
+        </p:spPr>
+        <p:style>
+          <a:lnRef idx="3">
+            <a:schemeClr val="dk1"/>
+          </a:lnRef>
+          <a:fillRef idx="0">
+            <a:schemeClr val="dk1"/>
+          </a:fillRef>
+          <a:effectRef idx="2">
+            <a:schemeClr val="dk1"/>
+          </a:effectRef>
+          <a:fontRef idx="minor">
+            <a:schemeClr val="tx1"/>
+          </a:fontRef>
+        </p:style>
+      </p:cxnSp>
+      <mc:AlternateContent xmlns:mc="http://schemas.openxmlformats.org/markup-compatibility/2006">
+        <mc:Choice xmlns:a14="http://schemas.microsoft.com/office/drawing/2010/main" Requires="a14">
           <p:sp>
             <p:nvSpPr>
-              <p:cNvPr id="56" name="Oval 55"/>
-              <p:cNvSpPr/>
+              <p:cNvPr id="227" name="TextBox 226"/>
+              <p:cNvSpPr txBox="1"/>
               <p:nvPr/>
             </p:nvSpPr>
             <p:spPr>
               <a:xfrm>
-                <a:off x="19045387" y="26746115"/>
-                <a:ext cx="392669" cy="392669"/>
+                <a:off x="26962927" y="11521178"/>
+                <a:ext cx="1105174" cy="584775"/>
               </a:xfrm>
-              <a:prstGeom prst="ellipse">
+              <a:prstGeom prst="rect">
                 <a:avLst/>
               </a:prstGeom>
-              <a:ln w="38100"/>
+              <a:noFill/>
             </p:spPr>
-            <p:style>
-              <a:lnRef idx="2">
-                <a:schemeClr val="dk1"/>
-              </a:lnRef>
-              <a:fillRef idx="1">
-                <a:schemeClr val="lt1"/>
-              </a:fillRef>
-              <a:effectRef idx="0">
-                <a:schemeClr val="dk1"/>
-              </a:effectRef>
-              <a:fontRef idx="minor">
-                <a:schemeClr val="dk1"/>
-              </a:fontRef>
-            </p:style>
             <p:txBody>
-              <a:bodyPr rtlCol="0" anchor="ctr"/>
+              <a:bodyPr wrap="none" rtlCol="0">
+                <a:spAutoFit/>
+              </a:bodyPr>
               <a:lstStyle/>
               <a:p>
-                <a:pPr algn="ctr"/>
-                <a:endParaRPr lang="en-US"/>
+                <a14:m>
+                  <m:oMathPara xmlns:m="http://schemas.openxmlformats.org/officeDocument/2006/math">
+                    <m:oMathParaPr>
+                      <m:jc m:val="centerGroup"/>
+                    </m:oMathParaPr>
+                    <m:oMath xmlns:m="http://schemas.openxmlformats.org/officeDocument/2006/math">
+                      <m:r>
+                        <a:rPr lang="en-US" sz="3200" b="0" i="1" smtClean="0">
+                          <a:latin typeface="Cambria Math" charset="0"/>
+                        </a:rPr>
+                        <m:t>𝜎</m:t>
+                      </m:r>
+                      <m:r>
+                        <a:rPr lang="en-US" sz="3200" b="1" i="1" smtClean="0">
+                          <a:latin typeface="Cambria Math" charset="0"/>
+                        </a:rPr>
+                        <m:t>(</m:t>
+                      </m:r>
+                      <m:r>
+                        <a:rPr lang="en-US" sz="3200" b="1" i="1" smtClean="0">
+                          <a:latin typeface="Cambria Math" charset="0"/>
+                        </a:rPr>
+                        <m:t>𝒙</m:t>
+                      </m:r>
+                      <m:r>
+                        <a:rPr lang="en-US" sz="3200" b="1" i="1" smtClean="0">
+                          <a:latin typeface="Cambria Math" charset="0"/>
+                        </a:rPr>
+                        <m:t>)</m:t>
+                      </m:r>
+                    </m:oMath>
+                  </m:oMathPara>
+                </a14:m>
+                <a:endParaRPr lang="en-US" sz="3200" b="1" dirty="0"/>
               </a:p>
             </p:txBody>
           </p:sp>
-        </p:grpSp>
-        <p:pic>
-          <p:nvPicPr>
-            <p:cNvPr id="72" name="Picture 71"/>
-            <p:cNvPicPr>
-              <a:picLocks noChangeAspect="1"/>
-            </p:cNvPicPr>
-            <p:nvPr/>
-          </p:nvPicPr>
-          <p:blipFill>
-            <a:blip r:embed="rId17">
-              <a:extLst>
-                <a:ext uri="{28A0092B-C50C-407E-A947-70E740481C1C}">
-                  <a14:useLocalDpi xmlns:a14="http://schemas.microsoft.com/office/drawing/2010/main" val="0"/>
-                </a:ext>
-              </a:extLst>
-            </a:blip>
-            <a:stretch>
-              <a:fillRect/>
-            </a:stretch>
-          </p:blipFill>
-          <p:spPr>
-            <a:xfrm>
-              <a:off x="22375730" y="24375880"/>
-              <a:ext cx="6619232" cy="10081848"/>
-            </a:xfrm>
-            <a:prstGeom prst="rect">
-              <a:avLst/>
-            </a:prstGeom>
-          </p:spPr>
-        </p:pic>
-      </p:grpSp>
+        </mc:Choice>
+        <mc:Fallback>
+          <p:sp>
+            <p:nvSpPr>
+              <p:cNvPr id="227" name="TextBox 226"/>
+              <p:cNvSpPr txBox="1">
+                <a:spLocks noRot="1" noChangeAspect="1" noMove="1" noResize="1" noEditPoints="1" noAdjustHandles="1" noChangeArrowheads="1" noChangeShapeType="1" noTextEdit="1"/>
+              </p:cNvSpPr>
+              <p:nvPr/>
+            </p:nvSpPr>
+            <p:spPr>
+              <a:xfrm>
+                <a:off x="26962927" y="11521178"/>
+                <a:ext cx="1105174" cy="584775"/>
+              </a:xfrm>
+              <a:prstGeom prst="rect">
+                <a:avLst/>
+              </a:prstGeom>
+              <a:blipFill rotWithShape="0">
+                <a:blip r:embed="rId26"/>
+                <a:stretch>
+                  <a:fillRect/>
+                </a:stretch>
+              </a:blipFill>
+            </p:spPr>
+            <p:txBody>
+              <a:bodyPr/>
+              <a:lstStyle/>
+              <a:p>
+                <a:r>
+                  <a:rPr lang="en-US">
+                    <a:noFill/>
+                  </a:rPr>
+                  <a:t> </a:t>
+                </a:r>
+              </a:p>
+            </p:txBody>
+          </p:sp>
+        </mc:Fallback>
+      </mc:AlternateContent>
     </p:spTree>
     <p:extLst>
       <p:ext uri="{BB962C8B-B14F-4D97-AF65-F5344CB8AC3E}">
@@ -5905,6 +7198,144 @@
       </p:par>
     </p:tnLst>
   </p:timing>
+</p:sld>
+</file>
+
+<file path=ppt/slides/slide2.xml><?xml version="1.0" encoding="utf-8"?>
+<p:sld xmlns:a="http://schemas.openxmlformats.org/drawingml/2006/main" xmlns:r="http://schemas.openxmlformats.org/officeDocument/2006/relationships" xmlns:p="http://schemas.openxmlformats.org/presentationml/2006/main">
+  <p:cSld>
+    <p:spTree>
+      <p:nvGrpSpPr>
+        <p:cNvPr id="1" name=""/>
+        <p:cNvGrpSpPr/>
+        <p:nvPr/>
+      </p:nvGrpSpPr>
+      <p:grpSpPr>
+        <a:xfrm>
+          <a:off x="0" y="0"/>
+          <a:ext cx="0" cy="0"/>
+          <a:chOff x="0" y="0"/>
+          <a:chExt cx="0" cy="0"/>
+        </a:xfrm>
+      </p:grpSpPr>
+      <p:pic>
+        <p:nvPicPr>
+          <p:cNvPr id="4" name="Picture 3">
+            <a:extLst>
+              <a:ext uri="{FF2B5EF4-FFF2-40B4-BE49-F238E27FC236}">
+                <a16:creationId xmlns:a16="http://schemas.microsoft.com/office/drawing/2014/main" xmlns="" id="{4E04806B-A48C-E042-86E9-CBD67367ED63}"/>
+              </a:ext>
+            </a:extLst>
+          </p:cNvPr>
+          <p:cNvPicPr>
+            <a:picLocks noChangeAspect="1"/>
+          </p:cNvPicPr>
+          <p:nvPr/>
+        </p:nvPicPr>
+        <p:blipFill>
+          <a:blip r:embed="rId2">
+            <a:extLst>
+              <a:ext uri="{28A0092B-C50C-407E-A947-70E740481C1C}">
+                <a14:useLocalDpi xmlns:a14="http://schemas.microsoft.com/office/drawing/2010/main" val="0"/>
+              </a:ext>
+            </a:extLst>
+          </a:blip>
+          <a:stretch>
+            <a:fillRect/>
+          </a:stretch>
+        </p:blipFill>
+        <p:spPr>
+          <a:xfrm>
+            <a:off x="7789458" y="10933778"/>
+            <a:ext cx="2606400" cy="2606400"/>
+          </a:xfrm>
+          <a:prstGeom prst="rect">
+            <a:avLst/>
+          </a:prstGeom>
+        </p:spPr>
+      </p:pic>
+      <p:pic>
+        <p:nvPicPr>
+          <p:cNvPr id="5" name="Picture 4">
+            <a:extLst>
+              <a:ext uri="{FF2B5EF4-FFF2-40B4-BE49-F238E27FC236}">
+                <a16:creationId xmlns:a16="http://schemas.microsoft.com/office/drawing/2014/main" xmlns="" id="{4847759E-E771-9645-B94F-520F45A19480}"/>
+              </a:ext>
+            </a:extLst>
+          </p:cNvPr>
+          <p:cNvPicPr>
+            <a:picLocks noChangeAspect="1"/>
+          </p:cNvPicPr>
+          <p:nvPr/>
+        </p:nvPicPr>
+        <p:blipFill>
+          <a:blip r:embed="rId3">
+            <a:extLst>
+              <a:ext uri="{28A0092B-C50C-407E-A947-70E740481C1C}">
+                <a14:useLocalDpi xmlns:a14="http://schemas.microsoft.com/office/drawing/2010/main" val="0"/>
+              </a:ext>
+            </a:extLst>
+          </a:blip>
+          <a:stretch>
+            <a:fillRect/>
+          </a:stretch>
+        </p:blipFill>
+        <p:spPr>
+          <a:xfrm>
+            <a:off x="3541989" y="10928086"/>
+            <a:ext cx="2612092" cy="2612092"/>
+          </a:xfrm>
+          <a:prstGeom prst="rect">
+            <a:avLst/>
+          </a:prstGeom>
+        </p:spPr>
+      </p:pic>
+      <p:pic>
+        <p:nvPicPr>
+          <p:cNvPr id="6" name="Picture 5">
+            <a:extLst>
+              <a:ext uri="{FF2B5EF4-FFF2-40B4-BE49-F238E27FC236}">
+                <a16:creationId xmlns:a16="http://schemas.microsoft.com/office/drawing/2014/main" xmlns="" id="{2A455A8A-721A-724A-99BC-08B770FA26C3}"/>
+              </a:ext>
+            </a:extLst>
+          </p:cNvPr>
+          <p:cNvPicPr>
+            <a:picLocks noChangeAspect="1"/>
+          </p:cNvPicPr>
+          <p:nvPr/>
+        </p:nvPicPr>
+        <p:blipFill>
+          <a:blip r:embed="rId4">
+            <a:extLst>
+              <a:ext uri="{28A0092B-C50C-407E-A947-70E740481C1C}">
+                <a14:useLocalDpi xmlns:a14="http://schemas.microsoft.com/office/drawing/2010/main" val="0"/>
+              </a:ext>
+            </a:extLst>
+          </a:blip>
+          <a:stretch>
+            <a:fillRect/>
+          </a:stretch>
+        </p:blipFill>
+        <p:spPr>
+          <a:xfrm>
+            <a:off x="5664984" y="10932299"/>
+            <a:ext cx="2607879" cy="2607879"/>
+          </a:xfrm>
+          <a:prstGeom prst="rect">
+            <a:avLst/>
+          </a:prstGeom>
+        </p:spPr>
+      </p:pic>
+    </p:spTree>
+    <p:extLst>
+      <p:ext uri="{BB962C8B-B14F-4D97-AF65-F5344CB8AC3E}">
+        <p14:creationId xmlns:p14="http://schemas.microsoft.com/office/powerpoint/2010/main" val="1297080737"/>
+      </p:ext>
+    </p:extLst>
+  </p:cSld>
+  <p:clrMapOvr>
+    <a:masterClrMapping/>
+  </p:clrMapOvr>
 </p:sld>
 </file>
 

--- a/poster/poster_GPsearch.pptx
+++ b/poster/poster_GPsearch.pptx
@@ -155,7 +155,7 @@
           </a:lstStyle>
           <a:p>
             <a:r>
-              <a:rPr lang="en-US" smtClean="0"/>
+              <a:rPr lang="en-US"/>
               <a:t>Click to edit Master title style</a:t>
             </a:r>
             <a:endParaRPr lang="en-US" dirty="0"/>
@@ -220,7 +220,7 @@
           </a:lstStyle>
           <a:p>
             <a:r>
-              <a:rPr lang="en-US" smtClean="0"/>
+              <a:rPr lang="en-US"/>
               <a:t>Click to edit Master subtitle style</a:t>
             </a:r>
             <a:endParaRPr lang="en-US" dirty="0"/>
@@ -244,7 +244,7 @@
           <a:p>
             <a:fld id="{10EAD0CE-46D8-8C41-8069-A7415983EEF9}" type="datetimeFigureOut">
               <a:rPr lang="en-US" smtClean="0"/>
-              <a:t>8/7/18</a:t>
+              <a:t>8/8/18</a:t>
             </a:fld>
             <a:endParaRPr lang="en-US"/>
           </a:p>
@@ -333,7 +333,7 @@
           <a:lstStyle/>
           <a:p>
             <a:r>
-              <a:rPr lang="en-US" smtClean="0"/>
+              <a:rPr lang="en-US"/>
               <a:t>Click to edit Master title style</a:t>
             </a:r>
             <a:endParaRPr lang="en-US" dirty="0"/>
@@ -357,35 +357,35 @@
           <a:p>
             <a:pPr lvl="0"/>
             <a:r>
-              <a:rPr lang="en-US" smtClean="0"/>
+              <a:rPr lang="en-US"/>
               <a:t>Click to edit Master text styles</a:t>
             </a:r>
           </a:p>
           <a:p>
             <a:pPr lvl="1"/>
             <a:r>
-              <a:rPr lang="en-US" smtClean="0"/>
+              <a:rPr lang="en-US"/>
               <a:t>Second level</a:t>
             </a:r>
           </a:p>
           <a:p>
             <a:pPr lvl="2"/>
             <a:r>
-              <a:rPr lang="en-US" smtClean="0"/>
+              <a:rPr lang="en-US"/>
               <a:t>Third level</a:t>
             </a:r>
           </a:p>
           <a:p>
             <a:pPr lvl="3"/>
             <a:r>
-              <a:rPr lang="en-US" smtClean="0"/>
+              <a:rPr lang="en-US"/>
               <a:t>Fourth level</a:t>
             </a:r>
           </a:p>
           <a:p>
             <a:pPr lvl="4"/>
             <a:r>
-              <a:rPr lang="en-US" smtClean="0"/>
+              <a:rPr lang="en-US"/>
               <a:t>Fifth level</a:t>
             </a:r>
             <a:endParaRPr lang="en-US" dirty="0"/>
@@ -409,7 +409,7 @@
           <a:p>
             <a:fld id="{10EAD0CE-46D8-8C41-8069-A7415983EEF9}" type="datetimeFigureOut">
               <a:rPr lang="en-US" smtClean="0"/>
-              <a:t>8/7/18</a:t>
+              <a:t>8/8/18</a:t>
             </a:fld>
             <a:endParaRPr lang="en-US"/>
           </a:p>
@@ -503,7 +503,7 @@
           <a:lstStyle/>
           <a:p>
             <a:r>
-              <a:rPr lang="en-US" smtClean="0"/>
+              <a:rPr lang="en-US"/>
               <a:t>Click to edit Master title style</a:t>
             </a:r>
             <a:endParaRPr lang="en-US" dirty="0"/>
@@ -532,35 +532,35 @@
           <a:p>
             <a:pPr lvl="0"/>
             <a:r>
-              <a:rPr lang="en-US" smtClean="0"/>
+              <a:rPr lang="en-US"/>
               <a:t>Click to edit Master text styles</a:t>
             </a:r>
           </a:p>
           <a:p>
             <a:pPr lvl="1"/>
             <a:r>
-              <a:rPr lang="en-US" smtClean="0"/>
+              <a:rPr lang="en-US"/>
               <a:t>Second level</a:t>
             </a:r>
           </a:p>
           <a:p>
             <a:pPr lvl="2"/>
             <a:r>
-              <a:rPr lang="en-US" smtClean="0"/>
+              <a:rPr lang="en-US"/>
               <a:t>Third level</a:t>
             </a:r>
           </a:p>
           <a:p>
             <a:pPr lvl="3"/>
             <a:r>
-              <a:rPr lang="en-US" smtClean="0"/>
+              <a:rPr lang="en-US"/>
               <a:t>Fourth level</a:t>
             </a:r>
           </a:p>
           <a:p>
             <a:pPr lvl="4"/>
             <a:r>
-              <a:rPr lang="en-US" smtClean="0"/>
+              <a:rPr lang="en-US"/>
               <a:t>Fifth level</a:t>
             </a:r>
             <a:endParaRPr lang="en-US" dirty="0"/>
@@ -584,7 +584,7 @@
           <a:p>
             <a:fld id="{10EAD0CE-46D8-8C41-8069-A7415983EEF9}" type="datetimeFigureOut">
               <a:rPr lang="en-US" smtClean="0"/>
-              <a:t>8/7/18</a:t>
+              <a:t>8/8/18</a:t>
             </a:fld>
             <a:endParaRPr lang="en-US"/>
           </a:p>
@@ -673,7 +673,7 @@
           <a:lstStyle/>
           <a:p>
             <a:r>
-              <a:rPr lang="en-US" smtClean="0"/>
+              <a:rPr lang="en-US"/>
               <a:t>Click to edit Master title style</a:t>
             </a:r>
             <a:endParaRPr lang="en-US" dirty="0"/>
@@ -697,35 +697,35 @@
           <a:p>
             <a:pPr lvl="0"/>
             <a:r>
-              <a:rPr lang="en-US" smtClean="0"/>
+              <a:rPr lang="en-US"/>
               <a:t>Click to edit Master text styles</a:t>
             </a:r>
           </a:p>
           <a:p>
             <a:pPr lvl="1"/>
             <a:r>
-              <a:rPr lang="en-US" smtClean="0"/>
+              <a:rPr lang="en-US"/>
               <a:t>Second level</a:t>
             </a:r>
           </a:p>
           <a:p>
             <a:pPr lvl="2"/>
             <a:r>
-              <a:rPr lang="en-US" smtClean="0"/>
+              <a:rPr lang="en-US"/>
               <a:t>Third level</a:t>
             </a:r>
           </a:p>
           <a:p>
             <a:pPr lvl="3"/>
             <a:r>
-              <a:rPr lang="en-US" smtClean="0"/>
+              <a:rPr lang="en-US"/>
               <a:t>Fourth level</a:t>
             </a:r>
           </a:p>
           <a:p>
             <a:pPr lvl="4"/>
             <a:r>
-              <a:rPr lang="en-US" smtClean="0"/>
+              <a:rPr lang="en-US"/>
               <a:t>Fifth level</a:t>
             </a:r>
             <a:endParaRPr lang="en-US" dirty="0"/>
@@ -749,7 +749,7 @@
           <a:p>
             <a:fld id="{10EAD0CE-46D8-8C41-8069-A7415983EEF9}" type="datetimeFigureOut">
               <a:rPr lang="en-US" smtClean="0"/>
-              <a:t>8/7/18</a:t>
+              <a:t>8/8/18</a:t>
             </a:fld>
             <a:endParaRPr lang="en-US"/>
           </a:p>
@@ -847,7 +847,7 @@
           </a:lstStyle>
           <a:p>
             <a:r>
-              <a:rPr lang="en-US" smtClean="0"/>
+              <a:rPr lang="en-US"/>
               <a:t>Click to edit Master title style</a:t>
             </a:r>
             <a:endParaRPr lang="en-US" dirty="0"/>
@@ -965,7 +965,7 @@
           <a:p>
             <a:pPr lvl="0"/>
             <a:r>
-              <a:rPr lang="en-US" smtClean="0"/>
+              <a:rPr lang="en-US"/>
               <a:t>Click to edit Master text styles</a:t>
             </a:r>
           </a:p>
@@ -988,7 +988,7 @@
           <a:p>
             <a:fld id="{10EAD0CE-46D8-8C41-8069-A7415983EEF9}" type="datetimeFigureOut">
               <a:rPr lang="en-US" smtClean="0"/>
-              <a:t>8/7/18</a:t>
+              <a:t>8/8/18</a:t>
             </a:fld>
             <a:endParaRPr lang="en-US"/>
           </a:p>
@@ -1077,7 +1077,7 @@
           <a:lstStyle/>
           <a:p>
             <a:r>
-              <a:rPr lang="en-US" smtClean="0"/>
+              <a:rPr lang="en-US"/>
               <a:t>Click to edit Master title style</a:t>
             </a:r>
             <a:endParaRPr lang="en-US" dirty="0"/>
@@ -1106,35 +1106,35 @@
           <a:p>
             <a:pPr lvl="0"/>
             <a:r>
-              <a:rPr lang="en-US" smtClean="0"/>
+              <a:rPr lang="en-US"/>
               <a:t>Click to edit Master text styles</a:t>
             </a:r>
           </a:p>
           <a:p>
             <a:pPr lvl="1"/>
             <a:r>
-              <a:rPr lang="en-US" smtClean="0"/>
+              <a:rPr lang="en-US"/>
               <a:t>Second level</a:t>
             </a:r>
           </a:p>
           <a:p>
             <a:pPr lvl="2"/>
             <a:r>
-              <a:rPr lang="en-US" smtClean="0"/>
+              <a:rPr lang="en-US"/>
               <a:t>Third level</a:t>
             </a:r>
           </a:p>
           <a:p>
             <a:pPr lvl="3"/>
             <a:r>
-              <a:rPr lang="en-US" smtClean="0"/>
+              <a:rPr lang="en-US"/>
               <a:t>Fourth level</a:t>
             </a:r>
           </a:p>
           <a:p>
             <a:pPr lvl="4"/>
             <a:r>
-              <a:rPr lang="en-US" smtClean="0"/>
+              <a:rPr lang="en-US"/>
               <a:t>Fifth level</a:t>
             </a:r>
             <a:endParaRPr lang="en-US" dirty="0"/>
@@ -1163,35 +1163,35 @@
           <a:p>
             <a:pPr lvl="0"/>
             <a:r>
-              <a:rPr lang="en-US" smtClean="0"/>
+              <a:rPr lang="en-US"/>
               <a:t>Click to edit Master text styles</a:t>
             </a:r>
           </a:p>
           <a:p>
             <a:pPr lvl="1"/>
             <a:r>
-              <a:rPr lang="en-US" smtClean="0"/>
+              <a:rPr lang="en-US"/>
               <a:t>Second level</a:t>
             </a:r>
           </a:p>
           <a:p>
             <a:pPr lvl="2"/>
             <a:r>
-              <a:rPr lang="en-US" smtClean="0"/>
+              <a:rPr lang="en-US"/>
               <a:t>Third level</a:t>
             </a:r>
           </a:p>
           <a:p>
             <a:pPr lvl="3"/>
             <a:r>
-              <a:rPr lang="en-US" smtClean="0"/>
+              <a:rPr lang="en-US"/>
               <a:t>Fourth level</a:t>
             </a:r>
           </a:p>
           <a:p>
             <a:pPr lvl="4"/>
             <a:r>
-              <a:rPr lang="en-US" smtClean="0"/>
+              <a:rPr lang="en-US"/>
               <a:t>Fifth level</a:t>
             </a:r>
             <a:endParaRPr lang="en-US" dirty="0"/>
@@ -1215,7 +1215,7 @@
           <a:p>
             <a:fld id="{10EAD0CE-46D8-8C41-8069-A7415983EEF9}" type="datetimeFigureOut">
               <a:rPr lang="en-US" smtClean="0"/>
-              <a:t>8/7/18</a:t>
+              <a:t>8/8/18</a:t>
             </a:fld>
             <a:endParaRPr lang="en-US"/>
           </a:p>
@@ -1309,7 +1309,7 @@
           <a:lstStyle/>
           <a:p>
             <a:r>
-              <a:rPr lang="en-US" smtClean="0"/>
+              <a:rPr lang="en-US"/>
               <a:t>Click to edit Master title style</a:t>
             </a:r>
             <a:endParaRPr lang="en-US" dirty="0"/>
@@ -1375,7 +1375,7 @@
           <a:p>
             <a:pPr lvl="0"/>
             <a:r>
-              <a:rPr lang="en-US" smtClean="0"/>
+              <a:rPr lang="en-US"/>
               <a:t>Click to edit Master text styles</a:t>
             </a:r>
           </a:p>
@@ -1403,35 +1403,35 @@
           <a:p>
             <a:pPr lvl="0"/>
             <a:r>
-              <a:rPr lang="en-US" smtClean="0"/>
+              <a:rPr lang="en-US"/>
               <a:t>Click to edit Master text styles</a:t>
             </a:r>
           </a:p>
           <a:p>
             <a:pPr lvl="1"/>
             <a:r>
-              <a:rPr lang="en-US" smtClean="0"/>
+              <a:rPr lang="en-US"/>
               <a:t>Second level</a:t>
             </a:r>
           </a:p>
           <a:p>
             <a:pPr lvl="2"/>
             <a:r>
-              <a:rPr lang="en-US" smtClean="0"/>
+              <a:rPr lang="en-US"/>
               <a:t>Third level</a:t>
             </a:r>
           </a:p>
           <a:p>
             <a:pPr lvl="3"/>
             <a:r>
-              <a:rPr lang="en-US" smtClean="0"/>
+              <a:rPr lang="en-US"/>
               <a:t>Fourth level</a:t>
             </a:r>
           </a:p>
           <a:p>
             <a:pPr lvl="4"/>
             <a:r>
-              <a:rPr lang="en-US" smtClean="0"/>
+              <a:rPr lang="en-US"/>
               <a:t>Fifth level</a:t>
             </a:r>
             <a:endParaRPr lang="en-US" dirty="0"/>
@@ -1497,7 +1497,7 @@
           <a:p>
             <a:pPr lvl="0"/>
             <a:r>
-              <a:rPr lang="en-US" smtClean="0"/>
+              <a:rPr lang="en-US"/>
               <a:t>Click to edit Master text styles</a:t>
             </a:r>
           </a:p>
@@ -1525,35 +1525,35 @@
           <a:p>
             <a:pPr lvl="0"/>
             <a:r>
-              <a:rPr lang="en-US" smtClean="0"/>
+              <a:rPr lang="en-US"/>
               <a:t>Click to edit Master text styles</a:t>
             </a:r>
           </a:p>
           <a:p>
             <a:pPr lvl="1"/>
             <a:r>
-              <a:rPr lang="en-US" smtClean="0"/>
+              <a:rPr lang="en-US"/>
               <a:t>Second level</a:t>
             </a:r>
           </a:p>
           <a:p>
             <a:pPr lvl="2"/>
             <a:r>
-              <a:rPr lang="en-US" smtClean="0"/>
+              <a:rPr lang="en-US"/>
               <a:t>Third level</a:t>
             </a:r>
           </a:p>
           <a:p>
             <a:pPr lvl="3"/>
             <a:r>
-              <a:rPr lang="en-US" smtClean="0"/>
+              <a:rPr lang="en-US"/>
               <a:t>Fourth level</a:t>
             </a:r>
           </a:p>
           <a:p>
             <a:pPr lvl="4"/>
             <a:r>
-              <a:rPr lang="en-US" smtClean="0"/>
+              <a:rPr lang="en-US"/>
               <a:t>Fifth level</a:t>
             </a:r>
             <a:endParaRPr lang="en-US" dirty="0"/>
@@ -1577,7 +1577,7 @@
           <a:p>
             <a:fld id="{10EAD0CE-46D8-8C41-8069-A7415983EEF9}" type="datetimeFigureOut">
               <a:rPr lang="en-US" smtClean="0"/>
-              <a:t>8/7/18</a:t>
+              <a:t>8/8/18</a:t>
             </a:fld>
             <a:endParaRPr lang="en-US"/>
           </a:p>
@@ -1666,7 +1666,7 @@
           <a:lstStyle/>
           <a:p>
             <a:r>
-              <a:rPr lang="en-US" smtClean="0"/>
+              <a:rPr lang="en-US"/>
               <a:t>Click to edit Master title style</a:t>
             </a:r>
             <a:endParaRPr lang="en-US" dirty="0"/>
@@ -1690,7 +1690,7 @@
           <a:p>
             <a:fld id="{10EAD0CE-46D8-8C41-8069-A7415983EEF9}" type="datetimeFigureOut">
               <a:rPr lang="en-US" smtClean="0"/>
-              <a:t>8/7/18</a:t>
+              <a:t>8/8/18</a:t>
             </a:fld>
             <a:endParaRPr lang="en-US"/>
           </a:p>
@@ -1780,7 +1780,7 @@
           <a:p>
             <a:fld id="{10EAD0CE-46D8-8C41-8069-A7415983EEF9}" type="datetimeFigureOut">
               <a:rPr lang="en-US" smtClean="0"/>
-              <a:t>8/7/18</a:t>
+              <a:t>8/8/18</a:t>
             </a:fld>
             <a:endParaRPr lang="en-US"/>
           </a:p>
@@ -1878,7 +1878,7 @@
           </a:lstStyle>
           <a:p>
             <a:r>
-              <a:rPr lang="en-US" smtClean="0"/>
+              <a:rPr lang="en-US"/>
               <a:t>Click to edit Master title style</a:t>
             </a:r>
             <a:endParaRPr lang="en-US" dirty="0"/>
@@ -1935,35 +1935,35 @@
           <a:p>
             <a:pPr lvl="0"/>
             <a:r>
-              <a:rPr lang="en-US" smtClean="0"/>
+              <a:rPr lang="en-US"/>
               <a:t>Click to edit Master text styles</a:t>
             </a:r>
           </a:p>
           <a:p>
             <a:pPr lvl="1"/>
             <a:r>
-              <a:rPr lang="en-US" smtClean="0"/>
+              <a:rPr lang="en-US"/>
               <a:t>Second level</a:t>
             </a:r>
           </a:p>
           <a:p>
             <a:pPr lvl="2"/>
             <a:r>
-              <a:rPr lang="en-US" smtClean="0"/>
+              <a:rPr lang="en-US"/>
               <a:t>Third level</a:t>
             </a:r>
           </a:p>
           <a:p>
             <a:pPr lvl="3"/>
             <a:r>
-              <a:rPr lang="en-US" smtClean="0"/>
+              <a:rPr lang="en-US"/>
               <a:t>Fourth level</a:t>
             </a:r>
           </a:p>
           <a:p>
             <a:pPr lvl="4"/>
             <a:r>
-              <a:rPr lang="en-US" smtClean="0"/>
+              <a:rPr lang="en-US"/>
               <a:t>Fifth level</a:t>
             </a:r>
             <a:endParaRPr lang="en-US" dirty="0"/>
@@ -2029,7 +2029,7 @@
           <a:p>
             <a:pPr lvl="0"/>
             <a:r>
-              <a:rPr lang="en-US" smtClean="0"/>
+              <a:rPr lang="en-US"/>
               <a:t>Click to edit Master text styles</a:t>
             </a:r>
           </a:p>
@@ -2052,7 +2052,7 @@
           <a:p>
             <a:fld id="{10EAD0CE-46D8-8C41-8069-A7415983EEF9}" type="datetimeFigureOut">
               <a:rPr lang="en-US" smtClean="0"/>
-              <a:t>8/7/18</a:t>
+              <a:t>8/8/18</a:t>
             </a:fld>
             <a:endParaRPr lang="en-US"/>
           </a:p>
@@ -2150,7 +2150,7 @@
           </a:lstStyle>
           <a:p>
             <a:r>
-              <a:rPr lang="en-US" smtClean="0"/>
+              <a:rPr lang="en-US"/>
               <a:t>Click to edit Master title style</a:t>
             </a:r>
             <a:endParaRPr lang="en-US" dirty="0"/>
@@ -2215,7 +2215,7 @@
           </a:lstStyle>
           <a:p>
             <a:r>
-              <a:rPr lang="en-US" smtClean="0"/>
+              <a:rPr lang="en-US"/>
               <a:t>Drag picture to placeholder or click icon to add</a:t>
             </a:r>
             <a:endParaRPr lang="en-US" dirty="0"/>
@@ -2281,7 +2281,7 @@
           <a:p>
             <a:pPr lvl="0"/>
             <a:r>
-              <a:rPr lang="en-US" smtClean="0"/>
+              <a:rPr lang="en-US"/>
               <a:t>Click to edit Master text styles</a:t>
             </a:r>
           </a:p>
@@ -2304,7 +2304,7 @@
           <a:p>
             <a:fld id="{10EAD0CE-46D8-8C41-8069-A7415983EEF9}" type="datetimeFigureOut">
               <a:rPr lang="en-US" smtClean="0"/>
-              <a:t>8/7/18</a:t>
+              <a:t>8/8/18</a:t>
             </a:fld>
             <a:endParaRPr lang="en-US"/>
           </a:p>
@@ -2408,7 +2408,7 @@
           <a:lstStyle/>
           <a:p>
             <a:r>
-              <a:rPr lang="en-US" smtClean="0"/>
+              <a:rPr lang="en-US"/>
               <a:t>Click to edit Master title style</a:t>
             </a:r>
             <a:endParaRPr lang="en-US" dirty="0"/>
@@ -2442,35 +2442,35 @@
           <a:p>
             <a:pPr lvl="0"/>
             <a:r>
-              <a:rPr lang="en-US" smtClean="0"/>
+              <a:rPr lang="en-US"/>
               <a:t>Click to edit Master text styles</a:t>
             </a:r>
           </a:p>
           <a:p>
             <a:pPr lvl="1"/>
             <a:r>
-              <a:rPr lang="en-US" smtClean="0"/>
+              <a:rPr lang="en-US"/>
               <a:t>Second level</a:t>
             </a:r>
           </a:p>
           <a:p>
             <a:pPr lvl="2"/>
             <a:r>
-              <a:rPr lang="en-US" smtClean="0"/>
+              <a:rPr lang="en-US"/>
               <a:t>Third level</a:t>
             </a:r>
           </a:p>
           <a:p>
             <a:pPr lvl="3"/>
             <a:r>
-              <a:rPr lang="en-US" smtClean="0"/>
+              <a:rPr lang="en-US"/>
               <a:t>Fourth level</a:t>
             </a:r>
           </a:p>
           <a:p>
             <a:pPr lvl="4"/>
             <a:r>
-              <a:rPr lang="en-US" smtClean="0"/>
+              <a:rPr lang="en-US"/>
               <a:t>Fifth level</a:t>
             </a:r>
             <a:endParaRPr lang="en-US" dirty="0"/>
@@ -2512,7 +2512,7 @@
           <a:p>
             <a:fld id="{10EAD0CE-46D8-8C41-8069-A7415983EEF9}" type="datetimeFigureOut">
               <a:rPr lang="en-US" smtClean="0"/>
-              <a:t>8/7/18</a:t>
+              <a:t>8/8/18</a:t>
             </a:fld>
             <a:endParaRPr lang="en-US"/>
           </a:p>
@@ -2903,6 +2903,40 @@
 <file path=ppt/slides/slide1.xml><?xml version="1.0" encoding="utf-8"?>
 <p:sld xmlns:a="http://schemas.openxmlformats.org/drawingml/2006/main" xmlns:r="http://schemas.openxmlformats.org/officeDocument/2006/relationships" xmlns:p="http://schemas.openxmlformats.org/presentationml/2006/main">
   <p:cSld>
+    <p:bg>
+      <p:bgPr>
+        <a:gradFill>
+          <a:gsLst>
+            <a:gs pos="22000">
+              <a:schemeClr val="accent1">
+                <a:lumMod val="5000"/>
+                <a:lumOff val="95000"/>
+              </a:schemeClr>
+            </a:gs>
+            <a:gs pos="74000">
+              <a:schemeClr val="accent1">
+                <a:lumMod val="45000"/>
+                <a:lumOff val="55000"/>
+              </a:schemeClr>
+            </a:gs>
+            <a:gs pos="83000">
+              <a:schemeClr val="accent1">
+                <a:lumMod val="45000"/>
+                <a:lumOff val="55000"/>
+              </a:schemeClr>
+            </a:gs>
+            <a:gs pos="100000">
+              <a:schemeClr val="accent1">
+                <a:lumMod val="30000"/>
+                <a:lumOff val="70000"/>
+              </a:schemeClr>
+            </a:gs>
+          </a:gsLst>
+          <a:lin ang="5400000" scaled="1"/>
+        </a:gradFill>
+        <a:effectLst/>
+      </p:bgPr>
+    </p:bg>
     <p:spTree>
       <p:nvGrpSpPr>
         <p:cNvPr id="1" name=""/>
@@ -2941,18 +2975,13 @@
           <a:p>
             <a:pPr algn="ctr"/>
             <a:r>
-              <a:rPr lang="en-US" sz="8200" b="1" dirty="0" smtClean="0">
+              <a:rPr lang="en-US" sz="8200" b="1" dirty="0">
                 <a:solidFill>
                   <a:srgbClr val="03428E"/>
                 </a:solidFill>
               </a:rPr>
               <a:t>Machine Learning based structure search</a:t>
             </a:r>
-            <a:endParaRPr lang="en-US" sz="8200" b="1" dirty="0">
-              <a:solidFill>
-                <a:srgbClr val="03428E"/>
-              </a:solidFill>
-            </a:endParaRPr>
           </a:p>
         </p:txBody>
       </p:sp>
@@ -2980,23 +3009,23 @@
           <a:p>
             <a:pPr algn="ctr"/>
             <a:r>
-              <a:rPr lang="en-US" sz="4524" u="sng" dirty="0" err="1" smtClean="0"/>
+              <a:rPr lang="en-US" sz="4524" u="sng" dirty="0" err="1"/>
               <a:t>Malthe</a:t>
             </a:r>
             <a:r>
-              <a:rPr lang="en-US" sz="4524" u="sng" dirty="0" smtClean="0"/>
+              <a:rPr lang="en-US" sz="4524" u="sng" dirty="0"/>
               <a:t> K. </a:t>
             </a:r>
             <a:r>
-              <a:rPr lang="en-US" sz="4524" u="sng" dirty="0" err="1" smtClean="0"/>
+              <a:rPr lang="en-US" sz="4524" u="sng" dirty="0" err="1"/>
               <a:t>Bisbo</a:t>
             </a:r>
             <a:r>
-              <a:rPr lang="en-US" sz="4524" u="sng" baseline="30000" dirty="0" err="1" smtClean="0"/>
+              <a:rPr lang="en-US" sz="4524" u="sng" baseline="30000" dirty="0" err="1"/>
               <a:t>a</a:t>
             </a:r>
             <a:r>
-              <a:rPr lang="en-US" sz="4524" dirty="0" smtClean="0"/>
+              <a:rPr lang="en-US" sz="4524" dirty="0"/>
               <a:t>, </a:t>
             </a:r>
             <a:r>
@@ -3013,7 +3042,7 @@
             </a:r>
             <a:r>
               <a:rPr lang="en-US" sz="4524" baseline="30000" dirty="0" err="1"/>
-              <a:t>a,b</a:t>
+              <a:t>a</a:t>
             </a:r>
             <a:endParaRPr lang="en-US" sz="4524" dirty="0"/>
           </a:p>
@@ -3021,13 +3050,8 @@
             <a:pPr algn="ctr"/>
             <a:r>
               <a:rPr lang="en-US" sz="3393" dirty="0"/>
-              <a:t>a Department of Physics and Astronomy, Aarhus University, </a:t>
-            </a:r>
-            <a:r>
-              <a:rPr lang="en-US" sz="3393" dirty="0" smtClean="0"/>
-              <a:t>Denmark</a:t>
-            </a:r>
-            <a:endParaRPr lang="en-US" sz="3393" dirty="0"/>
+              <a:t>a Department of Physics and Astronomy, Aarhus University, Denmark</a:t>
+            </a:r>
           </a:p>
         </p:txBody>
       </p:sp>
@@ -3039,63 +3063,165 @@
         </p:nvGrpSpPr>
         <p:grpSpPr>
           <a:xfrm>
-            <a:off x="615272" y="3998309"/>
-            <a:ext cx="14299320" cy="4393221"/>
-            <a:chOff x="454817" y="4426743"/>
-            <a:chExt cx="9923751" cy="3107337"/>
+            <a:off x="615272" y="3438043"/>
+            <a:ext cx="14299320" cy="11379394"/>
+            <a:chOff x="454817" y="4260392"/>
+            <a:chExt cx="9923751" cy="3378704"/>
           </a:xfrm>
         </p:grpSpPr>
-        <p:sp>
-          <p:nvSpPr>
-            <p:cNvPr id="9" name="Rounded Rectangle 8"/>
-            <p:cNvSpPr/>
-            <p:nvPr/>
-          </p:nvSpPr>
-          <p:spPr>
-            <a:xfrm>
-              <a:off x="454817" y="4784087"/>
-              <a:ext cx="9923751" cy="2749993"/>
-            </a:xfrm>
-            <a:prstGeom prst="roundRect">
-              <a:avLst>
-                <a:gd name="adj" fmla="val 10329"/>
-              </a:avLst>
-            </a:prstGeom>
-            <a:ln w="76200">
-              <a:solidFill>
-                <a:srgbClr val="03428E"/>
-              </a:solidFill>
-            </a:ln>
-            <a:effectLst>
-              <a:softEdge rad="0"/>
-            </a:effectLst>
-          </p:spPr>
-          <p:style>
-            <a:lnRef idx="2">
-              <a:schemeClr val="accent6"/>
-            </a:lnRef>
-            <a:fillRef idx="1">
-              <a:schemeClr val="lt1"/>
-            </a:fillRef>
-            <a:effectRef idx="0">
-              <a:schemeClr val="accent6"/>
-            </a:effectRef>
-            <a:fontRef idx="minor">
-              <a:schemeClr val="dk1"/>
-            </a:fontRef>
-          </p:style>
-          <p:txBody>
-            <a:bodyPr lIns="720000" tIns="540000" rIns="720000" bIns="360000" rtlCol="0" anchor="t"/>
-            <a:lstStyle/>
-            <a:p>
-              <a:pPr algn="just"/>
-              <a:r>
-                <a:rPr lang="en-US" sz="3600" dirty="0" smtClean="0"/>
-                <a:t>Most people working within the field of science, will intuitively be able to tell, that some local configurations of atoms (like a benzene ring) generally are more stable than others. This information can also be learned by a computer, by assigning local energies to each atom of a structure, based on familiar patterns.</a:t>
-              </a:r>
-            </a:p>
-          </p:txBody>
-        </p:sp>
+        <mc:AlternateContent xmlns:mc="http://schemas.openxmlformats.org/markup-compatibility/2006">
+          <mc:Choice xmlns:a14="http://schemas.microsoft.com/office/drawing/2010/main" Requires="a14">
+            <p:sp>
+              <p:nvSpPr>
+                <p:cNvPr id="9" name="Rounded Rectangle 8"/>
+                <p:cNvSpPr/>
+                <p:nvPr/>
+              </p:nvSpPr>
+              <p:spPr>
+                <a:xfrm>
+                  <a:off x="454817" y="4407689"/>
+                  <a:ext cx="9923751" cy="3231407"/>
+                </a:xfrm>
+                <a:prstGeom prst="roundRect">
+                  <a:avLst>
+                    <a:gd name="adj" fmla="val 6128"/>
+                  </a:avLst>
+                </a:prstGeom>
+                <a:ln w="76200">
+                  <a:solidFill>
+                    <a:srgbClr val="03428E"/>
+                  </a:solidFill>
+                </a:ln>
+                <a:effectLst>
+                  <a:softEdge rad="0"/>
+                </a:effectLst>
+              </p:spPr>
+              <p:style>
+                <a:lnRef idx="2">
+                  <a:schemeClr val="accent6"/>
+                </a:lnRef>
+                <a:fillRef idx="1">
+                  <a:schemeClr val="lt1"/>
+                </a:fillRef>
+                <a:effectRef idx="0">
+                  <a:schemeClr val="accent6"/>
+                </a:effectRef>
+                <a:fontRef idx="minor">
+                  <a:schemeClr val="dk1"/>
+                </a:fontRef>
+              </p:style>
+              <p:txBody>
+                <a:bodyPr lIns="720000" tIns="540000" rIns="720000" bIns="360000" rtlCol="0" anchor="t"/>
+                <a:lstStyle/>
+                <a:p>
+                  <a:pPr algn="just"/>
+                  <a:r>
+                    <a:rPr lang="en-US" sz="3600" dirty="0"/>
+                    <a:t>The speed of a structure search is generally dominated by the number of expensive energy/force evaluations (ex. DFT) </a:t>
+                  </a:r>
+                  <a:r>
+                    <a:rPr lang="en-US" sz="3600"/>
+                    <a:t>needed.</a:t>
+                  </a:r>
+                </a:p>
+                <a:p>
+                  <a:pPr algn="just"/>
+                  <a:endParaRPr lang="en-US" sz="3600" dirty="0"/>
+                </a:p>
+                <a:p>
+                  <a:pPr algn="just"/>
+                  <a:r>
+                    <a:rPr lang="en-US" sz="3600" dirty="0"/>
+                    <a:t>Typical search methods relies on locally relaxing a new structure in each of </a:t>
+                  </a:r>
+                  <a14:m>
+                    <m:oMath xmlns:m="http://schemas.openxmlformats.org/officeDocument/2006/math">
+                      <m:r>
+                        <a:rPr lang="en-US" sz="3600" b="0" i="1" smtClean="0">
+                          <a:latin typeface="Cambria Math" panose="02040503050406030204" pitchFamily="18" charset="0"/>
+                        </a:rPr>
+                        <m:t>𝑚</m:t>
+                      </m:r>
+                    </m:oMath>
+                  </a14:m>
+                  <a:r>
+                    <a:rPr lang="en-US" sz="3600" dirty="0"/>
+                    <a:t> search iterations. Each relaxation requires on average </a:t>
+                  </a:r>
+                  <a14:m>
+                    <m:oMath xmlns:m="http://schemas.openxmlformats.org/officeDocument/2006/math">
+                      <m:r>
+                        <a:rPr lang="en-US" sz="3600" b="0" i="1" smtClean="0">
+                          <a:latin typeface="Cambria Math" panose="02040503050406030204" pitchFamily="18" charset="0"/>
+                        </a:rPr>
+                        <m:t>𝑛</m:t>
+                      </m:r>
+                    </m:oMath>
+                  </a14:m>
+                  <a:r>
+                    <a:rPr lang="en-US" sz="3600" dirty="0"/>
+                    <a:t> DFT calculations.</a:t>
+                  </a:r>
+                </a:p>
+                <a:p>
+                  <a:pPr algn="just"/>
+                  <a:r>
+                    <a:rPr lang="en-US" sz="3600" dirty="0"/>
+                    <a:t>The present method circumvents local relaxation with DFT, by training a cheap model energy landscape on the fly during the search. Local relaxation is then performed using this cheap model.</a:t>
+                  </a:r>
+                </a:p>
+              </p:txBody>
+            </p:sp>
+          </mc:Choice>
+          <mc:Fallback>
+            <p:sp>
+              <p:nvSpPr>
+                <p:cNvPr id="9" name="Rounded Rectangle 8"/>
+                <p:cNvSpPr>
+                  <a:spLocks noRot="1" noChangeAspect="1" noMove="1" noResize="1" noEditPoints="1" noAdjustHandles="1" noChangeArrowheads="1" noChangeShapeType="1" noTextEdit="1"/>
+                </p:cNvSpPr>
+                <p:nvPr/>
+              </p:nvSpPr>
+              <p:spPr>
+                <a:xfrm>
+                  <a:off x="454817" y="4407689"/>
+                  <a:ext cx="9923751" cy="3231407"/>
+                </a:xfrm>
+                <a:prstGeom prst="roundRect">
+                  <a:avLst>
+                    <a:gd name="adj" fmla="val 6128"/>
+                  </a:avLst>
+                </a:prstGeom>
+                <a:blipFill>
+                  <a:blip r:embed="rId2"/>
+                  <a:stretch>
+                    <a:fillRect/>
+                  </a:stretch>
+                </a:blipFill>
+                <a:ln w="76200">
+                  <a:solidFill>
+                    <a:srgbClr val="03428E"/>
+                  </a:solidFill>
+                </a:ln>
+                <a:effectLst>
+                  <a:softEdge rad="0"/>
+                </a:effectLst>
+              </p:spPr>
+              <p:txBody>
+                <a:bodyPr/>
+                <a:lstStyle/>
+                <a:p>
+                  <a:r>
+                    <a:rPr lang="da-DK">
+                      <a:noFill/>
+                    </a:rPr>
+                    <a:t> </a:t>
+                  </a:r>
+                </a:p>
+              </p:txBody>
+            </p:sp>
+          </mc:Fallback>
+        </mc:AlternateContent>
         <p:sp>
           <p:nvSpPr>
             <p:cNvPr id="15" name="Rounded Rectangle 14"/>
@@ -3104,8 +3230,8 @@
           </p:nvSpPr>
           <p:spPr>
             <a:xfrm>
-              <a:off x="1165575" y="4426743"/>
-              <a:ext cx="8502227" cy="714687"/>
+              <a:off x="1164046" y="4260392"/>
+              <a:ext cx="8502227" cy="313893"/>
             </a:xfrm>
             <a:prstGeom prst="roundRect">
               <a:avLst>
@@ -3142,7 +3268,7 @@
               <a:pPr algn="ctr"/>
               <a:r>
                 <a:rPr lang="en-US" sz="5090" dirty="0"/>
-                <a:t>Introduction</a:t>
+                <a:t>Motivation</a:t>
               </a:r>
             </a:p>
           </p:txBody>
@@ -3175,7 +3301,7 @@
             </a:xfrm>
             <a:prstGeom prst="roundRect">
               <a:avLst>
-                <a:gd name="adj" fmla="val 2726"/>
+                <a:gd name="adj" fmla="val 4503"/>
               </a:avLst>
             </a:prstGeom>
             <a:ln w="76200">
@@ -3211,17 +3337,9 @@
                 </a:spcAft>
               </a:pPr>
               <a:r>
-                <a:rPr lang="en-US" sz="3600" dirty="0" smtClean="0"/>
+                <a:rPr lang="en-US" sz="3600" dirty="0"/>
                 <a:t>The workflow of the method is most easily illustrated using a simple example. Consider therefore the following structure, which is constrained only to change according to the two coordinates x1 and x2.</a:t>
               </a:r>
-            </a:p>
-            <a:p>
-              <a:pPr algn="just">
-                <a:spcAft>
-                  <a:spcPts val="1200"/>
-                </a:spcAft>
-              </a:pPr>
-              <a:endParaRPr lang="en-US" sz="3600" dirty="0" smtClean="0"/>
             </a:p>
             <a:p>
               <a:pPr algn="just">
@@ -3237,7 +3355,15 @@
                   <a:spcPts val="1200"/>
                 </a:spcAft>
               </a:pPr>
-              <a:endParaRPr lang="en-US" sz="3600" dirty="0" smtClean="0"/>
+              <a:endParaRPr lang="en-US" sz="3600" dirty="0"/>
+            </a:p>
+            <a:p>
+              <a:pPr algn="just">
+                <a:spcAft>
+                  <a:spcPts val="1200"/>
+                </a:spcAft>
+              </a:pPr>
+              <a:endParaRPr lang="en-US" sz="3600" dirty="0"/>
             </a:p>
             <a:p>
               <a:pPr algn="just">
@@ -3246,7 +3372,7 @@
                 </a:spcAft>
               </a:pPr>
               <a:r>
-                <a:rPr lang="en-US" sz="3600" dirty="0" smtClean="0"/>
+                <a:rPr lang="en-US" sz="3600" dirty="0"/>
                 <a:t>This simple problem allows for a two-dimensional plot of the energy landscape.</a:t>
               </a:r>
             </a:p>
@@ -3257,7 +3383,7 @@
                 </a:spcAft>
               </a:pPr>
               <a:r>
-                <a:rPr lang="en-US" sz="3600" dirty="0" smtClean="0"/>
+                <a:rPr lang="en-US" sz="3600" dirty="0"/>
                 <a:t>As illustrated below, each search iteration consists of:</a:t>
               </a:r>
             </a:p>
@@ -3269,7 +3395,7 @@
                 <a:buAutoNum type="arabicParenR"/>
               </a:pPr>
               <a:r>
-                <a:rPr lang="en-US" sz="3600" dirty="0" smtClean="0"/>
+                <a:rPr lang="en-US" sz="3600" dirty="0"/>
                 <a:t>Train ML-model of the energy, based on all current data.</a:t>
               </a:r>
             </a:p>
@@ -3281,7 +3407,7 @@
                 <a:buAutoNum type="arabicParenR"/>
               </a:pPr>
               <a:r>
-                <a:rPr lang="en-US" sz="3600" dirty="0" smtClean="0"/>
+                <a:rPr lang="en-US" sz="3600" dirty="0"/>
                 <a:t>Do an extended search in ML-energy landscape, to find multiple local minima structures. Continue with most promising of these.</a:t>
               </a:r>
             </a:p>
@@ -3293,10 +3419,9 @@
                 <a:buAutoNum type="arabicParenR"/>
               </a:pPr>
               <a:r>
-                <a:rPr lang="en-US" sz="3600" dirty="0" smtClean="0"/>
+                <a:rPr lang="en-US" sz="3600" dirty="0"/>
                 <a:t>Do a single DFT calculation on structure from 2) and add to training data.</a:t>
               </a:r>
-              <a:endParaRPr lang="en-US" sz="3600" dirty="0"/>
             </a:p>
           </p:txBody>
         </p:sp>
@@ -3345,10 +3470,9 @@
             <a:p>
               <a:pPr algn="ctr"/>
               <a:r>
-                <a:rPr lang="en-US" sz="5090" dirty="0" smtClean="0"/>
+                <a:rPr lang="en-US" sz="5090" dirty="0"/>
                 <a:t>ML-based structure search</a:t>
               </a:r>
-              <a:endParaRPr lang="en-US" sz="5090" dirty="0"/>
             </a:p>
           </p:txBody>
         </p:sp>
@@ -3362,9 +3486,9 @@
         <p:grpSpPr>
           <a:xfrm>
             <a:off x="15431268" y="3475795"/>
-            <a:ext cx="14299320" cy="12816489"/>
+            <a:ext cx="14299320" cy="12985640"/>
             <a:chOff x="454817" y="4426743"/>
-            <a:chExt cx="9923751" cy="9551187"/>
+            <a:chExt cx="9923751" cy="9677243"/>
           </a:xfrm>
         </p:grpSpPr>
         <mc:AlternateContent xmlns:mc="http://schemas.openxmlformats.org/markup-compatibility/2006">
@@ -3378,7 +3502,7 @@
               <p:spPr>
                 <a:xfrm>
                   <a:off x="454817" y="4784087"/>
-                  <a:ext cx="9923751" cy="9193843"/>
+                  <a:ext cx="9923751" cy="9319899"/>
                 </a:xfrm>
                 <a:prstGeom prst="roundRect">
                   <a:avLst>
@@ -3414,7 +3538,7 @@
                 <a:p>
                   <a:pPr algn="just"/>
                   <a:r>
-                    <a:rPr lang="en-US" sz="3600" dirty="0" smtClean="0"/>
+                    <a:rPr lang="en-US" sz="3600" dirty="0"/>
                     <a:t>As the machine learning model used for energy and force predictions, Gaussian Process regression is used. This method has the advantage of being fast to train for moderate sized training sets and additionally allows for an analytic estimate of the energy prediction error </a:t>
                   </a:r>
                   <a14:m>
@@ -3429,7 +3553,7 @@
                         <m:dPr>
                           <m:ctrlPr>
                             <a:rPr lang="en-US" sz="3600" b="1" i="1" smtClean="0">
-                              <a:latin typeface="Cambria Math" charset="0"/>
+                              <a:latin typeface="Cambria Math" panose="02040503050406030204" pitchFamily="18" charset="0"/>
                             </a:rPr>
                           </m:ctrlPr>
                         </m:dPr>
@@ -3445,11 +3569,11 @@
                     </m:oMath>
                   </a14:m>
                   <a:r>
-                    <a:rPr lang="en-US" sz="3600" b="1" dirty="0" smtClean="0"/>
+                    <a:rPr lang="en-US" sz="3600" b="1" dirty="0"/>
                     <a:t>.</a:t>
                   </a:r>
                   <a:r>
-                    <a:rPr lang="en-US" sz="3600" dirty="0" smtClean="0"/>
+                    <a:rPr lang="en-US" sz="3600" dirty="0"/>
                     <a:t> Estimates are based on the energy of similar structures:</a:t>
                   </a:r>
                 </a:p>
@@ -3465,7 +3589,7 @@
                           <m:sSupPr>
                             <m:ctrlPr>
                               <a:rPr lang="en-GB" sz="3200" i="1">
-                                <a:latin typeface="Cambria Math" charset="0"/>
+                                <a:latin typeface="Cambria Math" panose="02040503050406030204" pitchFamily="18" charset="0"/>
                               </a:rPr>
                             </m:ctrlPr>
                           </m:sSupPr>
@@ -3490,7 +3614,7 @@
                           <m:dPr>
                             <m:ctrlPr>
                               <a:rPr lang="en-GB" sz="3200" i="1">
-                                <a:latin typeface="Cambria Math" charset="0"/>
+                                <a:latin typeface="Cambria Math" panose="02040503050406030204" pitchFamily="18" charset="0"/>
                               </a:rPr>
                             </m:ctrlPr>
                           </m:dPr>
@@ -3515,7 +3639,7 @@
                             <m:supHide m:val="on"/>
                             <m:ctrlPr>
                               <a:rPr lang="en-GB" sz="3200" i="1">
-                                <a:latin typeface="Cambria Math" charset="0"/>
+                                <a:latin typeface="Cambria Math" panose="02040503050406030204" pitchFamily="18" charset="0"/>
                               </a:rPr>
                             </m:ctrlPr>
                           </m:naryPr>
@@ -3533,7 +3657,7 @@
                               <m:sSubPr>
                                 <m:ctrlPr>
                                   <a:rPr lang="en-GB" sz="3200" i="1">
-                                    <a:latin typeface="Cambria Math" charset="0"/>
+                                    <a:latin typeface="Cambria Math" panose="02040503050406030204" pitchFamily="18" charset="0"/>
                                   </a:rPr>
                                 </m:ctrlPr>
                               </m:sSubPr>
@@ -3564,7 +3688,7 @@
                               <m:dPr>
                                 <m:ctrlPr>
                                   <a:rPr lang="en-GB" sz="3200" i="1">
-                                    <a:latin typeface="Cambria Math" charset="0"/>
+                                    <a:latin typeface="Cambria Math" panose="02040503050406030204" pitchFamily="18" charset="0"/>
                                   </a:rPr>
                                 </m:ctrlPr>
                               </m:dPr>
@@ -3585,7 +3709,7 @@
                                   <m:sSubPr>
                                     <m:ctrlPr>
                                       <a:rPr lang="en-GB" sz="3200" i="1">
-                                        <a:latin typeface="Cambria Math" charset="0"/>
+                                        <a:latin typeface="Cambria Math" panose="02040503050406030204" pitchFamily="18" charset="0"/>
                                       </a:rPr>
                                     </m:ctrlPr>
                                   </m:sSubPr>
@@ -3644,7 +3768,7 @@
                           <m:dPr>
                             <m:ctrlPr>
                               <a:rPr lang="en-GB" sz="3200" i="1">
-                                <a:latin typeface="Cambria Math" charset="0"/>
+                                <a:latin typeface="Cambria Math" panose="02040503050406030204" pitchFamily="18" charset="0"/>
                               </a:rPr>
                             </m:ctrlPr>
                           </m:dPr>
@@ -3665,7 +3789,7 @@
                               <m:sSubPr>
                                 <m:ctrlPr>
                                   <a:rPr lang="en-GB" sz="3200" i="1">
-                                    <a:latin typeface="Cambria Math" charset="0"/>
+                                    <a:latin typeface="Cambria Math" panose="02040503050406030204" pitchFamily="18" charset="0"/>
                                   </a:rPr>
                                 </m:ctrlPr>
                               </m:sSubPr>
@@ -3709,7 +3833,7 @@
                             <m:endChr m:val="]"/>
                             <m:ctrlPr>
                               <a:rPr lang="en-GB" sz="3200" i="1">
-                                <a:latin typeface="Cambria Math" charset="0"/>
+                                <a:latin typeface="Cambria Math" panose="02040503050406030204" pitchFamily="18" charset="0"/>
                               </a:rPr>
                             </m:ctrlPr>
                           </m:dPr>
@@ -3724,7 +3848,7 @@
                               <m:fPr>
                                 <m:ctrlPr>
                                   <a:rPr lang="en-GB" sz="3200" i="1">
-                                    <a:latin typeface="Cambria Math" charset="0"/>
+                                    <a:latin typeface="Cambria Math" panose="02040503050406030204" pitchFamily="18" charset="0"/>
                                   </a:rPr>
                                 </m:ctrlPr>
                               </m:fPr>
@@ -3747,7 +3871,7 @@
                                   <m:sSupPr>
                                     <m:ctrlPr>
                                       <a:rPr lang="en-GB" sz="3200" i="1">
-                                        <a:latin typeface="Cambria Math" charset="0"/>
+                                        <a:latin typeface="Cambria Math" panose="02040503050406030204" pitchFamily="18" charset="0"/>
                                       </a:rPr>
                                     </m:ctrlPr>
                                   </m:sSupPr>
@@ -3780,7 +3904,7 @@
                               <m:dPr>
                                 <m:ctrlPr>
                                   <a:rPr lang="en-GB" sz="3200" i="1">
-                                    <a:latin typeface="Cambria Math" charset="0"/>
+                                    <a:latin typeface="Cambria Math" panose="02040503050406030204" pitchFamily="18" charset="0"/>
                                   </a:rPr>
                                 </m:ctrlPr>
                               </m:dPr>
@@ -3801,7 +3925,7 @@
                                   <m:sSubPr>
                                     <m:ctrlPr>
                                       <a:rPr lang="en-GB" sz="3200" i="1">
-                                        <a:latin typeface="Cambria Math" charset="0"/>
+                                        <a:latin typeface="Cambria Math" panose="02040503050406030204" pitchFamily="18" charset="0"/>
                                       </a:rPr>
                                     </m:ctrlPr>
                                   </m:sSubPr>
@@ -3829,7 +3953,7 @@
                       </m:oMath>
                     </m:oMathPara>
                   </a14:m>
-                  <a:endParaRPr lang="en-US" sz="3200" dirty="0" smtClean="0"/>
+                  <a:endParaRPr lang="en-US" sz="3200" dirty="0"/>
                 </a:p>
                 <a:p>
                   <a:pPr algn="just">
@@ -3847,7 +3971,7 @@
                           <m:sSupPr>
                             <m:ctrlPr>
                               <a:rPr lang="en-GB" sz="3200" i="1">
-                                <a:latin typeface="Cambria Math" charset="0"/>
+                                <a:latin typeface="Cambria Math" panose="02040503050406030204" pitchFamily="18" charset="0"/>
                               </a:rPr>
                             </m:ctrlPr>
                           </m:sSupPr>
@@ -3872,7 +3996,7 @@
                           <m:dPr>
                             <m:ctrlPr>
                               <a:rPr lang="en-GB" sz="3200" i="1">
-                                <a:latin typeface="Cambria Math" charset="0"/>
+                                <a:latin typeface="Cambria Math" panose="02040503050406030204" pitchFamily="18" charset="0"/>
                               </a:rPr>
                             </m:ctrlPr>
                           </m:dPr>
@@ -3895,13 +4019,13 @@
                           <a:rPr lang="en-US" sz="3200" b="0" i="0" smtClean="0">
                             <a:latin typeface="Cambria Math" charset="0"/>
                           </a:rPr>
-                          <m:t>∇</m:t>
+                          <m:t>𝛻</m:t>
                         </m:r>
                         <m:sSup>
                           <m:sSupPr>
                             <m:ctrlPr>
                               <a:rPr lang="en-US" sz="3200" b="0" i="1" smtClean="0">
-                                <a:latin typeface="Cambria Math" charset="0"/>
+                                <a:latin typeface="Cambria Math" panose="02040503050406030204" pitchFamily="18" charset="0"/>
                               </a:rPr>
                             </m:ctrlPr>
                           </m:sSupPr>
@@ -3926,7 +4050,7 @@
                           <m:dPr>
                             <m:ctrlPr>
                               <a:rPr lang="da-DK" sz="3200" b="1" i="1" smtClean="0">
-                                <a:latin typeface="Cambria Math" charset="0"/>
+                                <a:latin typeface="Cambria Math" panose="02040503050406030204" pitchFamily="18" charset="0"/>
                               </a:rPr>
                             </m:ctrlPr>
                           </m:dPr>
@@ -3948,7 +4072,7 @@
                       </m:oMath>
                     </m:oMathPara>
                   </a14:m>
-                  <a:endParaRPr lang="en-US" sz="3200" b="1" dirty="0" smtClean="0"/>
+                  <a:endParaRPr lang="en-US" sz="3200" b="1" dirty="0"/>
                 </a:p>
                 <a:p>
                   <a:pPr algn="just"/>
@@ -3969,15 +4093,15 @@
               <p:spPr>
                 <a:xfrm>
                   <a:off x="454817" y="4784087"/>
-                  <a:ext cx="9923751" cy="9193843"/>
+                  <a:ext cx="9923751" cy="9319899"/>
                 </a:xfrm>
                 <a:prstGeom prst="roundRect">
                   <a:avLst>
                     <a:gd name="adj" fmla="val 4884"/>
                   </a:avLst>
                 </a:prstGeom>
-                <a:blipFill rotWithShape="0">
-                  <a:blip r:embed="rId2"/>
+                <a:blipFill>
+                  <a:blip r:embed="rId3"/>
                   <a:stretch>
                     <a:fillRect/>
                   </a:stretch>
@@ -3996,7 +4120,7 @@
                 <a:lstStyle/>
                 <a:p>
                   <a:r>
-                    <a:rPr lang="en-US">
+                    <a:rPr lang="da-DK">
                       <a:noFill/>
                     </a:rPr>
                     <a:t> </a:t>
@@ -4015,7 +4139,7 @@
           <p:spPr>
             <a:xfrm>
               <a:off x="1165575" y="4426743"/>
-              <a:ext cx="8502227" cy="714687"/>
+              <a:ext cx="8502227" cy="790636"/>
             </a:xfrm>
             <a:prstGeom prst="roundRect">
               <a:avLst>
@@ -4087,7 +4211,7 @@
                 </a:xfrm>
                 <a:prstGeom prst="roundRect">
                   <a:avLst>
-                    <a:gd name="adj" fmla="val 13656"/>
+                    <a:gd name="adj" fmla="val 6100"/>
                   </a:avLst>
                 </a:prstGeom>
                 <a:ln w="76200">
@@ -4119,8 +4243,8 @@
                 <a:p>
                   <a:pPr algn="just"/>
                   <a:r>
-                    <a:rPr lang="en-US" sz="3600" dirty="0" smtClean="0"/>
-                    <a:t>The method has been applied to C24 fullerenes with the following success rates in finding the four geometries with lowest energy. The searches required </a:t>
+                    <a:rPr lang="en-US" sz="3600" dirty="0"/>
+                    <a:t>The method has been applied to C24 fullerenes. The success rates for 3x30 runs are shown below for the four geometries with lowest energy. The searches required </a:t>
                   </a:r>
                   <a14:m>
                     <m:oMath xmlns:m="http://schemas.openxmlformats.org/officeDocument/2006/math">
@@ -4130,13 +4254,18 @@
                         </a:rPr>
                         <m:t>~1000</m:t>
                       </m:r>
+                      <m:r>
+                        <a:rPr lang="en-US" sz="3600" b="0" i="0" smtClean="0">
+                          <a:latin typeface="Cambria Math" panose="02040503050406030204" pitchFamily="18" charset="0"/>
+                        </a:rPr>
+                        <m:t> </m:t>
+                      </m:r>
                     </m:oMath>
                   </a14:m>
                   <a:r>
-                    <a:rPr lang="en-US" sz="3600" dirty="0" smtClean="0"/>
-                    <a:t> search iteration/DFT calculations.</a:t>
+                    <a:rPr lang="en-US" sz="3600" dirty="0"/>
+                    <a:t>search iteration/DFT calculations.</a:t>
                   </a:r>
-                  <a:endParaRPr lang="en-US" sz="3600" dirty="0"/>
                 </a:p>
               </p:txBody>
             </p:sp>
@@ -4157,11 +4286,11 @@
                 </a:xfrm>
                 <a:prstGeom prst="roundRect">
                   <a:avLst>
-                    <a:gd name="adj" fmla="val 13656"/>
+                    <a:gd name="adj" fmla="val 6100"/>
                   </a:avLst>
                 </a:prstGeom>
-                <a:blipFill rotWithShape="0">
-                  <a:blip r:embed="rId3"/>
+                <a:blipFill>
+                  <a:blip r:embed="rId4"/>
                   <a:stretch>
                     <a:fillRect/>
                   </a:stretch>
@@ -4180,7 +4309,7 @@
                 <a:lstStyle/>
                 <a:p>
                   <a:r>
-                    <a:rPr lang="en-US">
+                    <a:rPr lang="da-DK">
                       <a:noFill/>
                     </a:rPr>
                     <a:t> </a:t>
@@ -4235,10 +4364,9 @@
             <a:p>
               <a:pPr algn="ctr"/>
               <a:r>
-                <a:rPr lang="en-US" sz="5090" dirty="0" smtClean="0"/>
+                <a:rPr lang="en-US" sz="5090" dirty="0"/>
                 <a:t>Results</a:t>
               </a:r>
-              <a:endParaRPr lang="en-US" sz="5090" dirty="0"/>
             </a:p>
           </p:txBody>
         </p:sp>
@@ -4252,7 +4380,7 @@
           <p:nvPr/>
         </p:nvPicPr>
         <p:blipFill rotWithShape="1">
-          <a:blip r:embed="rId4">
+          <a:blip r:embed="rId5">
             <a:extLst>
               <a:ext uri="{28A0092B-C50C-407E-A947-70E740481C1C}">
                 <a14:useLocalDpi xmlns:a14="http://schemas.microsoft.com/office/drawing/2010/main" val="0"/>
@@ -4281,7 +4409,7 @@
           <p:nvPr/>
         </p:nvPicPr>
         <p:blipFill>
-          <a:blip r:embed="rId5">
+          <a:blip r:embed="rId6">
             <a:extLst>
               <a:ext uri="{28A0092B-C50C-407E-A947-70E740481C1C}">
                 <a14:useLocalDpi xmlns:a14="http://schemas.microsoft.com/office/drawing/2010/main" val="0"/>
@@ -4294,7 +4422,7 @@
         </p:blipFill>
         <p:spPr>
           <a:xfrm>
-            <a:off x="4588874" y="30409204"/>
+            <a:off x="4588874" y="30587004"/>
             <a:ext cx="5906230" cy="5304997"/>
           </a:xfrm>
           <a:prstGeom prst="rect">
@@ -4307,7 +4435,7 @@
           <p:cNvPr id="120" name="Oval 119">
             <a:extLst>
               <a:ext uri="{FF2B5EF4-FFF2-40B4-BE49-F238E27FC236}">
-                <a16:creationId xmlns:a16="http://schemas.microsoft.com/office/drawing/2014/main" xmlns="" id="{08F67ED2-E0EA-744D-A5C3-DFAF9C05EBB0}"/>
+                <a16:creationId xmlns:a16="http://schemas.microsoft.com/office/drawing/2014/main" id="{08F67ED2-E0EA-744D-A5C3-DFAF9C05EBB0}"/>
               </a:ext>
             </a:extLst>
           </p:cNvPr>
@@ -4316,7 +4444,7 @@
         </p:nvSpPr>
         <p:spPr>
           <a:xfrm>
-            <a:off x="4227566" y="33464102"/>
+            <a:off x="4227566" y="33641902"/>
             <a:ext cx="2518497" cy="1498637"/>
           </a:xfrm>
           <a:prstGeom prst="ellipse">
@@ -4354,7 +4482,7 @@
           <p:cNvPr id="121" name="Oval 120">
             <a:extLst>
               <a:ext uri="{FF2B5EF4-FFF2-40B4-BE49-F238E27FC236}">
-                <a16:creationId xmlns:a16="http://schemas.microsoft.com/office/drawing/2014/main" xmlns="" id="{08F67ED2-E0EA-744D-A5C3-DFAF9C05EBB0}"/>
+                <a16:creationId xmlns:a16="http://schemas.microsoft.com/office/drawing/2014/main" id="{08F67ED2-E0EA-744D-A5C3-DFAF9C05EBB0}"/>
               </a:ext>
             </a:extLst>
           </p:cNvPr>
@@ -4363,7 +4491,7 @@
         </p:nvSpPr>
         <p:spPr>
           <a:xfrm>
-            <a:off x="7050014" y="29940614"/>
+            <a:off x="7050014" y="30118414"/>
             <a:ext cx="2518497" cy="1498637"/>
           </a:xfrm>
           <a:prstGeom prst="ellipse">
@@ -4390,10 +4518,9 @@
           <a:p>
             <a:pPr algn="ctr"/>
             <a:r>
-              <a:rPr lang="da-DK" sz="3600" dirty="0" smtClean="0"/>
+              <a:rPr lang="da-DK" sz="3600" dirty="0"/>
               <a:t>Train model</a:t>
             </a:r>
-            <a:endParaRPr lang="da-DK" sz="3600" dirty="0"/>
           </a:p>
         </p:txBody>
       </p:sp>
@@ -4402,7 +4529,7 @@
           <p:cNvPr id="122" name="Oval 121">
             <a:extLst>
               <a:ext uri="{FF2B5EF4-FFF2-40B4-BE49-F238E27FC236}">
-                <a16:creationId xmlns:a16="http://schemas.microsoft.com/office/drawing/2014/main" xmlns="" id="{08F67ED2-E0EA-744D-A5C3-DFAF9C05EBB0}"/>
+                <a16:creationId xmlns:a16="http://schemas.microsoft.com/office/drawing/2014/main" id="{08F67ED2-E0EA-744D-A5C3-DFAF9C05EBB0}"/>
               </a:ext>
             </a:extLst>
           </p:cNvPr>
@@ -4411,7 +4538,7 @@
         </p:nvSpPr>
         <p:spPr>
           <a:xfrm>
-            <a:off x="8995063" y="33464101"/>
+            <a:off x="8995063" y="33641901"/>
             <a:ext cx="3000081" cy="1498637"/>
           </a:xfrm>
           <a:prstGeom prst="ellipse">
@@ -4438,7 +4565,7 @@
           <a:p>
             <a:pPr algn="ctr"/>
             <a:r>
-              <a:rPr lang="da-DK" sz="3600" smtClean="0"/>
+              <a:rPr lang="da-DK" sz="3600"/>
               <a:t>Search ML potential</a:t>
             </a:r>
             <a:endParaRPr lang="da-DK" sz="3600" dirty="0"/>
@@ -4450,7 +4577,7 @@
           <p:cNvPr id="123" name="Oval 122">
             <a:extLst>
               <a:ext uri="{FF2B5EF4-FFF2-40B4-BE49-F238E27FC236}">
-                <a16:creationId xmlns:a16="http://schemas.microsoft.com/office/drawing/2014/main" xmlns="" id="{08F67ED2-E0EA-744D-A5C3-DFAF9C05EBB0}"/>
+                <a16:creationId xmlns:a16="http://schemas.microsoft.com/office/drawing/2014/main" id="{08F67ED2-E0EA-744D-A5C3-DFAF9C05EBB0}"/>
               </a:ext>
             </a:extLst>
           </p:cNvPr>
@@ -4459,7 +4586,7 @@
         </p:nvSpPr>
         <p:spPr>
           <a:xfrm>
-            <a:off x="2142734" y="30099110"/>
+            <a:off x="2142734" y="30276910"/>
             <a:ext cx="2957409" cy="1543064"/>
           </a:xfrm>
           <a:prstGeom prst="ellipse">
@@ -4486,7 +4613,7 @@
           <a:p>
             <a:pPr algn="ctr"/>
             <a:r>
-              <a:rPr lang="da-DK" sz="3600" dirty="0" smtClean="0"/>
+              <a:rPr lang="da-DK" sz="3600" dirty="0"/>
               <a:t>Initial</a:t>
             </a:r>
           </a:p>
@@ -4494,11 +4621,7 @@
             <a:pPr algn="ctr"/>
             <a:r>
               <a:rPr lang="da-DK" sz="3600" dirty="0" err="1"/>
-              <a:t>s</a:t>
-            </a:r>
-            <a:r>
-              <a:rPr lang="da-DK" sz="3600" dirty="0" err="1" smtClean="0"/>
-              <a:t>tructures</a:t>
+              <a:t>structures</a:t>
             </a:r>
             <a:endParaRPr lang="da-DK" sz="3600" dirty="0"/>
           </a:p>
@@ -4509,67 +4632,7 @@
           <p:cNvPr id="124" name="Picture 123">
             <a:extLst>
               <a:ext uri="{FF2B5EF4-FFF2-40B4-BE49-F238E27FC236}">
-                <a16:creationId xmlns:a16="http://schemas.microsoft.com/office/drawing/2014/main" xmlns="" id="{EAAF42C1-FAEB-4947-8DE4-2C0AD5593B99}"/>
-              </a:ext>
-            </a:extLst>
-          </p:cNvPr>
-          <p:cNvPicPr>
-            <a:picLocks noChangeAspect="1"/>
-          </p:cNvPicPr>
-          <p:nvPr/>
-        </p:nvPicPr>
-        <p:blipFill>
-          <a:blip r:embed="rId6"/>
-          <a:stretch>
-            <a:fillRect/>
-          </a:stretch>
-        </p:blipFill>
-        <p:spPr>
-          <a:xfrm>
-            <a:off x="8475774" y="25696995"/>
-            <a:ext cx="6464905" cy="4852183"/>
-          </a:xfrm>
-          <a:prstGeom prst="rect">
-            <a:avLst/>
-          </a:prstGeom>
-        </p:spPr>
-      </p:pic>
-      <p:pic>
-        <p:nvPicPr>
-          <p:cNvPr id="125" name="Picture 124">
-            <a:extLst>
-              <a:ext uri="{FF2B5EF4-FFF2-40B4-BE49-F238E27FC236}">
-                <a16:creationId xmlns:a16="http://schemas.microsoft.com/office/drawing/2014/main" xmlns="" id="{EAAF42C1-FAEB-4947-8DE4-2C0AD5593B99}"/>
-              </a:ext>
-            </a:extLst>
-          </p:cNvPr>
-          <p:cNvPicPr>
-            <a:picLocks noChangeAspect="1"/>
-          </p:cNvPicPr>
-          <p:nvPr/>
-        </p:nvPicPr>
-        <p:blipFill>
-          <a:blip r:embed="rId6"/>
-          <a:stretch>
-            <a:fillRect/>
-          </a:stretch>
-        </p:blipFill>
-        <p:spPr>
-          <a:xfrm>
-            <a:off x="8535535" y="35436787"/>
-            <a:ext cx="6464905" cy="4852183"/>
-          </a:xfrm>
-          <a:prstGeom prst="rect">
-            <a:avLst/>
-          </a:prstGeom>
-        </p:spPr>
-      </p:pic>
-      <p:pic>
-        <p:nvPicPr>
-          <p:cNvPr id="126" name="Picture 125">
-            <a:extLst>
-              <a:ext uri="{FF2B5EF4-FFF2-40B4-BE49-F238E27FC236}">
-                <a16:creationId xmlns:a16="http://schemas.microsoft.com/office/drawing/2014/main" xmlns="" id="{089A8EB1-7BF3-3B48-B79F-BFE89310F787}"/>
+                <a16:creationId xmlns:a16="http://schemas.microsoft.com/office/drawing/2014/main" id="{EAAF42C1-FAEB-4947-8DE4-2C0AD5593B99}"/>
               </a:ext>
             </a:extLst>
           </p:cNvPr>
@@ -4586,7 +4649,67 @@
         </p:blipFill>
         <p:spPr>
           <a:xfrm>
-            <a:off x="979763" y="35464347"/>
+            <a:off x="8475774" y="26128795"/>
+            <a:ext cx="6464905" cy="4852183"/>
+          </a:xfrm>
+          <a:prstGeom prst="rect">
+            <a:avLst/>
+          </a:prstGeom>
+        </p:spPr>
+      </p:pic>
+      <p:pic>
+        <p:nvPicPr>
+          <p:cNvPr id="125" name="Picture 124">
+            <a:extLst>
+              <a:ext uri="{FF2B5EF4-FFF2-40B4-BE49-F238E27FC236}">
+                <a16:creationId xmlns:a16="http://schemas.microsoft.com/office/drawing/2014/main" id="{EAAF42C1-FAEB-4947-8DE4-2C0AD5593B99}"/>
+              </a:ext>
+            </a:extLst>
+          </p:cNvPr>
+          <p:cNvPicPr>
+            <a:picLocks noChangeAspect="1"/>
+          </p:cNvPicPr>
+          <p:nvPr/>
+        </p:nvPicPr>
+        <p:blipFill>
+          <a:blip r:embed="rId7"/>
+          <a:stretch>
+            <a:fillRect/>
+          </a:stretch>
+        </p:blipFill>
+        <p:spPr>
+          <a:xfrm>
+            <a:off x="8475774" y="35436787"/>
+            <a:ext cx="6464905" cy="4852183"/>
+          </a:xfrm>
+          <a:prstGeom prst="rect">
+            <a:avLst/>
+          </a:prstGeom>
+        </p:spPr>
+      </p:pic>
+      <p:pic>
+        <p:nvPicPr>
+          <p:cNvPr id="126" name="Picture 125">
+            <a:extLst>
+              <a:ext uri="{FF2B5EF4-FFF2-40B4-BE49-F238E27FC236}">
+                <a16:creationId xmlns:a16="http://schemas.microsoft.com/office/drawing/2014/main" id="{089A8EB1-7BF3-3B48-B79F-BFE89310F787}"/>
+              </a:ext>
+            </a:extLst>
+          </p:cNvPr>
+          <p:cNvPicPr>
+            <a:picLocks noChangeAspect="1"/>
+          </p:cNvPicPr>
+          <p:nvPr/>
+        </p:nvPicPr>
+        <p:blipFill>
+          <a:blip r:embed="rId8"/>
+          <a:stretch>
+            <a:fillRect/>
+          </a:stretch>
+        </p:blipFill>
+        <p:spPr>
+          <a:xfrm>
+            <a:off x="979763" y="35436787"/>
             <a:ext cx="6472952" cy="4858223"/>
           </a:xfrm>
           <a:prstGeom prst="rect">
@@ -4599,43 +4722,7 @@
           <p:cNvPr id="145" name="Picture 144">
             <a:extLst>
               <a:ext uri="{FF2B5EF4-FFF2-40B4-BE49-F238E27FC236}">
-                <a16:creationId xmlns:a16="http://schemas.microsoft.com/office/drawing/2014/main" xmlns="" id="{4E04806B-A48C-E042-86E9-CBD67367ED63}"/>
-              </a:ext>
-            </a:extLst>
-          </p:cNvPr>
-          <p:cNvPicPr>
-            <a:picLocks noChangeAspect="1"/>
-          </p:cNvPicPr>
-          <p:nvPr/>
-        </p:nvPicPr>
-        <p:blipFill>
-          <a:blip r:embed="rId8">
-            <a:extLst>
-              <a:ext uri="{28A0092B-C50C-407E-A947-70E740481C1C}">
-                <a14:useLocalDpi xmlns:a14="http://schemas.microsoft.com/office/drawing/2010/main" val="0"/>
-              </a:ext>
-            </a:extLst>
-          </a:blip>
-          <a:stretch>
-            <a:fillRect/>
-          </a:stretch>
-        </p:blipFill>
-        <p:spPr>
-          <a:xfrm>
-            <a:off x="2595845" y="26902971"/>
-            <a:ext cx="2606400" cy="2606400"/>
-          </a:xfrm>
-          <a:prstGeom prst="rect">
-            <a:avLst/>
-          </a:prstGeom>
-        </p:spPr>
-      </p:pic>
-      <p:pic>
-        <p:nvPicPr>
-          <p:cNvPr id="146" name="Picture 145">
-            <a:extLst>
-              <a:ext uri="{FF2B5EF4-FFF2-40B4-BE49-F238E27FC236}">
-                <a16:creationId xmlns:a16="http://schemas.microsoft.com/office/drawing/2014/main" xmlns="" id="{4847759E-E771-9645-B94F-520F45A19480}"/>
+                <a16:creationId xmlns:a16="http://schemas.microsoft.com/office/drawing/2014/main" id="{4E04806B-A48C-E042-86E9-CBD67367ED63}"/>
               </a:ext>
             </a:extLst>
           </p:cNvPr>
@@ -4658,14 +4745,50 @@
         </p:blipFill>
         <p:spPr>
           <a:xfrm>
-            <a:off x="4499272" y="26897279"/>
-            <a:ext cx="2612092" cy="2612092"/>
+            <a:off x="2595845" y="27080771"/>
+            <a:ext cx="2606400" cy="2606400"/>
           </a:xfrm>
           <a:prstGeom prst="rect">
             <a:avLst/>
           </a:prstGeom>
         </p:spPr>
       </p:pic>
+      <p:pic>
+        <p:nvPicPr>
+          <p:cNvPr id="146" name="Picture 145">
+            <a:extLst>
+              <a:ext uri="{FF2B5EF4-FFF2-40B4-BE49-F238E27FC236}">
+                <a16:creationId xmlns:a16="http://schemas.microsoft.com/office/drawing/2014/main" id="{4847759E-E771-9645-B94F-520F45A19480}"/>
+              </a:ext>
+            </a:extLst>
+          </p:cNvPr>
+          <p:cNvPicPr>
+            <a:picLocks noChangeAspect="1"/>
+          </p:cNvPicPr>
+          <p:nvPr/>
+        </p:nvPicPr>
+        <p:blipFill>
+          <a:blip r:embed="rId10">
+            <a:extLst>
+              <a:ext uri="{28A0092B-C50C-407E-A947-70E740481C1C}">
+                <a14:useLocalDpi xmlns:a14="http://schemas.microsoft.com/office/drawing/2010/main" val="0"/>
+              </a:ext>
+            </a:extLst>
+          </a:blip>
+          <a:stretch>
+            <a:fillRect/>
+          </a:stretch>
+        </p:blipFill>
+        <p:spPr>
+          <a:xfrm>
+            <a:off x="4499272" y="27075079"/>
+            <a:ext cx="2612092" cy="2612092"/>
+          </a:xfrm>
+          <a:prstGeom prst="rect">
+            <a:avLst/>
+          </a:prstGeom>
+        </p:spPr>
+      </p:pic>
       <p:sp>
         <p:nvSpPr>
           <p:cNvPr id="13" name="Rectangle 12"/>
@@ -4674,7 +4797,7 @@
         </p:nvSpPr>
         <p:spPr>
           <a:xfrm>
-            <a:off x="1446728" y="26885040"/>
+            <a:off x="1446728" y="27062840"/>
             <a:ext cx="1728000" cy="2356283"/>
           </a:xfrm>
           <a:prstGeom prst="rect">
@@ -4711,7 +4834,7 @@
           <p:cNvPr id="147" name="Picture 146">
             <a:extLst>
               <a:ext uri="{FF2B5EF4-FFF2-40B4-BE49-F238E27FC236}">
-                <a16:creationId xmlns:a16="http://schemas.microsoft.com/office/drawing/2014/main" xmlns="" id="{2A455A8A-721A-724A-99BC-08B770FA26C3}"/>
+                <a16:creationId xmlns:a16="http://schemas.microsoft.com/office/drawing/2014/main" id="{2A455A8A-721A-724A-99BC-08B770FA26C3}"/>
               </a:ext>
             </a:extLst>
           </p:cNvPr>
@@ -4721,7 +4844,7 @@
           <p:nvPr/>
         </p:nvPicPr>
         <p:blipFill>
-          <a:blip r:embed="rId10">
+          <a:blip r:embed="rId11">
             <a:extLst>
               <a:ext uri="{28A0092B-C50C-407E-A947-70E740481C1C}">
                 <a14:useLocalDpi xmlns:a14="http://schemas.microsoft.com/office/drawing/2010/main" val="0"/>
@@ -4734,7 +4857,7 @@
         </p:blipFill>
         <p:spPr>
           <a:xfrm>
-            <a:off x="730356" y="26892169"/>
+            <a:off x="730356" y="27069969"/>
             <a:ext cx="2607879" cy="2607879"/>
           </a:xfrm>
           <a:prstGeom prst="rect">
@@ -4750,7 +4873,7 @@
         </p:nvSpPr>
         <p:spPr>
           <a:xfrm>
-            <a:off x="3317466" y="26888585"/>
+            <a:off x="3317466" y="27066385"/>
             <a:ext cx="1726681" cy="2356283"/>
           </a:xfrm>
           <a:prstGeom prst="rect">
@@ -4790,7 +4913,7 @@
         </p:nvSpPr>
         <p:spPr>
           <a:xfrm>
-            <a:off x="5213601" y="26892130"/>
+            <a:off x="5213601" y="27069930"/>
             <a:ext cx="1728000" cy="2356283"/>
           </a:xfrm>
           <a:prstGeom prst="rect">
@@ -4826,13 +4949,14 @@
         <p:nvCxnSpPr>
           <p:cNvPr id="19" name="Straight Arrow Connector 18"/>
           <p:cNvCxnSpPr>
+            <a:cxnSpLocks/>
             <a:stCxn id="13" idx="2"/>
           </p:cNvCxnSpPr>
           <p:nvPr/>
         </p:nvCxnSpPr>
         <p:spPr>
           <a:xfrm>
-            <a:off x="2310728" y="29241323"/>
+            <a:off x="2310728" y="29419123"/>
             <a:ext cx="558600" cy="986816"/>
           </a:xfrm>
           <a:prstGeom prst="straightConnector1">
@@ -4865,7 +4989,7 @@
         </p:nvCxnSpPr>
         <p:spPr>
           <a:xfrm flipH="1">
-            <a:off x="3773336" y="29241323"/>
+            <a:off x="3773336" y="29419123"/>
             <a:ext cx="454230" cy="857787"/>
           </a:xfrm>
           <a:prstGeom prst="straightConnector1">
@@ -4894,6 +5018,7 @@
         <p:nvCxnSpPr>
           <p:cNvPr id="152" name="Straight Arrow Connector 151"/>
           <p:cNvCxnSpPr>
+            <a:cxnSpLocks/>
             <a:stCxn id="149" idx="2"/>
             <a:endCxn id="123" idx="7"/>
           </p:cNvCxnSpPr>
@@ -4901,7 +5026,7 @@
         </p:nvCxnSpPr>
         <p:spPr>
           <a:xfrm flipH="1">
-            <a:off x="4667040" y="29248413"/>
+            <a:off x="4667040" y="29426213"/>
             <a:ext cx="1410561" cy="1076673"/>
           </a:xfrm>
           <a:prstGeom prst="straightConnector1">
@@ -4949,10 +5074,9 @@
           <a:lstStyle/>
           <a:p>
             <a:r>
-              <a:rPr lang="en-US" sz="3200" dirty="0" smtClean="0"/>
+              <a:rPr lang="en-US" sz="3200" dirty="0"/>
               <a:t>x</a:t>
             </a:r>
-            <a:endParaRPr lang="en-US" sz="3200" dirty="0"/>
           </a:p>
         </p:txBody>
       </p:sp>
@@ -4979,10 +5103,9 @@
           <a:lstStyle/>
           <a:p>
             <a:r>
-              <a:rPr lang="en-US" sz="3200" dirty="0" smtClean="0"/>
+              <a:rPr lang="en-US" sz="3200" dirty="0"/>
               <a:t>x</a:t>
             </a:r>
-            <a:endParaRPr lang="en-US" sz="3200" dirty="0"/>
           </a:p>
         </p:txBody>
       </p:sp>
@@ -5009,10 +5132,9 @@
           <a:lstStyle/>
           <a:p>
             <a:r>
-              <a:rPr lang="en-US" sz="3200" dirty="0" smtClean="0"/>
+              <a:rPr lang="en-US" sz="3200" dirty="0"/>
               <a:t>x</a:t>
             </a:r>
-            <a:endParaRPr lang="en-US" sz="3200" dirty="0"/>
           </a:p>
         </p:txBody>
       </p:sp>
@@ -5039,10 +5161,9 @@
           <a:lstStyle/>
           <a:p>
             <a:r>
-              <a:rPr lang="en-US" sz="3200" dirty="0" smtClean="0"/>
+              <a:rPr lang="en-US" sz="3200" dirty="0"/>
               <a:t>x</a:t>
             </a:r>
-            <a:endParaRPr lang="en-US" sz="3200" dirty="0"/>
           </a:p>
         </p:txBody>
       </p:sp>
@@ -5069,10 +5190,9 @@
           <a:lstStyle/>
           <a:p>
             <a:r>
-              <a:rPr lang="en-US" sz="3200" dirty="0" smtClean="0"/>
+              <a:rPr lang="en-US" sz="3200" dirty="0"/>
               <a:t>x</a:t>
             </a:r>
-            <a:endParaRPr lang="en-US" sz="3200" dirty="0"/>
           </a:p>
         </p:txBody>
       </p:sp>
@@ -5099,10 +5219,9 @@
           <a:lstStyle/>
           <a:p>
             <a:r>
-              <a:rPr lang="en-US" sz="3200" dirty="0" smtClean="0"/>
+              <a:rPr lang="en-US" sz="3200" dirty="0"/>
               <a:t>x</a:t>
             </a:r>
-            <a:endParaRPr lang="en-US" sz="3200" dirty="0"/>
           </a:p>
         </p:txBody>
       </p:sp>
@@ -5111,7 +5230,7 @@
           <p:cNvPr id="162" name="5-Point Star 161">
             <a:extLst>
               <a:ext uri="{FF2B5EF4-FFF2-40B4-BE49-F238E27FC236}">
-                <a16:creationId xmlns:a16="http://schemas.microsoft.com/office/drawing/2014/main" xmlns="" id="{B583A645-FA5E-FD4B-BD40-AE889B17BDEB}"/>
+                <a16:creationId xmlns:a16="http://schemas.microsoft.com/office/drawing/2014/main" id="{B583A645-FA5E-FD4B-BD40-AE889B17BDEB}"/>
               </a:ext>
             </a:extLst>
           </p:cNvPr>
@@ -5157,7 +5276,7 @@
           <p:cNvPr id="163" name="5-Point Star 162">
             <a:extLst>
               <a:ext uri="{FF2B5EF4-FFF2-40B4-BE49-F238E27FC236}">
-                <a16:creationId xmlns:a16="http://schemas.microsoft.com/office/drawing/2014/main" xmlns="" id="{B583A645-FA5E-FD4B-BD40-AE889B17BDEB}"/>
+                <a16:creationId xmlns:a16="http://schemas.microsoft.com/office/drawing/2014/main" id="{B583A645-FA5E-FD4B-BD40-AE889B17BDEB}"/>
               </a:ext>
             </a:extLst>
           </p:cNvPr>
@@ -5206,7 +5325,7 @@
         </p:nvSpPr>
         <p:spPr>
           <a:xfrm>
-            <a:off x="1503461" y="26869299"/>
+            <a:off x="1503461" y="27047099"/>
             <a:ext cx="393056" cy="584775"/>
           </a:xfrm>
           <a:prstGeom prst="rect">
@@ -5221,10 +5340,9 @@
           <a:lstStyle/>
           <a:p>
             <a:r>
-              <a:rPr lang="en-US" sz="3200" dirty="0" smtClean="0"/>
+              <a:rPr lang="en-US" sz="3200" dirty="0"/>
               <a:t>1</a:t>
             </a:r>
-            <a:endParaRPr lang="en-US" sz="3200" dirty="0"/>
           </a:p>
         </p:txBody>
       </p:sp>
@@ -5236,7 +5354,7 @@
         </p:nvSpPr>
         <p:spPr>
           <a:xfrm>
-            <a:off x="3403311" y="26853873"/>
+            <a:off x="3403311" y="27031673"/>
             <a:ext cx="393056" cy="584775"/>
           </a:xfrm>
           <a:prstGeom prst="rect">
@@ -5251,10 +5369,9 @@
           <a:lstStyle/>
           <a:p>
             <a:r>
-              <a:rPr lang="en-US" sz="3200" dirty="0" smtClean="0"/>
+              <a:rPr lang="en-US" sz="3200" dirty="0"/>
               <a:t>2</a:t>
             </a:r>
-            <a:endParaRPr lang="en-US" sz="3200" dirty="0"/>
           </a:p>
         </p:txBody>
       </p:sp>
@@ -5266,7 +5383,7 @@
         </p:nvSpPr>
         <p:spPr>
           <a:xfrm>
-            <a:off x="5276885" y="26880475"/>
+            <a:off x="5276885" y="27058275"/>
             <a:ext cx="393056" cy="584775"/>
           </a:xfrm>
           <a:prstGeom prst="rect">
@@ -5281,10 +5398,9 @@
           <a:lstStyle/>
           <a:p>
             <a:r>
-              <a:rPr lang="en-US" sz="3200" dirty="0" smtClean="0"/>
+              <a:rPr lang="en-US" sz="3200" dirty="0"/>
               <a:t>3</a:t>
             </a:r>
-            <a:endParaRPr lang="en-US" sz="3200" dirty="0"/>
           </a:p>
         </p:txBody>
       </p:sp>
@@ -5296,7 +5412,7 @@
         </p:nvSpPr>
         <p:spPr>
           <a:xfrm>
-            <a:off x="12201941" y="28493375"/>
+            <a:off x="12201941" y="28671175"/>
             <a:ext cx="373820" cy="523220"/>
           </a:xfrm>
           <a:prstGeom prst="rect">
@@ -5311,7 +5427,7 @@
           <a:lstStyle/>
           <a:p>
             <a:r>
-              <a:rPr lang="en-US" sz="2800" smtClean="0"/>
+              <a:rPr lang="en-US" sz="2800"/>
               <a:t>1</a:t>
             </a:r>
             <a:endParaRPr lang="en-US" sz="2800" dirty="0"/>
@@ -5326,7 +5442,7 @@
         </p:nvSpPr>
         <p:spPr>
           <a:xfrm>
-            <a:off x="12482357" y="28726039"/>
+            <a:off x="12482357" y="28903839"/>
             <a:ext cx="367408" cy="523220"/>
           </a:xfrm>
           <a:prstGeom prst="rect">
@@ -5355,7 +5471,7 @@
         </p:nvSpPr>
         <p:spPr>
           <a:xfrm>
-            <a:off x="12762773" y="28968355"/>
+            <a:off x="12762773" y="29146155"/>
             <a:ext cx="367408" cy="523220"/>
           </a:xfrm>
           <a:prstGeom prst="rect">
@@ -5381,7 +5497,7 @@
           <p:cNvPr id="170" name="Graphic 13" descr="HeadWithGears">
             <a:extLst>
               <a:ext uri="{FF2B5EF4-FFF2-40B4-BE49-F238E27FC236}">
-                <a16:creationId xmlns:a16="http://schemas.microsoft.com/office/drawing/2014/main" xmlns="" id="{F1734F00-B7B6-2042-904B-EB85E52832BE}"/>
+                <a16:creationId xmlns:a16="http://schemas.microsoft.com/office/drawing/2014/main" id="{F1734F00-B7B6-2042-904B-EB85E52832BE}"/>
               </a:ext>
             </a:extLst>
           </p:cNvPr>
@@ -5391,10 +5507,10 @@
           <p:nvPr/>
         </p:nvPicPr>
         <p:blipFill>
-          <a:blip r:embed="rId11">
+          <a:blip r:embed="rId12">
             <a:extLst>
               <a:ext uri="{96DAC541-7B7A-43D3-8B79-37D633B846F1}">
-                <asvg:svgBlip xmlns:asvg="http://schemas.microsoft.com/office/drawing/2016/SVG/main" xmlns="" r:embed="rId12"/>
+                <asvg:svgBlip xmlns:asvg="http://schemas.microsoft.com/office/drawing/2016/SVG/main" r:embed="rId13"/>
               </a:ext>
             </a:extLst>
           </a:blip>
@@ -5404,7 +5520,7 @@
         </p:blipFill>
         <p:spPr>
           <a:xfrm>
-            <a:off x="6871428" y="29622051"/>
+            <a:off x="6871428" y="29799851"/>
             <a:ext cx="883089" cy="883089"/>
           </a:xfrm>
           <a:prstGeom prst="rect">
@@ -5417,7 +5533,7 @@
           <p:cNvPr id="171" name="Graphic 10" descr="Atom">
             <a:extLst>
               <a:ext uri="{FF2B5EF4-FFF2-40B4-BE49-F238E27FC236}">
-                <a16:creationId xmlns:a16="http://schemas.microsoft.com/office/drawing/2014/main" xmlns="" id="{803445ED-BA53-F447-93B7-06103930BE36}"/>
+                <a16:creationId xmlns:a16="http://schemas.microsoft.com/office/drawing/2014/main" id="{803445ED-BA53-F447-93B7-06103930BE36}"/>
               </a:ext>
             </a:extLst>
           </p:cNvPr>
@@ -5427,10 +5543,10 @@
           <p:nvPr/>
         </p:nvPicPr>
         <p:blipFill>
-          <a:blip r:embed="rId13">
+          <a:blip r:embed="rId14">
             <a:extLst>
               <a:ext uri="{96DAC541-7B7A-43D3-8B79-37D633B846F1}">
-                <asvg:svgBlip xmlns:asvg="http://schemas.microsoft.com/office/drawing/2016/SVG/main" xmlns="" r:embed="rId14"/>
+                <asvg:svgBlip xmlns:asvg="http://schemas.microsoft.com/office/drawing/2016/SVG/main" r:embed="rId15"/>
               </a:ext>
             </a:extLst>
           </a:blip>
@@ -5440,7 +5556,7 @@
         </p:blipFill>
         <p:spPr>
           <a:xfrm>
-            <a:off x="3992331" y="34279023"/>
+            <a:off x="3992331" y="34456823"/>
             <a:ext cx="873890" cy="873890"/>
           </a:xfrm>
           <a:prstGeom prst="rect">
@@ -5453,7 +5569,7 @@
           <p:cNvPr id="172" name="Graphic 8" descr="Binoculars">
             <a:extLst>
               <a:ext uri="{FF2B5EF4-FFF2-40B4-BE49-F238E27FC236}">
-                <a16:creationId xmlns:a16="http://schemas.microsoft.com/office/drawing/2014/main" xmlns="" id="{0307FDB9-D726-D54A-8E96-5C778AD4B9A7}"/>
+                <a16:creationId xmlns:a16="http://schemas.microsoft.com/office/drawing/2014/main" id="{0307FDB9-D726-D54A-8E96-5C778AD4B9A7}"/>
               </a:ext>
             </a:extLst>
           </p:cNvPr>
@@ -5463,10 +5579,10 @@
           <p:nvPr/>
         </p:nvPicPr>
         <p:blipFill>
-          <a:blip r:embed="rId15">
+          <a:blip r:embed="rId16">
             <a:extLst>
               <a:ext uri="{96DAC541-7B7A-43D3-8B79-37D633B846F1}">
-                <asvg:svgBlip xmlns:asvg="http://schemas.microsoft.com/office/drawing/2016/SVG/main" xmlns="" r:embed="rId16"/>
+                <asvg:svgBlip xmlns:asvg="http://schemas.microsoft.com/office/drawing/2016/SVG/main" r:embed="rId17"/>
               </a:ext>
             </a:extLst>
           </a:blip>
@@ -5476,7 +5592,7 @@
         </p:blipFill>
         <p:spPr>
           <a:xfrm>
-            <a:off x="11387894" y="34298351"/>
+            <a:off x="11387894" y="34476151"/>
             <a:ext cx="918442" cy="918442"/>
           </a:xfrm>
           <a:prstGeom prst="rect">
@@ -5493,7 +5609,7 @@
           <p:nvPr/>
         </p:nvPicPr>
         <p:blipFill>
-          <a:blip r:embed="rId17">
+          <a:blip r:embed="rId18">
             <a:extLst>
               <a:ext uri="{28A0092B-C50C-407E-A947-70E740481C1C}">
                 <a14:useLocalDpi xmlns:a14="http://schemas.microsoft.com/office/drawing/2010/main" val="0"/>
@@ -5603,10 +5719,9 @@
           <a:lstStyle/>
           <a:p>
             <a:r>
-              <a:rPr lang="en-US" sz="4000" dirty="0" smtClean="0"/>
+              <a:rPr lang="en-US" sz="4000" dirty="0"/>
               <a:t>x1</a:t>
             </a:r>
-            <a:endParaRPr lang="en-US" sz="4000" dirty="0"/>
           </a:p>
         </p:txBody>
       </p:sp>
@@ -5633,10 +5748,9 @@
           <a:lstStyle/>
           <a:p>
             <a:r>
-              <a:rPr lang="en-US" sz="4000" dirty="0" smtClean="0"/>
+              <a:rPr lang="en-US" sz="4000" dirty="0"/>
               <a:t>x2</a:t>
             </a:r>
-            <a:endParaRPr lang="en-US" sz="4000" dirty="0"/>
           </a:p>
         </p:txBody>
       </p:sp>
@@ -5648,7 +5762,7 @@
         </p:nvSpPr>
         <p:spPr>
           <a:xfrm>
-            <a:off x="11223890" y="31657025"/>
+            <a:off x="11223890" y="31834825"/>
             <a:ext cx="144000" cy="144000"/>
           </a:xfrm>
           <a:prstGeom prst="ellipse">
@@ -5694,7 +5808,7 @@
         </p:nvSpPr>
         <p:spPr>
           <a:xfrm>
-            <a:off x="11464735" y="31408188"/>
+            <a:off x="11464735" y="31585988"/>
             <a:ext cx="2618987" cy="1077218"/>
           </a:xfrm>
           <a:prstGeom prst="rect">
@@ -5709,18 +5823,18 @@
           <a:lstStyle/>
           <a:p>
             <a:r>
-              <a:rPr lang="da-DK" sz="3200" dirty="0" smtClean="0"/>
+              <a:rPr lang="da-DK" sz="3200" dirty="0"/>
               <a:t>= </a:t>
             </a:r>
             <a:r>
-              <a:rPr lang="da-DK" sz="3200" dirty="0" err="1" smtClean="0"/>
+              <a:rPr lang="da-DK" sz="3200" dirty="0" err="1"/>
               <a:t>Current</a:t>
             </a:r>
             <a:endParaRPr lang="da-DK" sz="3200" dirty="0"/>
           </a:p>
           <a:p>
             <a:r>
-              <a:rPr lang="da-DK" sz="3200" dirty="0" smtClean="0"/>
+              <a:rPr lang="da-DK" sz="3200" dirty="0"/>
               <a:t>   Training data</a:t>
             </a:r>
             <a:endParaRPr lang="en-US" sz="3200" dirty="0"/>
@@ -5735,7 +5849,7 @@
         </p:nvCxnSpPr>
         <p:spPr>
           <a:xfrm flipH="1" flipV="1">
-            <a:off x="12229042" y="30567598"/>
+            <a:off x="12229042" y="30745398"/>
             <a:ext cx="0" cy="749319"/>
           </a:xfrm>
           <a:prstGeom prst="straightConnector1">
@@ -5769,7 +5883,7 @@
           <p:nvPr/>
         </p:nvPicPr>
         <p:blipFill>
-          <a:blip r:embed="rId18">
+          <a:blip r:embed="rId19">
             <a:extLst>
               <a:ext uri="{28A0092B-C50C-407E-A947-70E740481C1C}">
                 <a14:useLocalDpi xmlns:a14="http://schemas.microsoft.com/office/drawing/2010/main" val="0"/>
@@ -5823,8 +5937,8 @@
           </a:fontRef>
         </p:style>
       </p:cxnSp>
-      <mc:AlternateContent xmlns:mc="http://schemas.openxmlformats.org/markup-compatibility/2006">
-        <mc:Choice xmlns:a14="http://schemas.microsoft.com/office/drawing/2010/main" Requires="a14">
+      <mc:AlternateContent xmlns:mc="http://schemas.openxmlformats.org/markup-compatibility/2006" xmlns:a14="http://schemas.microsoft.com/office/drawing/2010/main">
+        <mc:Choice Requires="a14">
           <p:sp>
             <p:nvSpPr>
               <p:cNvPr id="193" name="TextBox 192"/>
@@ -5847,6 +5961,7 @@
               </a:bodyPr>
               <a:lstStyle/>
               <a:p>
+                <a:pPr/>
                 <a14:m>
                   <m:oMathPara xmlns:m="http://schemas.openxmlformats.org/officeDocument/2006/math">
                     <m:oMathParaPr>
@@ -5867,7 +5982,7 @@
             </p:txBody>
           </p:sp>
         </mc:Choice>
-        <mc:Fallback>
+        <mc:Fallback xmlns="">
           <p:sp>
             <p:nvSpPr>
               <p:cNvPr id="193" name="TextBox 192"/>
@@ -5885,7 +6000,7 @@
                 <a:avLst/>
               </a:prstGeom>
               <a:blipFill rotWithShape="0">
-                <a:blip r:embed="rId19"/>
+                <a:blip r:embed="rId20"/>
                 <a:stretch>
                   <a:fillRect/>
                 </a:stretch>
@@ -5940,8 +6055,8 @@
           </a:fontRef>
         </p:style>
       </p:cxnSp>
-      <mc:AlternateContent xmlns:mc="http://schemas.openxmlformats.org/markup-compatibility/2006">
-        <mc:Choice xmlns:a14="http://schemas.microsoft.com/office/drawing/2010/main" Requires="a14">
+      <mc:AlternateContent xmlns:mc="http://schemas.openxmlformats.org/markup-compatibility/2006" xmlns:a14="http://schemas.microsoft.com/office/drawing/2010/main">
+        <mc:Choice Requires="a14">
           <p:sp>
             <p:nvSpPr>
               <p:cNvPr id="198" name="TextBox 197"/>
@@ -5964,6 +6079,7 @@
               </a:bodyPr>
               <a:lstStyle/>
               <a:p>
+                <a:pPr/>
                 <a14:m>
                   <m:oMathPara xmlns:m="http://schemas.openxmlformats.org/officeDocument/2006/math">
                     <m:oMathParaPr>
@@ -5990,7 +6106,7 @@
             </p:txBody>
           </p:sp>
         </mc:Choice>
-        <mc:Fallback>
+        <mc:Fallback xmlns="">
           <p:sp>
             <p:nvSpPr>
               <p:cNvPr id="198" name="TextBox 197"/>
@@ -6008,7 +6124,7 @@
                 <a:avLst/>
               </a:prstGeom>
               <a:blipFill rotWithShape="0">
-                <a:blip r:embed="rId20"/>
+                <a:blip r:embed="rId21"/>
                 <a:stretch>
                   <a:fillRect/>
                 </a:stretch>
@@ -6029,8 +6145,8 @@
           </p:sp>
         </mc:Fallback>
       </mc:AlternateContent>
-      <mc:AlternateContent xmlns:mc="http://schemas.openxmlformats.org/markup-compatibility/2006">
-        <mc:Choice xmlns:a14="http://schemas.microsoft.com/office/drawing/2010/main" Requires="a14">
+      <mc:AlternateContent xmlns:mc="http://schemas.openxmlformats.org/markup-compatibility/2006" xmlns:a14="http://schemas.microsoft.com/office/drawing/2010/main">
+        <mc:Choice Requires="a14">
           <p:sp>
             <p:nvSpPr>
               <p:cNvPr id="199" name="TextBox 198"/>
@@ -6053,6 +6169,7 @@
               </a:bodyPr>
               <a:lstStyle/>
               <a:p>
+                <a:pPr/>
                 <a14:m>
                   <m:oMathPara xmlns:m="http://schemas.openxmlformats.org/officeDocument/2006/math">
                     <m:oMathParaPr>
@@ -6069,7 +6186,7 @@
                         <m:dPr>
                           <m:ctrlPr>
                             <a:rPr lang="en-GB" sz="3200" i="1">
-                              <a:latin typeface="Cambria Math" charset="0"/>
+                              <a:latin typeface="Cambria Math" panose="02040503050406030204" pitchFamily="18" charset="0"/>
                             </a:rPr>
                           </m:ctrlPr>
                         </m:dPr>
@@ -6090,7 +6207,7 @@
                             <m:sSubPr>
                               <m:ctrlPr>
                                 <a:rPr lang="en-GB" sz="3200" i="1">
-                                  <a:latin typeface="Cambria Math" charset="0"/>
+                                  <a:latin typeface="Cambria Math" panose="02040503050406030204" pitchFamily="18" charset="0"/>
                                 </a:rPr>
                               </m:ctrlPr>
                             </m:sSubPr>
@@ -6121,7 +6238,7 @@
             </p:txBody>
           </p:sp>
         </mc:Choice>
-        <mc:Fallback>
+        <mc:Fallback xmlns="">
           <p:sp>
             <p:nvSpPr>
               <p:cNvPr id="199" name="TextBox 198"/>
@@ -6139,7 +6256,7 @@
                 <a:avLst/>
               </a:prstGeom>
               <a:blipFill rotWithShape="0">
-                <a:blip r:embed="rId21"/>
+                <a:blip r:embed="rId22"/>
                 <a:stretch>
                   <a:fillRect/>
                 </a:stretch>
@@ -6160,8 +6277,8 @@
           </p:sp>
         </mc:Fallback>
       </mc:AlternateContent>
-      <mc:AlternateContent xmlns:mc="http://schemas.openxmlformats.org/markup-compatibility/2006">
-        <mc:Choice xmlns:a14="http://schemas.microsoft.com/office/drawing/2010/main" Requires="a14">
+      <mc:AlternateContent xmlns:mc="http://schemas.openxmlformats.org/markup-compatibility/2006" xmlns:a14="http://schemas.microsoft.com/office/drawing/2010/main">
+        <mc:Choice Requires="a14">
           <p:sp>
             <p:nvSpPr>
               <p:cNvPr id="200" name="TextBox 199"/>
@@ -6184,6 +6301,7 @@
               </a:bodyPr>
               <a:lstStyle/>
               <a:p>
+                <a:pPr/>
                 <a14:m>
                   <m:oMathPara xmlns:m="http://schemas.openxmlformats.org/officeDocument/2006/math">
                     <m:oMathParaPr>
@@ -6194,7 +6312,7 @@
                         <m:sSubPr>
                           <m:ctrlPr>
                             <a:rPr lang="en-US" sz="3200" b="1" i="1" smtClean="0">
-                              <a:latin typeface="Cambria Math" charset="0"/>
+                              <a:latin typeface="Cambria Math" panose="02040503050406030204" pitchFamily="18" charset="0"/>
                             </a:rPr>
                           </m:ctrlPr>
                         </m:sSubPr>
@@ -6223,7 +6341,7 @@
             </p:txBody>
           </p:sp>
         </mc:Choice>
-        <mc:Fallback>
+        <mc:Fallback xmlns="">
           <p:sp>
             <p:nvSpPr>
               <p:cNvPr id="200" name="TextBox 199"/>
@@ -6241,7 +6359,7 @@
                 <a:avLst/>
               </a:prstGeom>
               <a:blipFill rotWithShape="0">
-                <a:blip r:embed="rId22"/>
+                <a:blip r:embed="rId23"/>
                 <a:stretch>
                   <a:fillRect/>
                 </a:stretch>
@@ -6304,7 +6422,7 @@
           <p:nvPr/>
         </p:nvPicPr>
         <p:blipFill>
-          <a:blip r:embed="rId23">
+          <a:blip r:embed="rId24">
             <a:extLst>
               <a:ext uri="{28A0092B-C50C-407E-A947-70E740481C1C}">
                 <a14:useLocalDpi xmlns:a14="http://schemas.microsoft.com/office/drawing/2010/main" val="0"/>
@@ -6348,10 +6466,9 @@
           <a:lstStyle/>
           <a:p>
             <a:r>
-              <a:rPr lang="en-US" sz="3200" i="1" dirty="0" smtClean="0"/>
+              <a:rPr lang="en-US" sz="3200" i="1" dirty="0"/>
               <a:t>Illustration of GPR model.</a:t>
             </a:r>
-            <a:endParaRPr lang="en-US" sz="3200" i="1" dirty="0"/>
           </a:p>
         </p:txBody>
       </p:sp>
@@ -6411,10 +6528,9 @@
           <a:lstStyle/>
           <a:p>
             <a:r>
-              <a:rPr lang="en-US" sz="3200" i="1" dirty="0" smtClean="0"/>
+              <a:rPr lang="en-US" sz="3200" i="1" dirty="0"/>
               <a:t>GPR prediction error.</a:t>
             </a:r>
-            <a:endParaRPr lang="en-US" sz="3200" i="1" dirty="0"/>
           </a:p>
         </p:txBody>
       </p:sp>
@@ -6426,7 +6542,7 @@
         </p:nvGrpSpPr>
         <p:grpSpPr>
           <a:xfrm>
-            <a:off x="15431268" y="16702397"/>
+            <a:off x="15431268" y="16854797"/>
             <a:ext cx="14299320" cy="5971896"/>
             <a:chOff x="454817" y="4426743"/>
             <a:chExt cx="9923751" cy="4015423"/>
@@ -6447,7 +6563,7 @@
                 </a:xfrm>
                 <a:prstGeom prst="roundRect">
                   <a:avLst>
-                    <a:gd name="adj" fmla="val 13656"/>
+                    <a:gd name="adj" fmla="val 12256"/>
                   </a:avLst>
                 </a:prstGeom>
                 <a:ln w="76200">
@@ -6479,30 +6595,14 @@
                 <a:p>
                   <a:pPr algn="just"/>
                   <a:r>
-                    <a:rPr lang="en-US" sz="3600" dirty="0" smtClean="0"/>
-                    <a:t>To </a:t>
-                  </a:r>
-                  <a:r>
                     <a:rPr lang="en-US" sz="3600" dirty="0"/>
-                    <a:t>c</a:t>
-                  </a:r>
-                  <a:r>
-                    <a:rPr lang="en-US" sz="3600" dirty="0" smtClean="0"/>
-                    <a:t>ircumvent that the model has to waste predictive power learning that structures with very closely separated atoms have large energies, the </a:t>
-                  </a:r>
-                  <a:r>
-                    <a:rPr lang="en-US" sz="3600" dirty="0"/>
-                    <a:t>delta-Machine Learning strategy is </a:t>
-                  </a:r>
-                  <a:r>
-                    <a:rPr lang="en-US" sz="3600" dirty="0" smtClean="0"/>
-                    <a:t>adopted.</a:t>
+                    <a:t>To circumvent that the model has to waste predictive power learning that structures with very closely separated atoms have large energies, the delta-Machine Learning strategy is adopted.</a:t>
                   </a:r>
                 </a:p>
                 <a:p>
                   <a:pPr algn="just"/>
                   <a:r>
-                    <a:rPr lang="en-US" sz="3600" dirty="0" smtClean="0"/>
+                    <a:rPr lang="en-US" sz="3600" dirty="0"/>
                     <a:t>In delta-ML some functional form is assumed about the energy landscape prior to training the model. This changes the GPR as</a:t>
                   </a:r>
                 </a:p>
@@ -6544,7 +6644,7 @@
                           <m:dPr>
                             <m:ctrlPr>
                               <a:rPr lang="en-US" sz="3600" b="1" i="1" smtClean="0">
-                                <a:latin typeface="Cambria Math" charset="0"/>
+                                <a:latin typeface="Cambria Math" panose="02040503050406030204" pitchFamily="18" charset="0"/>
                                 <a:ea typeface="Cambria Math" charset="0"/>
                                 <a:cs typeface="Cambria Math" charset="0"/>
                               </a:rPr>
@@ -6572,7 +6672,7 @@
                       </m:oMath>
                     </m:oMathPara>
                   </a14:m>
-                  <a:endParaRPr lang="en-US" sz="3600" b="1" dirty="0" smtClean="0"/>
+                  <a:endParaRPr lang="en-US" sz="3600" b="1" dirty="0"/>
                 </a:p>
                 <a:p>
                   <a:pPr algn="just">
@@ -6581,7 +6681,7 @@
                     </a:lnSpc>
                   </a:pPr>
                   <a:r>
-                    <a:rPr lang="en-US" sz="3600" dirty="0" smtClean="0"/>
+                    <a:rPr lang="en-US" sz="3600" dirty="0"/>
                     <a:t>In this work a repulsive interatomic potential is used.</a:t>
                   </a:r>
                 </a:p>
@@ -6604,11 +6704,11 @@
                 </a:xfrm>
                 <a:prstGeom prst="roundRect">
                   <a:avLst>
-                    <a:gd name="adj" fmla="val 13656"/>
+                    <a:gd name="adj" fmla="val 12256"/>
                   </a:avLst>
                 </a:prstGeom>
-                <a:blipFill rotWithShape="0">
-                  <a:blip r:embed="rId24"/>
+                <a:blipFill>
+                  <a:blip r:embed="rId25"/>
                   <a:stretch>
                     <a:fillRect/>
                   </a:stretch>
@@ -6627,7 +6727,7 @@
                 <a:lstStyle/>
                 <a:p>
                   <a:r>
-                    <a:rPr lang="en-US">
+                    <a:rPr lang="da-DK">
                       <a:noFill/>
                     </a:rPr>
                     <a:t> </a:t>
@@ -6682,10 +6782,9 @@
             <a:p>
               <a:pPr algn="ctr"/>
               <a:r>
-                <a:rPr lang="en-US" sz="5090" dirty="0" smtClean="0"/>
+                <a:rPr lang="en-US" sz="5090" dirty="0"/>
                 <a:t>Delta-Machine Learning</a:t>
               </a:r>
-              <a:endParaRPr lang="en-US" sz="5090" dirty="0"/>
             </a:p>
           </p:txBody>
         </p:sp>
@@ -6698,7 +6797,7 @@
         </p:nvGrpSpPr>
         <p:grpSpPr>
           <a:xfrm>
-            <a:off x="15431268" y="23314692"/>
+            <a:off x="15431268" y="23238492"/>
             <a:ext cx="14299320" cy="7034400"/>
             <a:chOff x="454817" y="4426743"/>
             <a:chExt cx="9923751" cy="4220659"/>
@@ -6719,7 +6818,7 @@
                 </a:xfrm>
                 <a:prstGeom prst="roundRect">
                   <a:avLst>
-                    <a:gd name="adj" fmla="val 13656"/>
+                    <a:gd name="adj" fmla="val 10501"/>
                   </a:avLst>
                 </a:prstGeom>
                 <a:ln w="76200">
@@ -6751,7 +6850,7 @@
                 <a:p>
                   <a:pPr algn="just"/>
                   <a:r>
-                    <a:rPr lang="en-US" sz="3600" dirty="0" smtClean="0"/>
+                    <a:rPr lang="en-US" sz="3600" dirty="0"/>
                     <a:t>In each search iteration a random 1-step search is performed in the ML-energy landscape. This is done by generating </a:t>
                   </a:r>
                   <a14:m>
@@ -6775,14 +6874,14 @@
                     </m:oMath>
                   </a14:m>
                   <a:r>
-                    <a:rPr lang="en-US" sz="3600" dirty="0" smtClean="0"/>
+                    <a:rPr lang="en-US" sz="3600" dirty="0"/>
                     <a:t>new candidate structures based on a population of the best current structures. These structures are then relaxed with the GPR-model and a single-point DFT calculation is performed on the most promising of these according the lower </a:t>
                   </a:r>
                   <a:r>
-                    <a:rPr lang="en-US" sz="3600" smtClean="0"/>
+                    <a:rPr lang="en-US" sz="3600"/>
                     <a:t>confidence bound</a:t>
                   </a:r>
-                  <a:endParaRPr lang="en-US" sz="3600" dirty="0" smtClean="0"/>
+                  <a:endParaRPr lang="en-US" sz="3600" dirty="0"/>
                 </a:p>
                 <a:p>
                   <a:pPr algn="just">
@@ -6818,7 +6917,7 @@
                           <m:dPr>
                             <m:ctrlPr>
                               <a:rPr lang="en-US" sz="3600" b="0" i="1" smtClean="0">
-                                <a:latin typeface="Cambria Math" charset="0"/>
+                                <a:latin typeface="Cambria Math" panose="02040503050406030204" pitchFamily="18" charset="0"/>
                               </a:rPr>
                             </m:ctrlPr>
                           </m:dPr>
@@ -6827,7 +6926,7 @@
                               <m:sSupPr>
                                 <m:ctrlPr>
                                   <a:rPr lang="en-US" sz="3600" b="0" i="1" smtClean="0">
-                                    <a:latin typeface="Cambria Math" charset="0"/>
+                                    <a:latin typeface="Cambria Math" panose="02040503050406030204" pitchFamily="18" charset="0"/>
                                   </a:rPr>
                                 </m:ctrlPr>
                               </m:sSupPr>
@@ -6852,7 +6951,7 @@
                               <m:dPr>
                                 <m:ctrlPr>
                                   <a:rPr lang="en-US" sz="3600" b="1" i="1" smtClean="0">
-                                    <a:latin typeface="Cambria Math" charset="0"/>
+                                    <a:latin typeface="Cambria Math" panose="02040503050406030204" pitchFamily="18" charset="0"/>
                                   </a:rPr>
                                 </m:ctrlPr>
                               </m:dPr>
@@ -6893,7 +6992,7 @@
                               <m:dPr>
                                 <m:ctrlPr>
                                   <a:rPr lang="en-US" sz="3600" b="0" i="1" smtClean="0">
-                                    <a:latin typeface="Cambria Math" charset="0"/>
+                                    <a:latin typeface="Cambria Math" panose="02040503050406030204" pitchFamily="18" charset="0"/>
                                   </a:rPr>
                                 </m:ctrlPr>
                               </m:dPr>
@@ -6922,7 +7021,7 @@
                 <a:p>
                   <a:pPr algn="just"/>
                   <a:r>
-                    <a:rPr lang="en-US" sz="3600" dirty="0" smtClean="0"/>
+                    <a:rPr lang="en-US" sz="3600" dirty="0"/>
                     <a:t>In this metric </a:t>
                   </a:r>
                   <a14:m>
@@ -6936,10 +7035,9 @@
                     </m:oMath>
                   </a14:m>
                   <a:r>
-                    <a:rPr lang="en-US" sz="3600" dirty="0" smtClean="0"/>
+                    <a:rPr lang="en-US" sz="3600" dirty="0"/>
                     <a:t> is a constant governing the degree of exploitation vs. exploration.</a:t>
                   </a:r>
-                  <a:endParaRPr lang="en-US" sz="3600" dirty="0"/>
                 </a:p>
               </p:txBody>
             </p:sp>
@@ -6960,11 +7058,11 @@
                 </a:xfrm>
                 <a:prstGeom prst="roundRect">
                   <a:avLst>
-                    <a:gd name="adj" fmla="val 13656"/>
+                    <a:gd name="adj" fmla="val 10501"/>
                   </a:avLst>
                 </a:prstGeom>
-                <a:blipFill rotWithShape="0">
-                  <a:blip r:embed="rId25"/>
+                <a:blipFill>
+                  <a:blip r:embed="rId26"/>
                   <a:stretch>
                     <a:fillRect/>
                   </a:stretch>
@@ -6983,7 +7081,7 @@
                 <a:lstStyle/>
                 <a:p>
                   <a:r>
-                    <a:rPr lang="en-US">
+                    <a:rPr lang="da-DK">
                       <a:noFill/>
                     </a:rPr>
                     <a:t> </a:t>
@@ -7038,10 +7136,9 @@
             <a:p>
               <a:pPr algn="ctr"/>
               <a:r>
-                <a:rPr lang="en-US" sz="5090" dirty="0" smtClean="0"/>
+                <a:rPr lang="en-US" sz="5090" dirty="0"/>
                 <a:t>Searching the ML potential</a:t>
               </a:r>
-              <a:endParaRPr lang="en-US" sz="5090" dirty="0"/>
             </a:p>
           </p:txBody>
         </p:sp>
@@ -7080,8 +7177,8 @@
           </a:fontRef>
         </p:style>
       </p:cxnSp>
-      <mc:AlternateContent xmlns:mc="http://schemas.openxmlformats.org/markup-compatibility/2006">
-        <mc:Choice xmlns:a14="http://schemas.microsoft.com/office/drawing/2010/main" Requires="a14">
+      <mc:AlternateContent xmlns:mc="http://schemas.openxmlformats.org/markup-compatibility/2006" xmlns:a14="http://schemas.microsoft.com/office/drawing/2010/main">
+        <mc:Choice Requires="a14">
           <p:sp>
             <p:nvSpPr>
               <p:cNvPr id="227" name="TextBox 226"/>
@@ -7104,6 +7201,7 @@
               </a:bodyPr>
               <a:lstStyle/>
               <a:p>
+                <a:pPr/>
                 <a14:m>
                   <m:oMathPara xmlns:m="http://schemas.openxmlformats.org/officeDocument/2006/math">
                     <m:oMathParaPr>
@@ -7142,7 +7240,7 @@
             </p:txBody>
           </p:sp>
         </mc:Choice>
-        <mc:Fallback>
+        <mc:Fallback xmlns="">
           <p:sp>
             <p:nvSpPr>
               <p:cNvPr id="227" name="TextBox 226"/>
@@ -7160,7 +7258,7 @@
                 <a:avLst/>
               </a:prstGeom>
               <a:blipFill rotWithShape="0">
-                <a:blip r:embed="rId26"/>
+                <a:blip r:embed="rId27"/>
                 <a:stretch>
                   <a:fillRect/>
                 </a:stretch>
@@ -7181,6 +7279,1589 @@
           </p:sp>
         </mc:Fallback>
       </mc:AlternateContent>
+      <p:pic>
+        <p:nvPicPr>
+          <p:cNvPr id="79" name="Picture 78">
+            <a:extLst>
+              <a:ext uri="{FF2B5EF4-FFF2-40B4-BE49-F238E27FC236}">
+                <a16:creationId xmlns:a16="http://schemas.microsoft.com/office/drawing/2014/main" id="{33A5AAAA-9FF0-6D49-9B79-1C03DC6C34FE}"/>
+              </a:ext>
+            </a:extLst>
+          </p:cNvPr>
+          <p:cNvPicPr>
+            <a:picLocks noChangeAspect="1"/>
+          </p:cNvPicPr>
+          <p:nvPr/>
+        </p:nvPicPr>
+        <p:blipFill>
+          <a:blip r:embed="rId28"/>
+          <a:stretch>
+            <a:fillRect/>
+          </a:stretch>
+        </p:blipFill>
+        <p:spPr>
+          <a:xfrm>
+            <a:off x="22149253" y="34929024"/>
+            <a:ext cx="2852889" cy="2139666"/>
+          </a:xfrm>
+          <a:prstGeom prst="rect">
+            <a:avLst/>
+          </a:prstGeom>
+        </p:spPr>
+      </p:pic>
+      <p:pic>
+        <p:nvPicPr>
+          <p:cNvPr id="80" name="Picture 79">
+            <a:extLst>
+              <a:ext uri="{FF2B5EF4-FFF2-40B4-BE49-F238E27FC236}">
+                <a16:creationId xmlns:a16="http://schemas.microsoft.com/office/drawing/2014/main" id="{CCC1C19F-B16F-EC4F-ABA1-9361D70433B0}"/>
+              </a:ext>
+            </a:extLst>
+          </p:cNvPr>
+          <p:cNvPicPr>
+            <a:picLocks noChangeAspect="1"/>
+          </p:cNvPicPr>
+          <p:nvPr/>
+        </p:nvPicPr>
+        <p:blipFill>
+          <a:blip r:embed="rId29"/>
+          <a:stretch>
+            <a:fillRect/>
+          </a:stretch>
+        </p:blipFill>
+        <p:spPr>
+          <a:xfrm>
+            <a:off x="19967719" y="34914927"/>
+            <a:ext cx="2852889" cy="2139666"/>
+          </a:xfrm>
+          <a:prstGeom prst="rect">
+            <a:avLst/>
+          </a:prstGeom>
+        </p:spPr>
+      </p:pic>
+      <p:pic>
+        <p:nvPicPr>
+          <p:cNvPr id="81" name="Picture 80">
+            <a:extLst>
+              <a:ext uri="{FF2B5EF4-FFF2-40B4-BE49-F238E27FC236}">
+                <a16:creationId xmlns:a16="http://schemas.microsoft.com/office/drawing/2014/main" id="{932CD9A3-62B2-E340-B3D6-196FD4FD35AF}"/>
+              </a:ext>
+            </a:extLst>
+          </p:cNvPr>
+          <p:cNvPicPr>
+            <a:picLocks noChangeAspect="1"/>
+          </p:cNvPicPr>
+          <p:nvPr/>
+        </p:nvPicPr>
+        <p:blipFill>
+          <a:blip r:embed="rId30"/>
+          <a:stretch>
+            <a:fillRect/>
+          </a:stretch>
+        </p:blipFill>
+        <p:spPr>
+          <a:xfrm>
+            <a:off x="17747812" y="34914927"/>
+            <a:ext cx="2852889" cy="2139666"/>
+          </a:xfrm>
+          <a:prstGeom prst="rect">
+            <a:avLst/>
+          </a:prstGeom>
+        </p:spPr>
+      </p:pic>
+      <p:pic>
+        <p:nvPicPr>
+          <p:cNvPr id="82" name="Picture 81">
+            <a:extLst>
+              <a:ext uri="{FF2B5EF4-FFF2-40B4-BE49-F238E27FC236}">
+                <a16:creationId xmlns:a16="http://schemas.microsoft.com/office/drawing/2014/main" id="{8830440C-30FD-2A49-A793-A779B5A2FE27}"/>
+              </a:ext>
+            </a:extLst>
+          </p:cNvPr>
+          <p:cNvPicPr>
+            <a:picLocks noChangeAspect="1"/>
+          </p:cNvPicPr>
+          <p:nvPr/>
+        </p:nvPicPr>
+        <p:blipFill>
+          <a:blip r:embed="rId31"/>
+          <a:stretch>
+            <a:fillRect/>
+          </a:stretch>
+        </p:blipFill>
+        <p:spPr>
+          <a:xfrm>
+            <a:off x="24319637" y="34921195"/>
+            <a:ext cx="2852889" cy="2139666"/>
+          </a:xfrm>
+          <a:prstGeom prst="rect">
+            <a:avLst/>
+          </a:prstGeom>
+        </p:spPr>
+      </p:pic>
+      <p:sp>
+        <p:nvSpPr>
+          <p:cNvPr id="2" name="TextBox 1">
+            <a:extLst>
+              <a:ext uri="{FF2B5EF4-FFF2-40B4-BE49-F238E27FC236}">
+                <a16:creationId xmlns:a16="http://schemas.microsoft.com/office/drawing/2014/main" id="{054BB0F0-9C7C-F64D-8FA5-7B68F02D945F}"/>
+              </a:ext>
+            </a:extLst>
+          </p:cNvPr>
+          <p:cNvSpPr txBox="1"/>
+          <p:nvPr/>
+        </p:nvSpPr>
+        <p:spPr>
+          <a:xfrm>
+            <a:off x="18216197" y="34465184"/>
+            <a:ext cx="1891865" cy="584775"/>
+          </a:xfrm>
+          <a:prstGeom prst="rect">
+            <a:avLst/>
+          </a:prstGeom>
+          <a:noFill/>
+        </p:spPr>
+        <p:txBody>
+          <a:bodyPr wrap="none" rtlCol="0">
+            <a:spAutoFit/>
+          </a:bodyPr>
+          <a:lstStyle/>
+          <a:p>
+            <a:r>
+              <a:rPr lang="da-DK" sz="3200" dirty="0"/>
+              <a:t>-190.11eV</a:t>
+            </a:r>
+          </a:p>
+        </p:txBody>
+      </p:sp>
+      <p:sp>
+        <p:nvSpPr>
+          <p:cNvPr id="84" name="TextBox 83">
+            <a:extLst>
+              <a:ext uri="{FF2B5EF4-FFF2-40B4-BE49-F238E27FC236}">
+                <a16:creationId xmlns:a16="http://schemas.microsoft.com/office/drawing/2014/main" id="{701C9DA9-4392-DB4A-AB95-FAB8A730B6E7}"/>
+              </a:ext>
+            </a:extLst>
+          </p:cNvPr>
+          <p:cNvSpPr txBox="1"/>
+          <p:nvPr/>
+        </p:nvSpPr>
+        <p:spPr>
+          <a:xfrm>
+            <a:off x="20401556" y="34465183"/>
+            <a:ext cx="1891865" cy="584775"/>
+          </a:xfrm>
+          <a:prstGeom prst="rect">
+            <a:avLst/>
+          </a:prstGeom>
+          <a:noFill/>
+        </p:spPr>
+        <p:txBody>
+          <a:bodyPr wrap="none" rtlCol="0">
+            <a:spAutoFit/>
+          </a:bodyPr>
+          <a:lstStyle/>
+          <a:p>
+            <a:r>
+              <a:rPr lang="da-DK" sz="3200" dirty="0"/>
+              <a:t>-190.09eV</a:t>
+            </a:r>
+          </a:p>
+        </p:txBody>
+      </p:sp>
+      <p:sp>
+        <p:nvSpPr>
+          <p:cNvPr id="85" name="TextBox 84">
+            <a:extLst>
+              <a:ext uri="{FF2B5EF4-FFF2-40B4-BE49-F238E27FC236}">
+                <a16:creationId xmlns:a16="http://schemas.microsoft.com/office/drawing/2014/main" id="{CC92A907-C5E4-1F48-A334-E2135F7ADFDC}"/>
+              </a:ext>
+            </a:extLst>
+          </p:cNvPr>
+          <p:cNvSpPr txBox="1"/>
+          <p:nvPr/>
+        </p:nvSpPr>
+        <p:spPr>
+          <a:xfrm>
+            <a:off x="22567232" y="34465182"/>
+            <a:ext cx="1891865" cy="584775"/>
+          </a:xfrm>
+          <a:prstGeom prst="rect">
+            <a:avLst/>
+          </a:prstGeom>
+          <a:noFill/>
+        </p:spPr>
+        <p:txBody>
+          <a:bodyPr wrap="none" rtlCol="0">
+            <a:spAutoFit/>
+          </a:bodyPr>
+          <a:lstStyle/>
+          <a:p>
+            <a:r>
+              <a:rPr lang="da-DK" sz="3200" dirty="0"/>
+              <a:t>-189.94eV</a:t>
+            </a:r>
+          </a:p>
+        </p:txBody>
+      </p:sp>
+      <p:sp>
+        <p:nvSpPr>
+          <p:cNvPr id="86" name="TextBox 85">
+            <a:extLst>
+              <a:ext uri="{FF2B5EF4-FFF2-40B4-BE49-F238E27FC236}">
+                <a16:creationId xmlns:a16="http://schemas.microsoft.com/office/drawing/2014/main" id="{CB6FE0F0-3B30-DC43-9389-268A1E1DD8C0}"/>
+              </a:ext>
+            </a:extLst>
+          </p:cNvPr>
+          <p:cNvSpPr txBox="1"/>
+          <p:nvPr/>
+        </p:nvSpPr>
+        <p:spPr>
+          <a:xfrm>
+            <a:off x="24771916" y="34465182"/>
+            <a:ext cx="1891865" cy="584775"/>
+          </a:xfrm>
+          <a:prstGeom prst="rect">
+            <a:avLst/>
+          </a:prstGeom>
+          <a:noFill/>
+        </p:spPr>
+        <p:txBody>
+          <a:bodyPr wrap="none" rtlCol="0">
+            <a:spAutoFit/>
+          </a:bodyPr>
+          <a:lstStyle/>
+          <a:p>
+            <a:r>
+              <a:rPr lang="da-DK" sz="3200" dirty="0"/>
+              <a:t>-189.91eV</a:t>
+            </a:r>
+          </a:p>
+        </p:txBody>
+      </p:sp>
+      <p:pic>
+        <p:nvPicPr>
+          <p:cNvPr id="11" name="Picture 10">
+            <a:extLst>
+              <a:ext uri="{FF2B5EF4-FFF2-40B4-BE49-F238E27FC236}">
+                <a16:creationId xmlns:a16="http://schemas.microsoft.com/office/drawing/2014/main" id="{3BFF7F60-A7B1-5B47-8F7A-5E3B5B764C34}"/>
+              </a:ext>
+            </a:extLst>
+          </p:cNvPr>
+          <p:cNvPicPr>
+            <a:picLocks noChangeAspect="1"/>
+          </p:cNvPicPr>
+          <p:nvPr/>
+        </p:nvPicPr>
+        <p:blipFill>
+          <a:blip r:embed="rId32"/>
+          <a:stretch>
+            <a:fillRect/>
+          </a:stretch>
+        </p:blipFill>
+        <p:spPr>
+          <a:xfrm>
+            <a:off x="17885816" y="36637674"/>
+            <a:ext cx="10317710" cy="3684896"/>
+          </a:xfrm>
+          <a:prstGeom prst="rect">
+            <a:avLst/>
+          </a:prstGeom>
+        </p:spPr>
+      </p:pic>
+      <p:pic>
+        <p:nvPicPr>
+          <p:cNvPr id="29" name="Picture 28">
+            <a:extLst>
+              <a:ext uri="{FF2B5EF4-FFF2-40B4-BE49-F238E27FC236}">
+                <a16:creationId xmlns:a16="http://schemas.microsoft.com/office/drawing/2014/main" id="{4EA6A2F5-D03F-374D-A6F3-13C5AB0BCCC8}"/>
+              </a:ext>
+            </a:extLst>
+          </p:cNvPr>
+          <p:cNvPicPr>
+            <a:picLocks noChangeAspect="1"/>
+          </p:cNvPicPr>
+          <p:nvPr/>
+        </p:nvPicPr>
+        <p:blipFill>
+          <a:blip r:embed="rId33"/>
+          <a:stretch>
+            <a:fillRect/>
+          </a:stretch>
+        </p:blipFill>
+        <p:spPr>
+          <a:xfrm>
+            <a:off x="1624220" y="10534561"/>
+            <a:ext cx="6400800" cy="3657600"/>
+          </a:xfrm>
+          <a:prstGeom prst="rect">
+            <a:avLst/>
+          </a:prstGeom>
+        </p:spPr>
+      </p:pic>
+      <p:pic>
+        <p:nvPicPr>
+          <p:cNvPr id="103" name="Picture 102">
+            <a:extLst>
+              <a:ext uri="{FF2B5EF4-FFF2-40B4-BE49-F238E27FC236}">
+                <a16:creationId xmlns:a16="http://schemas.microsoft.com/office/drawing/2014/main" id="{4F09E63E-A977-4B41-AED4-B972DBDC0DCC}"/>
+              </a:ext>
+            </a:extLst>
+          </p:cNvPr>
+          <p:cNvPicPr>
+            <a:picLocks noChangeAspect="1"/>
+          </p:cNvPicPr>
+          <p:nvPr/>
+        </p:nvPicPr>
+        <p:blipFill>
+          <a:blip r:embed="rId33"/>
+          <a:stretch>
+            <a:fillRect/>
+          </a:stretch>
+        </p:blipFill>
+        <p:spPr>
+          <a:xfrm>
+            <a:off x="8158003" y="10534561"/>
+            <a:ext cx="6400800" cy="3657600"/>
+          </a:xfrm>
+          <a:prstGeom prst="rect">
+            <a:avLst/>
+          </a:prstGeom>
+        </p:spPr>
+      </p:pic>
+      <p:cxnSp>
+        <p:nvCxnSpPr>
+          <p:cNvPr id="31" name="Straight Arrow Connector 30">
+            <a:extLst>
+              <a:ext uri="{FF2B5EF4-FFF2-40B4-BE49-F238E27FC236}">
+                <a16:creationId xmlns:a16="http://schemas.microsoft.com/office/drawing/2014/main" id="{D00ED05B-9BF0-BA4C-BA43-0DFC29C3AD0A}"/>
+              </a:ext>
+            </a:extLst>
+          </p:cNvPr>
+          <p:cNvCxnSpPr>
+            <a:cxnSpLocks/>
+          </p:cNvCxnSpPr>
+          <p:nvPr/>
+        </p:nvCxnSpPr>
+        <p:spPr>
+          <a:xfrm flipV="1">
+            <a:off x="2210004" y="10465739"/>
+            <a:ext cx="0" cy="3287144"/>
+          </a:xfrm>
+          <a:prstGeom prst="straightConnector1">
+            <a:avLst/>
+          </a:prstGeom>
+          <a:ln w="50800" cap="flat" cmpd="sng" algn="ctr">
+            <a:solidFill>
+              <a:schemeClr val="dk1"/>
+            </a:solidFill>
+            <a:prstDash val="solid"/>
+            <a:round/>
+            <a:headEnd type="none" w="med" len="med"/>
+            <a:tailEnd type="arrow" w="med" len="med"/>
+          </a:ln>
+        </p:spPr>
+        <p:style>
+          <a:lnRef idx="0">
+            <a:scrgbClr r="0" g="0" b="0"/>
+          </a:lnRef>
+          <a:fillRef idx="0">
+            <a:scrgbClr r="0" g="0" b="0"/>
+          </a:fillRef>
+          <a:effectRef idx="0">
+            <a:scrgbClr r="0" g="0" b="0"/>
+          </a:effectRef>
+          <a:fontRef idx="minor">
+            <a:schemeClr val="tx1"/>
+          </a:fontRef>
+        </p:style>
+      </p:cxnSp>
+      <p:sp>
+        <p:nvSpPr>
+          <p:cNvPr id="36" name="TextBox 35">
+            <a:extLst>
+              <a:ext uri="{FF2B5EF4-FFF2-40B4-BE49-F238E27FC236}">
+                <a16:creationId xmlns:a16="http://schemas.microsoft.com/office/drawing/2014/main" id="{F69C580B-D4C5-5248-805E-46032D31CDB5}"/>
+              </a:ext>
+            </a:extLst>
+          </p:cNvPr>
+          <p:cNvSpPr txBox="1"/>
+          <p:nvPr/>
+        </p:nvSpPr>
+        <p:spPr>
+          <a:xfrm rot="16200000">
+            <a:off x="1108866" y="11406380"/>
+            <a:ext cx="1462388" cy="646331"/>
+          </a:xfrm>
+          <a:prstGeom prst="rect">
+            <a:avLst/>
+          </a:prstGeom>
+          <a:noFill/>
+        </p:spPr>
+        <p:txBody>
+          <a:bodyPr wrap="none" rtlCol="0">
+            <a:spAutoFit/>
+          </a:bodyPr>
+          <a:lstStyle/>
+          <a:p>
+            <a:r>
+              <a:rPr lang="da-DK" sz="3600" dirty="0"/>
+              <a:t>Energy</a:t>
+            </a:r>
+          </a:p>
+        </p:txBody>
+      </p:sp>
+      <p:sp>
+        <p:nvSpPr>
+          <p:cNvPr id="38" name="TextBox 37">
+            <a:extLst>
+              <a:ext uri="{FF2B5EF4-FFF2-40B4-BE49-F238E27FC236}">
+                <a16:creationId xmlns:a16="http://schemas.microsoft.com/office/drawing/2014/main" id="{FF42991E-EAC9-C74F-B49B-7C3269EE2544}"/>
+              </a:ext>
+            </a:extLst>
+          </p:cNvPr>
+          <p:cNvSpPr txBox="1"/>
+          <p:nvPr/>
+        </p:nvSpPr>
+        <p:spPr>
+          <a:xfrm>
+            <a:off x="8025020" y="11786145"/>
+            <a:ext cx="795026" cy="646331"/>
+          </a:xfrm>
+          <a:prstGeom prst="rect">
+            <a:avLst/>
+          </a:prstGeom>
+          <a:noFill/>
+        </p:spPr>
+        <p:txBody>
+          <a:bodyPr wrap="none" rtlCol="0">
+            <a:spAutoFit/>
+          </a:bodyPr>
+          <a:lstStyle/>
+          <a:p>
+            <a:r>
+              <a:rPr lang="da-DK" sz="3600" b="1" dirty="0"/>
+              <a:t>VS.</a:t>
+            </a:r>
+          </a:p>
+        </p:txBody>
+      </p:sp>
+      <p:sp>
+        <p:nvSpPr>
+          <p:cNvPr id="42" name="Oval 41">
+            <a:extLst>
+              <a:ext uri="{FF2B5EF4-FFF2-40B4-BE49-F238E27FC236}">
+                <a16:creationId xmlns:a16="http://schemas.microsoft.com/office/drawing/2014/main" id="{5F483B05-3051-BE4A-B950-C5EBB5954D8C}"/>
+              </a:ext>
+            </a:extLst>
+          </p:cNvPr>
+          <p:cNvSpPr/>
+          <p:nvPr/>
+        </p:nvSpPr>
+        <p:spPr>
+          <a:xfrm>
+            <a:off x="3432637" y="11736844"/>
+            <a:ext cx="144000" cy="144000"/>
+          </a:xfrm>
+          <a:prstGeom prst="ellipse">
+            <a:avLst/>
+          </a:prstGeom>
+          <a:solidFill>
+            <a:srgbClr val="C00000"/>
+          </a:solidFill>
+          <a:ln>
+            <a:noFill/>
+          </a:ln>
+        </p:spPr>
+        <p:style>
+          <a:lnRef idx="2">
+            <a:schemeClr val="accent1">
+              <a:shade val="50000"/>
+            </a:schemeClr>
+          </a:lnRef>
+          <a:fillRef idx="1">
+            <a:schemeClr val="accent1"/>
+          </a:fillRef>
+          <a:effectRef idx="0">
+            <a:schemeClr val="accent1"/>
+          </a:effectRef>
+          <a:fontRef idx="minor">
+            <a:schemeClr val="lt1"/>
+          </a:fontRef>
+        </p:style>
+        <p:txBody>
+          <a:bodyPr rtlCol="0" anchor="ctr"/>
+          <a:lstStyle/>
+          <a:p>
+            <a:pPr algn="ctr"/>
+            <a:endParaRPr lang="da-DK"/>
+          </a:p>
+        </p:txBody>
+      </p:sp>
+      <p:sp>
+        <p:nvSpPr>
+          <p:cNvPr id="110" name="Oval 109">
+            <a:extLst>
+              <a:ext uri="{FF2B5EF4-FFF2-40B4-BE49-F238E27FC236}">
+                <a16:creationId xmlns:a16="http://schemas.microsoft.com/office/drawing/2014/main" id="{AE7E3159-949B-0D47-BAB3-C511220AE75B}"/>
+              </a:ext>
+            </a:extLst>
+          </p:cNvPr>
+          <p:cNvSpPr/>
+          <p:nvPr/>
+        </p:nvSpPr>
+        <p:spPr>
+          <a:xfrm>
+            <a:off x="4765037" y="11729035"/>
+            <a:ext cx="144000" cy="144000"/>
+          </a:xfrm>
+          <a:prstGeom prst="ellipse">
+            <a:avLst/>
+          </a:prstGeom>
+          <a:solidFill>
+            <a:srgbClr val="C00000"/>
+          </a:solidFill>
+          <a:ln>
+            <a:noFill/>
+          </a:ln>
+        </p:spPr>
+        <p:style>
+          <a:lnRef idx="2">
+            <a:schemeClr val="accent1">
+              <a:shade val="50000"/>
+            </a:schemeClr>
+          </a:lnRef>
+          <a:fillRef idx="1">
+            <a:schemeClr val="accent1"/>
+          </a:fillRef>
+          <a:effectRef idx="0">
+            <a:schemeClr val="accent1"/>
+          </a:effectRef>
+          <a:fontRef idx="minor">
+            <a:schemeClr val="lt1"/>
+          </a:fontRef>
+        </p:style>
+        <p:txBody>
+          <a:bodyPr rtlCol="0" anchor="ctr"/>
+          <a:lstStyle/>
+          <a:p>
+            <a:pPr algn="ctr"/>
+            <a:endParaRPr lang="da-DK"/>
+          </a:p>
+        </p:txBody>
+      </p:sp>
+      <p:sp>
+        <p:nvSpPr>
+          <p:cNvPr id="111" name="Oval 110">
+            <a:extLst>
+              <a:ext uri="{FF2B5EF4-FFF2-40B4-BE49-F238E27FC236}">
+                <a16:creationId xmlns:a16="http://schemas.microsoft.com/office/drawing/2014/main" id="{CDE5DDF8-C11D-CB47-8146-D8E9D2CE4707}"/>
+              </a:ext>
+            </a:extLst>
+          </p:cNvPr>
+          <p:cNvSpPr/>
+          <p:nvPr/>
+        </p:nvSpPr>
+        <p:spPr>
+          <a:xfrm>
+            <a:off x="7232374" y="11198528"/>
+            <a:ext cx="144000" cy="144000"/>
+          </a:xfrm>
+          <a:prstGeom prst="ellipse">
+            <a:avLst/>
+          </a:prstGeom>
+          <a:solidFill>
+            <a:srgbClr val="C00000"/>
+          </a:solidFill>
+          <a:ln>
+            <a:noFill/>
+          </a:ln>
+        </p:spPr>
+        <p:style>
+          <a:lnRef idx="2">
+            <a:schemeClr val="accent1">
+              <a:shade val="50000"/>
+            </a:schemeClr>
+          </a:lnRef>
+          <a:fillRef idx="1">
+            <a:schemeClr val="accent1"/>
+          </a:fillRef>
+          <a:effectRef idx="0">
+            <a:schemeClr val="accent1"/>
+          </a:effectRef>
+          <a:fontRef idx="minor">
+            <a:schemeClr val="lt1"/>
+          </a:fontRef>
+        </p:style>
+        <p:txBody>
+          <a:bodyPr rtlCol="0" anchor="ctr"/>
+          <a:lstStyle/>
+          <a:p>
+            <a:pPr algn="ctr"/>
+            <a:endParaRPr lang="da-DK"/>
+          </a:p>
+        </p:txBody>
+      </p:sp>
+      <p:cxnSp>
+        <p:nvCxnSpPr>
+          <p:cNvPr id="112" name="Straight Arrow Connector 111">
+            <a:extLst>
+              <a:ext uri="{FF2B5EF4-FFF2-40B4-BE49-F238E27FC236}">
+                <a16:creationId xmlns:a16="http://schemas.microsoft.com/office/drawing/2014/main" id="{1F513DE8-80E4-CC46-B111-5CAA78E34A1A}"/>
+              </a:ext>
+            </a:extLst>
+          </p:cNvPr>
+          <p:cNvCxnSpPr>
+            <a:cxnSpLocks/>
+          </p:cNvCxnSpPr>
+          <p:nvPr/>
+        </p:nvCxnSpPr>
+        <p:spPr>
+          <a:xfrm flipH="1">
+            <a:off x="6998711" y="11323112"/>
+            <a:ext cx="180000" cy="1080000"/>
+          </a:xfrm>
+          <a:prstGeom prst="straightConnector1">
+            <a:avLst/>
+          </a:prstGeom>
+          <a:ln w="31750" cap="flat" cmpd="sng" algn="ctr">
+            <a:solidFill>
+              <a:schemeClr val="dk1"/>
+            </a:solidFill>
+            <a:prstDash val="solid"/>
+            <a:round/>
+            <a:headEnd type="none" w="med" len="med"/>
+            <a:tailEnd type="triangle" w="med" len="lg"/>
+          </a:ln>
+        </p:spPr>
+        <p:style>
+          <a:lnRef idx="0">
+            <a:scrgbClr r="0" g="0" b="0"/>
+          </a:lnRef>
+          <a:fillRef idx="0">
+            <a:scrgbClr r="0" g="0" b="0"/>
+          </a:fillRef>
+          <a:effectRef idx="0">
+            <a:scrgbClr r="0" g="0" b="0"/>
+          </a:effectRef>
+          <a:fontRef idx="minor">
+            <a:schemeClr val="tx1"/>
+          </a:fontRef>
+        </p:style>
+      </p:cxnSp>
+      <p:cxnSp>
+        <p:nvCxnSpPr>
+          <p:cNvPr id="118" name="Straight Arrow Connector 117">
+            <a:extLst>
+              <a:ext uri="{FF2B5EF4-FFF2-40B4-BE49-F238E27FC236}">
+                <a16:creationId xmlns:a16="http://schemas.microsoft.com/office/drawing/2014/main" id="{FECC51BE-754B-2349-9313-0226E4276E91}"/>
+              </a:ext>
+            </a:extLst>
+          </p:cNvPr>
+          <p:cNvCxnSpPr>
+            <a:cxnSpLocks/>
+          </p:cNvCxnSpPr>
+          <p:nvPr/>
+        </p:nvCxnSpPr>
+        <p:spPr>
+          <a:xfrm flipH="1">
+            <a:off x="4631189" y="11852231"/>
+            <a:ext cx="108000" cy="423772"/>
+          </a:xfrm>
+          <a:prstGeom prst="straightConnector1">
+            <a:avLst/>
+          </a:prstGeom>
+          <a:ln w="31750" cap="flat" cmpd="sng" algn="ctr">
+            <a:solidFill>
+              <a:schemeClr val="dk1"/>
+            </a:solidFill>
+            <a:prstDash val="solid"/>
+            <a:round/>
+            <a:headEnd type="none" w="med" len="med"/>
+            <a:tailEnd type="triangle" w="med" len="lg"/>
+          </a:ln>
+        </p:spPr>
+        <p:style>
+          <a:lnRef idx="0">
+            <a:scrgbClr r="0" g="0" b="0"/>
+          </a:lnRef>
+          <a:fillRef idx="0">
+            <a:scrgbClr r="0" g="0" b="0"/>
+          </a:fillRef>
+          <a:effectRef idx="0">
+            <a:scrgbClr r="0" g="0" b="0"/>
+          </a:effectRef>
+          <a:fontRef idx="minor">
+            <a:schemeClr val="tx1"/>
+          </a:fontRef>
+        </p:style>
+      </p:cxnSp>
+      <p:cxnSp>
+        <p:nvCxnSpPr>
+          <p:cNvPr id="119" name="Straight Arrow Connector 118">
+            <a:extLst>
+              <a:ext uri="{FF2B5EF4-FFF2-40B4-BE49-F238E27FC236}">
+                <a16:creationId xmlns:a16="http://schemas.microsoft.com/office/drawing/2014/main" id="{E5AE0C1D-952E-3E4A-968C-6BC49881FC33}"/>
+              </a:ext>
+            </a:extLst>
+          </p:cNvPr>
+          <p:cNvCxnSpPr>
+            <a:cxnSpLocks/>
+          </p:cNvCxnSpPr>
+          <p:nvPr/>
+        </p:nvCxnSpPr>
+        <p:spPr>
+          <a:xfrm>
+            <a:off x="3613832" y="11808844"/>
+            <a:ext cx="223275" cy="1225321"/>
+          </a:xfrm>
+          <a:prstGeom prst="straightConnector1">
+            <a:avLst/>
+          </a:prstGeom>
+          <a:ln w="31750" cap="flat" cmpd="sng" algn="ctr">
+            <a:solidFill>
+              <a:schemeClr val="dk1"/>
+            </a:solidFill>
+            <a:prstDash val="solid"/>
+            <a:round/>
+            <a:headEnd type="none" w="med" len="med"/>
+            <a:tailEnd type="triangle" w="med" len="lg"/>
+          </a:ln>
+        </p:spPr>
+        <p:style>
+          <a:lnRef idx="0">
+            <a:scrgbClr r="0" g="0" b="0"/>
+          </a:lnRef>
+          <a:fillRef idx="0">
+            <a:scrgbClr r="0" g="0" b="0"/>
+          </a:fillRef>
+          <a:effectRef idx="0">
+            <a:scrgbClr r="0" g="0" b="0"/>
+          </a:effectRef>
+          <a:fontRef idx="minor">
+            <a:schemeClr val="tx1"/>
+          </a:fontRef>
+        </p:style>
+      </p:cxnSp>
+      <p:sp>
+        <p:nvSpPr>
+          <p:cNvPr id="55" name="TextBox 54">
+            <a:extLst>
+              <a:ext uri="{FF2B5EF4-FFF2-40B4-BE49-F238E27FC236}">
+                <a16:creationId xmlns:a16="http://schemas.microsoft.com/office/drawing/2014/main" id="{EF88D540-6310-A540-987B-A01E0B1BC4EA}"/>
+              </a:ext>
+            </a:extLst>
+          </p:cNvPr>
+          <p:cNvSpPr txBox="1"/>
+          <p:nvPr/>
+        </p:nvSpPr>
+        <p:spPr>
+          <a:xfrm>
+            <a:off x="3745525" y="10156460"/>
+            <a:ext cx="2946897" cy="584775"/>
+          </a:xfrm>
+          <a:prstGeom prst="rect">
+            <a:avLst/>
+          </a:prstGeom>
+          <a:noFill/>
+        </p:spPr>
+        <p:txBody>
+          <a:bodyPr wrap="none" rtlCol="0">
+            <a:spAutoFit/>
+          </a:bodyPr>
+          <a:lstStyle/>
+          <a:p>
+            <a:r>
+              <a:rPr lang="da-DK" sz="3200" dirty="0"/>
+              <a:t>Local </a:t>
+            </a:r>
+            <a:r>
+              <a:rPr lang="da-DK" sz="3200" dirty="0" err="1"/>
+              <a:t>relaxations</a:t>
+            </a:r>
+            <a:endParaRPr lang="da-DK" sz="3200" dirty="0"/>
+          </a:p>
+        </p:txBody>
+      </p:sp>
+      <p:sp>
+        <p:nvSpPr>
+          <p:cNvPr id="65" name="Freeform 64">
+            <a:extLst>
+              <a:ext uri="{FF2B5EF4-FFF2-40B4-BE49-F238E27FC236}">
+                <a16:creationId xmlns:a16="http://schemas.microsoft.com/office/drawing/2014/main" id="{A4B3060D-368B-514B-B0CE-3DCA377E99AA}"/>
+              </a:ext>
+            </a:extLst>
+          </p:cNvPr>
+          <p:cNvSpPr/>
+          <p:nvPr/>
+        </p:nvSpPr>
+        <p:spPr>
+          <a:xfrm rot="19907965">
+            <a:off x="6409412" y="10670871"/>
+            <a:ext cx="280901" cy="935503"/>
+          </a:xfrm>
+          <a:custGeom>
+            <a:avLst/>
+            <a:gdLst>
+              <a:gd name="connsiteX0" fmla="*/ 0 w 300037"/>
+              <a:gd name="connsiteY0" fmla="*/ 0 h 771525"/>
+              <a:gd name="connsiteX1" fmla="*/ 100012 w 300037"/>
+              <a:gd name="connsiteY1" fmla="*/ 500062 h 771525"/>
+              <a:gd name="connsiteX2" fmla="*/ 185737 w 300037"/>
+              <a:gd name="connsiteY2" fmla="*/ 285750 h 771525"/>
+              <a:gd name="connsiteX3" fmla="*/ 300037 w 300037"/>
+              <a:gd name="connsiteY3" fmla="*/ 771525 h 771525"/>
+            </a:gdLst>
+            <a:ahLst/>
+            <a:cxnLst>
+              <a:cxn ang="0">
+                <a:pos x="connsiteX0" y="connsiteY0"/>
+              </a:cxn>
+              <a:cxn ang="0">
+                <a:pos x="connsiteX1" y="connsiteY1"/>
+              </a:cxn>
+              <a:cxn ang="0">
+                <a:pos x="connsiteX2" y="connsiteY2"/>
+              </a:cxn>
+              <a:cxn ang="0">
+                <a:pos x="connsiteX3" y="connsiteY3"/>
+              </a:cxn>
+            </a:cxnLst>
+            <a:rect l="l" t="t" r="r" b="b"/>
+            <a:pathLst>
+              <a:path w="300037" h="771525">
+                <a:moveTo>
+                  <a:pt x="0" y="0"/>
+                </a:moveTo>
+                <a:cubicBezTo>
+                  <a:pt x="34528" y="226218"/>
+                  <a:pt x="69056" y="452437"/>
+                  <a:pt x="100012" y="500062"/>
+                </a:cubicBezTo>
+                <a:cubicBezTo>
+                  <a:pt x="130968" y="547687"/>
+                  <a:pt x="152400" y="240506"/>
+                  <a:pt x="185737" y="285750"/>
+                </a:cubicBezTo>
+                <a:cubicBezTo>
+                  <a:pt x="219074" y="330994"/>
+                  <a:pt x="259555" y="551259"/>
+                  <a:pt x="300037" y="771525"/>
+                </a:cubicBezTo>
+              </a:path>
+            </a:pathLst>
+          </a:custGeom>
+          <a:noFill/>
+          <a:ln w="31750">
+            <a:tailEnd type="arrow"/>
+          </a:ln>
+        </p:spPr>
+        <p:style>
+          <a:lnRef idx="2">
+            <a:schemeClr val="accent1">
+              <a:shade val="50000"/>
+            </a:schemeClr>
+          </a:lnRef>
+          <a:fillRef idx="1">
+            <a:schemeClr val="accent1"/>
+          </a:fillRef>
+          <a:effectRef idx="0">
+            <a:schemeClr val="accent1"/>
+          </a:effectRef>
+          <a:fontRef idx="minor">
+            <a:schemeClr val="lt1"/>
+          </a:fontRef>
+        </p:style>
+        <p:txBody>
+          <a:bodyPr rtlCol="0" anchor="ctr"/>
+          <a:lstStyle/>
+          <a:p>
+            <a:pPr algn="ctr"/>
+            <a:endParaRPr lang="da-DK"/>
+          </a:p>
+        </p:txBody>
+      </p:sp>
+      <p:sp>
+        <p:nvSpPr>
+          <p:cNvPr id="140" name="Freeform 139">
+            <a:extLst>
+              <a:ext uri="{FF2B5EF4-FFF2-40B4-BE49-F238E27FC236}">
+                <a16:creationId xmlns:a16="http://schemas.microsoft.com/office/drawing/2014/main" id="{A6D9D39C-9ADC-CF40-8999-1CFCD1EA1FAA}"/>
+              </a:ext>
+            </a:extLst>
+          </p:cNvPr>
+          <p:cNvSpPr/>
+          <p:nvPr/>
+        </p:nvSpPr>
+        <p:spPr>
+          <a:xfrm rot="20705560" flipH="1">
+            <a:off x="4515392" y="10847557"/>
+            <a:ext cx="226931" cy="834303"/>
+          </a:xfrm>
+          <a:custGeom>
+            <a:avLst/>
+            <a:gdLst>
+              <a:gd name="connsiteX0" fmla="*/ 0 w 300037"/>
+              <a:gd name="connsiteY0" fmla="*/ 0 h 771525"/>
+              <a:gd name="connsiteX1" fmla="*/ 100012 w 300037"/>
+              <a:gd name="connsiteY1" fmla="*/ 500062 h 771525"/>
+              <a:gd name="connsiteX2" fmla="*/ 185737 w 300037"/>
+              <a:gd name="connsiteY2" fmla="*/ 285750 h 771525"/>
+              <a:gd name="connsiteX3" fmla="*/ 300037 w 300037"/>
+              <a:gd name="connsiteY3" fmla="*/ 771525 h 771525"/>
+            </a:gdLst>
+            <a:ahLst/>
+            <a:cxnLst>
+              <a:cxn ang="0">
+                <a:pos x="connsiteX0" y="connsiteY0"/>
+              </a:cxn>
+              <a:cxn ang="0">
+                <a:pos x="connsiteX1" y="connsiteY1"/>
+              </a:cxn>
+              <a:cxn ang="0">
+                <a:pos x="connsiteX2" y="connsiteY2"/>
+              </a:cxn>
+              <a:cxn ang="0">
+                <a:pos x="connsiteX3" y="connsiteY3"/>
+              </a:cxn>
+            </a:cxnLst>
+            <a:rect l="l" t="t" r="r" b="b"/>
+            <a:pathLst>
+              <a:path w="300037" h="771525">
+                <a:moveTo>
+                  <a:pt x="0" y="0"/>
+                </a:moveTo>
+                <a:cubicBezTo>
+                  <a:pt x="34528" y="226218"/>
+                  <a:pt x="69056" y="452437"/>
+                  <a:pt x="100012" y="500062"/>
+                </a:cubicBezTo>
+                <a:cubicBezTo>
+                  <a:pt x="130968" y="547687"/>
+                  <a:pt x="152400" y="240506"/>
+                  <a:pt x="185737" y="285750"/>
+                </a:cubicBezTo>
+                <a:cubicBezTo>
+                  <a:pt x="219074" y="330994"/>
+                  <a:pt x="259555" y="551259"/>
+                  <a:pt x="300037" y="771525"/>
+                </a:cubicBezTo>
+              </a:path>
+            </a:pathLst>
+          </a:custGeom>
+          <a:noFill/>
+          <a:ln w="31750">
+            <a:tailEnd type="arrow"/>
+          </a:ln>
+        </p:spPr>
+        <p:style>
+          <a:lnRef idx="2">
+            <a:schemeClr val="accent1">
+              <a:shade val="50000"/>
+            </a:schemeClr>
+          </a:lnRef>
+          <a:fillRef idx="1">
+            <a:schemeClr val="accent1"/>
+          </a:fillRef>
+          <a:effectRef idx="0">
+            <a:schemeClr val="accent1"/>
+          </a:effectRef>
+          <a:fontRef idx="minor">
+            <a:schemeClr val="lt1"/>
+          </a:fontRef>
+        </p:style>
+        <p:txBody>
+          <a:bodyPr rtlCol="0" anchor="ctr"/>
+          <a:lstStyle/>
+          <a:p>
+            <a:pPr algn="ctr"/>
+            <a:endParaRPr lang="da-DK"/>
+          </a:p>
+        </p:txBody>
+      </p:sp>
+      <p:sp>
+        <p:nvSpPr>
+          <p:cNvPr id="141" name="Freeform 140">
+            <a:extLst>
+              <a:ext uri="{FF2B5EF4-FFF2-40B4-BE49-F238E27FC236}">
+                <a16:creationId xmlns:a16="http://schemas.microsoft.com/office/drawing/2014/main" id="{E860E255-72BE-564A-9373-1AF3A3C0EB6D}"/>
+              </a:ext>
+            </a:extLst>
+          </p:cNvPr>
+          <p:cNvSpPr/>
+          <p:nvPr/>
+        </p:nvSpPr>
+        <p:spPr>
+          <a:xfrm flipH="1">
+            <a:off x="3826908" y="10746683"/>
+            <a:ext cx="280901" cy="935503"/>
+          </a:xfrm>
+          <a:custGeom>
+            <a:avLst/>
+            <a:gdLst>
+              <a:gd name="connsiteX0" fmla="*/ 0 w 300037"/>
+              <a:gd name="connsiteY0" fmla="*/ 0 h 771525"/>
+              <a:gd name="connsiteX1" fmla="*/ 100012 w 300037"/>
+              <a:gd name="connsiteY1" fmla="*/ 500062 h 771525"/>
+              <a:gd name="connsiteX2" fmla="*/ 185737 w 300037"/>
+              <a:gd name="connsiteY2" fmla="*/ 285750 h 771525"/>
+              <a:gd name="connsiteX3" fmla="*/ 300037 w 300037"/>
+              <a:gd name="connsiteY3" fmla="*/ 771525 h 771525"/>
+            </a:gdLst>
+            <a:ahLst/>
+            <a:cxnLst>
+              <a:cxn ang="0">
+                <a:pos x="connsiteX0" y="connsiteY0"/>
+              </a:cxn>
+              <a:cxn ang="0">
+                <a:pos x="connsiteX1" y="connsiteY1"/>
+              </a:cxn>
+              <a:cxn ang="0">
+                <a:pos x="connsiteX2" y="connsiteY2"/>
+              </a:cxn>
+              <a:cxn ang="0">
+                <a:pos x="connsiteX3" y="connsiteY3"/>
+              </a:cxn>
+            </a:cxnLst>
+            <a:rect l="l" t="t" r="r" b="b"/>
+            <a:pathLst>
+              <a:path w="300037" h="771525">
+                <a:moveTo>
+                  <a:pt x="0" y="0"/>
+                </a:moveTo>
+                <a:cubicBezTo>
+                  <a:pt x="34528" y="226218"/>
+                  <a:pt x="69056" y="452437"/>
+                  <a:pt x="100012" y="500062"/>
+                </a:cubicBezTo>
+                <a:cubicBezTo>
+                  <a:pt x="130968" y="547687"/>
+                  <a:pt x="152400" y="240506"/>
+                  <a:pt x="185737" y="285750"/>
+                </a:cubicBezTo>
+                <a:cubicBezTo>
+                  <a:pt x="219074" y="330994"/>
+                  <a:pt x="259555" y="551259"/>
+                  <a:pt x="300037" y="771525"/>
+                </a:cubicBezTo>
+              </a:path>
+            </a:pathLst>
+          </a:custGeom>
+          <a:noFill/>
+          <a:ln w="31750">
+            <a:tailEnd type="arrow"/>
+          </a:ln>
+        </p:spPr>
+        <p:style>
+          <a:lnRef idx="2">
+            <a:schemeClr val="accent1">
+              <a:shade val="50000"/>
+            </a:schemeClr>
+          </a:lnRef>
+          <a:fillRef idx="1">
+            <a:schemeClr val="accent1"/>
+          </a:fillRef>
+          <a:effectRef idx="0">
+            <a:schemeClr val="accent1"/>
+          </a:effectRef>
+          <a:fontRef idx="minor">
+            <a:schemeClr val="lt1"/>
+          </a:fontRef>
+        </p:style>
+        <p:txBody>
+          <a:bodyPr rtlCol="0" anchor="ctr"/>
+          <a:lstStyle/>
+          <a:p>
+            <a:pPr algn="ctr"/>
+            <a:endParaRPr lang="da-DK"/>
+          </a:p>
+        </p:txBody>
+      </p:sp>
+      <p:sp>
+        <p:nvSpPr>
+          <p:cNvPr id="142" name="Oval 141">
+            <a:extLst>
+              <a:ext uri="{FF2B5EF4-FFF2-40B4-BE49-F238E27FC236}">
+                <a16:creationId xmlns:a16="http://schemas.microsoft.com/office/drawing/2014/main" id="{C13BCBC1-8772-564A-A969-58084DCC9EC5}"/>
+              </a:ext>
+            </a:extLst>
+          </p:cNvPr>
+          <p:cNvSpPr/>
+          <p:nvPr/>
+        </p:nvSpPr>
+        <p:spPr>
+          <a:xfrm>
+            <a:off x="10213701" y="12893989"/>
+            <a:ext cx="144000" cy="144000"/>
+          </a:xfrm>
+          <a:prstGeom prst="ellipse">
+            <a:avLst/>
+          </a:prstGeom>
+          <a:solidFill>
+            <a:srgbClr val="C00000"/>
+          </a:solidFill>
+          <a:ln>
+            <a:noFill/>
+          </a:ln>
+        </p:spPr>
+        <p:style>
+          <a:lnRef idx="2">
+            <a:schemeClr val="accent1">
+              <a:shade val="50000"/>
+            </a:schemeClr>
+          </a:lnRef>
+          <a:fillRef idx="1">
+            <a:schemeClr val="accent1"/>
+          </a:fillRef>
+          <a:effectRef idx="0">
+            <a:schemeClr val="accent1"/>
+          </a:effectRef>
+          <a:fontRef idx="minor">
+            <a:schemeClr val="lt1"/>
+          </a:fontRef>
+        </p:style>
+        <p:txBody>
+          <a:bodyPr rtlCol="0" anchor="ctr"/>
+          <a:lstStyle/>
+          <a:p>
+            <a:pPr algn="ctr"/>
+            <a:endParaRPr lang="da-DK"/>
+          </a:p>
+        </p:txBody>
+      </p:sp>
+      <p:sp>
+        <p:nvSpPr>
+          <p:cNvPr id="143" name="Oval 142">
+            <a:extLst>
+              <a:ext uri="{FF2B5EF4-FFF2-40B4-BE49-F238E27FC236}">
+                <a16:creationId xmlns:a16="http://schemas.microsoft.com/office/drawing/2014/main" id="{2C17DADB-8AEB-4944-9595-6368135F396C}"/>
+              </a:ext>
+            </a:extLst>
+          </p:cNvPr>
+          <p:cNvSpPr/>
+          <p:nvPr/>
+        </p:nvSpPr>
+        <p:spPr>
+          <a:xfrm>
+            <a:off x="11194781" y="12103408"/>
+            <a:ext cx="144000" cy="144000"/>
+          </a:xfrm>
+          <a:prstGeom prst="ellipse">
+            <a:avLst/>
+          </a:prstGeom>
+          <a:solidFill>
+            <a:srgbClr val="C00000"/>
+          </a:solidFill>
+          <a:ln>
+            <a:noFill/>
+          </a:ln>
+        </p:spPr>
+        <p:style>
+          <a:lnRef idx="2">
+            <a:schemeClr val="accent1">
+              <a:shade val="50000"/>
+            </a:schemeClr>
+          </a:lnRef>
+          <a:fillRef idx="1">
+            <a:schemeClr val="accent1"/>
+          </a:fillRef>
+          <a:effectRef idx="0">
+            <a:schemeClr val="accent1"/>
+          </a:effectRef>
+          <a:fontRef idx="minor">
+            <a:schemeClr val="lt1"/>
+          </a:fontRef>
+        </p:style>
+        <p:txBody>
+          <a:bodyPr rtlCol="0" anchor="ctr"/>
+          <a:lstStyle/>
+          <a:p>
+            <a:pPr algn="ctr"/>
+            <a:endParaRPr lang="da-DK"/>
+          </a:p>
+        </p:txBody>
+      </p:sp>
+      <p:sp>
+        <p:nvSpPr>
+          <p:cNvPr id="144" name="Oval 143">
+            <a:extLst>
+              <a:ext uri="{FF2B5EF4-FFF2-40B4-BE49-F238E27FC236}">
+                <a16:creationId xmlns:a16="http://schemas.microsoft.com/office/drawing/2014/main" id="{DB62FD3F-C672-E44E-9167-6E99E94F77EC}"/>
+              </a:ext>
+            </a:extLst>
+          </p:cNvPr>
+          <p:cNvSpPr/>
+          <p:nvPr/>
+        </p:nvSpPr>
+        <p:spPr>
+          <a:xfrm>
+            <a:off x="12804511" y="13598843"/>
+            <a:ext cx="144000" cy="144000"/>
+          </a:xfrm>
+          <a:prstGeom prst="ellipse">
+            <a:avLst/>
+          </a:prstGeom>
+          <a:solidFill>
+            <a:srgbClr val="C00000"/>
+          </a:solidFill>
+          <a:ln>
+            <a:noFill/>
+          </a:ln>
+        </p:spPr>
+        <p:style>
+          <a:lnRef idx="2">
+            <a:schemeClr val="accent1">
+              <a:shade val="50000"/>
+            </a:schemeClr>
+          </a:lnRef>
+          <a:fillRef idx="1">
+            <a:schemeClr val="accent1"/>
+          </a:fillRef>
+          <a:effectRef idx="0">
+            <a:schemeClr val="accent1"/>
+          </a:effectRef>
+          <a:fontRef idx="minor">
+            <a:schemeClr val="lt1"/>
+          </a:fontRef>
+        </p:style>
+        <p:txBody>
+          <a:bodyPr rtlCol="0" anchor="ctr"/>
+          <a:lstStyle/>
+          <a:p>
+            <a:pPr algn="ctr"/>
+            <a:endParaRPr lang="da-DK"/>
+          </a:p>
+        </p:txBody>
+      </p:sp>
+      <p:sp>
+        <p:nvSpPr>
+          <p:cNvPr id="151" name="TextBox 150">
+            <a:extLst>
+              <a:ext uri="{FF2B5EF4-FFF2-40B4-BE49-F238E27FC236}">
+                <a16:creationId xmlns:a16="http://schemas.microsoft.com/office/drawing/2014/main" id="{B5730CB8-54A6-FB40-837D-73CFBBAE1508}"/>
+              </a:ext>
+            </a:extLst>
+          </p:cNvPr>
+          <p:cNvSpPr txBox="1"/>
+          <p:nvPr/>
+        </p:nvSpPr>
+        <p:spPr>
+          <a:xfrm>
+            <a:off x="9760953" y="10150902"/>
+            <a:ext cx="3914277" cy="584775"/>
+          </a:xfrm>
+          <a:prstGeom prst="rect">
+            <a:avLst/>
+          </a:prstGeom>
+          <a:noFill/>
+        </p:spPr>
+        <p:txBody>
+          <a:bodyPr wrap="none" rtlCol="0">
+            <a:spAutoFit/>
+          </a:bodyPr>
+          <a:lstStyle/>
+          <a:p>
+            <a:r>
+              <a:rPr lang="da-DK" sz="3200" dirty="0"/>
+              <a:t>ML guide single points</a:t>
+            </a:r>
+          </a:p>
+        </p:txBody>
+      </p:sp>
+      <p:sp>
+        <p:nvSpPr>
+          <p:cNvPr id="153" name="Freeform 152">
+            <a:extLst>
+              <a:ext uri="{FF2B5EF4-FFF2-40B4-BE49-F238E27FC236}">
+                <a16:creationId xmlns:a16="http://schemas.microsoft.com/office/drawing/2014/main" id="{1F669B07-B427-C041-A0FE-1DD1175F9ABA}"/>
+              </a:ext>
+            </a:extLst>
+          </p:cNvPr>
+          <p:cNvSpPr/>
+          <p:nvPr/>
+        </p:nvSpPr>
+        <p:spPr>
+          <a:xfrm rot="21354150" flipH="1">
+            <a:off x="10290112" y="10748123"/>
+            <a:ext cx="258521" cy="980738"/>
+          </a:xfrm>
+          <a:custGeom>
+            <a:avLst/>
+            <a:gdLst>
+              <a:gd name="connsiteX0" fmla="*/ 0 w 300037"/>
+              <a:gd name="connsiteY0" fmla="*/ 0 h 771525"/>
+              <a:gd name="connsiteX1" fmla="*/ 100012 w 300037"/>
+              <a:gd name="connsiteY1" fmla="*/ 500062 h 771525"/>
+              <a:gd name="connsiteX2" fmla="*/ 185737 w 300037"/>
+              <a:gd name="connsiteY2" fmla="*/ 285750 h 771525"/>
+              <a:gd name="connsiteX3" fmla="*/ 300037 w 300037"/>
+              <a:gd name="connsiteY3" fmla="*/ 771525 h 771525"/>
+            </a:gdLst>
+            <a:ahLst/>
+            <a:cxnLst>
+              <a:cxn ang="0">
+                <a:pos x="connsiteX0" y="connsiteY0"/>
+              </a:cxn>
+              <a:cxn ang="0">
+                <a:pos x="connsiteX1" y="connsiteY1"/>
+              </a:cxn>
+              <a:cxn ang="0">
+                <a:pos x="connsiteX2" y="connsiteY2"/>
+              </a:cxn>
+              <a:cxn ang="0">
+                <a:pos x="connsiteX3" y="connsiteY3"/>
+              </a:cxn>
+            </a:cxnLst>
+            <a:rect l="l" t="t" r="r" b="b"/>
+            <a:pathLst>
+              <a:path w="300037" h="771525">
+                <a:moveTo>
+                  <a:pt x="0" y="0"/>
+                </a:moveTo>
+                <a:cubicBezTo>
+                  <a:pt x="34528" y="226218"/>
+                  <a:pt x="69056" y="452437"/>
+                  <a:pt x="100012" y="500062"/>
+                </a:cubicBezTo>
+                <a:cubicBezTo>
+                  <a:pt x="130968" y="547687"/>
+                  <a:pt x="152400" y="240506"/>
+                  <a:pt x="185737" y="285750"/>
+                </a:cubicBezTo>
+                <a:cubicBezTo>
+                  <a:pt x="219074" y="330994"/>
+                  <a:pt x="259555" y="551259"/>
+                  <a:pt x="300037" y="771525"/>
+                </a:cubicBezTo>
+              </a:path>
+            </a:pathLst>
+          </a:custGeom>
+          <a:noFill/>
+          <a:ln w="31750">
+            <a:tailEnd type="arrow"/>
+          </a:ln>
+        </p:spPr>
+        <p:style>
+          <a:lnRef idx="2">
+            <a:schemeClr val="accent1">
+              <a:shade val="50000"/>
+            </a:schemeClr>
+          </a:lnRef>
+          <a:fillRef idx="1">
+            <a:schemeClr val="accent1"/>
+          </a:fillRef>
+          <a:effectRef idx="0">
+            <a:schemeClr val="accent1"/>
+          </a:effectRef>
+          <a:fontRef idx="minor">
+            <a:schemeClr val="lt1"/>
+          </a:fontRef>
+        </p:style>
+        <p:txBody>
+          <a:bodyPr rtlCol="0" anchor="ctr"/>
+          <a:lstStyle/>
+          <a:p>
+            <a:pPr algn="ctr"/>
+            <a:endParaRPr lang="da-DK"/>
+          </a:p>
+        </p:txBody>
+      </p:sp>
+      <p:sp>
+        <p:nvSpPr>
+          <p:cNvPr id="154" name="Freeform 153">
+            <a:extLst>
+              <a:ext uri="{FF2B5EF4-FFF2-40B4-BE49-F238E27FC236}">
+                <a16:creationId xmlns:a16="http://schemas.microsoft.com/office/drawing/2014/main" id="{C2FB61C5-0536-B447-872E-307E00330540}"/>
+              </a:ext>
+            </a:extLst>
+          </p:cNvPr>
+          <p:cNvSpPr/>
+          <p:nvPr/>
+        </p:nvSpPr>
+        <p:spPr>
+          <a:xfrm rot="209798">
+            <a:off x="10978306" y="10733872"/>
+            <a:ext cx="260151" cy="893682"/>
+          </a:xfrm>
+          <a:custGeom>
+            <a:avLst/>
+            <a:gdLst>
+              <a:gd name="connsiteX0" fmla="*/ 0 w 300037"/>
+              <a:gd name="connsiteY0" fmla="*/ 0 h 771525"/>
+              <a:gd name="connsiteX1" fmla="*/ 100012 w 300037"/>
+              <a:gd name="connsiteY1" fmla="*/ 500062 h 771525"/>
+              <a:gd name="connsiteX2" fmla="*/ 185737 w 300037"/>
+              <a:gd name="connsiteY2" fmla="*/ 285750 h 771525"/>
+              <a:gd name="connsiteX3" fmla="*/ 300037 w 300037"/>
+              <a:gd name="connsiteY3" fmla="*/ 771525 h 771525"/>
+            </a:gdLst>
+            <a:ahLst/>
+            <a:cxnLst>
+              <a:cxn ang="0">
+                <a:pos x="connsiteX0" y="connsiteY0"/>
+              </a:cxn>
+              <a:cxn ang="0">
+                <a:pos x="connsiteX1" y="connsiteY1"/>
+              </a:cxn>
+              <a:cxn ang="0">
+                <a:pos x="connsiteX2" y="connsiteY2"/>
+              </a:cxn>
+              <a:cxn ang="0">
+                <a:pos x="connsiteX3" y="connsiteY3"/>
+              </a:cxn>
+            </a:cxnLst>
+            <a:rect l="l" t="t" r="r" b="b"/>
+            <a:pathLst>
+              <a:path w="300037" h="771525">
+                <a:moveTo>
+                  <a:pt x="0" y="0"/>
+                </a:moveTo>
+                <a:cubicBezTo>
+                  <a:pt x="34528" y="226218"/>
+                  <a:pt x="69056" y="452437"/>
+                  <a:pt x="100012" y="500062"/>
+                </a:cubicBezTo>
+                <a:cubicBezTo>
+                  <a:pt x="130968" y="547687"/>
+                  <a:pt x="152400" y="240506"/>
+                  <a:pt x="185737" y="285750"/>
+                </a:cubicBezTo>
+                <a:cubicBezTo>
+                  <a:pt x="219074" y="330994"/>
+                  <a:pt x="259555" y="551259"/>
+                  <a:pt x="300037" y="771525"/>
+                </a:cubicBezTo>
+              </a:path>
+            </a:pathLst>
+          </a:custGeom>
+          <a:noFill/>
+          <a:ln w="31750">
+            <a:tailEnd type="arrow"/>
+          </a:ln>
+        </p:spPr>
+        <p:style>
+          <a:lnRef idx="2">
+            <a:schemeClr val="accent1">
+              <a:shade val="50000"/>
+            </a:schemeClr>
+          </a:lnRef>
+          <a:fillRef idx="1">
+            <a:schemeClr val="accent1"/>
+          </a:fillRef>
+          <a:effectRef idx="0">
+            <a:schemeClr val="accent1"/>
+          </a:effectRef>
+          <a:fontRef idx="minor">
+            <a:schemeClr val="lt1"/>
+          </a:fontRef>
+        </p:style>
+        <p:txBody>
+          <a:bodyPr rtlCol="0" anchor="ctr"/>
+          <a:lstStyle/>
+          <a:p>
+            <a:pPr algn="ctr"/>
+            <a:endParaRPr lang="da-DK"/>
+          </a:p>
+        </p:txBody>
+      </p:sp>
+      <p:sp>
+        <p:nvSpPr>
+          <p:cNvPr id="160" name="Freeform 159">
+            <a:extLst>
+              <a:ext uri="{FF2B5EF4-FFF2-40B4-BE49-F238E27FC236}">
+                <a16:creationId xmlns:a16="http://schemas.microsoft.com/office/drawing/2014/main" id="{D1903441-232C-6F45-8585-AFBF7A41EE7D}"/>
+              </a:ext>
+            </a:extLst>
+          </p:cNvPr>
+          <p:cNvSpPr/>
+          <p:nvPr/>
+        </p:nvSpPr>
+        <p:spPr>
+          <a:xfrm>
+            <a:off x="12475452" y="10747548"/>
+            <a:ext cx="287322" cy="1288048"/>
+          </a:xfrm>
+          <a:custGeom>
+            <a:avLst/>
+            <a:gdLst>
+              <a:gd name="connsiteX0" fmla="*/ 0 w 300037"/>
+              <a:gd name="connsiteY0" fmla="*/ 0 h 771525"/>
+              <a:gd name="connsiteX1" fmla="*/ 100012 w 300037"/>
+              <a:gd name="connsiteY1" fmla="*/ 500062 h 771525"/>
+              <a:gd name="connsiteX2" fmla="*/ 185737 w 300037"/>
+              <a:gd name="connsiteY2" fmla="*/ 285750 h 771525"/>
+              <a:gd name="connsiteX3" fmla="*/ 300037 w 300037"/>
+              <a:gd name="connsiteY3" fmla="*/ 771525 h 771525"/>
+            </a:gdLst>
+            <a:ahLst/>
+            <a:cxnLst>
+              <a:cxn ang="0">
+                <a:pos x="connsiteX0" y="connsiteY0"/>
+              </a:cxn>
+              <a:cxn ang="0">
+                <a:pos x="connsiteX1" y="connsiteY1"/>
+              </a:cxn>
+              <a:cxn ang="0">
+                <a:pos x="connsiteX2" y="connsiteY2"/>
+              </a:cxn>
+              <a:cxn ang="0">
+                <a:pos x="connsiteX3" y="connsiteY3"/>
+              </a:cxn>
+            </a:cxnLst>
+            <a:rect l="l" t="t" r="r" b="b"/>
+            <a:pathLst>
+              <a:path w="300037" h="771525">
+                <a:moveTo>
+                  <a:pt x="0" y="0"/>
+                </a:moveTo>
+                <a:cubicBezTo>
+                  <a:pt x="34528" y="226218"/>
+                  <a:pt x="69056" y="452437"/>
+                  <a:pt x="100012" y="500062"/>
+                </a:cubicBezTo>
+                <a:cubicBezTo>
+                  <a:pt x="130968" y="547687"/>
+                  <a:pt x="152400" y="240506"/>
+                  <a:pt x="185737" y="285750"/>
+                </a:cubicBezTo>
+                <a:cubicBezTo>
+                  <a:pt x="219074" y="330994"/>
+                  <a:pt x="259555" y="551259"/>
+                  <a:pt x="300037" y="771525"/>
+                </a:cubicBezTo>
+              </a:path>
+            </a:pathLst>
+          </a:custGeom>
+          <a:noFill/>
+          <a:ln w="31750">
+            <a:tailEnd type="arrow"/>
+          </a:ln>
+        </p:spPr>
+        <p:style>
+          <a:lnRef idx="2">
+            <a:schemeClr val="accent1">
+              <a:shade val="50000"/>
+            </a:schemeClr>
+          </a:lnRef>
+          <a:fillRef idx="1">
+            <a:schemeClr val="accent1"/>
+          </a:fillRef>
+          <a:effectRef idx="0">
+            <a:schemeClr val="accent1"/>
+          </a:effectRef>
+          <a:fontRef idx="minor">
+            <a:schemeClr val="lt1"/>
+          </a:fontRef>
+        </p:style>
+        <p:txBody>
+          <a:bodyPr rtlCol="0" anchor="ctr"/>
+          <a:lstStyle/>
+          <a:p>
+            <a:pPr algn="ctr"/>
+            <a:endParaRPr lang="da-DK"/>
+          </a:p>
+        </p:txBody>
+      </p:sp>
     </p:spTree>
     <p:extLst>
       <p:ext uri="{BB962C8B-B14F-4D97-AF65-F5344CB8AC3E}">
@@ -7191,13 +8872,6 @@
   <p:clrMapOvr>
     <a:masterClrMapping/>
   </p:clrMapOvr>
-  <p:timing>
-    <p:tnLst>
-      <p:par>
-        <p:cTn id="1" dur="indefinite" restart="never" nodeType="tmRoot"/>
-      </p:par>
-    </p:tnLst>
-  </p:timing>
 </p:sld>
 </file>
 
@@ -7223,7 +8897,7 @@
           <p:cNvPr id="4" name="Picture 3">
             <a:extLst>
               <a:ext uri="{FF2B5EF4-FFF2-40B4-BE49-F238E27FC236}">
-                <a16:creationId xmlns:a16="http://schemas.microsoft.com/office/drawing/2014/main" xmlns="" id="{4E04806B-A48C-E042-86E9-CBD67367ED63}"/>
+                <a16:creationId xmlns:a16="http://schemas.microsoft.com/office/drawing/2014/main" id="{4E04806B-A48C-E042-86E9-CBD67367ED63}"/>
               </a:ext>
             </a:extLst>
           </p:cNvPr>
@@ -7259,7 +8933,7 @@
           <p:cNvPr id="5" name="Picture 4">
             <a:extLst>
               <a:ext uri="{FF2B5EF4-FFF2-40B4-BE49-F238E27FC236}">
-                <a16:creationId xmlns:a16="http://schemas.microsoft.com/office/drawing/2014/main" xmlns="" id="{4847759E-E771-9645-B94F-520F45A19480}"/>
+                <a16:creationId xmlns:a16="http://schemas.microsoft.com/office/drawing/2014/main" id="{4847759E-E771-9645-B94F-520F45A19480}"/>
               </a:ext>
             </a:extLst>
           </p:cNvPr>
@@ -7295,7 +8969,7 @@
           <p:cNvPr id="6" name="Picture 5">
             <a:extLst>
               <a:ext uri="{FF2B5EF4-FFF2-40B4-BE49-F238E27FC236}">
-                <a16:creationId xmlns:a16="http://schemas.microsoft.com/office/drawing/2014/main" xmlns="" id="{2A455A8A-721A-724A-99BC-08B770FA26C3}"/>
+                <a16:creationId xmlns:a16="http://schemas.microsoft.com/office/drawing/2014/main" id="{2A455A8A-721A-724A-99BC-08B770FA26C3}"/>
               </a:ext>
             </a:extLst>
           </p:cNvPr>

--- a/poster/poster_GPsearch.pptx
+++ b/poster/poster_GPsearch.pptx
@@ -6,7 +6,6 @@
   </p:sldMasterIdLst>
   <p:sldIdLst>
     <p:sldId id="256" r:id="rId2"/>
-    <p:sldId id="257" r:id="rId3"/>
   </p:sldIdLst>
   <p:sldSz cx="30275213" cy="42803763"/>
   <p:notesSz cx="6858000" cy="9144000"/>
@@ -244,7 +243,7 @@
           <a:p>
             <a:fld id="{10EAD0CE-46D8-8C41-8069-A7415983EEF9}" type="datetimeFigureOut">
               <a:rPr lang="en-US" smtClean="0"/>
-              <a:t>8/8/18</a:t>
+              <a:t>8/9/18</a:t>
             </a:fld>
             <a:endParaRPr lang="en-US"/>
           </a:p>
@@ -409,7 +408,7 @@
           <a:p>
             <a:fld id="{10EAD0CE-46D8-8C41-8069-A7415983EEF9}" type="datetimeFigureOut">
               <a:rPr lang="en-US" smtClean="0"/>
-              <a:t>8/8/18</a:t>
+              <a:t>8/9/18</a:t>
             </a:fld>
             <a:endParaRPr lang="en-US"/>
           </a:p>
@@ -584,7 +583,7 @@
           <a:p>
             <a:fld id="{10EAD0CE-46D8-8C41-8069-A7415983EEF9}" type="datetimeFigureOut">
               <a:rPr lang="en-US" smtClean="0"/>
-              <a:t>8/8/18</a:t>
+              <a:t>8/9/18</a:t>
             </a:fld>
             <a:endParaRPr lang="en-US"/>
           </a:p>
@@ -749,7 +748,7 @@
           <a:p>
             <a:fld id="{10EAD0CE-46D8-8C41-8069-A7415983EEF9}" type="datetimeFigureOut">
               <a:rPr lang="en-US" smtClean="0"/>
-              <a:t>8/8/18</a:t>
+              <a:t>8/9/18</a:t>
             </a:fld>
             <a:endParaRPr lang="en-US"/>
           </a:p>
@@ -988,7 +987,7 @@
           <a:p>
             <a:fld id="{10EAD0CE-46D8-8C41-8069-A7415983EEF9}" type="datetimeFigureOut">
               <a:rPr lang="en-US" smtClean="0"/>
-              <a:t>8/8/18</a:t>
+              <a:t>8/9/18</a:t>
             </a:fld>
             <a:endParaRPr lang="en-US"/>
           </a:p>
@@ -1215,7 +1214,7 @@
           <a:p>
             <a:fld id="{10EAD0CE-46D8-8C41-8069-A7415983EEF9}" type="datetimeFigureOut">
               <a:rPr lang="en-US" smtClean="0"/>
-              <a:t>8/8/18</a:t>
+              <a:t>8/9/18</a:t>
             </a:fld>
             <a:endParaRPr lang="en-US"/>
           </a:p>
@@ -1577,7 +1576,7 @@
           <a:p>
             <a:fld id="{10EAD0CE-46D8-8C41-8069-A7415983EEF9}" type="datetimeFigureOut">
               <a:rPr lang="en-US" smtClean="0"/>
-              <a:t>8/8/18</a:t>
+              <a:t>8/9/18</a:t>
             </a:fld>
             <a:endParaRPr lang="en-US"/>
           </a:p>
@@ -1690,7 +1689,7 @@
           <a:p>
             <a:fld id="{10EAD0CE-46D8-8C41-8069-A7415983EEF9}" type="datetimeFigureOut">
               <a:rPr lang="en-US" smtClean="0"/>
-              <a:t>8/8/18</a:t>
+              <a:t>8/9/18</a:t>
             </a:fld>
             <a:endParaRPr lang="en-US"/>
           </a:p>
@@ -1780,7 +1779,7 @@
           <a:p>
             <a:fld id="{10EAD0CE-46D8-8C41-8069-A7415983EEF9}" type="datetimeFigureOut">
               <a:rPr lang="en-US" smtClean="0"/>
-              <a:t>8/8/18</a:t>
+              <a:t>8/9/18</a:t>
             </a:fld>
             <a:endParaRPr lang="en-US"/>
           </a:p>
@@ -2052,7 +2051,7 @@
           <a:p>
             <a:fld id="{10EAD0CE-46D8-8C41-8069-A7415983EEF9}" type="datetimeFigureOut">
               <a:rPr lang="en-US" smtClean="0"/>
-              <a:t>8/8/18</a:t>
+              <a:t>8/9/18</a:t>
             </a:fld>
             <a:endParaRPr lang="en-US"/>
           </a:p>
@@ -2304,7 +2303,7 @@
           <a:p>
             <a:fld id="{10EAD0CE-46D8-8C41-8069-A7415983EEF9}" type="datetimeFigureOut">
               <a:rPr lang="en-US" smtClean="0"/>
-              <a:t>8/8/18</a:t>
+              <a:t>8/9/18</a:t>
             </a:fld>
             <a:endParaRPr lang="en-US"/>
           </a:p>
@@ -2512,7 +2511,7 @@
           <a:p>
             <a:fld id="{10EAD0CE-46D8-8C41-8069-A7415983EEF9}" type="datetimeFigureOut">
               <a:rPr lang="en-US" smtClean="0"/>
-              <a:t>8/8/18</a:t>
+              <a:t>8/9/18</a:t>
             </a:fld>
             <a:endParaRPr lang="en-US"/>
           </a:p>
@@ -3116,12 +3115,8 @@
                 <a:p>
                   <a:pPr algn="just"/>
                   <a:r>
-                    <a:rPr lang="en-US" sz="3600" dirty="0"/>
-                    <a:t>The speed of a structure search is generally dominated by the number of expensive energy/force evaluations (ex. DFT) </a:t>
-                  </a:r>
-                  <a:r>
-                    <a:rPr lang="en-US" sz="3600"/>
-                    <a:t>needed.</a:t>
+                    <a:rPr lang="en-US" sz="3600" dirty="0" smtClean="0"/>
+                    <a:t>The speed of a structure search is generally dominated by the number of expensive energy/force evaluations (ex. DFT) needed.</a:t>
                   </a:r>
                 </a:p>
                 <a:p>
@@ -3132,7 +3127,23 @@
                   <a:pPr algn="just"/>
                   <a:r>
                     <a:rPr lang="en-US" sz="3600" dirty="0"/>
-                    <a:t>Typical search methods relies on locally relaxing a new structure in each of </a:t>
+                    <a:t>Typical search methods </a:t>
+                  </a:r>
+                  <a:r>
+                    <a:rPr lang="en-US" sz="3600" dirty="0" smtClean="0"/>
+                    <a:t>rely </a:t>
+                  </a:r>
+                  <a:r>
+                    <a:rPr lang="en-US" sz="3600" dirty="0"/>
+                    <a:t>on </a:t>
+                  </a:r>
+                  <a:r>
+                    <a:rPr lang="en-US" sz="3600" dirty="0" smtClean="0"/>
+                    <a:t>local relaxation of </a:t>
+                  </a:r>
+                  <a:r>
+                    <a:rPr lang="en-US" sz="3600" dirty="0"/>
+                    <a:t>a new structure in each of </a:t>
                   </a:r>
                   <a14:m>
                     <m:oMath xmlns:m="http://schemas.openxmlformats.org/officeDocument/2006/math">
@@ -3160,8 +3171,41 @@
                   </a14:m>
                   <a:r>
                     <a:rPr lang="en-US" sz="3600" dirty="0"/>
-                    <a:t> DFT calculations.</a:t>
+                    <a:t> DFT </a:t>
                   </a:r>
+                  <a:r>
+                    <a:rPr lang="en-US" sz="3600" dirty="0" smtClean="0"/>
+                    <a:t>calculations, where </a:t>
+                  </a:r>
+                  <a14:m>
+                    <m:oMath xmlns:m="http://schemas.openxmlformats.org/officeDocument/2006/math">
+                      <m:r>
+                        <a:rPr lang="en-US" sz="3600" b="0" i="1" smtClean="0">
+                          <a:latin typeface="Cambria Math" charset="0"/>
+                        </a:rPr>
+                        <m:t>𝑛</m:t>
+                      </m:r>
+                    </m:oMath>
+                  </a14:m>
+                  <a:r>
+                    <a:rPr lang="en-US" sz="3600" dirty="0" smtClean="0"/>
+                    <a:t> could be </a:t>
+                  </a:r>
+                  <a14:m>
+                    <m:oMath xmlns:m="http://schemas.openxmlformats.org/officeDocument/2006/math">
+                      <m:r>
+                        <a:rPr lang="en-US" sz="3600" b="0" i="1" smtClean="0">
+                          <a:latin typeface="Cambria Math" charset="0"/>
+                        </a:rPr>
+                        <m:t>~50</m:t>
+                      </m:r>
+                    </m:oMath>
+                  </a14:m>
+                  <a:r>
+                    <a:rPr lang="en-US" sz="3600" dirty="0" smtClean="0"/>
+                    <a:t>.</a:t>
+                  </a:r>
+                  <a:endParaRPr lang="en-US" sz="3600" dirty="0"/>
                 </a:p>
                 <a:p>
                   <a:pPr algn="just"/>
@@ -3192,7 +3236,7 @@
                     <a:gd name="adj" fmla="val 6128"/>
                   </a:avLst>
                 </a:prstGeom>
-                <a:blipFill>
+                <a:blipFill rotWithShape="0">
                   <a:blip r:embed="rId2"/>
                   <a:stretch>
                     <a:fillRect/>
@@ -3212,7 +3256,7 @@
                 <a:lstStyle/>
                 <a:p>
                   <a:r>
-                    <a:rPr lang="da-DK">
+                    <a:rPr lang="en-US">
                       <a:noFill/>
                     </a:rPr>
                     <a:t> </a:t>
@@ -3231,7 +3275,7 @@
           <p:spPr>
             <a:xfrm>
               <a:off x="1164046" y="4260392"/>
-              <a:ext cx="8502227" cy="313893"/>
+              <a:ext cx="8502227" cy="315323"/>
             </a:xfrm>
             <a:prstGeom prst="roundRect">
               <a:avLst>
@@ -3395,8 +3439,20 @@
                 <a:buAutoNum type="arabicParenR"/>
               </a:pPr>
               <a:r>
+                <a:rPr lang="en-US" sz="3600" dirty="0" smtClean="0"/>
+                <a:t>Train an ML-model </a:t>
+              </a:r>
+              <a:r>
                 <a:rPr lang="en-US" sz="3600" dirty="0"/>
-                <a:t>Train ML-model of the energy, based on all current data.</a:t>
+                <a:t>of the energy, based on all </a:t>
+              </a:r>
+              <a:r>
+                <a:rPr lang="en-US" sz="3600" dirty="0" smtClean="0"/>
+                <a:t>current </a:t>
+              </a:r>
+              <a:r>
+                <a:rPr lang="en-US" sz="3600" dirty="0"/>
+                <a:t>data.</a:t>
               </a:r>
             </a:p>
             <a:p>
@@ -3408,8 +3464,21 @@
               </a:pPr>
               <a:r>
                 <a:rPr lang="en-US" sz="3600" dirty="0"/>
-                <a:t>Do an extended search in ML-energy landscape, to find multiple local minima structures. Continue with most promising of these.</a:t>
+                <a:t>Do an extended search </a:t>
               </a:r>
+              <a:r>
+                <a:rPr lang="en-US" sz="3600" dirty="0" smtClean="0"/>
+                <a:t>in the </a:t>
+              </a:r>
+              <a:r>
+                <a:rPr lang="en-US" sz="3600" dirty="0"/>
+                <a:t>ML-energy landscape, to find multiple local minima structures. Continue with most promising of </a:t>
+              </a:r>
+              <a:r>
+                <a:rPr lang="en-US" sz="3600" dirty="0" smtClean="0"/>
+                <a:t>these (based on lower confidence bound).</a:t>
+              </a:r>
+              <a:endParaRPr lang="en-US" sz="3600" dirty="0"/>
             </a:p>
             <a:p>
               <a:pPr marL="742950" indent="-742950" algn="just">
@@ -3420,7 +3489,31 @@
               </a:pPr>
               <a:r>
                 <a:rPr lang="en-US" sz="3600" dirty="0"/>
-                <a:t>Do a single DFT calculation on structure from 2) and add to training data.</a:t>
+                <a:t>Do a single DFT calculation </a:t>
+              </a:r>
+              <a:r>
+                <a:rPr lang="en-US" sz="3600" dirty="0" smtClean="0"/>
+                <a:t>on the </a:t>
+              </a:r>
+              <a:r>
+                <a:rPr lang="en-US" sz="3600" dirty="0"/>
+                <a:t>structure </a:t>
+              </a:r>
+              <a:r>
+                <a:rPr lang="en-US" sz="3600" dirty="0" smtClean="0"/>
+                <a:t>from step </a:t>
+              </a:r>
+              <a:r>
+                <a:rPr lang="en-US" sz="3600" dirty="0"/>
+                <a:t>2) and </a:t>
+              </a:r>
+              <a:r>
+                <a:rPr lang="en-US" sz="3600" dirty="0" smtClean="0"/>
+                <a:t>add it to the </a:t>
+              </a:r>
+              <a:r>
+                <a:rPr lang="en-US" sz="3600" dirty="0"/>
+                <a:t>training data.</a:t>
               </a:r>
             </a:p>
           </p:txBody>
@@ -3434,7 +3527,7 @@
           <p:spPr>
             <a:xfrm>
               <a:off x="1165580" y="4503835"/>
-              <a:ext cx="8502227" cy="553315"/>
+              <a:ext cx="8502227" cy="527068"/>
             </a:xfrm>
             <a:prstGeom prst="roundRect">
               <a:avLst>
@@ -3539,7 +3632,39 @@
                   <a:pPr algn="just"/>
                   <a:r>
                     <a:rPr lang="en-US" sz="3600" dirty="0"/>
-                    <a:t>As the machine learning model used for energy and force predictions, Gaussian Process regression is used. This method has the advantage of being fast to train for moderate sized training sets and additionally allows for an analytic estimate of the energy prediction error </a:t>
+                    <a:t>As the machine learning model </a:t>
+                  </a:r>
+                  <a:r>
+                    <a:rPr lang="en-US" sz="3600" dirty="0" smtClean="0"/>
+                    <a:t>for predicting energies </a:t>
+                  </a:r>
+                  <a:r>
+                    <a:rPr lang="en-US" sz="3600" dirty="0"/>
+                    <a:t>and </a:t>
+                  </a:r>
+                  <a:r>
+                    <a:rPr lang="en-US" sz="3600" dirty="0" smtClean="0"/>
+                    <a:t>forces, </a:t>
+                  </a:r>
+                  <a:r>
+                    <a:rPr lang="en-US" sz="3600" dirty="0"/>
+                    <a:t>Gaussian Process regression is used. This method has the advantage of being fast to train for moderate sized training </a:t>
+                  </a:r>
+                  <a:r>
+                    <a:rPr lang="en-US" sz="3600" dirty="0" smtClean="0"/>
+                    <a:t>sets. </a:t>
+                  </a:r>
+                  <a:r>
+                    <a:rPr lang="en-US" sz="3600" dirty="0" smtClean="0"/>
+                    <a:t>A</a:t>
+                  </a:r>
+                  <a:r>
+                    <a:rPr lang="en-US" sz="3600" dirty="0" smtClean="0"/>
+                    <a:t>dditionally it </a:t>
+                  </a:r>
+                  <a:r>
+                    <a:rPr lang="en-US" sz="3600" dirty="0"/>
+                    <a:t>allows for an analytic estimate of the energy prediction error </a:t>
                   </a:r>
                   <a14:m>
                     <m:oMath xmlns:m="http://schemas.openxmlformats.org/officeDocument/2006/math">
@@ -3553,7 +3678,7 @@
                         <m:dPr>
                           <m:ctrlPr>
                             <a:rPr lang="en-US" sz="3600" b="1" i="1" smtClean="0">
-                              <a:latin typeface="Cambria Math" panose="02040503050406030204" pitchFamily="18" charset="0"/>
+                              <a:latin typeface="Cambria Math" charset="0"/>
                             </a:rPr>
                           </m:ctrlPr>
                         </m:dPr>
@@ -3574,7 +3699,19 @@
                   </a:r>
                   <a:r>
                     <a:rPr lang="en-US" sz="3600" dirty="0"/>
-                    <a:t> Estimates are based on the energy of similar structures:</a:t>
+                    <a:t> </a:t>
+                  </a:r>
+                  <a:r>
+                    <a:rPr lang="en-US" sz="3600" dirty="0" smtClean="0"/>
+                    <a:t>Model predictions</a:t>
+                  </a:r>
+                  <a:r>
+                    <a:rPr lang="en-US" sz="3600" dirty="0" smtClean="0"/>
+                    <a:t> </a:t>
+                  </a:r>
+                  <a:r>
+                    <a:rPr lang="en-US" sz="3600" dirty="0"/>
+                    <a:t>are based on the energy of similar structures:</a:t>
                   </a:r>
                 </a:p>
                 <a:p>
@@ -3589,7 +3726,7 @@
                           <m:sSupPr>
                             <m:ctrlPr>
                               <a:rPr lang="en-GB" sz="3200" i="1">
-                                <a:latin typeface="Cambria Math" panose="02040503050406030204" pitchFamily="18" charset="0"/>
+                                <a:latin typeface="Cambria Math" charset="0"/>
                               </a:rPr>
                             </m:ctrlPr>
                           </m:sSupPr>
@@ -3614,7 +3751,7 @@
                           <m:dPr>
                             <m:ctrlPr>
                               <a:rPr lang="en-GB" sz="3200" i="1">
-                                <a:latin typeface="Cambria Math" panose="02040503050406030204" pitchFamily="18" charset="0"/>
+                                <a:latin typeface="Cambria Math" charset="0"/>
                               </a:rPr>
                             </m:ctrlPr>
                           </m:dPr>
@@ -3639,7 +3776,7 @@
                             <m:supHide m:val="on"/>
                             <m:ctrlPr>
                               <a:rPr lang="en-GB" sz="3200" i="1">
-                                <a:latin typeface="Cambria Math" panose="02040503050406030204" pitchFamily="18" charset="0"/>
+                                <a:latin typeface="Cambria Math" charset="0"/>
                               </a:rPr>
                             </m:ctrlPr>
                           </m:naryPr>
@@ -3657,7 +3794,7 @@
                               <m:sSubPr>
                                 <m:ctrlPr>
                                   <a:rPr lang="en-GB" sz="3200" i="1">
-                                    <a:latin typeface="Cambria Math" panose="02040503050406030204" pitchFamily="18" charset="0"/>
+                                    <a:latin typeface="Cambria Math" charset="0"/>
                                   </a:rPr>
                                 </m:ctrlPr>
                               </m:sSubPr>
@@ -3688,7 +3825,7 @@
                               <m:dPr>
                                 <m:ctrlPr>
                                   <a:rPr lang="en-GB" sz="3200" i="1">
-                                    <a:latin typeface="Cambria Math" panose="02040503050406030204" pitchFamily="18" charset="0"/>
+                                    <a:latin typeface="Cambria Math" charset="0"/>
                                   </a:rPr>
                                 </m:ctrlPr>
                               </m:dPr>
@@ -3709,7 +3846,7 @@
                                   <m:sSubPr>
                                     <m:ctrlPr>
                                       <a:rPr lang="en-GB" sz="3200" i="1">
-                                        <a:latin typeface="Cambria Math" panose="02040503050406030204" pitchFamily="18" charset="0"/>
+                                        <a:latin typeface="Cambria Math" charset="0"/>
                                       </a:rPr>
                                     </m:ctrlPr>
                                   </m:sSubPr>
@@ -3768,7 +3905,7 @@
                           <m:dPr>
                             <m:ctrlPr>
                               <a:rPr lang="en-GB" sz="3200" i="1">
-                                <a:latin typeface="Cambria Math" panose="02040503050406030204" pitchFamily="18" charset="0"/>
+                                <a:latin typeface="Cambria Math" charset="0"/>
                               </a:rPr>
                             </m:ctrlPr>
                           </m:dPr>
@@ -3789,7 +3926,7 @@
                               <m:sSubPr>
                                 <m:ctrlPr>
                                   <a:rPr lang="en-GB" sz="3200" i="1">
-                                    <a:latin typeface="Cambria Math" panose="02040503050406030204" pitchFamily="18" charset="0"/>
+                                    <a:latin typeface="Cambria Math" charset="0"/>
                                   </a:rPr>
                                 </m:ctrlPr>
                               </m:sSubPr>
@@ -3833,7 +3970,7 @@
                             <m:endChr m:val="]"/>
                             <m:ctrlPr>
                               <a:rPr lang="en-GB" sz="3200" i="1">
-                                <a:latin typeface="Cambria Math" panose="02040503050406030204" pitchFamily="18" charset="0"/>
+                                <a:latin typeface="Cambria Math" charset="0"/>
                               </a:rPr>
                             </m:ctrlPr>
                           </m:dPr>
@@ -3848,7 +3985,7 @@
                               <m:fPr>
                                 <m:ctrlPr>
                                   <a:rPr lang="en-GB" sz="3200" i="1">
-                                    <a:latin typeface="Cambria Math" panose="02040503050406030204" pitchFamily="18" charset="0"/>
+                                    <a:latin typeface="Cambria Math" charset="0"/>
                                   </a:rPr>
                                 </m:ctrlPr>
                               </m:fPr>
@@ -3871,7 +4008,7 @@
                                   <m:sSupPr>
                                     <m:ctrlPr>
                                       <a:rPr lang="en-GB" sz="3200" i="1">
-                                        <a:latin typeface="Cambria Math" panose="02040503050406030204" pitchFamily="18" charset="0"/>
+                                        <a:latin typeface="Cambria Math" charset="0"/>
                                       </a:rPr>
                                     </m:ctrlPr>
                                   </m:sSupPr>
@@ -3904,7 +4041,7 @@
                               <m:dPr>
                                 <m:ctrlPr>
                                   <a:rPr lang="en-GB" sz="3200" i="1">
-                                    <a:latin typeface="Cambria Math" panose="02040503050406030204" pitchFamily="18" charset="0"/>
+                                    <a:latin typeface="Cambria Math" charset="0"/>
                                   </a:rPr>
                                 </m:ctrlPr>
                               </m:dPr>
@@ -3925,7 +4062,7 @@
                                   <m:sSubPr>
                                     <m:ctrlPr>
                                       <a:rPr lang="en-GB" sz="3200" i="1">
-                                        <a:latin typeface="Cambria Math" panose="02040503050406030204" pitchFamily="18" charset="0"/>
+                                        <a:latin typeface="Cambria Math" charset="0"/>
                                       </a:rPr>
                                     </m:ctrlPr>
                                   </m:sSubPr>
@@ -3971,7 +4108,7 @@
                           <m:sSupPr>
                             <m:ctrlPr>
                               <a:rPr lang="en-GB" sz="3200" i="1">
-                                <a:latin typeface="Cambria Math" panose="02040503050406030204" pitchFamily="18" charset="0"/>
+                                <a:latin typeface="Cambria Math" charset="0"/>
                               </a:rPr>
                             </m:ctrlPr>
                           </m:sSupPr>
@@ -3996,7 +4133,7 @@
                           <m:dPr>
                             <m:ctrlPr>
                               <a:rPr lang="en-GB" sz="3200" i="1">
-                                <a:latin typeface="Cambria Math" panose="02040503050406030204" pitchFamily="18" charset="0"/>
+                                <a:latin typeface="Cambria Math" charset="0"/>
                               </a:rPr>
                             </m:ctrlPr>
                           </m:dPr>
@@ -4025,7 +4162,7 @@
                           <m:sSupPr>
                             <m:ctrlPr>
                               <a:rPr lang="en-US" sz="3200" b="0" i="1" smtClean="0">
-                                <a:latin typeface="Cambria Math" panose="02040503050406030204" pitchFamily="18" charset="0"/>
+                                <a:latin typeface="Cambria Math" charset="0"/>
                               </a:rPr>
                             </m:ctrlPr>
                           </m:sSupPr>
@@ -4050,7 +4187,7 @@
                           <m:dPr>
                             <m:ctrlPr>
                               <a:rPr lang="da-DK" sz="3200" b="1" i="1" smtClean="0">
-                                <a:latin typeface="Cambria Math" panose="02040503050406030204" pitchFamily="18" charset="0"/>
+                                <a:latin typeface="Cambria Math" charset="0"/>
                               </a:rPr>
                             </m:ctrlPr>
                           </m:dPr>
@@ -4100,7 +4237,7 @@
                     <a:gd name="adj" fmla="val 4884"/>
                   </a:avLst>
                 </a:prstGeom>
-                <a:blipFill>
+                <a:blipFill rotWithShape="0">
                   <a:blip r:embed="rId3"/>
                   <a:stretch>
                     <a:fillRect/>
@@ -4120,7 +4257,7 @@
                 <a:lstStyle/>
                 <a:p>
                   <a:r>
-                    <a:rPr lang="da-DK">
+                    <a:rPr lang="en-US">
                       <a:noFill/>
                     </a:rPr>
                     <a:t> </a:t>
@@ -4175,9 +4312,10 @@
             <a:p>
               <a:pPr algn="ctr"/>
               <a:r>
-                <a:rPr lang="en-US" sz="5090" dirty="0"/>
-                <a:t>Local Energy Predictions</a:t>
+                <a:rPr lang="en-US" sz="5090" dirty="0" smtClean="0"/>
+                <a:t>Machine Learning (ML) model</a:t>
               </a:r>
+              <a:endParaRPr lang="en-US" sz="5090" dirty="0"/>
             </a:p>
           </p:txBody>
         </p:sp>
@@ -4289,7 +4427,7 @@
                     <a:gd name="adj" fmla="val 6100"/>
                   </a:avLst>
                 </a:prstGeom>
-                <a:blipFill>
+                <a:blipFill rotWithShape="0">
                   <a:blip r:embed="rId4"/>
                   <a:stretch>
                     <a:fillRect/>
@@ -4309,7 +4447,7 @@
                 <a:lstStyle/>
                 <a:p>
                   <a:r>
-                    <a:rPr lang="da-DK">
+                    <a:rPr lang="en-US">
                       <a:noFill/>
                     </a:rPr>
                     <a:t> </a:t>
@@ -4328,7 +4466,7 @@
           <p:spPr>
             <a:xfrm>
               <a:off x="1165575" y="4641235"/>
-              <a:ext cx="8502227" cy="274213"/>
+              <a:ext cx="8502227" cy="265791"/>
             </a:xfrm>
             <a:prstGeom prst="roundRect">
               <a:avLst>
@@ -4435,7 +4573,7 @@
           <p:cNvPr id="120" name="Oval 119">
             <a:extLst>
               <a:ext uri="{FF2B5EF4-FFF2-40B4-BE49-F238E27FC236}">
-                <a16:creationId xmlns:a16="http://schemas.microsoft.com/office/drawing/2014/main" id="{08F67ED2-E0EA-744D-A5C3-DFAF9C05EBB0}"/>
+                <a16:creationId xmlns:a16="http://schemas.microsoft.com/office/drawing/2014/main" xmlns="" id="{08F67ED2-E0EA-744D-A5C3-DFAF9C05EBB0}"/>
               </a:ext>
             </a:extLst>
           </p:cNvPr>
@@ -4482,7 +4620,7 @@
           <p:cNvPr id="121" name="Oval 120">
             <a:extLst>
               <a:ext uri="{FF2B5EF4-FFF2-40B4-BE49-F238E27FC236}">
-                <a16:creationId xmlns:a16="http://schemas.microsoft.com/office/drawing/2014/main" id="{08F67ED2-E0EA-744D-A5C3-DFAF9C05EBB0}"/>
+                <a16:creationId xmlns:a16="http://schemas.microsoft.com/office/drawing/2014/main" xmlns="" id="{08F67ED2-E0EA-744D-A5C3-DFAF9C05EBB0}"/>
               </a:ext>
             </a:extLst>
           </p:cNvPr>
@@ -4529,7 +4667,7 @@
           <p:cNvPr id="122" name="Oval 121">
             <a:extLst>
               <a:ext uri="{FF2B5EF4-FFF2-40B4-BE49-F238E27FC236}">
-                <a16:creationId xmlns:a16="http://schemas.microsoft.com/office/drawing/2014/main" id="{08F67ED2-E0EA-744D-A5C3-DFAF9C05EBB0}"/>
+                <a16:creationId xmlns:a16="http://schemas.microsoft.com/office/drawing/2014/main" xmlns="" id="{08F67ED2-E0EA-744D-A5C3-DFAF9C05EBB0}"/>
               </a:ext>
             </a:extLst>
           </p:cNvPr>
@@ -4577,7 +4715,7 @@
           <p:cNvPr id="123" name="Oval 122">
             <a:extLst>
               <a:ext uri="{FF2B5EF4-FFF2-40B4-BE49-F238E27FC236}">
-                <a16:creationId xmlns:a16="http://schemas.microsoft.com/office/drawing/2014/main" id="{08F67ED2-E0EA-744D-A5C3-DFAF9C05EBB0}"/>
+                <a16:creationId xmlns:a16="http://schemas.microsoft.com/office/drawing/2014/main" xmlns="" id="{08F67ED2-E0EA-744D-A5C3-DFAF9C05EBB0}"/>
               </a:ext>
             </a:extLst>
           </p:cNvPr>
@@ -4632,7 +4770,7 @@
           <p:cNvPr id="124" name="Picture 123">
             <a:extLst>
               <a:ext uri="{FF2B5EF4-FFF2-40B4-BE49-F238E27FC236}">
-                <a16:creationId xmlns:a16="http://schemas.microsoft.com/office/drawing/2014/main" id="{EAAF42C1-FAEB-4947-8DE4-2C0AD5593B99}"/>
+                <a16:creationId xmlns:a16="http://schemas.microsoft.com/office/drawing/2014/main" xmlns="" id="{EAAF42C1-FAEB-4947-8DE4-2C0AD5593B99}"/>
               </a:ext>
             </a:extLst>
           </p:cNvPr>
@@ -4662,7 +4800,7 @@
           <p:cNvPr id="125" name="Picture 124">
             <a:extLst>
               <a:ext uri="{FF2B5EF4-FFF2-40B4-BE49-F238E27FC236}">
-                <a16:creationId xmlns:a16="http://schemas.microsoft.com/office/drawing/2014/main" id="{EAAF42C1-FAEB-4947-8DE4-2C0AD5593B99}"/>
+                <a16:creationId xmlns:a16="http://schemas.microsoft.com/office/drawing/2014/main" xmlns="" id="{EAAF42C1-FAEB-4947-8DE4-2C0AD5593B99}"/>
               </a:ext>
             </a:extLst>
           </p:cNvPr>
@@ -4692,7 +4830,7 @@
           <p:cNvPr id="126" name="Picture 125">
             <a:extLst>
               <a:ext uri="{FF2B5EF4-FFF2-40B4-BE49-F238E27FC236}">
-                <a16:creationId xmlns:a16="http://schemas.microsoft.com/office/drawing/2014/main" id="{089A8EB1-7BF3-3B48-B79F-BFE89310F787}"/>
+                <a16:creationId xmlns:a16="http://schemas.microsoft.com/office/drawing/2014/main" xmlns="" id="{089A8EB1-7BF3-3B48-B79F-BFE89310F787}"/>
               </a:ext>
             </a:extLst>
           </p:cNvPr>
@@ -4722,7 +4860,7 @@
           <p:cNvPr id="145" name="Picture 144">
             <a:extLst>
               <a:ext uri="{FF2B5EF4-FFF2-40B4-BE49-F238E27FC236}">
-                <a16:creationId xmlns:a16="http://schemas.microsoft.com/office/drawing/2014/main" id="{4E04806B-A48C-E042-86E9-CBD67367ED63}"/>
+                <a16:creationId xmlns:a16="http://schemas.microsoft.com/office/drawing/2014/main" xmlns="" id="{4E04806B-A48C-E042-86E9-CBD67367ED63}"/>
               </a:ext>
             </a:extLst>
           </p:cNvPr>
@@ -4758,7 +4896,7 @@
           <p:cNvPr id="146" name="Picture 145">
             <a:extLst>
               <a:ext uri="{FF2B5EF4-FFF2-40B4-BE49-F238E27FC236}">
-                <a16:creationId xmlns:a16="http://schemas.microsoft.com/office/drawing/2014/main" id="{4847759E-E771-9645-B94F-520F45A19480}"/>
+                <a16:creationId xmlns:a16="http://schemas.microsoft.com/office/drawing/2014/main" xmlns="" id="{4847759E-E771-9645-B94F-520F45A19480}"/>
               </a:ext>
             </a:extLst>
           </p:cNvPr>
@@ -4834,7 +4972,7 @@
           <p:cNvPr id="147" name="Picture 146">
             <a:extLst>
               <a:ext uri="{FF2B5EF4-FFF2-40B4-BE49-F238E27FC236}">
-                <a16:creationId xmlns:a16="http://schemas.microsoft.com/office/drawing/2014/main" id="{2A455A8A-721A-724A-99BC-08B770FA26C3}"/>
+                <a16:creationId xmlns:a16="http://schemas.microsoft.com/office/drawing/2014/main" xmlns="" id="{2A455A8A-721A-724A-99BC-08B770FA26C3}"/>
               </a:ext>
             </a:extLst>
           </p:cNvPr>
@@ -5230,7 +5368,7 @@
           <p:cNvPr id="162" name="5-Point Star 161">
             <a:extLst>
               <a:ext uri="{FF2B5EF4-FFF2-40B4-BE49-F238E27FC236}">
-                <a16:creationId xmlns:a16="http://schemas.microsoft.com/office/drawing/2014/main" id="{B583A645-FA5E-FD4B-BD40-AE889B17BDEB}"/>
+                <a16:creationId xmlns:a16="http://schemas.microsoft.com/office/drawing/2014/main" xmlns="" id="{B583A645-FA5E-FD4B-BD40-AE889B17BDEB}"/>
               </a:ext>
             </a:extLst>
           </p:cNvPr>
@@ -5276,7 +5414,7 @@
           <p:cNvPr id="163" name="5-Point Star 162">
             <a:extLst>
               <a:ext uri="{FF2B5EF4-FFF2-40B4-BE49-F238E27FC236}">
-                <a16:creationId xmlns:a16="http://schemas.microsoft.com/office/drawing/2014/main" id="{B583A645-FA5E-FD4B-BD40-AE889B17BDEB}"/>
+                <a16:creationId xmlns:a16="http://schemas.microsoft.com/office/drawing/2014/main" xmlns="" id="{B583A645-FA5E-FD4B-BD40-AE889B17BDEB}"/>
               </a:ext>
             </a:extLst>
           </p:cNvPr>
@@ -5497,7 +5635,7 @@
           <p:cNvPr id="170" name="Graphic 13" descr="HeadWithGears">
             <a:extLst>
               <a:ext uri="{FF2B5EF4-FFF2-40B4-BE49-F238E27FC236}">
-                <a16:creationId xmlns:a16="http://schemas.microsoft.com/office/drawing/2014/main" id="{F1734F00-B7B6-2042-904B-EB85E52832BE}"/>
+                <a16:creationId xmlns:a16="http://schemas.microsoft.com/office/drawing/2014/main" xmlns="" id="{F1734F00-B7B6-2042-904B-EB85E52832BE}"/>
               </a:ext>
             </a:extLst>
           </p:cNvPr>
@@ -5510,7 +5648,7 @@
           <a:blip r:embed="rId12">
             <a:extLst>
               <a:ext uri="{96DAC541-7B7A-43D3-8B79-37D633B846F1}">
-                <asvg:svgBlip xmlns:asvg="http://schemas.microsoft.com/office/drawing/2016/SVG/main" r:embed="rId13"/>
+                <asvg:svgBlip xmlns:asvg="http://schemas.microsoft.com/office/drawing/2016/SVG/main" xmlns="" r:embed="rId13"/>
               </a:ext>
             </a:extLst>
           </a:blip>
@@ -5533,7 +5671,7 @@
           <p:cNvPr id="171" name="Graphic 10" descr="Atom">
             <a:extLst>
               <a:ext uri="{FF2B5EF4-FFF2-40B4-BE49-F238E27FC236}">
-                <a16:creationId xmlns:a16="http://schemas.microsoft.com/office/drawing/2014/main" id="{803445ED-BA53-F447-93B7-06103930BE36}"/>
+                <a16:creationId xmlns:a16="http://schemas.microsoft.com/office/drawing/2014/main" xmlns="" id="{803445ED-BA53-F447-93B7-06103930BE36}"/>
               </a:ext>
             </a:extLst>
           </p:cNvPr>
@@ -5546,7 +5684,7 @@
           <a:blip r:embed="rId14">
             <a:extLst>
               <a:ext uri="{96DAC541-7B7A-43D3-8B79-37D633B846F1}">
-                <asvg:svgBlip xmlns:asvg="http://schemas.microsoft.com/office/drawing/2016/SVG/main" r:embed="rId15"/>
+                <asvg:svgBlip xmlns:asvg="http://schemas.microsoft.com/office/drawing/2016/SVG/main" xmlns="" r:embed="rId15"/>
               </a:ext>
             </a:extLst>
           </a:blip>
@@ -5569,7 +5707,7 @@
           <p:cNvPr id="172" name="Graphic 8" descr="Binoculars">
             <a:extLst>
               <a:ext uri="{FF2B5EF4-FFF2-40B4-BE49-F238E27FC236}">
-                <a16:creationId xmlns:a16="http://schemas.microsoft.com/office/drawing/2014/main" id="{0307FDB9-D726-D54A-8E96-5C778AD4B9A7}"/>
+                <a16:creationId xmlns:a16="http://schemas.microsoft.com/office/drawing/2014/main" xmlns="" id="{0307FDB9-D726-D54A-8E96-5C778AD4B9A7}"/>
               </a:ext>
             </a:extLst>
           </p:cNvPr>
@@ -5582,7 +5720,7 @@
           <a:blip r:embed="rId16">
             <a:extLst>
               <a:ext uri="{96DAC541-7B7A-43D3-8B79-37D633B846F1}">
-                <asvg:svgBlip xmlns:asvg="http://schemas.microsoft.com/office/drawing/2016/SVG/main" r:embed="rId17"/>
+                <asvg:svgBlip xmlns:asvg="http://schemas.microsoft.com/office/drawing/2016/SVG/main" xmlns="" r:embed="rId17"/>
               </a:ext>
             </a:extLst>
           </a:blip>
@@ -6186,7 +6324,7 @@
                         <m:dPr>
                           <m:ctrlPr>
                             <a:rPr lang="en-GB" sz="3200" i="1">
-                              <a:latin typeface="Cambria Math" panose="02040503050406030204" pitchFamily="18" charset="0"/>
+                              <a:latin typeface="Cambria Math" charset="0"/>
                             </a:rPr>
                           </m:ctrlPr>
                         </m:dPr>
@@ -6207,7 +6345,7 @@
                             <m:sSubPr>
                               <m:ctrlPr>
                                 <a:rPr lang="en-GB" sz="3200" i="1">
-                                  <a:latin typeface="Cambria Math" panose="02040503050406030204" pitchFamily="18" charset="0"/>
+                                  <a:latin typeface="Cambria Math" charset="0"/>
                                 </a:rPr>
                               </m:ctrlPr>
                             </m:sSubPr>
@@ -6312,7 +6450,7 @@
                         <m:sSubPr>
                           <m:ctrlPr>
                             <a:rPr lang="en-US" sz="3200" b="1" i="1" smtClean="0">
-                              <a:latin typeface="Cambria Math" panose="02040503050406030204" pitchFamily="18" charset="0"/>
+                              <a:latin typeface="Cambria Math" charset="0"/>
                             </a:rPr>
                           </m:ctrlPr>
                         </m:sSubPr>
@@ -6603,8 +6741,13 @@
                   <a:pPr algn="just"/>
                   <a:r>
                     <a:rPr lang="en-US" sz="3600" dirty="0"/>
-                    <a:t>In delta-ML some functional form is assumed about the energy landscape prior to training the model. This changes the GPR as</a:t>
+                    <a:t>In delta-ML some functional form is assumed about the energy landscape prior to training the model. </a:t>
                   </a:r>
+                  <a:r>
+                    <a:rPr lang="en-US" sz="3600" dirty="0" smtClean="0"/>
+                    <a:t>This corresponds to letting</a:t>
+                  </a:r>
+                  <a:endParaRPr lang="en-US" sz="3600" dirty="0"/>
                 </a:p>
                 <a:p>
                   <a:pPr algn="just">
@@ -6644,7 +6787,7 @@
                           <m:dPr>
                             <m:ctrlPr>
                               <a:rPr lang="en-US" sz="3600" b="1" i="1" smtClean="0">
-                                <a:latin typeface="Cambria Math" panose="02040503050406030204" pitchFamily="18" charset="0"/>
+                                <a:latin typeface="Cambria Math" charset="0"/>
                                 <a:ea typeface="Cambria Math" charset="0"/>
                                 <a:cs typeface="Cambria Math" charset="0"/>
                               </a:rPr>
@@ -6681,9 +6824,22 @@
                     </a:lnSpc>
                   </a:pPr>
                   <a:r>
+                    <a:rPr lang="en-US" sz="3600" dirty="0" smtClean="0"/>
+                    <a:t>i</a:t>
+                  </a:r>
+                  <a:r>
+                    <a:rPr lang="en-US" sz="3600" dirty="0" smtClean="0"/>
+                    <a:t>n the GPR model. This work uses </a:t>
+                  </a:r>
+                  <a:r>
                     <a:rPr lang="en-US" sz="3600" dirty="0"/>
-                    <a:t>In this work a repulsive interatomic potential is used.</a:t>
+                    <a:t>a repulsive interatomic </a:t>
                   </a:r>
+                  <a:r>
+                    <a:rPr lang="en-US" sz="3600" dirty="0" smtClean="0"/>
+                    <a:t>potential.</a:t>
+                  </a:r>
+                  <a:endParaRPr lang="en-US" sz="3600" dirty="0"/>
                 </a:p>
               </p:txBody>
             </p:sp>
@@ -6707,7 +6863,7 @@
                     <a:gd name="adj" fmla="val 12256"/>
                   </a:avLst>
                 </a:prstGeom>
-                <a:blipFill>
+                <a:blipFill rotWithShape="0">
                   <a:blip r:embed="rId25"/>
                   <a:stretch>
                     <a:fillRect/>
@@ -6727,7 +6883,7 @@
                 <a:lstStyle/>
                 <a:p>
                   <a:r>
-                    <a:rPr lang="da-DK">
+                    <a:rPr lang="en-US">
                       <a:noFill/>
                     </a:rPr>
                     <a:t> </a:t>
@@ -6803,8 +6959,8 @@
             <a:chExt cx="9923751" cy="4220659"/>
           </a:xfrm>
         </p:grpSpPr>
-        <mc:AlternateContent xmlns:mc="http://schemas.openxmlformats.org/markup-compatibility/2006">
-          <mc:Choice xmlns:a14="http://schemas.microsoft.com/office/drawing/2010/main" Requires="a14">
+        <mc:AlternateContent xmlns:mc="http://schemas.openxmlformats.org/markup-compatibility/2006" xmlns:a14="http://schemas.microsoft.com/office/drawing/2010/main">
+          <mc:Choice Requires="a14">
             <p:sp>
               <p:nvSpPr>
                 <p:cNvPr id="221" name="Rounded Rectangle 220"/>
@@ -6917,7 +7073,7 @@
                           <m:dPr>
                             <m:ctrlPr>
                               <a:rPr lang="en-US" sz="3600" b="0" i="1" smtClean="0">
-                                <a:latin typeface="Cambria Math" panose="02040503050406030204" pitchFamily="18" charset="0"/>
+                                <a:latin typeface="Cambria Math" charset="0"/>
                               </a:rPr>
                             </m:ctrlPr>
                           </m:dPr>
@@ -6926,7 +7082,7 @@
                               <m:sSupPr>
                                 <m:ctrlPr>
                                   <a:rPr lang="en-US" sz="3600" b="0" i="1" smtClean="0">
-                                    <a:latin typeface="Cambria Math" panose="02040503050406030204" pitchFamily="18" charset="0"/>
+                                    <a:latin typeface="Cambria Math" charset="0"/>
                                   </a:rPr>
                                 </m:ctrlPr>
                               </m:sSupPr>
@@ -6951,7 +7107,7 @@
                               <m:dPr>
                                 <m:ctrlPr>
                                   <a:rPr lang="en-US" sz="3600" b="1" i="1" smtClean="0">
-                                    <a:latin typeface="Cambria Math" panose="02040503050406030204" pitchFamily="18" charset="0"/>
+                                    <a:latin typeface="Cambria Math" charset="0"/>
                                   </a:rPr>
                                 </m:ctrlPr>
                               </m:dPr>
@@ -6992,7 +7148,7 @@
                               <m:dPr>
                                 <m:ctrlPr>
                                   <a:rPr lang="en-US" sz="3600" b="0" i="1" smtClean="0">
-                                    <a:latin typeface="Cambria Math" panose="02040503050406030204" pitchFamily="18" charset="0"/>
+                                    <a:latin typeface="Cambria Math" charset="0"/>
                                   </a:rPr>
                                 </m:ctrlPr>
                               </m:dPr>
@@ -7042,7 +7198,7 @@
               </p:txBody>
             </p:sp>
           </mc:Choice>
-          <mc:Fallback>
+          <mc:Fallback xmlns="">
             <p:sp>
               <p:nvSpPr>
                 <p:cNvPr id="221" name="Rounded Rectangle 220"/>
@@ -7100,7 +7256,7 @@
           <p:spPr>
             <a:xfrm>
               <a:off x="1165575" y="4426743"/>
-              <a:ext cx="8502227" cy="714687"/>
+              <a:ext cx="8502227" cy="637203"/>
             </a:xfrm>
             <a:prstGeom prst="roundRect">
               <a:avLst>
@@ -7284,7 +7440,7 @@
           <p:cNvPr id="79" name="Picture 78">
             <a:extLst>
               <a:ext uri="{FF2B5EF4-FFF2-40B4-BE49-F238E27FC236}">
-                <a16:creationId xmlns:a16="http://schemas.microsoft.com/office/drawing/2014/main" id="{33A5AAAA-9FF0-6D49-9B79-1C03DC6C34FE}"/>
+                <a16:creationId xmlns:a16="http://schemas.microsoft.com/office/drawing/2014/main" xmlns="" id="{33A5AAAA-9FF0-6D49-9B79-1C03DC6C34FE}"/>
               </a:ext>
             </a:extLst>
           </p:cNvPr>
@@ -7314,7 +7470,7 @@
           <p:cNvPr id="80" name="Picture 79">
             <a:extLst>
               <a:ext uri="{FF2B5EF4-FFF2-40B4-BE49-F238E27FC236}">
-                <a16:creationId xmlns:a16="http://schemas.microsoft.com/office/drawing/2014/main" id="{CCC1C19F-B16F-EC4F-ABA1-9361D70433B0}"/>
+                <a16:creationId xmlns:a16="http://schemas.microsoft.com/office/drawing/2014/main" xmlns="" id="{CCC1C19F-B16F-EC4F-ABA1-9361D70433B0}"/>
               </a:ext>
             </a:extLst>
           </p:cNvPr>
@@ -7344,7 +7500,7 @@
           <p:cNvPr id="81" name="Picture 80">
             <a:extLst>
               <a:ext uri="{FF2B5EF4-FFF2-40B4-BE49-F238E27FC236}">
-                <a16:creationId xmlns:a16="http://schemas.microsoft.com/office/drawing/2014/main" id="{932CD9A3-62B2-E340-B3D6-196FD4FD35AF}"/>
+                <a16:creationId xmlns:a16="http://schemas.microsoft.com/office/drawing/2014/main" xmlns="" id="{932CD9A3-62B2-E340-B3D6-196FD4FD35AF}"/>
               </a:ext>
             </a:extLst>
           </p:cNvPr>
@@ -7374,7 +7530,7 @@
           <p:cNvPr id="82" name="Picture 81">
             <a:extLst>
               <a:ext uri="{FF2B5EF4-FFF2-40B4-BE49-F238E27FC236}">
-                <a16:creationId xmlns:a16="http://schemas.microsoft.com/office/drawing/2014/main" id="{8830440C-30FD-2A49-A793-A779B5A2FE27}"/>
+                <a16:creationId xmlns:a16="http://schemas.microsoft.com/office/drawing/2014/main" xmlns="" id="{8830440C-30FD-2A49-A793-A779B5A2FE27}"/>
               </a:ext>
             </a:extLst>
           </p:cNvPr>
@@ -7404,7 +7560,7 @@
           <p:cNvPr id="2" name="TextBox 1">
             <a:extLst>
               <a:ext uri="{FF2B5EF4-FFF2-40B4-BE49-F238E27FC236}">
-                <a16:creationId xmlns:a16="http://schemas.microsoft.com/office/drawing/2014/main" id="{054BB0F0-9C7C-F64D-8FA5-7B68F02D945F}"/>
+                <a16:creationId xmlns:a16="http://schemas.microsoft.com/office/drawing/2014/main" xmlns="" id="{054BB0F0-9C7C-F64D-8FA5-7B68F02D945F}"/>
               </a:ext>
             </a:extLst>
           </p:cNvPr>
@@ -7439,7 +7595,7 @@
           <p:cNvPr id="84" name="TextBox 83">
             <a:extLst>
               <a:ext uri="{FF2B5EF4-FFF2-40B4-BE49-F238E27FC236}">
-                <a16:creationId xmlns:a16="http://schemas.microsoft.com/office/drawing/2014/main" id="{701C9DA9-4392-DB4A-AB95-FAB8A730B6E7}"/>
+                <a16:creationId xmlns:a16="http://schemas.microsoft.com/office/drawing/2014/main" xmlns="" id="{701C9DA9-4392-DB4A-AB95-FAB8A730B6E7}"/>
               </a:ext>
             </a:extLst>
           </p:cNvPr>
@@ -7474,7 +7630,7 @@
           <p:cNvPr id="85" name="TextBox 84">
             <a:extLst>
               <a:ext uri="{FF2B5EF4-FFF2-40B4-BE49-F238E27FC236}">
-                <a16:creationId xmlns:a16="http://schemas.microsoft.com/office/drawing/2014/main" id="{CC92A907-C5E4-1F48-A334-E2135F7ADFDC}"/>
+                <a16:creationId xmlns:a16="http://schemas.microsoft.com/office/drawing/2014/main" xmlns="" id="{CC92A907-C5E4-1F48-A334-E2135F7ADFDC}"/>
               </a:ext>
             </a:extLst>
           </p:cNvPr>
@@ -7509,7 +7665,7 @@
           <p:cNvPr id="86" name="TextBox 85">
             <a:extLst>
               <a:ext uri="{FF2B5EF4-FFF2-40B4-BE49-F238E27FC236}">
-                <a16:creationId xmlns:a16="http://schemas.microsoft.com/office/drawing/2014/main" id="{CB6FE0F0-3B30-DC43-9389-268A1E1DD8C0}"/>
+                <a16:creationId xmlns:a16="http://schemas.microsoft.com/office/drawing/2014/main" xmlns="" id="{CB6FE0F0-3B30-DC43-9389-268A1E1DD8C0}"/>
               </a:ext>
             </a:extLst>
           </p:cNvPr>
@@ -7544,7 +7700,7 @@
           <p:cNvPr id="11" name="Picture 10">
             <a:extLst>
               <a:ext uri="{FF2B5EF4-FFF2-40B4-BE49-F238E27FC236}">
-                <a16:creationId xmlns:a16="http://schemas.microsoft.com/office/drawing/2014/main" id="{3BFF7F60-A7B1-5B47-8F7A-5E3B5B764C34}"/>
+                <a16:creationId xmlns:a16="http://schemas.microsoft.com/office/drawing/2014/main" xmlns="" id="{3BFF7F60-A7B1-5B47-8F7A-5E3B5B764C34}"/>
               </a:ext>
             </a:extLst>
           </p:cNvPr>
@@ -7574,7 +7730,7 @@
           <p:cNvPr id="29" name="Picture 28">
             <a:extLst>
               <a:ext uri="{FF2B5EF4-FFF2-40B4-BE49-F238E27FC236}">
-                <a16:creationId xmlns:a16="http://schemas.microsoft.com/office/drawing/2014/main" id="{4EA6A2F5-D03F-374D-A6F3-13C5AB0BCCC8}"/>
+                <a16:creationId xmlns:a16="http://schemas.microsoft.com/office/drawing/2014/main" xmlns="" id="{4EA6A2F5-D03F-374D-A6F3-13C5AB0BCCC8}"/>
               </a:ext>
             </a:extLst>
           </p:cNvPr>
@@ -7604,7 +7760,7 @@
           <p:cNvPr id="103" name="Picture 102">
             <a:extLst>
               <a:ext uri="{FF2B5EF4-FFF2-40B4-BE49-F238E27FC236}">
-                <a16:creationId xmlns:a16="http://schemas.microsoft.com/office/drawing/2014/main" id="{4F09E63E-A977-4B41-AED4-B972DBDC0DCC}"/>
+                <a16:creationId xmlns:a16="http://schemas.microsoft.com/office/drawing/2014/main" xmlns="" id="{4F09E63E-A977-4B41-AED4-B972DBDC0DCC}"/>
               </a:ext>
             </a:extLst>
           </p:cNvPr>
@@ -7634,7 +7790,7 @@
           <p:cNvPr id="31" name="Straight Arrow Connector 30">
             <a:extLst>
               <a:ext uri="{FF2B5EF4-FFF2-40B4-BE49-F238E27FC236}">
-                <a16:creationId xmlns:a16="http://schemas.microsoft.com/office/drawing/2014/main" id="{D00ED05B-9BF0-BA4C-BA43-0DFC29C3AD0A}"/>
+                <a16:creationId xmlns:a16="http://schemas.microsoft.com/office/drawing/2014/main" xmlns="" id="{D00ED05B-9BF0-BA4C-BA43-0DFC29C3AD0A}"/>
               </a:ext>
             </a:extLst>
           </p:cNvPr>
@@ -7681,7 +7837,7 @@
           <p:cNvPr id="36" name="TextBox 35">
             <a:extLst>
               <a:ext uri="{FF2B5EF4-FFF2-40B4-BE49-F238E27FC236}">
-                <a16:creationId xmlns:a16="http://schemas.microsoft.com/office/drawing/2014/main" id="{F69C580B-D4C5-5248-805E-46032D31CDB5}"/>
+                <a16:creationId xmlns:a16="http://schemas.microsoft.com/office/drawing/2014/main" xmlns="" id="{F69C580B-D4C5-5248-805E-46032D31CDB5}"/>
               </a:ext>
             </a:extLst>
           </p:cNvPr>
@@ -7716,7 +7872,7 @@
           <p:cNvPr id="38" name="TextBox 37">
             <a:extLst>
               <a:ext uri="{FF2B5EF4-FFF2-40B4-BE49-F238E27FC236}">
-                <a16:creationId xmlns:a16="http://schemas.microsoft.com/office/drawing/2014/main" id="{FF42991E-EAC9-C74F-B49B-7C3269EE2544}"/>
+                <a16:creationId xmlns:a16="http://schemas.microsoft.com/office/drawing/2014/main" xmlns="" id="{FF42991E-EAC9-C74F-B49B-7C3269EE2544}"/>
               </a:ext>
             </a:extLst>
           </p:cNvPr>
@@ -7751,7 +7907,7 @@
           <p:cNvPr id="42" name="Oval 41">
             <a:extLst>
               <a:ext uri="{FF2B5EF4-FFF2-40B4-BE49-F238E27FC236}">
-                <a16:creationId xmlns:a16="http://schemas.microsoft.com/office/drawing/2014/main" id="{5F483B05-3051-BE4A-B950-C5EBB5954D8C}"/>
+                <a16:creationId xmlns:a16="http://schemas.microsoft.com/office/drawing/2014/main" xmlns="" id="{5F483B05-3051-BE4A-B950-C5EBB5954D8C}"/>
               </a:ext>
             </a:extLst>
           </p:cNvPr>
@@ -7803,7 +7959,7 @@
           <p:cNvPr id="110" name="Oval 109">
             <a:extLst>
               <a:ext uri="{FF2B5EF4-FFF2-40B4-BE49-F238E27FC236}">
-                <a16:creationId xmlns:a16="http://schemas.microsoft.com/office/drawing/2014/main" id="{AE7E3159-949B-0D47-BAB3-C511220AE75B}"/>
+                <a16:creationId xmlns:a16="http://schemas.microsoft.com/office/drawing/2014/main" xmlns="" id="{AE7E3159-949B-0D47-BAB3-C511220AE75B}"/>
               </a:ext>
             </a:extLst>
           </p:cNvPr>
@@ -7855,7 +8011,7 @@
           <p:cNvPr id="111" name="Oval 110">
             <a:extLst>
               <a:ext uri="{FF2B5EF4-FFF2-40B4-BE49-F238E27FC236}">
-                <a16:creationId xmlns:a16="http://schemas.microsoft.com/office/drawing/2014/main" id="{CDE5DDF8-C11D-CB47-8146-D8E9D2CE4707}"/>
+                <a16:creationId xmlns:a16="http://schemas.microsoft.com/office/drawing/2014/main" xmlns="" id="{CDE5DDF8-C11D-CB47-8146-D8E9D2CE4707}"/>
               </a:ext>
             </a:extLst>
           </p:cNvPr>
@@ -7907,7 +8063,7 @@
           <p:cNvPr id="112" name="Straight Arrow Connector 111">
             <a:extLst>
               <a:ext uri="{FF2B5EF4-FFF2-40B4-BE49-F238E27FC236}">
-                <a16:creationId xmlns:a16="http://schemas.microsoft.com/office/drawing/2014/main" id="{1F513DE8-80E4-CC46-B111-5CAA78E34A1A}"/>
+                <a16:creationId xmlns:a16="http://schemas.microsoft.com/office/drawing/2014/main" xmlns="" id="{1F513DE8-80E4-CC46-B111-5CAA78E34A1A}"/>
               </a:ext>
             </a:extLst>
           </p:cNvPr>
@@ -7954,7 +8110,7 @@
           <p:cNvPr id="118" name="Straight Arrow Connector 117">
             <a:extLst>
               <a:ext uri="{FF2B5EF4-FFF2-40B4-BE49-F238E27FC236}">
-                <a16:creationId xmlns:a16="http://schemas.microsoft.com/office/drawing/2014/main" id="{FECC51BE-754B-2349-9313-0226E4276E91}"/>
+                <a16:creationId xmlns:a16="http://schemas.microsoft.com/office/drawing/2014/main" xmlns="" id="{FECC51BE-754B-2349-9313-0226E4276E91}"/>
               </a:ext>
             </a:extLst>
           </p:cNvPr>
@@ -8001,7 +8157,7 @@
           <p:cNvPr id="119" name="Straight Arrow Connector 118">
             <a:extLst>
               <a:ext uri="{FF2B5EF4-FFF2-40B4-BE49-F238E27FC236}">
-                <a16:creationId xmlns:a16="http://schemas.microsoft.com/office/drawing/2014/main" id="{E5AE0C1D-952E-3E4A-968C-6BC49881FC33}"/>
+                <a16:creationId xmlns:a16="http://schemas.microsoft.com/office/drawing/2014/main" xmlns="" id="{E5AE0C1D-952E-3E4A-968C-6BC49881FC33}"/>
               </a:ext>
             </a:extLst>
           </p:cNvPr>
@@ -8048,7 +8204,7 @@
           <p:cNvPr id="55" name="TextBox 54">
             <a:extLst>
               <a:ext uri="{FF2B5EF4-FFF2-40B4-BE49-F238E27FC236}">
-                <a16:creationId xmlns:a16="http://schemas.microsoft.com/office/drawing/2014/main" id="{EF88D540-6310-A540-987B-A01E0B1BC4EA}"/>
+                <a16:creationId xmlns:a16="http://schemas.microsoft.com/office/drawing/2014/main" xmlns="" id="{EF88D540-6310-A540-987B-A01E0B1BC4EA}"/>
               </a:ext>
             </a:extLst>
           </p:cNvPr>
@@ -8088,7 +8244,7 @@
           <p:cNvPr id="65" name="Freeform 64">
             <a:extLst>
               <a:ext uri="{FF2B5EF4-FFF2-40B4-BE49-F238E27FC236}">
-                <a16:creationId xmlns:a16="http://schemas.microsoft.com/office/drawing/2014/main" id="{A4B3060D-368B-514B-B0CE-3DCA377E99AA}"/>
+                <a16:creationId xmlns:a16="http://schemas.microsoft.com/office/drawing/2014/main" xmlns="" id="{A4B3060D-368B-514B-B0CE-3DCA377E99AA}"/>
               </a:ext>
             </a:extLst>
           </p:cNvPr>
@@ -8186,7 +8342,7 @@
           <p:cNvPr id="140" name="Freeform 139">
             <a:extLst>
               <a:ext uri="{FF2B5EF4-FFF2-40B4-BE49-F238E27FC236}">
-                <a16:creationId xmlns:a16="http://schemas.microsoft.com/office/drawing/2014/main" id="{A6D9D39C-9ADC-CF40-8999-1CFCD1EA1FAA}"/>
+                <a16:creationId xmlns:a16="http://schemas.microsoft.com/office/drawing/2014/main" xmlns="" id="{A6D9D39C-9ADC-CF40-8999-1CFCD1EA1FAA}"/>
               </a:ext>
             </a:extLst>
           </p:cNvPr>
@@ -8284,7 +8440,7 @@
           <p:cNvPr id="141" name="Freeform 140">
             <a:extLst>
               <a:ext uri="{FF2B5EF4-FFF2-40B4-BE49-F238E27FC236}">
-                <a16:creationId xmlns:a16="http://schemas.microsoft.com/office/drawing/2014/main" id="{E860E255-72BE-564A-9373-1AF3A3C0EB6D}"/>
+                <a16:creationId xmlns:a16="http://schemas.microsoft.com/office/drawing/2014/main" xmlns="" id="{E860E255-72BE-564A-9373-1AF3A3C0EB6D}"/>
               </a:ext>
             </a:extLst>
           </p:cNvPr>
@@ -8382,7 +8538,7 @@
           <p:cNvPr id="142" name="Oval 141">
             <a:extLst>
               <a:ext uri="{FF2B5EF4-FFF2-40B4-BE49-F238E27FC236}">
-                <a16:creationId xmlns:a16="http://schemas.microsoft.com/office/drawing/2014/main" id="{C13BCBC1-8772-564A-A969-58084DCC9EC5}"/>
+                <a16:creationId xmlns:a16="http://schemas.microsoft.com/office/drawing/2014/main" xmlns="" id="{C13BCBC1-8772-564A-A969-58084DCC9EC5}"/>
               </a:ext>
             </a:extLst>
           </p:cNvPr>
@@ -8434,7 +8590,7 @@
           <p:cNvPr id="143" name="Oval 142">
             <a:extLst>
               <a:ext uri="{FF2B5EF4-FFF2-40B4-BE49-F238E27FC236}">
-                <a16:creationId xmlns:a16="http://schemas.microsoft.com/office/drawing/2014/main" id="{2C17DADB-8AEB-4944-9595-6368135F396C}"/>
+                <a16:creationId xmlns:a16="http://schemas.microsoft.com/office/drawing/2014/main" xmlns="" id="{2C17DADB-8AEB-4944-9595-6368135F396C}"/>
               </a:ext>
             </a:extLst>
           </p:cNvPr>
@@ -8486,7 +8642,7 @@
           <p:cNvPr id="144" name="Oval 143">
             <a:extLst>
               <a:ext uri="{FF2B5EF4-FFF2-40B4-BE49-F238E27FC236}">
-                <a16:creationId xmlns:a16="http://schemas.microsoft.com/office/drawing/2014/main" id="{DB62FD3F-C672-E44E-9167-6E99E94F77EC}"/>
+                <a16:creationId xmlns:a16="http://schemas.microsoft.com/office/drawing/2014/main" xmlns="" id="{DB62FD3F-C672-E44E-9167-6E99E94F77EC}"/>
               </a:ext>
             </a:extLst>
           </p:cNvPr>
@@ -8538,7 +8694,7 @@
           <p:cNvPr id="151" name="TextBox 150">
             <a:extLst>
               <a:ext uri="{FF2B5EF4-FFF2-40B4-BE49-F238E27FC236}">
-                <a16:creationId xmlns:a16="http://schemas.microsoft.com/office/drawing/2014/main" id="{B5730CB8-54A6-FB40-837D-73CFBBAE1508}"/>
+                <a16:creationId xmlns:a16="http://schemas.microsoft.com/office/drawing/2014/main" xmlns="" id="{B5730CB8-54A6-FB40-837D-73CFBBAE1508}"/>
               </a:ext>
             </a:extLst>
           </p:cNvPr>
@@ -8573,7 +8729,7 @@
           <p:cNvPr id="153" name="Freeform 152">
             <a:extLst>
               <a:ext uri="{FF2B5EF4-FFF2-40B4-BE49-F238E27FC236}">
-                <a16:creationId xmlns:a16="http://schemas.microsoft.com/office/drawing/2014/main" id="{1F669B07-B427-C041-A0FE-1DD1175F9ABA}"/>
+                <a16:creationId xmlns:a16="http://schemas.microsoft.com/office/drawing/2014/main" xmlns="" id="{1F669B07-B427-C041-A0FE-1DD1175F9ABA}"/>
               </a:ext>
             </a:extLst>
           </p:cNvPr>
@@ -8671,7 +8827,7 @@
           <p:cNvPr id="154" name="Freeform 153">
             <a:extLst>
               <a:ext uri="{FF2B5EF4-FFF2-40B4-BE49-F238E27FC236}">
-                <a16:creationId xmlns:a16="http://schemas.microsoft.com/office/drawing/2014/main" id="{C2FB61C5-0536-B447-872E-307E00330540}"/>
+                <a16:creationId xmlns:a16="http://schemas.microsoft.com/office/drawing/2014/main" xmlns="" id="{C2FB61C5-0536-B447-872E-307E00330540}"/>
               </a:ext>
             </a:extLst>
           </p:cNvPr>
@@ -8769,7 +8925,7 @@
           <p:cNvPr id="160" name="Freeform 159">
             <a:extLst>
               <a:ext uri="{FF2B5EF4-FFF2-40B4-BE49-F238E27FC236}">
-                <a16:creationId xmlns:a16="http://schemas.microsoft.com/office/drawing/2014/main" id="{D1903441-232C-6F45-8585-AFBF7A41EE7D}"/>
+                <a16:creationId xmlns:a16="http://schemas.microsoft.com/office/drawing/2014/main" xmlns="" id="{D1903441-232C-6F45-8585-AFBF7A41EE7D}"/>
               </a:ext>
             </a:extLst>
           </p:cNvPr>
@@ -8862,148 +9018,334 @@
           </a:p>
         </p:txBody>
       </p:sp>
+      <mc:AlternateContent xmlns:mc="http://schemas.openxmlformats.org/markup-compatibility/2006">
+        <mc:Choice xmlns:a14="http://schemas.microsoft.com/office/drawing/2010/main" Requires="a14">
+          <p:sp>
+            <p:nvSpPr>
+              <p:cNvPr id="113" name="TextBox 112"/>
+              <p:cNvSpPr txBox="1"/>
+              <p:nvPr/>
+            </p:nvSpPr>
+            <p:spPr>
+              <a:xfrm>
+                <a:off x="2338485" y="28698099"/>
+                <a:ext cx="846129" cy="584775"/>
+              </a:xfrm>
+              <a:prstGeom prst="rect">
+                <a:avLst/>
+              </a:prstGeom>
+              <a:noFill/>
+            </p:spPr>
+            <p:txBody>
+              <a:bodyPr wrap="none" rtlCol="0">
+                <a:spAutoFit/>
+              </a:bodyPr>
+              <a:lstStyle/>
+              <a:p>
+                <a14:m>
+                  <m:oMathPara xmlns:m="http://schemas.openxmlformats.org/officeDocument/2006/math">
+                    <m:oMathParaPr>
+                      <m:jc m:val="centerGroup"/>
+                    </m:oMathParaPr>
+                    <m:oMath xmlns:m="http://schemas.openxmlformats.org/officeDocument/2006/math">
+                      <m:sSub>
+                        <m:sSubPr>
+                          <m:ctrlPr>
+                            <a:rPr lang="en-US" sz="3200" b="0" i="1" smtClean="0">
+                              <a:latin typeface="Cambria Math" charset="0"/>
+                            </a:rPr>
+                          </m:ctrlPr>
+                        </m:sSubPr>
+                        <m:e>
+                          <m:r>
+                            <a:rPr lang="en-US" sz="3200" b="0" i="1" smtClean="0">
+                              <a:latin typeface="Cambria Math" charset="0"/>
+                            </a:rPr>
+                            <m:t>,</m:t>
+                          </m:r>
+                          <m:r>
+                            <a:rPr lang="en-US" sz="3200" b="0" i="1" smtClean="0">
+                              <a:latin typeface="Cambria Math" charset="0"/>
+                            </a:rPr>
+                            <m:t>𝐸</m:t>
+                          </m:r>
+                        </m:e>
+                        <m:sub>
+                          <m:r>
+                            <a:rPr lang="en-US" sz="3200" b="0" i="1" smtClean="0">
+                              <a:latin typeface="Cambria Math" charset="0"/>
+                            </a:rPr>
+                            <m:t>1</m:t>
+                          </m:r>
+                        </m:sub>
+                      </m:sSub>
+                    </m:oMath>
+                  </m:oMathPara>
+                </a14:m>
+                <a:endParaRPr lang="en-US" sz="3200" dirty="0"/>
+              </a:p>
+            </p:txBody>
+          </p:sp>
+        </mc:Choice>
+        <mc:Fallback>
+          <p:sp>
+            <p:nvSpPr>
+              <p:cNvPr id="113" name="TextBox 112"/>
+              <p:cNvSpPr txBox="1">
+                <a:spLocks noRot="1" noChangeAspect="1" noMove="1" noResize="1" noEditPoints="1" noAdjustHandles="1" noChangeArrowheads="1" noChangeShapeType="1" noTextEdit="1"/>
+              </p:cNvSpPr>
+              <p:nvPr/>
+            </p:nvSpPr>
+            <p:spPr>
+              <a:xfrm>
+                <a:off x="2338485" y="28698099"/>
+                <a:ext cx="846129" cy="584775"/>
+              </a:xfrm>
+              <a:prstGeom prst="rect">
+                <a:avLst/>
+              </a:prstGeom>
+              <a:blipFill rotWithShape="0">
+                <a:blip r:embed="rId34"/>
+                <a:stretch>
+                  <a:fillRect/>
+                </a:stretch>
+              </a:blipFill>
+            </p:spPr>
+            <p:txBody>
+              <a:bodyPr/>
+              <a:lstStyle/>
+              <a:p>
+                <a:r>
+                  <a:rPr lang="en-US">
+                    <a:noFill/>
+                  </a:rPr>
+                  <a:t> </a:t>
+                </a:r>
+              </a:p>
+            </p:txBody>
+          </p:sp>
+        </mc:Fallback>
+      </mc:AlternateContent>
+      <mc:AlternateContent xmlns:mc="http://schemas.openxmlformats.org/markup-compatibility/2006">
+        <mc:Choice xmlns:a14="http://schemas.microsoft.com/office/drawing/2010/main" Requires="a14">
+          <p:sp>
+            <p:nvSpPr>
+              <p:cNvPr id="114" name="TextBox 113"/>
+              <p:cNvSpPr txBox="1"/>
+              <p:nvPr/>
+            </p:nvSpPr>
+            <p:spPr>
+              <a:xfrm>
+                <a:off x="4206359" y="28693314"/>
+                <a:ext cx="855619" cy="584775"/>
+              </a:xfrm>
+              <a:prstGeom prst="rect">
+                <a:avLst/>
+              </a:prstGeom>
+              <a:noFill/>
+            </p:spPr>
+            <p:txBody>
+              <a:bodyPr wrap="none" rtlCol="0">
+                <a:spAutoFit/>
+              </a:bodyPr>
+              <a:lstStyle/>
+              <a:p>
+                <a14:m>
+                  <m:oMathPara xmlns:m="http://schemas.openxmlformats.org/officeDocument/2006/math">
+                    <m:oMathParaPr>
+                      <m:jc m:val="centerGroup"/>
+                    </m:oMathParaPr>
+                    <m:oMath xmlns:m="http://schemas.openxmlformats.org/officeDocument/2006/math">
+                      <m:sSub>
+                        <m:sSubPr>
+                          <m:ctrlPr>
+                            <a:rPr lang="en-US" sz="3200" b="0" i="1" smtClean="0">
+                              <a:latin typeface="Cambria Math" charset="0"/>
+                            </a:rPr>
+                          </m:ctrlPr>
+                        </m:sSubPr>
+                        <m:e>
+                          <m:r>
+                            <a:rPr lang="en-US" sz="3200" b="0" i="1" smtClean="0">
+                              <a:latin typeface="Cambria Math" charset="0"/>
+                            </a:rPr>
+                            <m:t>,</m:t>
+                          </m:r>
+                          <m:r>
+                            <a:rPr lang="en-US" sz="3200" b="0" i="1" smtClean="0">
+                              <a:latin typeface="Cambria Math" charset="0"/>
+                            </a:rPr>
+                            <m:t>𝐸</m:t>
+                          </m:r>
+                        </m:e>
+                        <m:sub>
+                          <m:r>
+                            <a:rPr lang="en-US" sz="3200" b="0" i="1" smtClean="0">
+                              <a:latin typeface="Cambria Math" charset="0"/>
+                            </a:rPr>
+                            <m:t>2</m:t>
+                          </m:r>
+                        </m:sub>
+                      </m:sSub>
+                    </m:oMath>
+                  </m:oMathPara>
+                </a14:m>
+                <a:endParaRPr lang="en-US" sz="3200" dirty="0"/>
+              </a:p>
+            </p:txBody>
+          </p:sp>
+        </mc:Choice>
+        <mc:Fallback>
+          <p:sp>
+            <p:nvSpPr>
+              <p:cNvPr id="114" name="TextBox 113"/>
+              <p:cNvSpPr txBox="1">
+                <a:spLocks noRot="1" noChangeAspect="1" noMove="1" noResize="1" noEditPoints="1" noAdjustHandles="1" noChangeArrowheads="1" noChangeShapeType="1" noTextEdit="1"/>
+              </p:cNvSpPr>
+              <p:nvPr/>
+            </p:nvSpPr>
+            <p:spPr>
+              <a:xfrm>
+                <a:off x="4206359" y="28693314"/>
+                <a:ext cx="855619" cy="584775"/>
+              </a:xfrm>
+              <a:prstGeom prst="rect">
+                <a:avLst/>
+              </a:prstGeom>
+              <a:blipFill rotWithShape="0">
+                <a:blip r:embed="rId35"/>
+                <a:stretch>
+                  <a:fillRect/>
+                </a:stretch>
+              </a:blipFill>
+            </p:spPr>
+            <p:txBody>
+              <a:bodyPr/>
+              <a:lstStyle/>
+              <a:p>
+                <a:r>
+                  <a:rPr lang="en-US">
+                    <a:noFill/>
+                  </a:rPr>
+                  <a:t> </a:t>
+                </a:r>
+              </a:p>
+            </p:txBody>
+          </p:sp>
+        </mc:Fallback>
+      </mc:AlternateContent>
+      <mc:AlternateContent xmlns:mc="http://schemas.openxmlformats.org/markup-compatibility/2006">
+        <mc:Choice xmlns:a14="http://schemas.microsoft.com/office/drawing/2010/main" Requires="a14">
+          <p:sp>
+            <p:nvSpPr>
+              <p:cNvPr id="115" name="TextBox 114"/>
+              <p:cNvSpPr txBox="1"/>
+              <p:nvPr/>
+            </p:nvSpPr>
+            <p:spPr>
+              <a:xfrm>
+                <a:off x="6087624" y="28698807"/>
+                <a:ext cx="855619" cy="584775"/>
+              </a:xfrm>
+              <a:prstGeom prst="rect">
+                <a:avLst/>
+              </a:prstGeom>
+              <a:noFill/>
+            </p:spPr>
+            <p:txBody>
+              <a:bodyPr wrap="none" rtlCol="0">
+                <a:spAutoFit/>
+              </a:bodyPr>
+              <a:lstStyle/>
+              <a:p>
+                <a14:m>
+                  <m:oMathPara xmlns:m="http://schemas.openxmlformats.org/officeDocument/2006/math">
+                    <m:oMathParaPr>
+                      <m:jc m:val="centerGroup"/>
+                    </m:oMathParaPr>
+                    <m:oMath xmlns:m="http://schemas.openxmlformats.org/officeDocument/2006/math">
+                      <m:sSub>
+                        <m:sSubPr>
+                          <m:ctrlPr>
+                            <a:rPr lang="en-US" sz="3200" b="0" i="1" smtClean="0">
+                              <a:latin typeface="Cambria Math" charset="0"/>
+                            </a:rPr>
+                          </m:ctrlPr>
+                        </m:sSubPr>
+                        <m:e>
+                          <m:r>
+                            <a:rPr lang="en-US" sz="3200" b="0" i="1" smtClean="0">
+                              <a:latin typeface="Cambria Math" charset="0"/>
+                            </a:rPr>
+                            <m:t>,</m:t>
+                          </m:r>
+                          <m:r>
+                            <a:rPr lang="en-US" sz="3200" b="0" i="1" smtClean="0">
+                              <a:latin typeface="Cambria Math" charset="0"/>
+                            </a:rPr>
+                            <m:t>𝐸</m:t>
+                          </m:r>
+                        </m:e>
+                        <m:sub>
+                          <m:r>
+                            <a:rPr lang="en-US" sz="3200" b="0" i="1" smtClean="0">
+                              <a:latin typeface="Cambria Math" charset="0"/>
+                            </a:rPr>
+                            <m:t>3</m:t>
+                          </m:r>
+                        </m:sub>
+                      </m:sSub>
+                    </m:oMath>
+                  </m:oMathPara>
+                </a14:m>
+                <a:endParaRPr lang="en-US" sz="3200" dirty="0"/>
+              </a:p>
+            </p:txBody>
+          </p:sp>
+        </mc:Choice>
+        <mc:Fallback>
+          <p:sp>
+            <p:nvSpPr>
+              <p:cNvPr id="115" name="TextBox 114"/>
+              <p:cNvSpPr txBox="1">
+                <a:spLocks noRot="1" noChangeAspect="1" noMove="1" noResize="1" noEditPoints="1" noAdjustHandles="1" noChangeArrowheads="1" noChangeShapeType="1" noTextEdit="1"/>
+              </p:cNvSpPr>
+              <p:nvPr/>
+            </p:nvSpPr>
+            <p:spPr>
+              <a:xfrm>
+                <a:off x="6087624" y="28698807"/>
+                <a:ext cx="855619" cy="584775"/>
+              </a:xfrm>
+              <a:prstGeom prst="rect">
+                <a:avLst/>
+              </a:prstGeom>
+              <a:blipFill rotWithShape="0">
+                <a:blip r:embed="rId36"/>
+                <a:stretch>
+                  <a:fillRect/>
+                </a:stretch>
+              </a:blipFill>
+            </p:spPr>
+            <p:txBody>
+              <a:bodyPr/>
+              <a:lstStyle/>
+              <a:p>
+                <a:r>
+                  <a:rPr lang="en-US">
+                    <a:noFill/>
+                  </a:rPr>
+                  <a:t> </a:t>
+                </a:r>
+              </a:p>
+            </p:txBody>
+          </p:sp>
+        </mc:Fallback>
+      </mc:AlternateContent>
     </p:spTree>
     <p:extLst>
       <p:ext uri="{BB962C8B-B14F-4D97-AF65-F5344CB8AC3E}">
         <p14:creationId xmlns:p14="http://schemas.microsoft.com/office/powerpoint/2010/main" val="1121490666"/>
-      </p:ext>
-    </p:extLst>
-  </p:cSld>
-  <p:clrMapOvr>
-    <a:masterClrMapping/>
-  </p:clrMapOvr>
-</p:sld>
-</file>
-
-<file path=ppt/slides/slide2.xml><?xml version="1.0" encoding="utf-8"?>
-<p:sld xmlns:a="http://schemas.openxmlformats.org/drawingml/2006/main" xmlns:r="http://schemas.openxmlformats.org/officeDocument/2006/relationships" xmlns:p="http://schemas.openxmlformats.org/presentationml/2006/main">
-  <p:cSld>
-    <p:spTree>
-      <p:nvGrpSpPr>
-        <p:cNvPr id="1" name=""/>
-        <p:cNvGrpSpPr/>
-        <p:nvPr/>
-      </p:nvGrpSpPr>
-      <p:grpSpPr>
-        <a:xfrm>
-          <a:off x="0" y="0"/>
-          <a:ext cx="0" cy="0"/>
-          <a:chOff x="0" y="0"/>
-          <a:chExt cx="0" cy="0"/>
-        </a:xfrm>
-      </p:grpSpPr>
-      <p:pic>
-        <p:nvPicPr>
-          <p:cNvPr id="4" name="Picture 3">
-            <a:extLst>
-              <a:ext uri="{FF2B5EF4-FFF2-40B4-BE49-F238E27FC236}">
-                <a16:creationId xmlns:a16="http://schemas.microsoft.com/office/drawing/2014/main" id="{4E04806B-A48C-E042-86E9-CBD67367ED63}"/>
-              </a:ext>
-            </a:extLst>
-          </p:cNvPr>
-          <p:cNvPicPr>
-            <a:picLocks noChangeAspect="1"/>
-          </p:cNvPicPr>
-          <p:nvPr/>
-        </p:nvPicPr>
-        <p:blipFill>
-          <a:blip r:embed="rId2">
-            <a:extLst>
-              <a:ext uri="{28A0092B-C50C-407E-A947-70E740481C1C}">
-                <a14:useLocalDpi xmlns:a14="http://schemas.microsoft.com/office/drawing/2010/main" val="0"/>
-              </a:ext>
-            </a:extLst>
-          </a:blip>
-          <a:stretch>
-            <a:fillRect/>
-          </a:stretch>
-        </p:blipFill>
-        <p:spPr>
-          <a:xfrm>
-            <a:off x="7789458" y="10933778"/>
-            <a:ext cx="2606400" cy="2606400"/>
-          </a:xfrm>
-          <a:prstGeom prst="rect">
-            <a:avLst/>
-          </a:prstGeom>
-        </p:spPr>
-      </p:pic>
-      <p:pic>
-        <p:nvPicPr>
-          <p:cNvPr id="5" name="Picture 4">
-            <a:extLst>
-              <a:ext uri="{FF2B5EF4-FFF2-40B4-BE49-F238E27FC236}">
-                <a16:creationId xmlns:a16="http://schemas.microsoft.com/office/drawing/2014/main" id="{4847759E-E771-9645-B94F-520F45A19480}"/>
-              </a:ext>
-            </a:extLst>
-          </p:cNvPr>
-          <p:cNvPicPr>
-            <a:picLocks noChangeAspect="1"/>
-          </p:cNvPicPr>
-          <p:nvPr/>
-        </p:nvPicPr>
-        <p:blipFill>
-          <a:blip r:embed="rId3">
-            <a:extLst>
-              <a:ext uri="{28A0092B-C50C-407E-A947-70E740481C1C}">
-                <a14:useLocalDpi xmlns:a14="http://schemas.microsoft.com/office/drawing/2010/main" val="0"/>
-              </a:ext>
-            </a:extLst>
-          </a:blip>
-          <a:stretch>
-            <a:fillRect/>
-          </a:stretch>
-        </p:blipFill>
-        <p:spPr>
-          <a:xfrm>
-            <a:off x="3541989" y="10928086"/>
-            <a:ext cx="2612092" cy="2612092"/>
-          </a:xfrm>
-          <a:prstGeom prst="rect">
-            <a:avLst/>
-          </a:prstGeom>
-        </p:spPr>
-      </p:pic>
-      <p:pic>
-        <p:nvPicPr>
-          <p:cNvPr id="6" name="Picture 5">
-            <a:extLst>
-              <a:ext uri="{FF2B5EF4-FFF2-40B4-BE49-F238E27FC236}">
-                <a16:creationId xmlns:a16="http://schemas.microsoft.com/office/drawing/2014/main" id="{2A455A8A-721A-724A-99BC-08B770FA26C3}"/>
-              </a:ext>
-            </a:extLst>
-          </p:cNvPr>
-          <p:cNvPicPr>
-            <a:picLocks noChangeAspect="1"/>
-          </p:cNvPicPr>
-          <p:nvPr/>
-        </p:nvPicPr>
-        <p:blipFill>
-          <a:blip r:embed="rId4">
-            <a:extLst>
-              <a:ext uri="{28A0092B-C50C-407E-A947-70E740481C1C}">
-                <a14:useLocalDpi xmlns:a14="http://schemas.microsoft.com/office/drawing/2010/main" val="0"/>
-              </a:ext>
-            </a:extLst>
-          </a:blip>
-          <a:stretch>
-            <a:fillRect/>
-          </a:stretch>
-        </p:blipFill>
-        <p:spPr>
-          <a:xfrm>
-            <a:off x="5664984" y="10932299"/>
-            <a:ext cx="2607879" cy="2607879"/>
-          </a:xfrm>
-          <a:prstGeom prst="rect">
-            <a:avLst/>
-          </a:prstGeom>
-        </p:spPr>
-      </p:pic>
-    </p:spTree>
-    <p:extLst>
-      <p:ext uri="{BB962C8B-B14F-4D97-AF65-F5344CB8AC3E}">
-        <p14:creationId xmlns:p14="http://schemas.microsoft.com/office/powerpoint/2010/main" val="1297080737"/>
       </p:ext>
     </p:extLst>
   </p:cSld>
